--- a/CSC3510 S2021/Lectures/01IntroductionTo3510.pptx
+++ b/CSC3510 S2021/Lectures/01IntroductionTo3510.pptx
@@ -5,7 +5,7 @@
     <p:sldMasterId id="2147483958" r:id="rId1"/>
   </p:sldMasterIdLst>
   <p:notesMasterIdLst>
-    <p:notesMasterId r:id="rId12"/>
+    <p:notesMasterId r:id="rId14"/>
   </p:notesMasterIdLst>
   <p:sldIdLst>
     <p:sldId id="555" r:id="rId2"/>
@@ -13,11 +13,13 @@
     <p:sldId id="709" r:id="rId4"/>
     <p:sldId id="710" r:id="rId5"/>
     <p:sldId id="715" r:id="rId6"/>
-    <p:sldId id="711" r:id="rId7"/>
-    <p:sldId id="712" r:id="rId8"/>
-    <p:sldId id="713" r:id="rId9"/>
-    <p:sldId id="716" r:id="rId10"/>
-    <p:sldId id="714" r:id="rId11"/>
+    <p:sldId id="717" r:id="rId7"/>
+    <p:sldId id="718" r:id="rId8"/>
+    <p:sldId id="711" r:id="rId9"/>
+    <p:sldId id="712" r:id="rId10"/>
+    <p:sldId id="713" r:id="rId11"/>
+    <p:sldId id="716" r:id="rId12"/>
+    <p:sldId id="714" r:id="rId13"/>
   </p:sldIdLst>
   <p:sldSz cx="12192000" cy="6858000"/>
   <p:notesSz cx="6858000" cy="9144000"/>
@@ -1851,7 +1853,7 @@
           <a:p>
             <a:fld id="{C8AEADBA-F76D-42CB-AAEA-5899A162C59D}" type="datetimeFigureOut">
               <a:rPr lang="en-US" smtClean="0"/>
-              <a:t>12/19/2020</a:t>
+              <a:t>1/2/2021</a:t>
             </a:fld>
             <a:endParaRPr lang="en-US"/>
           </a:p>
@@ -2337,7 +2339,7 @@
           <a:p>
             <a:fld id="{83777DF0-4DA5-40CD-8FA1-5F589D66E613}" type="datetimeFigureOut">
               <a:rPr lang="en-US" smtClean="0"/>
-              <a:t>12/19/2020</a:t>
+              <a:t>1/2/2021</a:t>
             </a:fld>
             <a:endParaRPr lang="en-US"/>
           </a:p>
@@ -2507,7 +2509,7 @@
           <a:p>
             <a:fld id="{83777DF0-4DA5-40CD-8FA1-5F589D66E613}" type="datetimeFigureOut">
               <a:rPr lang="en-US" smtClean="0"/>
-              <a:t>12/19/2020</a:t>
+              <a:t>1/2/2021</a:t>
             </a:fld>
             <a:endParaRPr lang="en-US"/>
           </a:p>
@@ -2687,7 +2689,7 @@
           <a:p>
             <a:fld id="{83777DF0-4DA5-40CD-8FA1-5F589D66E613}" type="datetimeFigureOut">
               <a:rPr lang="en-US" smtClean="0"/>
-              <a:t>12/19/2020</a:t>
+              <a:t>1/2/2021</a:t>
             </a:fld>
             <a:endParaRPr lang="en-US"/>
           </a:p>
@@ -2857,7 +2859,7 @@
           <a:p>
             <a:fld id="{83777DF0-4DA5-40CD-8FA1-5F589D66E613}" type="datetimeFigureOut">
               <a:rPr lang="en-US" smtClean="0"/>
-              <a:t>12/19/2020</a:t>
+              <a:t>1/2/2021</a:t>
             </a:fld>
             <a:endParaRPr lang="en-US"/>
           </a:p>
@@ -3103,7 +3105,7 @@
           <a:p>
             <a:fld id="{83777DF0-4DA5-40CD-8FA1-5F589D66E613}" type="datetimeFigureOut">
               <a:rPr lang="en-US" smtClean="0"/>
-              <a:t>12/19/2020</a:t>
+              <a:t>1/2/2021</a:t>
             </a:fld>
             <a:endParaRPr lang="en-US"/>
           </a:p>
@@ -3335,7 +3337,7 @@
           <a:p>
             <a:fld id="{83777DF0-4DA5-40CD-8FA1-5F589D66E613}" type="datetimeFigureOut">
               <a:rPr lang="en-US" smtClean="0"/>
-              <a:t>12/19/2020</a:t>
+              <a:t>1/2/2021</a:t>
             </a:fld>
             <a:endParaRPr lang="en-US"/>
           </a:p>
@@ -3702,7 +3704,7 @@
           <a:p>
             <a:fld id="{83777DF0-4DA5-40CD-8FA1-5F589D66E613}" type="datetimeFigureOut">
               <a:rPr lang="en-US" smtClean="0"/>
-              <a:t>12/19/2020</a:t>
+              <a:t>1/2/2021</a:t>
             </a:fld>
             <a:endParaRPr lang="en-US"/>
           </a:p>
@@ -3820,7 +3822,7 @@
           <a:p>
             <a:fld id="{83777DF0-4DA5-40CD-8FA1-5F589D66E613}" type="datetimeFigureOut">
               <a:rPr lang="en-US" smtClean="0"/>
-              <a:t>12/19/2020</a:t>
+              <a:t>1/2/2021</a:t>
             </a:fld>
             <a:endParaRPr lang="en-US"/>
           </a:p>
@@ -3915,7 +3917,7 @@
           <a:p>
             <a:fld id="{83777DF0-4DA5-40CD-8FA1-5F589D66E613}" type="datetimeFigureOut">
               <a:rPr lang="en-US" smtClean="0"/>
-              <a:t>12/19/2020</a:t>
+              <a:t>1/2/2021</a:t>
             </a:fld>
             <a:endParaRPr lang="en-US"/>
           </a:p>
@@ -4192,7 +4194,7 @@
           <a:p>
             <a:fld id="{83777DF0-4DA5-40CD-8FA1-5F589D66E613}" type="datetimeFigureOut">
               <a:rPr lang="en-US" smtClean="0"/>
-              <a:t>12/19/2020</a:t>
+              <a:t>1/2/2021</a:t>
             </a:fld>
             <a:endParaRPr lang="en-US"/>
           </a:p>
@@ -4449,7 +4451,7 @@
           <a:p>
             <a:fld id="{83777DF0-4DA5-40CD-8FA1-5F589D66E613}" type="datetimeFigureOut">
               <a:rPr lang="en-US" smtClean="0"/>
-              <a:t>12/19/2020</a:t>
+              <a:t>1/2/2021</a:t>
             </a:fld>
             <a:endParaRPr lang="en-US"/>
           </a:p>
@@ -4669,7 +4671,7 @@
           <a:p>
             <a:fld id="{83777DF0-4DA5-40CD-8FA1-5F589D66E613}" type="datetimeFigureOut">
               <a:rPr lang="en-US" smtClean="0"/>
-              <a:t>12/19/2020</a:t>
+              <a:t>1/2/2021</a:t>
             </a:fld>
             <a:endParaRPr lang="en-US"/>
           </a:p>
@@ -5246,6 +5248,473 @@
           <a:chExt cx="0" cy="0"/>
         </a:xfrm>
       </p:grpSpPr>
+      <p:sp>
+        <p:nvSpPr>
+          <p:cNvPr id="5" name="Title 1">
+            <a:extLst>
+              <a:ext uri="{FF2B5EF4-FFF2-40B4-BE49-F238E27FC236}">
+                <a16:creationId xmlns:a16="http://schemas.microsoft.com/office/drawing/2014/main" id="{522A335D-40A0-495C-A9EA-B9A71B2BB6E3}"/>
+              </a:ext>
+            </a:extLst>
+          </p:cNvPr>
+          <p:cNvSpPr txBox="1">
+            <a:spLocks/>
+          </p:cNvSpPr>
+          <p:nvPr/>
+        </p:nvSpPr>
+        <p:spPr>
+          <a:xfrm>
+            <a:off x="345828" y="-22281"/>
+            <a:ext cx="10515600" cy="1325563"/>
+          </a:xfrm>
+          <a:prstGeom prst="rect">
+            <a:avLst/>
+          </a:prstGeom>
+        </p:spPr>
+        <p:txBody>
+          <a:bodyPr vert="horz" lIns="91440" tIns="45720" rIns="91440" bIns="45720" rtlCol="0" anchor="ctr">
+            <a:normAutofit/>
+          </a:bodyPr>
+          <a:lstStyle>
+            <a:lvl1pPr algn="l" defTabSz="914400" rtl="0" eaLnBrk="1" latinLnBrk="0" hangingPunct="1">
+              <a:lnSpc>
+                <a:spcPct val="90000"/>
+              </a:lnSpc>
+              <a:spcBef>
+                <a:spcPct val="0"/>
+              </a:spcBef>
+              <a:buNone/>
+              <a:defRPr sz="4400" kern="1200">
+                <a:solidFill>
+                  <a:schemeClr val="tx1"/>
+                </a:solidFill>
+                <a:latin typeface="+mj-lt"/>
+                <a:ea typeface="+mj-ea"/>
+                <a:cs typeface="+mj-cs"/>
+              </a:defRPr>
+            </a:lvl1pPr>
+          </a:lstStyle>
+          <a:p>
+            <a:r>
+              <a:rPr lang="en-US"/>
+              <a:t>My Philosophies on … </a:t>
+            </a:r>
+            <a:endParaRPr lang="en-US" dirty="0"/>
+          </a:p>
+        </p:txBody>
+      </p:sp>
+      <p:sp>
+        <p:nvSpPr>
+          <p:cNvPr id="6" name="TextBox 5">
+            <a:extLst>
+              <a:ext uri="{FF2B5EF4-FFF2-40B4-BE49-F238E27FC236}">
+                <a16:creationId xmlns:a16="http://schemas.microsoft.com/office/drawing/2014/main" id="{22E1AA7B-B076-444B-84D8-DA2C873ED78D}"/>
+              </a:ext>
+            </a:extLst>
+          </p:cNvPr>
+          <p:cNvSpPr txBox="1"/>
+          <p:nvPr/>
+        </p:nvSpPr>
+        <p:spPr>
+          <a:xfrm>
+            <a:off x="6667128" y="271168"/>
+            <a:ext cx="3708647" cy="369332"/>
+          </a:xfrm>
+          <a:prstGeom prst="rect">
+            <a:avLst/>
+          </a:prstGeom>
+          <a:noFill/>
+        </p:spPr>
+        <p:txBody>
+          <a:bodyPr wrap="square">
+            <a:spAutoFit/>
+          </a:bodyPr>
+          <a:lstStyle/>
+          <a:p>
+            <a:r>
+              <a:rPr lang="en-US" b="1" dirty="0"/>
+              <a:t>Being Proactive about your learning</a:t>
+            </a:r>
+          </a:p>
+        </p:txBody>
+      </p:sp>
+      <p:sp>
+        <p:nvSpPr>
+          <p:cNvPr id="8" name="TextBox 7">
+            <a:extLst>
+              <a:ext uri="{FF2B5EF4-FFF2-40B4-BE49-F238E27FC236}">
+                <a16:creationId xmlns:a16="http://schemas.microsoft.com/office/drawing/2014/main" id="{509119B2-F320-4872-B5D7-22C3F9BB3C9B}"/>
+              </a:ext>
+            </a:extLst>
+          </p:cNvPr>
+          <p:cNvSpPr txBox="1"/>
+          <p:nvPr/>
+        </p:nvSpPr>
+        <p:spPr>
+          <a:xfrm>
+            <a:off x="145329" y="1839042"/>
+            <a:ext cx="6094520" cy="3693319"/>
+          </a:xfrm>
+          <a:prstGeom prst="rect">
+            <a:avLst/>
+          </a:prstGeom>
+          <a:noFill/>
+        </p:spPr>
+        <p:txBody>
+          <a:bodyPr wrap="square">
+            <a:spAutoFit/>
+          </a:bodyPr>
+          <a:lstStyle/>
+          <a:p>
+            <a:pPr algn="l" fontAlgn="base"/>
+            <a:r>
+              <a:rPr lang="en-US" b="0" i="0" dirty="0">
+                <a:solidFill>
+                  <a:srgbClr val="1A1A1B"/>
+                </a:solidFill>
+                <a:effectLst/>
+                <a:latin typeface="Noto Sans"/>
+              </a:rPr>
+              <a:t>I don't take notes at all. Everything you need to remember is on power points, the text book, internet. What you should do is spent 95% of your time just trying to understand what's going on. Use that remaining 5% asking questions.</a:t>
+            </a:r>
+          </a:p>
+          <a:p>
+            <a:pPr algn="l" fontAlgn="base"/>
+            <a:endParaRPr lang="en-US" b="0" i="0" dirty="0">
+              <a:solidFill>
+                <a:srgbClr val="1A1A1B"/>
+              </a:solidFill>
+              <a:effectLst/>
+              <a:latin typeface="Noto Sans"/>
+            </a:endParaRPr>
+          </a:p>
+          <a:p>
+            <a:pPr algn="l" fontAlgn="base"/>
+            <a:r>
+              <a:rPr lang="en-US" b="0" i="0" dirty="0">
+                <a:solidFill>
+                  <a:srgbClr val="1A1A1B"/>
+                </a:solidFill>
+                <a:effectLst/>
+                <a:latin typeface="Noto Sans"/>
+              </a:rPr>
+              <a:t>I don't give a f*** if you're shy or don't want to be the annoying kid that asks questions. Be proactive. Sit in class to learn, not to record. If the prof tells you "X", ask why "X"? Why not "Y"? What happens to "X" if "Z" happens?</a:t>
+            </a:r>
+          </a:p>
+          <a:p>
+            <a:pPr algn="l" fontAlgn="base"/>
+            <a:r>
+              <a:rPr lang="en-US" b="0" i="0" dirty="0">
+                <a:solidFill>
+                  <a:srgbClr val="1A1A1B"/>
+                </a:solidFill>
+                <a:effectLst/>
+                <a:latin typeface="Noto Sans"/>
+              </a:rPr>
+              <a:t>And after class is over, try to apply the knowledge. When you see how the knowledge you just acquired fits with previous knowledge, then you will have a deeper understanding.</a:t>
+            </a:r>
+          </a:p>
+          <a:p>
+            <a:pPr algn="l" fontAlgn="base"/>
+            <a:endParaRPr lang="en-US" b="0" i="0" dirty="0">
+              <a:solidFill>
+                <a:srgbClr val="1A1A1B"/>
+              </a:solidFill>
+              <a:effectLst/>
+              <a:latin typeface="Noto Sans"/>
+            </a:endParaRPr>
+          </a:p>
+        </p:txBody>
+      </p:sp>
+      <p:sp>
+        <p:nvSpPr>
+          <p:cNvPr id="10" name="TextBox 9">
+            <a:extLst>
+              <a:ext uri="{FF2B5EF4-FFF2-40B4-BE49-F238E27FC236}">
+                <a16:creationId xmlns:a16="http://schemas.microsoft.com/office/drawing/2014/main" id="{504BF725-DCC5-4BAA-B0A6-F243CCD4DFDD}"/>
+              </a:ext>
+            </a:extLst>
+          </p:cNvPr>
+          <p:cNvSpPr txBox="1"/>
+          <p:nvPr/>
+        </p:nvSpPr>
+        <p:spPr>
+          <a:xfrm>
+            <a:off x="233036" y="1064551"/>
+            <a:ext cx="9603419" cy="369332"/>
+          </a:xfrm>
+          <a:prstGeom prst="rect">
+            <a:avLst/>
+          </a:prstGeom>
+          <a:solidFill>
+            <a:schemeClr val="accent6">
+              <a:lumMod val="20000"/>
+              <a:lumOff val="80000"/>
+            </a:schemeClr>
+          </a:solidFill>
+        </p:spPr>
+        <p:txBody>
+          <a:bodyPr wrap="square">
+            <a:spAutoFit/>
+          </a:bodyPr>
+          <a:lstStyle/>
+          <a:p>
+            <a:r>
+              <a:rPr lang="en-US" dirty="0"/>
+              <a:t>https://www.reddit.com/r/compsci/comments/5poqu6/how_do_you_take_notes_in_lectures/</a:t>
+            </a:r>
+          </a:p>
+        </p:txBody>
+      </p:sp>
+      <p:pic>
+        <p:nvPicPr>
+          <p:cNvPr id="15" name="Picture 14">
+            <a:extLst>
+              <a:ext uri="{FF2B5EF4-FFF2-40B4-BE49-F238E27FC236}">
+                <a16:creationId xmlns:a16="http://schemas.microsoft.com/office/drawing/2014/main" id="{AAA2EF1A-54A3-48A7-A3B2-3D74A706625C}"/>
+              </a:ext>
+            </a:extLst>
+          </p:cNvPr>
+          <p:cNvPicPr>
+            <a:picLocks noChangeAspect="1"/>
+          </p:cNvPicPr>
+          <p:nvPr/>
+        </p:nvPicPr>
+        <p:blipFill>
+          <a:blip r:embed="rId2"/>
+          <a:stretch>
+            <a:fillRect/>
+          </a:stretch>
+        </p:blipFill>
+        <p:spPr>
+          <a:xfrm>
+            <a:off x="7623050" y="2042185"/>
+            <a:ext cx="2752725" cy="1419225"/>
+          </a:xfrm>
+          <a:prstGeom prst="rect">
+            <a:avLst/>
+          </a:prstGeom>
+        </p:spPr>
+      </p:pic>
+      <p:pic>
+        <p:nvPicPr>
+          <p:cNvPr id="17" name="Picture 16">
+            <a:extLst>
+              <a:ext uri="{FF2B5EF4-FFF2-40B4-BE49-F238E27FC236}">
+                <a16:creationId xmlns:a16="http://schemas.microsoft.com/office/drawing/2014/main" id="{01623335-9808-4881-B066-181A877B2937}"/>
+              </a:ext>
+            </a:extLst>
+          </p:cNvPr>
+          <p:cNvPicPr>
+            <a:picLocks noChangeAspect="1"/>
+          </p:cNvPicPr>
+          <p:nvPr/>
+        </p:nvPicPr>
+        <p:blipFill>
+          <a:blip r:embed="rId3"/>
+          <a:stretch>
+            <a:fillRect/>
+          </a:stretch>
+        </p:blipFill>
+        <p:spPr>
+          <a:xfrm>
+            <a:off x="8999412" y="3722611"/>
+            <a:ext cx="2714625" cy="1809750"/>
+          </a:xfrm>
+          <a:prstGeom prst="rect">
+            <a:avLst/>
+          </a:prstGeom>
+        </p:spPr>
+      </p:pic>
+      <p:pic>
+        <p:nvPicPr>
+          <p:cNvPr id="19" name="Picture 18">
+            <a:extLst>
+              <a:ext uri="{FF2B5EF4-FFF2-40B4-BE49-F238E27FC236}">
+                <a16:creationId xmlns:a16="http://schemas.microsoft.com/office/drawing/2014/main" id="{0A0742B3-F5C6-4414-AE7E-31F8DCB77BD1}"/>
+              </a:ext>
+            </a:extLst>
+          </p:cNvPr>
+          <p:cNvPicPr>
+            <a:picLocks noChangeAspect="1"/>
+          </p:cNvPicPr>
+          <p:nvPr/>
+        </p:nvPicPr>
+        <p:blipFill>
+          <a:blip r:embed="rId4"/>
+          <a:stretch>
+            <a:fillRect/>
+          </a:stretch>
+        </p:blipFill>
+        <p:spPr>
+          <a:xfrm>
+            <a:off x="6862531" y="5619750"/>
+            <a:ext cx="2000250" cy="1238250"/>
+          </a:xfrm>
+          <a:prstGeom prst="rect">
+            <a:avLst/>
+          </a:prstGeom>
+        </p:spPr>
+      </p:pic>
+    </p:spTree>
+    <p:extLst>
+      <p:ext uri="{BB962C8B-B14F-4D97-AF65-F5344CB8AC3E}">
+        <p14:creationId xmlns:p14="http://schemas.microsoft.com/office/powerpoint/2010/main" val="1034395953"/>
+      </p:ext>
+    </p:extLst>
+  </p:cSld>
+  <p:clrMapOvr>
+    <a:masterClrMapping/>
+  </p:clrMapOvr>
+</p:sld>
+</file>
+
+<file path=ppt/slides/slide11.xml><?xml version="1.0" encoding="utf-8"?>
+<p:sld xmlns:a="http://schemas.openxmlformats.org/drawingml/2006/main" xmlns:r="http://schemas.openxmlformats.org/officeDocument/2006/relationships" xmlns:p="http://schemas.openxmlformats.org/presentationml/2006/main">
+  <p:cSld>
+    <p:spTree>
+      <p:nvGrpSpPr>
+        <p:cNvPr id="1" name=""/>
+        <p:cNvGrpSpPr/>
+        <p:nvPr/>
+      </p:nvGrpSpPr>
+      <p:grpSpPr>
+        <a:xfrm>
+          <a:off x="0" y="0"/>
+          <a:ext cx="0" cy="0"/>
+          <a:chOff x="0" y="0"/>
+          <a:chExt cx="0" cy="0"/>
+        </a:xfrm>
+      </p:grpSpPr>
+      <p:sp>
+        <p:nvSpPr>
+          <p:cNvPr id="2" name="Title 1">
+            <a:extLst>
+              <a:ext uri="{FF2B5EF4-FFF2-40B4-BE49-F238E27FC236}">
+                <a16:creationId xmlns:a16="http://schemas.microsoft.com/office/drawing/2014/main" id="{0C22B578-B70A-4D68-81A9-4670ECC9A0D9}"/>
+              </a:ext>
+            </a:extLst>
+          </p:cNvPr>
+          <p:cNvSpPr>
+            <a:spLocks noGrp="1"/>
+          </p:cNvSpPr>
+          <p:nvPr>
+            <p:ph type="title"/>
+          </p:nvPr>
+        </p:nvSpPr>
+        <p:spPr/>
+        <p:txBody>
+          <a:bodyPr/>
+          <a:lstStyle/>
+          <a:p>
+            <a:r>
+              <a:rPr lang="en-US" dirty="0"/>
+              <a:t>What I expect … </a:t>
+            </a:r>
+          </a:p>
+        </p:txBody>
+      </p:sp>
+      <p:sp>
+        <p:nvSpPr>
+          <p:cNvPr id="3" name="Content Placeholder 2">
+            <a:extLst>
+              <a:ext uri="{FF2B5EF4-FFF2-40B4-BE49-F238E27FC236}">
+                <a16:creationId xmlns:a16="http://schemas.microsoft.com/office/drawing/2014/main" id="{A115E06D-80BE-4E9E-A49E-F0F2768A3233}"/>
+              </a:ext>
+            </a:extLst>
+          </p:cNvPr>
+          <p:cNvSpPr>
+            <a:spLocks noGrp="1"/>
+          </p:cNvSpPr>
+          <p:nvPr>
+            <p:ph idx="1"/>
+          </p:nvPr>
+        </p:nvSpPr>
+        <p:spPr>
+          <a:xfrm>
+            <a:off x="598503" y="1690688"/>
+            <a:ext cx="10515600" cy="4351338"/>
+          </a:xfrm>
+        </p:spPr>
+        <p:txBody>
+          <a:bodyPr>
+            <a:normAutofit/>
+          </a:bodyPr>
+          <a:lstStyle/>
+          <a:p>
+            <a:pPr marL="0" indent="0">
+              <a:buNone/>
+            </a:pPr>
+            <a:r>
+              <a:rPr lang="en-US" sz="3200" dirty="0"/>
+              <a:t>Pro-active learning  and participation</a:t>
+            </a:r>
+          </a:p>
+          <a:p>
+            <a:pPr marL="971550" lvl="1" indent="-514350">
+              <a:buAutoNum type="arabicPeriod"/>
+            </a:pPr>
+            <a:r>
+              <a:rPr lang="en-US" sz="2800" dirty="0"/>
+              <a:t>Going beyond lectures</a:t>
+            </a:r>
+          </a:p>
+          <a:p>
+            <a:pPr marL="971550" lvl="1" indent="-514350">
+              <a:buAutoNum type="arabicPeriod"/>
+            </a:pPr>
+            <a:r>
+              <a:rPr lang="en-US" sz="2800" dirty="0"/>
+              <a:t>Keeping track of your grade</a:t>
+            </a:r>
+          </a:p>
+          <a:p>
+            <a:pPr marL="971550" lvl="1" indent="-514350">
+              <a:buAutoNum type="arabicPeriod"/>
+            </a:pPr>
+            <a:r>
+              <a:rPr lang="en-US" sz="2800" dirty="0"/>
+              <a:t>Getting things done on time</a:t>
+            </a:r>
+          </a:p>
+          <a:p>
+            <a:pPr marL="457200" lvl="1" indent="0">
+              <a:buNone/>
+            </a:pPr>
+            <a:endParaRPr lang="en-US" sz="2800" dirty="0"/>
+          </a:p>
+        </p:txBody>
+      </p:sp>
+    </p:spTree>
+    <p:extLst>
+      <p:ext uri="{BB962C8B-B14F-4D97-AF65-F5344CB8AC3E}">
+        <p14:creationId xmlns:p14="http://schemas.microsoft.com/office/powerpoint/2010/main" val="1702743935"/>
+      </p:ext>
+    </p:extLst>
+  </p:cSld>
+  <p:clrMapOvr>
+    <a:masterClrMapping/>
+  </p:clrMapOvr>
+</p:sld>
+</file>
+
+<file path=ppt/slides/slide12.xml><?xml version="1.0" encoding="utf-8"?>
+<p:sld xmlns:a="http://schemas.openxmlformats.org/drawingml/2006/main" xmlns:r="http://schemas.openxmlformats.org/officeDocument/2006/relationships" xmlns:p="http://schemas.openxmlformats.org/presentationml/2006/main">
+  <p:cSld>
+    <p:spTree>
+      <p:nvGrpSpPr>
+        <p:cNvPr id="1" name=""/>
+        <p:cNvGrpSpPr/>
+        <p:nvPr/>
+      </p:nvGrpSpPr>
+      <p:grpSpPr>
+        <a:xfrm>
+          <a:off x="0" y="0"/>
+          <a:ext cx="0" cy="0"/>
+          <a:chOff x="0" y="0"/>
+          <a:chExt cx="0" cy="0"/>
+        </a:xfrm>
+      </p:grpSpPr>
       <p:pic>
         <p:nvPicPr>
           <p:cNvPr id="4" name="Content Placeholder 6">
@@ -9235,6 +9704,1225 @@
           <p:cNvPr id="2" name="Title 1">
             <a:extLst>
               <a:ext uri="{FF2B5EF4-FFF2-40B4-BE49-F238E27FC236}">
+                <a16:creationId xmlns:a16="http://schemas.microsoft.com/office/drawing/2014/main" id="{82504833-8D9C-4BCC-8BC3-A831F3C06B28}"/>
+              </a:ext>
+            </a:extLst>
+          </p:cNvPr>
+          <p:cNvSpPr>
+            <a:spLocks noGrp="1"/>
+          </p:cNvSpPr>
+          <p:nvPr>
+            <p:ph type="title"/>
+          </p:nvPr>
+        </p:nvSpPr>
+        <p:spPr/>
+        <p:txBody>
+          <a:bodyPr/>
+          <a:lstStyle/>
+          <a:p>
+            <a:endParaRPr lang="en-US"/>
+          </a:p>
+        </p:txBody>
+      </p:sp>
+      <p:graphicFrame>
+        <p:nvGraphicFramePr>
+          <p:cNvPr id="4" name="Content Placeholder 3">
+            <a:extLst>
+              <a:ext uri="{FF2B5EF4-FFF2-40B4-BE49-F238E27FC236}">
+                <a16:creationId xmlns:a16="http://schemas.microsoft.com/office/drawing/2014/main" id="{768D40B7-7370-4DEE-8106-98DB3B7FA123}"/>
+              </a:ext>
+            </a:extLst>
+          </p:cNvPr>
+          <p:cNvGraphicFramePr>
+            <a:graphicFrameLocks noGrp="1"/>
+          </p:cNvGraphicFramePr>
+          <p:nvPr>
+            <p:ph idx="1"/>
+            <p:extLst>
+              <p:ext uri="{D42A27DB-BD31-4B8C-83A1-F6EECF244321}">
+                <p14:modId xmlns:p14="http://schemas.microsoft.com/office/powerpoint/2010/main" val="2121296131"/>
+              </p:ext>
+            </p:extLst>
+          </p:nvPr>
+        </p:nvGraphicFramePr>
+        <p:xfrm>
+          <a:off x="1003176" y="813828"/>
+          <a:ext cx="9259409" cy="2148840"/>
+        </p:xfrm>
+        <a:graphic>
+          <a:graphicData uri="http://schemas.openxmlformats.org/drawingml/2006/table">
+            <a:tbl>
+              <a:tblPr>
+                <a:tableStyleId>{5C22544A-7EE6-4342-B048-85BDC9FD1C3A}</a:tableStyleId>
+              </a:tblPr>
+              <a:tblGrid>
+                <a:gridCol w="9259409">
+                  <a:extLst>
+                    <a:ext uri="{9D8B030D-6E8A-4147-A177-3AD203B41FA5}">
+                      <a16:colId xmlns:a16="http://schemas.microsoft.com/office/drawing/2014/main" val="2399792891"/>
+                    </a:ext>
+                  </a:extLst>
+                </a:gridCol>
+              </a:tblGrid>
+              <a:tr h="302897">
+                <a:tc>
+                  <a:txBody>
+                    <a:bodyPr/>
+                    <a:lstStyle/>
+                    <a:p>
+                      <a:pPr algn="l" fontAlgn="ctr"/>
+                      <a:r>
+                        <a:rPr lang="en-US" sz="2000" u="none" strike="noStrike">
+                          <a:effectLst/>
+                        </a:rPr>
+                        <a:t>Course-Level Objectives</a:t>
+                      </a:r>
+                      <a:endParaRPr lang="en-US" sz="2000" b="1" i="0" u="none" strike="noStrike">
+                        <a:solidFill>
+                          <a:srgbClr val="000000"/>
+                        </a:solidFill>
+                        <a:effectLst/>
+                        <a:latin typeface="Calibri" panose="020F0502020204030204" pitchFamily="34" charset="0"/>
+                      </a:endParaRPr>
+                    </a:p>
+                  </a:txBody>
+                  <a:tcPr marL="7620" marR="7620" marT="7620" marB="0" anchor="ctr"/>
+                </a:tc>
+                <a:extLst>
+                  <a:ext uri="{0D108BD9-81ED-4DB2-BD59-A6C34878D82A}">
+                    <a16:rowId xmlns:a16="http://schemas.microsoft.com/office/drawing/2014/main" val="528835516"/>
+                  </a:ext>
+                </a:extLst>
+              </a:tr>
+              <a:tr h="601980">
+                <a:tc>
+                  <a:txBody>
+                    <a:bodyPr/>
+                    <a:lstStyle/>
+                    <a:p>
+                      <a:pPr algn="l" fontAlgn="ctr"/>
+                      <a:r>
+                        <a:rPr lang="en-US" sz="2000" u="none" strike="noStrike" dirty="0">
+                          <a:effectLst/>
+                        </a:rPr>
+                        <a:t>1. Expand development skills needed to become a professional software developer</a:t>
+                      </a:r>
+                      <a:endParaRPr lang="en-US" sz="2000" b="0" i="0" u="none" strike="noStrike" dirty="0">
+                        <a:solidFill>
+                          <a:srgbClr val="000000"/>
+                        </a:solidFill>
+                        <a:effectLst/>
+                        <a:latin typeface="Calibri" panose="020F0502020204030204" pitchFamily="34" charset="0"/>
+                      </a:endParaRPr>
+                    </a:p>
+                  </a:txBody>
+                  <a:tcPr marL="182880" marR="7620" marT="7620" marB="0" anchor="ctr"/>
+                </a:tc>
+                <a:extLst>
+                  <a:ext uri="{0D108BD9-81ED-4DB2-BD59-A6C34878D82A}">
+                    <a16:rowId xmlns:a16="http://schemas.microsoft.com/office/drawing/2014/main" val="4270020312"/>
+                  </a:ext>
+                </a:extLst>
+              </a:tr>
+              <a:tr h="403860">
+                <a:tc>
+                  <a:txBody>
+                    <a:bodyPr/>
+                    <a:lstStyle/>
+                    <a:p>
+                      <a:pPr algn="l" fontAlgn="ctr"/>
+                      <a:r>
+                        <a:rPr lang="en-US" sz="2000" u="none" strike="noStrike" dirty="0">
+                          <a:effectLst/>
+                        </a:rPr>
+                        <a:t>2. Understand and utilize tools, techniques, and processes, needed to develop quality software</a:t>
+                      </a:r>
+                      <a:endParaRPr lang="en-US" sz="2000" b="0" i="0" u="none" strike="noStrike" dirty="0">
+                        <a:solidFill>
+                          <a:srgbClr val="000000"/>
+                        </a:solidFill>
+                        <a:effectLst/>
+                        <a:latin typeface="Calibri" panose="020F0502020204030204" pitchFamily="34" charset="0"/>
+                      </a:endParaRPr>
+                    </a:p>
+                  </a:txBody>
+                  <a:tcPr marL="182880" marR="7620" marT="7620" marB="0" anchor="ctr"/>
+                </a:tc>
+                <a:extLst>
+                  <a:ext uri="{0D108BD9-81ED-4DB2-BD59-A6C34878D82A}">
+                    <a16:rowId xmlns:a16="http://schemas.microsoft.com/office/drawing/2014/main" val="1095980428"/>
+                  </a:ext>
+                </a:extLst>
+              </a:tr>
+              <a:tr h="403860">
+                <a:tc>
+                  <a:txBody>
+                    <a:bodyPr/>
+                    <a:lstStyle/>
+                    <a:p>
+                      <a:pPr algn="l" fontAlgn="ctr"/>
+                      <a:r>
+                        <a:rPr lang="en-US" sz="2000" u="none" strike="noStrike" dirty="0">
+                          <a:effectLst/>
+                        </a:rPr>
+                        <a:t>3. Develop a software project that utilizes and showcases these new skills and techniques</a:t>
+                      </a:r>
+                      <a:endParaRPr lang="en-US" sz="2000" b="0" i="0" u="none" strike="noStrike" dirty="0">
+                        <a:solidFill>
+                          <a:srgbClr val="000000"/>
+                        </a:solidFill>
+                        <a:effectLst/>
+                        <a:latin typeface="Calibri" panose="020F0502020204030204" pitchFamily="34" charset="0"/>
+                      </a:endParaRPr>
+                    </a:p>
+                  </a:txBody>
+                  <a:tcPr marL="182880" marR="7620" marT="7620" marB="0" anchor="ctr"/>
+                </a:tc>
+                <a:extLst>
+                  <a:ext uri="{0D108BD9-81ED-4DB2-BD59-A6C34878D82A}">
+                    <a16:rowId xmlns:a16="http://schemas.microsoft.com/office/drawing/2014/main" val="3203643765"/>
+                  </a:ext>
+                </a:extLst>
+              </a:tr>
+            </a:tbl>
+          </a:graphicData>
+        </a:graphic>
+      </p:graphicFrame>
+      <p:graphicFrame>
+        <p:nvGraphicFramePr>
+          <p:cNvPr id="5" name="Content Placeholder 3">
+            <a:extLst>
+              <a:ext uri="{FF2B5EF4-FFF2-40B4-BE49-F238E27FC236}">
+                <a16:creationId xmlns:a16="http://schemas.microsoft.com/office/drawing/2014/main" id="{96EB04E7-207E-4461-9614-6FEBD0B88FE0}"/>
+              </a:ext>
+            </a:extLst>
+          </p:cNvPr>
+          <p:cNvGraphicFramePr>
+            <a:graphicFrameLocks/>
+          </p:cNvGraphicFramePr>
+          <p:nvPr>
+            <p:extLst>
+              <p:ext uri="{D42A27DB-BD31-4B8C-83A1-F6EECF244321}">
+                <p14:modId xmlns:p14="http://schemas.microsoft.com/office/powerpoint/2010/main" val="2700752815"/>
+              </p:ext>
+            </p:extLst>
+          </p:nvPr>
+        </p:nvGraphicFramePr>
+        <p:xfrm>
+          <a:off x="3505137" y="3411371"/>
+          <a:ext cx="4770391" cy="2936033"/>
+        </p:xfrm>
+        <a:graphic>
+          <a:graphicData uri="http://schemas.openxmlformats.org/drawingml/2006/table">
+            <a:tbl>
+              <a:tblPr>
+                <a:tableStyleId>{5C22544A-7EE6-4342-B048-85BDC9FD1C3A}</a:tableStyleId>
+              </a:tblPr>
+              <a:tblGrid>
+                <a:gridCol w="4770391">
+                  <a:extLst>
+                    <a:ext uri="{9D8B030D-6E8A-4147-A177-3AD203B41FA5}">
+                      <a16:colId xmlns:a16="http://schemas.microsoft.com/office/drawing/2014/main" val="395453339"/>
+                    </a:ext>
+                  </a:extLst>
+                </a:gridCol>
+              </a:tblGrid>
+              <a:tr h="285539">
+                <a:tc>
+                  <a:txBody>
+                    <a:bodyPr/>
+                    <a:lstStyle/>
+                    <a:p>
+                      <a:pPr algn="l" fontAlgn="ctr"/>
+                      <a:r>
+                        <a:rPr lang="en-US" sz="2400" u="none" strike="noStrike" dirty="0">
+                          <a:effectLst/>
+                        </a:rPr>
+                        <a:t>Topics Covered in the Course</a:t>
+                      </a:r>
+                      <a:endParaRPr lang="en-US" sz="2400" b="1" i="0" u="none" strike="noStrike" dirty="0">
+                        <a:solidFill>
+                          <a:srgbClr val="000000"/>
+                        </a:solidFill>
+                        <a:effectLst/>
+                        <a:latin typeface="Calibri" panose="020F0502020204030204" pitchFamily="34" charset="0"/>
+                      </a:endParaRPr>
+                    </a:p>
+                  </a:txBody>
+                  <a:tcPr marL="7620" marR="7620" marT="7620" marB="0" anchor="ctr"/>
+                </a:tc>
+                <a:extLst>
+                  <a:ext uri="{0D108BD9-81ED-4DB2-BD59-A6C34878D82A}">
+                    <a16:rowId xmlns:a16="http://schemas.microsoft.com/office/drawing/2014/main" val="820915461"/>
+                  </a:ext>
+                </a:extLst>
+              </a:tr>
+              <a:tr h="285539">
+                <a:tc>
+                  <a:txBody>
+                    <a:bodyPr/>
+                    <a:lstStyle/>
+                    <a:p>
+                      <a:pPr algn="l" fontAlgn="ctr"/>
+                      <a:r>
+                        <a:rPr lang="en-US" sz="1800" u="none" strike="noStrike" dirty="0">
+                          <a:effectLst/>
+                        </a:rPr>
+                        <a:t>·</a:t>
+                      </a:r>
+                      <a:r>
+                        <a:rPr lang="en-US" sz="1200" u="none" strike="noStrike" dirty="0">
+                          <a:effectLst/>
+                        </a:rPr>
+                        <a:t>        </a:t>
+                      </a:r>
+                      <a:r>
+                        <a:rPr lang="en-US" sz="1800" u="none" strike="noStrike" dirty="0">
+                          <a:effectLst/>
+                        </a:rPr>
+                        <a:t>Testing Concepts</a:t>
+                      </a:r>
+                      <a:endParaRPr lang="en-US" sz="1800" b="0" i="0" u="none" strike="noStrike" dirty="0">
+                        <a:solidFill>
+                          <a:srgbClr val="000000"/>
+                        </a:solidFill>
+                        <a:effectLst/>
+                        <a:latin typeface="Symbol" panose="05050102010706020507" pitchFamily="18" charset="2"/>
+                      </a:endParaRPr>
+                    </a:p>
+                  </a:txBody>
+                  <a:tcPr marL="182880" marR="7620" marT="7620" marB="0" anchor="ctr"/>
+                </a:tc>
+                <a:extLst>
+                  <a:ext uri="{0D108BD9-81ED-4DB2-BD59-A6C34878D82A}">
+                    <a16:rowId xmlns:a16="http://schemas.microsoft.com/office/drawing/2014/main" val="1968400483"/>
+                  </a:ext>
+                </a:extLst>
+              </a:tr>
+              <a:tr h="285539">
+                <a:tc>
+                  <a:txBody>
+                    <a:bodyPr/>
+                    <a:lstStyle/>
+                    <a:p>
+                      <a:pPr algn="l" fontAlgn="ctr"/>
+                      <a:r>
+                        <a:rPr lang="nl-NL" sz="1800" u="none" strike="noStrike" dirty="0">
+                          <a:effectLst/>
+                        </a:rPr>
+                        <a:t>·</a:t>
+                      </a:r>
+                      <a:r>
+                        <a:rPr lang="nl-NL" sz="1200" u="none" strike="noStrike" dirty="0">
+                          <a:effectLst/>
+                        </a:rPr>
+                        <a:t>        </a:t>
+                      </a:r>
+                      <a:r>
+                        <a:rPr lang="nl-NL" sz="1800" u="none" strike="noStrike" dirty="0">
+                          <a:effectLst/>
+                        </a:rPr>
+                        <a:t>Agile EP testing roots (1)</a:t>
+                      </a:r>
+                      <a:endParaRPr lang="nl-NL" sz="1800" b="0" i="0" u="none" strike="noStrike" dirty="0">
+                        <a:solidFill>
+                          <a:srgbClr val="000000"/>
+                        </a:solidFill>
+                        <a:effectLst/>
+                        <a:latin typeface="Symbol" panose="05050102010706020507" pitchFamily="18" charset="2"/>
+                      </a:endParaRPr>
+                    </a:p>
+                  </a:txBody>
+                  <a:tcPr marL="182880" marR="7620" marT="7620" marB="0" anchor="ctr"/>
+                </a:tc>
+                <a:extLst>
+                  <a:ext uri="{0D108BD9-81ED-4DB2-BD59-A6C34878D82A}">
+                    <a16:rowId xmlns:a16="http://schemas.microsoft.com/office/drawing/2014/main" val="3596880673"/>
+                  </a:ext>
+                </a:extLst>
+              </a:tr>
+              <a:tr h="285539">
+                <a:tc>
+                  <a:txBody>
+                    <a:bodyPr/>
+                    <a:lstStyle/>
+                    <a:p>
+                      <a:pPr algn="l" fontAlgn="ctr"/>
+                      <a:r>
+                        <a:rPr lang="en-US" sz="1800" u="none" strike="noStrike" dirty="0">
+                          <a:effectLst/>
+                        </a:rPr>
+                        <a:t>·</a:t>
+                      </a:r>
+                      <a:r>
+                        <a:rPr lang="en-US" sz="1200" u="none" strike="noStrike" dirty="0">
+                          <a:effectLst/>
+                        </a:rPr>
+                        <a:t>        </a:t>
+                      </a:r>
+                      <a:r>
+                        <a:rPr lang="en-US" sz="1800" u="none" strike="noStrike" dirty="0">
+                          <a:effectLst/>
+                        </a:rPr>
+                        <a:t>Code Reviews</a:t>
+                      </a:r>
+                      <a:endParaRPr lang="en-US" sz="1800" b="0" i="0" u="none" strike="noStrike" dirty="0">
+                        <a:solidFill>
+                          <a:srgbClr val="000000"/>
+                        </a:solidFill>
+                        <a:effectLst/>
+                        <a:latin typeface="Symbol" panose="05050102010706020507" pitchFamily="18" charset="2"/>
+                      </a:endParaRPr>
+                    </a:p>
+                  </a:txBody>
+                  <a:tcPr marL="182880" marR="7620" marT="7620" marB="0" anchor="ctr"/>
+                </a:tc>
+                <a:extLst>
+                  <a:ext uri="{0D108BD9-81ED-4DB2-BD59-A6C34878D82A}">
+                    <a16:rowId xmlns:a16="http://schemas.microsoft.com/office/drawing/2014/main" val="1493921477"/>
+                  </a:ext>
+                </a:extLst>
+              </a:tr>
+              <a:tr h="285539">
+                <a:tc>
+                  <a:txBody>
+                    <a:bodyPr/>
+                    <a:lstStyle/>
+                    <a:p>
+                      <a:pPr algn="l" fontAlgn="ctr"/>
+                      <a:r>
+                        <a:rPr lang="en-US" sz="1800" u="none" strike="noStrike" dirty="0">
+                          <a:effectLst/>
+                        </a:rPr>
+                        <a:t>·</a:t>
+                      </a:r>
+                      <a:r>
+                        <a:rPr lang="en-US" sz="1200" u="none" strike="noStrike" dirty="0">
+                          <a:effectLst/>
+                        </a:rPr>
+                        <a:t>        </a:t>
+                      </a:r>
+                      <a:r>
+                        <a:rPr lang="en-US" sz="1800" u="none" strike="noStrike" dirty="0">
+                          <a:effectLst/>
+                        </a:rPr>
+                        <a:t>Java Review and Unit Testing in Java (2, 3)</a:t>
+                      </a:r>
+                      <a:endParaRPr lang="en-US" sz="1800" b="0" i="0" u="none" strike="noStrike" dirty="0">
+                        <a:solidFill>
+                          <a:srgbClr val="000000"/>
+                        </a:solidFill>
+                        <a:effectLst/>
+                        <a:latin typeface="Symbol" panose="05050102010706020507" pitchFamily="18" charset="2"/>
+                      </a:endParaRPr>
+                    </a:p>
+                  </a:txBody>
+                  <a:tcPr marL="182880" marR="7620" marT="7620" marB="0" anchor="ctr"/>
+                </a:tc>
+                <a:extLst>
+                  <a:ext uri="{0D108BD9-81ED-4DB2-BD59-A6C34878D82A}">
+                    <a16:rowId xmlns:a16="http://schemas.microsoft.com/office/drawing/2014/main" val="1771452807"/>
+                  </a:ext>
+                </a:extLst>
+              </a:tr>
+              <a:tr h="285539">
+                <a:tc>
+                  <a:txBody>
+                    <a:bodyPr/>
+                    <a:lstStyle/>
+                    <a:p>
+                      <a:pPr algn="l" fontAlgn="ctr"/>
+                      <a:r>
+                        <a:rPr lang="en-US" sz="1800" u="none" strike="noStrike" dirty="0">
+                          <a:effectLst/>
+                        </a:rPr>
+                        <a:t>·</a:t>
+                      </a:r>
+                      <a:r>
+                        <a:rPr lang="en-US" sz="1200" u="none" strike="noStrike" dirty="0">
+                          <a:effectLst/>
+                        </a:rPr>
+                        <a:t>        </a:t>
+                      </a:r>
+                      <a:r>
+                        <a:rPr lang="en-US" sz="1800" u="none" strike="noStrike" dirty="0">
+                          <a:effectLst/>
+                        </a:rPr>
+                        <a:t>JS review and JS Unit Testing in (2)</a:t>
+                      </a:r>
+                      <a:endParaRPr lang="en-US" sz="1800" b="0" i="0" u="none" strike="noStrike" dirty="0">
+                        <a:solidFill>
+                          <a:srgbClr val="000000"/>
+                        </a:solidFill>
+                        <a:effectLst/>
+                        <a:latin typeface="Symbol" panose="05050102010706020507" pitchFamily="18" charset="2"/>
+                      </a:endParaRPr>
+                    </a:p>
+                  </a:txBody>
+                  <a:tcPr marL="182880" marR="7620" marT="7620" marB="0" anchor="ctr"/>
+                </a:tc>
+                <a:extLst>
+                  <a:ext uri="{0D108BD9-81ED-4DB2-BD59-A6C34878D82A}">
+                    <a16:rowId xmlns:a16="http://schemas.microsoft.com/office/drawing/2014/main" val="1199781287"/>
+                  </a:ext>
+                </a:extLst>
+              </a:tr>
+              <a:tr h="285539">
+                <a:tc>
+                  <a:txBody>
+                    <a:bodyPr/>
+                    <a:lstStyle/>
+                    <a:p>
+                      <a:pPr algn="l" fontAlgn="ctr"/>
+                      <a:r>
+                        <a:rPr lang="en-US" sz="1800" u="none" strike="noStrike" dirty="0">
+                          <a:effectLst/>
+                        </a:rPr>
+                        <a:t>·</a:t>
+                      </a:r>
+                      <a:r>
+                        <a:rPr lang="en-US" sz="1200" u="none" strike="noStrike" dirty="0">
+                          <a:effectLst/>
+                        </a:rPr>
+                        <a:t>        </a:t>
+                      </a:r>
+                      <a:r>
+                        <a:rPr lang="en-US" sz="1800" u="none" strike="noStrike" dirty="0">
+                          <a:effectLst/>
+                        </a:rPr>
+                        <a:t>JS Code Standards (3)</a:t>
+                      </a:r>
+                      <a:endParaRPr lang="en-US" sz="1800" b="0" i="0" u="none" strike="noStrike" dirty="0">
+                        <a:solidFill>
+                          <a:srgbClr val="000000"/>
+                        </a:solidFill>
+                        <a:effectLst/>
+                        <a:latin typeface="Symbol" panose="05050102010706020507" pitchFamily="18" charset="2"/>
+                      </a:endParaRPr>
+                    </a:p>
+                  </a:txBody>
+                  <a:tcPr marL="182880" marR="7620" marT="7620" marB="0" anchor="ctr"/>
+                </a:tc>
+                <a:extLst>
+                  <a:ext uri="{0D108BD9-81ED-4DB2-BD59-A6C34878D82A}">
+                    <a16:rowId xmlns:a16="http://schemas.microsoft.com/office/drawing/2014/main" val="3957372723"/>
+                  </a:ext>
+                </a:extLst>
+              </a:tr>
+              <a:tr h="285539">
+                <a:tc>
+                  <a:txBody>
+                    <a:bodyPr/>
+                    <a:lstStyle/>
+                    <a:p>
+                      <a:pPr algn="l" fontAlgn="ctr"/>
+                      <a:r>
+                        <a:rPr lang="nl-NL" sz="1800" u="none" strike="noStrike" dirty="0">
+                          <a:effectLst/>
+                        </a:rPr>
+                        <a:t>·</a:t>
+                      </a:r>
+                      <a:r>
+                        <a:rPr lang="nl-NL" sz="1200" u="none" strike="noStrike" dirty="0">
+                          <a:effectLst/>
+                        </a:rPr>
+                        <a:t>        </a:t>
+                      </a:r>
+                      <a:r>
+                        <a:rPr lang="nl-NL" sz="1800" u="none" strike="noStrike" dirty="0">
+                          <a:effectLst/>
+                        </a:rPr>
+                        <a:t>JS Debugging in JS (2)</a:t>
+                      </a:r>
+                      <a:endParaRPr lang="nl-NL" sz="1800" b="0" i="0" u="none" strike="noStrike" dirty="0">
+                        <a:solidFill>
+                          <a:srgbClr val="000000"/>
+                        </a:solidFill>
+                        <a:effectLst/>
+                        <a:latin typeface="Symbol" panose="05050102010706020507" pitchFamily="18" charset="2"/>
+                      </a:endParaRPr>
+                    </a:p>
+                  </a:txBody>
+                  <a:tcPr marL="182880" marR="7620" marT="7620" marB="0" anchor="ctr"/>
+                </a:tc>
+                <a:extLst>
+                  <a:ext uri="{0D108BD9-81ED-4DB2-BD59-A6C34878D82A}">
+                    <a16:rowId xmlns:a16="http://schemas.microsoft.com/office/drawing/2014/main" val="2169306244"/>
+                  </a:ext>
+                </a:extLst>
+              </a:tr>
+              <a:tr h="264388">
+                <a:tc>
+                  <a:txBody>
+                    <a:bodyPr/>
+                    <a:lstStyle/>
+                    <a:p>
+                      <a:pPr algn="l" fontAlgn="ctr"/>
+                      <a:r>
+                        <a:rPr lang="en-US" sz="1800" u="none" strike="noStrike" dirty="0">
+                          <a:effectLst/>
+                        </a:rPr>
+                        <a:t>·</a:t>
+                      </a:r>
+                      <a:r>
+                        <a:rPr lang="en-US" sz="1200" u="none" strike="noStrike" dirty="0">
+                          <a:effectLst/>
+                        </a:rPr>
+                        <a:t>        </a:t>
+                      </a:r>
+                      <a:r>
+                        <a:rPr lang="en-US" sz="1800" u="none" strike="noStrike" dirty="0">
+                          <a:effectLst/>
+                        </a:rPr>
+                        <a:t>Node.js unit testing</a:t>
+                      </a:r>
+                      <a:endParaRPr lang="en-US" sz="1800" b="0" i="0" u="none" strike="noStrike" dirty="0">
+                        <a:solidFill>
+                          <a:srgbClr val="000000"/>
+                        </a:solidFill>
+                        <a:effectLst/>
+                        <a:latin typeface="Symbol" panose="05050102010706020507" pitchFamily="18" charset="2"/>
+                      </a:endParaRPr>
+                    </a:p>
+                  </a:txBody>
+                  <a:tcPr marL="182880" marR="7620" marT="7620" marB="0" anchor="ctr"/>
+                </a:tc>
+                <a:extLst>
+                  <a:ext uri="{0D108BD9-81ED-4DB2-BD59-A6C34878D82A}">
+                    <a16:rowId xmlns:a16="http://schemas.microsoft.com/office/drawing/2014/main" val="649719880"/>
+                  </a:ext>
+                </a:extLst>
+              </a:tr>
+              <a:tr h="264388">
+                <a:tc>
+                  <a:txBody>
+                    <a:bodyPr/>
+                    <a:lstStyle/>
+                    <a:p>
+                      <a:pPr algn="l" fontAlgn="ctr"/>
+                      <a:r>
+                        <a:rPr lang="en-US" sz="1800" u="none" strike="noStrike" dirty="0">
+                          <a:effectLst/>
+                        </a:rPr>
+                        <a:t>·</a:t>
+                      </a:r>
+                      <a:r>
+                        <a:rPr lang="en-US" sz="1200" u="none" strike="noStrike" dirty="0">
+                          <a:effectLst/>
+                        </a:rPr>
+                        <a:t>        </a:t>
+                      </a:r>
+                      <a:r>
+                        <a:rPr lang="en-US" sz="1800" u="none" strike="noStrike" dirty="0">
+                          <a:effectLst/>
+                        </a:rPr>
+                        <a:t>API Testing with </a:t>
+                      </a:r>
+                      <a:r>
+                        <a:rPr lang="en-US" sz="1800" u="none" strike="noStrike" dirty="0" err="1">
+                          <a:effectLst/>
+                        </a:rPr>
+                        <a:t>PostMan</a:t>
+                      </a:r>
+                      <a:endParaRPr lang="en-US" sz="1800" b="0" i="0" u="none" strike="noStrike" dirty="0">
+                        <a:solidFill>
+                          <a:srgbClr val="000000"/>
+                        </a:solidFill>
+                        <a:effectLst/>
+                        <a:latin typeface="Symbol" panose="05050102010706020507" pitchFamily="18" charset="2"/>
+                      </a:endParaRPr>
+                    </a:p>
+                  </a:txBody>
+                  <a:tcPr marL="182880" marR="7620" marT="7620" marB="0" anchor="ctr"/>
+                </a:tc>
+                <a:extLst>
+                  <a:ext uri="{0D108BD9-81ED-4DB2-BD59-A6C34878D82A}">
+                    <a16:rowId xmlns:a16="http://schemas.microsoft.com/office/drawing/2014/main" val="730002011"/>
+                  </a:ext>
+                </a:extLst>
+              </a:tr>
+            </a:tbl>
+          </a:graphicData>
+        </a:graphic>
+      </p:graphicFrame>
+    </p:spTree>
+    <p:extLst>
+      <p:ext uri="{BB962C8B-B14F-4D97-AF65-F5344CB8AC3E}">
+        <p14:creationId xmlns:p14="http://schemas.microsoft.com/office/powerpoint/2010/main" val="1480233209"/>
+      </p:ext>
+    </p:extLst>
+  </p:cSld>
+  <p:clrMapOvr>
+    <a:masterClrMapping/>
+  </p:clrMapOvr>
+</p:sld>
+</file>
+
+<file path=ppt/slides/slide7.xml><?xml version="1.0" encoding="utf-8"?>
+<p:sld xmlns:a="http://schemas.openxmlformats.org/drawingml/2006/main" xmlns:r="http://schemas.openxmlformats.org/officeDocument/2006/relationships" xmlns:p="http://schemas.openxmlformats.org/presentationml/2006/main">
+  <p:cSld>
+    <p:spTree>
+      <p:nvGrpSpPr>
+        <p:cNvPr id="1" name=""/>
+        <p:cNvGrpSpPr/>
+        <p:nvPr/>
+      </p:nvGrpSpPr>
+      <p:grpSpPr>
+        <a:xfrm>
+          <a:off x="0" y="0"/>
+          <a:ext cx="0" cy="0"/>
+          <a:chOff x="0" y="0"/>
+          <a:chExt cx="0" cy="0"/>
+        </a:xfrm>
+      </p:grpSpPr>
+      <p:sp>
+        <p:nvSpPr>
+          <p:cNvPr id="2" name="Title 1">
+            <a:extLst>
+              <a:ext uri="{FF2B5EF4-FFF2-40B4-BE49-F238E27FC236}">
+                <a16:creationId xmlns:a16="http://schemas.microsoft.com/office/drawing/2014/main" id="{B8D7C6BD-4183-467C-B38B-3364A115D6CB}"/>
+              </a:ext>
+            </a:extLst>
+          </p:cNvPr>
+          <p:cNvSpPr>
+            <a:spLocks noGrp="1"/>
+          </p:cNvSpPr>
+          <p:nvPr>
+            <p:ph type="title"/>
+          </p:nvPr>
+        </p:nvSpPr>
+        <p:spPr/>
+        <p:txBody>
+          <a:bodyPr/>
+          <a:lstStyle/>
+          <a:p>
+            <a:endParaRPr lang="en-US"/>
+          </a:p>
+        </p:txBody>
+      </p:sp>
+      <p:graphicFrame>
+        <p:nvGraphicFramePr>
+          <p:cNvPr id="4" name="Content Placeholder 3">
+            <a:extLst>
+              <a:ext uri="{FF2B5EF4-FFF2-40B4-BE49-F238E27FC236}">
+                <a16:creationId xmlns:a16="http://schemas.microsoft.com/office/drawing/2014/main" id="{33B20147-5D86-4990-A5B0-2015449C95B3}"/>
+              </a:ext>
+            </a:extLst>
+          </p:cNvPr>
+          <p:cNvGraphicFramePr>
+            <a:graphicFrameLocks noGrp="1"/>
+          </p:cNvGraphicFramePr>
+          <p:nvPr>
+            <p:ph idx="1"/>
+            <p:extLst>
+              <p:ext uri="{D42A27DB-BD31-4B8C-83A1-F6EECF244321}">
+                <p14:modId xmlns:p14="http://schemas.microsoft.com/office/powerpoint/2010/main" val="1546735464"/>
+              </p:ext>
+            </p:extLst>
+          </p:nvPr>
+        </p:nvGraphicFramePr>
+        <p:xfrm>
+          <a:off x="2938509" y="2201662"/>
+          <a:ext cx="4770391" cy="2813088"/>
+        </p:xfrm>
+        <a:graphic>
+          <a:graphicData uri="http://schemas.openxmlformats.org/drawingml/2006/table">
+            <a:tbl>
+              <a:tblPr>
+                <a:tableStyleId>{5C22544A-7EE6-4342-B048-85BDC9FD1C3A}</a:tableStyleId>
+              </a:tblPr>
+              <a:tblGrid>
+                <a:gridCol w="4770391">
+                  <a:extLst>
+                    <a:ext uri="{9D8B030D-6E8A-4147-A177-3AD203B41FA5}">
+                      <a16:colId xmlns:a16="http://schemas.microsoft.com/office/drawing/2014/main" val="395453339"/>
+                    </a:ext>
+                  </a:extLst>
+                </a:gridCol>
+              </a:tblGrid>
+              <a:tr h="285539">
+                <a:tc>
+                  <a:txBody>
+                    <a:bodyPr/>
+                    <a:lstStyle/>
+                    <a:p>
+                      <a:pPr algn="l" fontAlgn="ctr"/>
+                      <a:r>
+                        <a:rPr lang="en-US" sz="1100" u="none" strike="noStrike">
+                          <a:effectLst/>
+                        </a:rPr>
+                        <a:t>Topics Covered in the Course</a:t>
+                      </a:r>
+                      <a:endParaRPr lang="en-US" sz="1100" b="1" i="0" u="none" strike="noStrike">
+                        <a:solidFill>
+                          <a:srgbClr val="000000"/>
+                        </a:solidFill>
+                        <a:effectLst/>
+                        <a:latin typeface="Calibri" panose="020F0502020204030204" pitchFamily="34" charset="0"/>
+                      </a:endParaRPr>
+                    </a:p>
+                  </a:txBody>
+                  <a:tcPr marL="7620" marR="7620" marT="7620" marB="0" anchor="ctr"/>
+                </a:tc>
+                <a:extLst>
+                  <a:ext uri="{0D108BD9-81ED-4DB2-BD59-A6C34878D82A}">
+                    <a16:rowId xmlns:a16="http://schemas.microsoft.com/office/drawing/2014/main" val="820915461"/>
+                  </a:ext>
+                </a:extLst>
+              </a:tr>
+              <a:tr h="285539">
+                <a:tc>
+                  <a:txBody>
+                    <a:bodyPr/>
+                    <a:lstStyle/>
+                    <a:p>
+                      <a:pPr algn="l" fontAlgn="ctr"/>
+                      <a:r>
+                        <a:rPr lang="en-US" sz="1000" u="none" strike="noStrike">
+                          <a:effectLst/>
+                        </a:rPr>
+                        <a:t>·</a:t>
+                      </a:r>
+                      <a:r>
+                        <a:rPr lang="en-US" sz="700" u="none" strike="noStrike">
+                          <a:effectLst/>
+                        </a:rPr>
+                        <a:t>        </a:t>
+                      </a:r>
+                      <a:r>
+                        <a:rPr lang="en-US" sz="1000" u="none" strike="noStrike">
+                          <a:effectLst/>
+                        </a:rPr>
+                        <a:t>Testing Concepts</a:t>
+                      </a:r>
+                      <a:endParaRPr lang="en-US" sz="1000" b="0" i="0" u="none" strike="noStrike">
+                        <a:solidFill>
+                          <a:srgbClr val="000000"/>
+                        </a:solidFill>
+                        <a:effectLst/>
+                        <a:latin typeface="Symbol" panose="05050102010706020507" pitchFamily="18" charset="2"/>
+                      </a:endParaRPr>
+                    </a:p>
+                  </a:txBody>
+                  <a:tcPr marL="182880" marR="7620" marT="7620" marB="0" anchor="ctr"/>
+                </a:tc>
+                <a:extLst>
+                  <a:ext uri="{0D108BD9-81ED-4DB2-BD59-A6C34878D82A}">
+                    <a16:rowId xmlns:a16="http://schemas.microsoft.com/office/drawing/2014/main" val="1968400483"/>
+                  </a:ext>
+                </a:extLst>
+              </a:tr>
+              <a:tr h="285539">
+                <a:tc>
+                  <a:txBody>
+                    <a:bodyPr/>
+                    <a:lstStyle/>
+                    <a:p>
+                      <a:pPr algn="l" fontAlgn="ctr"/>
+                      <a:r>
+                        <a:rPr lang="nl-NL" sz="1000" u="none" strike="noStrike" dirty="0">
+                          <a:effectLst/>
+                        </a:rPr>
+                        <a:t>·</a:t>
+                      </a:r>
+                      <a:r>
+                        <a:rPr lang="nl-NL" sz="700" u="none" strike="noStrike" dirty="0">
+                          <a:effectLst/>
+                        </a:rPr>
+                        <a:t>        </a:t>
+                      </a:r>
+                      <a:r>
+                        <a:rPr lang="nl-NL" sz="1000" u="none" strike="noStrike" dirty="0">
+                          <a:effectLst/>
+                        </a:rPr>
+                        <a:t>Agile EP testing roots (1)</a:t>
+                      </a:r>
+                      <a:endParaRPr lang="nl-NL" sz="1000" b="0" i="0" u="none" strike="noStrike" dirty="0">
+                        <a:solidFill>
+                          <a:srgbClr val="000000"/>
+                        </a:solidFill>
+                        <a:effectLst/>
+                        <a:latin typeface="Symbol" panose="05050102010706020507" pitchFamily="18" charset="2"/>
+                      </a:endParaRPr>
+                    </a:p>
+                  </a:txBody>
+                  <a:tcPr marL="182880" marR="7620" marT="7620" marB="0" anchor="ctr"/>
+                </a:tc>
+                <a:extLst>
+                  <a:ext uri="{0D108BD9-81ED-4DB2-BD59-A6C34878D82A}">
+                    <a16:rowId xmlns:a16="http://schemas.microsoft.com/office/drawing/2014/main" val="3596880673"/>
+                  </a:ext>
+                </a:extLst>
+              </a:tr>
+              <a:tr h="285539">
+                <a:tc>
+                  <a:txBody>
+                    <a:bodyPr/>
+                    <a:lstStyle/>
+                    <a:p>
+                      <a:pPr algn="l" fontAlgn="ctr"/>
+                      <a:r>
+                        <a:rPr lang="en-US" sz="1000" u="none" strike="noStrike">
+                          <a:effectLst/>
+                        </a:rPr>
+                        <a:t>·</a:t>
+                      </a:r>
+                      <a:r>
+                        <a:rPr lang="en-US" sz="700" u="none" strike="noStrike">
+                          <a:effectLst/>
+                        </a:rPr>
+                        <a:t>        </a:t>
+                      </a:r>
+                      <a:r>
+                        <a:rPr lang="en-US" sz="1000" u="none" strike="noStrike">
+                          <a:effectLst/>
+                        </a:rPr>
+                        <a:t>Code Reviews</a:t>
+                      </a:r>
+                      <a:endParaRPr lang="en-US" sz="1000" b="0" i="0" u="none" strike="noStrike">
+                        <a:solidFill>
+                          <a:srgbClr val="000000"/>
+                        </a:solidFill>
+                        <a:effectLst/>
+                        <a:latin typeface="Symbol" panose="05050102010706020507" pitchFamily="18" charset="2"/>
+                      </a:endParaRPr>
+                    </a:p>
+                  </a:txBody>
+                  <a:tcPr marL="182880" marR="7620" marT="7620" marB="0" anchor="ctr"/>
+                </a:tc>
+                <a:extLst>
+                  <a:ext uri="{0D108BD9-81ED-4DB2-BD59-A6C34878D82A}">
+                    <a16:rowId xmlns:a16="http://schemas.microsoft.com/office/drawing/2014/main" val="1493921477"/>
+                  </a:ext>
+                </a:extLst>
+              </a:tr>
+              <a:tr h="285539">
+                <a:tc>
+                  <a:txBody>
+                    <a:bodyPr/>
+                    <a:lstStyle/>
+                    <a:p>
+                      <a:pPr algn="l" fontAlgn="ctr"/>
+                      <a:r>
+                        <a:rPr lang="en-US" sz="1000" u="none" strike="noStrike">
+                          <a:effectLst/>
+                        </a:rPr>
+                        <a:t>·</a:t>
+                      </a:r>
+                      <a:r>
+                        <a:rPr lang="en-US" sz="700" u="none" strike="noStrike">
+                          <a:effectLst/>
+                        </a:rPr>
+                        <a:t>        </a:t>
+                      </a:r>
+                      <a:r>
+                        <a:rPr lang="en-US" sz="1000" u="none" strike="noStrike">
+                          <a:effectLst/>
+                        </a:rPr>
+                        <a:t>Java Review and Unit Testing in Java (2, 3)</a:t>
+                      </a:r>
+                      <a:endParaRPr lang="en-US" sz="1000" b="0" i="0" u="none" strike="noStrike">
+                        <a:solidFill>
+                          <a:srgbClr val="000000"/>
+                        </a:solidFill>
+                        <a:effectLst/>
+                        <a:latin typeface="Symbol" panose="05050102010706020507" pitchFamily="18" charset="2"/>
+                      </a:endParaRPr>
+                    </a:p>
+                  </a:txBody>
+                  <a:tcPr marL="182880" marR="7620" marT="7620" marB="0" anchor="ctr"/>
+                </a:tc>
+                <a:extLst>
+                  <a:ext uri="{0D108BD9-81ED-4DB2-BD59-A6C34878D82A}">
+                    <a16:rowId xmlns:a16="http://schemas.microsoft.com/office/drawing/2014/main" val="1771452807"/>
+                  </a:ext>
+                </a:extLst>
+              </a:tr>
+              <a:tr h="285539">
+                <a:tc>
+                  <a:txBody>
+                    <a:bodyPr/>
+                    <a:lstStyle/>
+                    <a:p>
+                      <a:pPr algn="l" fontAlgn="ctr"/>
+                      <a:r>
+                        <a:rPr lang="en-US" sz="1000" u="none" strike="noStrike">
+                          <a:effectLst/>
+                        </a:rPr>
+                        <a:t>·</a:t>
+                      </a:r>
+                      <a:r>
+                        <a:rPr lang="en-US" sz="700" u="none" strike="noStrike">
+                          <a:effectLst/>
+                        </a:rPr>
+                        <a:t>        </a:t>
+                      </a:r>
+                      <a:r>
+                        <a:rPr lang="en-US" sz="1000" u="none" strike="noStrike">
+                          <a:effectLst/>
+                        </a:rPr>
+                        <a:t>JS review and JS Unit Testing in (2)</a:t>
+                      </a:r>
+                      <a:endParaRPr lang="en-US" sz="1000" b="0" i="0" u="none" strike="noStrike">
+                        <a:solidFill>
+                          <a:srgbClr val="000000"/>
+                        </a:solidFill>
+                        <a:effectLst/>
+                        <a:latin typeface="Symbol" panose="05050102010706020507" pitchFamily="18" charset="2"/>
+                      </a:endParaRPr>
+                    </a:p>
+                  </a:txBody>
+                  <a:tcPr marL="182880" marR="7620" marT="7620" marB="0" anchor="ctr"/>
+                </a:tc>
+                <a:extLst>
+                  <a:ext uri="{0D108BD9-81ED-4DB2-BD59-A6C34878D82A}">
+                    <a16:rowId xmlns:a16="http://schemas.microsoft.com/office/drawing/2014/main" val="1199781287"/>
+                  </a:ext>
+                </a:extLst>
+              </a:tr>
+              <a:tr h="285539">
+                <a:tc>
+                  <a:txBody>
+                    <a:bodyPr/>
+                    <a:lstStyle/>
+                    <a:p>
+                      <a:pPr algn="l" fontAlgn="ctr"/>
+                      <a:r>
+                        <a:rPr lang="en-US" sz="1000" u="none" strike="noStrike">
+                          <a:effectLst/>
+                        </a:rPr>
+                        <a:t>·</a:t>
+                      </a:r>
+                      <a:r>
+                        <a:rPr lang="en-US" sz="700" u="none" strike="noStrike">
+                          <a:effectLst/>
+                        </a:rPr>
+                        <a:t>        </a:t>
+                      </a:r>
+                      <a:r>
+                        <a:rPr lang="en-US" sz="1000" u="none" strike="noStrike">
+                          <a:effectLst/>
+                        </a:rPr>
+                        <a:t>JS Code Standards (3)</a:t>
+                      </a:r>
+                      <a:endParaRPr lang="en-US" sz="1000" b="0" i="0" u="none" strike="noStrike">
+                        <a:solidFill>
+                          <a:srgbClr val="000000"/>
+                        </a:solidFill>
+                        <a:effectLst/>
+                        <a:latin typeface="Symbol" panose="05050102010706020507" pitchFamily="18" charset="2"/>
+                      </a:endParaRPr>
+                    </a:p>
+                  </a:txBody>
+                  <a:tcPr marL="182880" marR="7620" marT="7620" marB="0" anchor="ctr"/>
+                </a:tc>
+                <a:extLst>
+                  <a:ext uri="{0D108BD9-81ED-4DB2-BD59-A6C34878D82A}">
+                    <a16:rowId xmlns:a16="http://schemas.microsoft.com/office/drawing/2014/main" val="3957372723"/>
+                  </a:ext>
+                </a:extLst>
+              </a:tr>
+              <a:tr h="285539">
+                <a:tc>
+                  <a:txBody>
+                    <a:bodyPr/>
+                    <a:lstStyle/>
+                    <a:p>
+                      <a:pPr algn="l" fontAlgn="ctr"/>
+                      <a:r>
+                        <a:rPr lang="nl-NL" sz="1000" u="none" strike="noStrike">
+                          <a:effectLst/>
+                        </a:rPr>
+                        <a:t>·</a:t>
+                      </a:r>
+                      <a:r>
+                        <a:rPr lang="nl-NL" sz="700" u="none" strike="noStrike">
+                          <a:effectLst/>
+                        </a:rPr>
+                        <a:t>        </a:t>
+                      </a:r>
+                      <a:r>
+                        <a:rPr lang="nl-NL" sz="1000" u="none" strike="noStrike">
+                          <a:effectLst/>
+                        </a:rPr>
+                        <a:t>JS Debugging in JS (2)</a:t>
+                      </a:r>
+                      <a:endParaRPr lang="nl-NL" sz="1000" b="0" i="0" u="none" strike="noStrike">
+                        <a:solidFill>
+                          <a:srgbClr val="000000"/>
+                        </a:solidFill>
+                        <a:effectLst/>
+                        <a:latin typeface="Symbol" panose="05050102010706020507" pitchFamily="18" charset="2"/>
+                      </a:endParaRPr>
+                    </a:p>
+                  </a:txBody>
+                  <a:tcPr marL="182880" marR="7620" marT="7620" marB="0" anchor="ctr"/>
+                </a:tc>
+                <a:extLst>
+                  <a:ext uri="{0D108BD9-81ED-4DB2-BD59-A6C34878D82A}">
+                    <a16:rowId xmlns:a16="http://schemas.microsoft.com/office/drawing/2014/main" val="2169306244"/>
+                  </a:ext>
+                </a:extLst>
+              </a:tr>
+              <a:tr h="264388">
+                <a:tc>
+                  <a:txBody>
+                    <a:bodyPr/>
+                    <a:lstStyle/>
+                    <a:p>
+                      <a:pPr algn="l" fontAlgn="ctr"/>
+                      <a:r>
+                        <a:rPr lang="en-US" sz="1000" u="none" strike="noStrike">
+                          <a:effectLst/>
+                        </a:rPr>
+                        <a:t>·</a:t>
+                      </a:r>
+                      <a:r>
+                        <a:rPr lang="en-US" sz="700" u="none" strike="noStrike">
+                          <a:effectLst/>
+                        </a:rPr>
+                        <a:t>        </a:t>
+                      </a:r>
+                      <a:r>
+                        <a:rPr lang="en-US" sz="1000" u="none" strike="noStrike">
+                          <a:effectLst/>
+                        </a:rPr>
+                        <a:t>Node.js unit testing</a:t>
+                      </a:r>
+                      <a:endParaRPr lang="en-US" sz="1000" b="0" i="0" u="none" strike="noStrike">
+                        <a:solidFill>
+                          <a:srgbClr val="000000"/>
+                        </a:solidFill>
+                        <a:effectLst/>
+                        <a:latin typeface="Symbol" panose="05050102010706020507" pitchFamily="18" charset="2"/>
+                      </a:endParaRPr>
+                    </a:p>
+                  </a:txBody>
+                  <a:tcPr marL="182880" marR="7620" marT="7620" marB="0" anchor="ctr"/>
+                </a:tc>
+                <a:extLst>
+                  <a:ext uri="{0D108BD9-81ED-4DB2-BD59-A6C34878D82A}">
+                    <a16:rowId xmlns:a16="http://schemas.microsoft.com/office/drawing/2014/main" val="649719880"/>
+                  </a:ext>
+                </a:extLst>
+              </a:tr>
+              <a:tr h="264388">
+                <a:tc>
+                  <a:txBody>
+                    <a:bodyPr/>
+                    <a:lstStyle/>
+                    <a:p>
+                      <a:pPr algn="l" fontAlgn="ctr"/>
+                      <a:r>
+                        <a:rPr lang="en-US" sz="1000" u="none" strike="noStrike" dirty="0">
+                          <a:effectLst/>
+                        </a:rPr>
+                        <a:t>·</a:t>
+                      </a:r>
+                      <a:r>
+                        <a:rPr lang="en-US" sz="700" u="none" strike="noStrike" dirty="0">
+                          <a:effectLst/>
+                        </a:rPr>
+                        <a:t>        </a:t>
+                      </a:r>
+                      <a:r>
+                        <a:rPr lang="en-US" sz="1000" u="none" strike="noStrike" dirty="0">
+                          <a:effectLst/>
+                        </a:rPr>
+                        <a:t>API Testing with </a:t>
+                      </a:r>
+                      <a:r>
+                        <a:rPr lang="en-US" sz="1000" u="none" strike="noStrike" dirty="0" err="1">
+                          <a:effectLst/>
+                        </a:rPr>
+                        <a:t>PostMan</a:t>
+                      </a:r>
+                      <a:endParaRPr lang="en-US" sz="1000" b="0" i="0" u="none" strike="noStrike" dirty="0">
+                        <a:solidFill>
+                          <a:srgbClr val="000000"/>
+                        </a:solidFill>
+                        <a:effectLst/>
+                        <a:latin typeface="Symbol" panose="05050102010706020507" pitchFamily="18" charset="2"/>
+                      </a:endParaRPr>
+                    </a:p>
+                  </a:txBody>
+                  <a:tcPr marL="182880" marR="7620" marT="7620" marB="0" anchor="ctr"/>
+                </a:tc>
+                <a:extLst>
+                  <a:ext uri="{0D108BD9-81ED-4DB2-BD59-A6C34878D82A}">
+                    <a16:rowId xmlns:a16="http://schemas.microsoft.com/office/drawing/2014/main" val="730002011"/>
+                  </a:ext>
+                </a:extLst>
+              </a:tr>
+            </a:tbl>
+          </a:graphicData>
+        </a:graphic>
+      </p:graphicFrame>
+      <p:pic>
+        <p:nvPicPr>
+          <p:cNvPr id="6" name="Picture 5">
+            <a:extLst>
+              <a:ext uri="{FF2B5EF4-FFF2-40B4-BE49-F238E27FC236}">
+                <a16:creationId xmlns:a16="http://schemas.microsoft.com/office/drawing/2014/main" id="{0766082F-7C84-4CC2-843A-2D0C851C003C}"/>
+              </a:ext>
+            </a:extLst>
+          </p:cNvPr>
+          <p:cNvPicPr>
+            <a:picLocks noChangeAspect="1"/>
+          </p:cNvPicPr>
+          <p:nvPr/>
+        </p:nvPicPr>
+        <p:blipFill>
+          <a:blip r:embed="rId2"/>
+          <a:stretch>
+            <a:fillRect/>
+          </a:stretch>
+        </p:blipFill>
+        <p:spPr>
+          <a:xfrm>
+            <a:off x="1785937" y="576262"/>
+            <a:ext cx="8620125" cy="5705475"/>
+          </a:xfrm>
+          <a:prstGeom prst="rect">
+            <a:avLst/>
+          </a:prstGeom>
+        </p:spPr>
+      </p:pic>
+    </p:spTree>
+    <p:extLst>
+      <p:ext uri="{BB962C8B-B14F-4D97-AF65-F5344CB8AC3E}">
+        <p14:creationId xmlns:p14="http://schemas.microsoft.com/office/powerpoint/2010/main" val="2141980905"/>
+      </p:ext>
+    </p:extLst>
+  </p:cSld>
+  <p:clrMapOvr>
+    <a:masterClrMapping/>
+  </p:clrMapOvr>
+</p:sld>
+</file>
+
+<file path=ppt/slides/slide8.xml><?xml version="1.0" encoding="utf-8"?>
+<p:sld xmlns:a="http://schemas.openxmlformats.org/drawingml/2006/main" xmlns:r="http://schemas.openxmlformats.org/officeDocument/2006/relationships" xmlns:p="http://schemas.openxmlformats.org/presentationml/2006/main">
+  <p:cSld>
+    <p:spTree>
+      <p:nvGrpSpPr>
+        <p:cNvPr id="1" name=""/>
+        <p:cNvGrpSpPr/>
+        <p:nvPr/>
+      </p:nvGrpSpPr>
+      <p:grpSpPr>
+        <a:xfrm>
+          <a:off x="0" y="0"/>
+          <a:ext cx="0" cy="0"/>
+          <a:chOff x="0" y="0"/>
+          <a:chExt cx="0" cy="0"/>
+        </a:xfrm>
+      </p:grpSpPr>
+      <p:sp>
+        <p:nvSpPr>
+          <p:cNvPr id="2" name="Title 1">
+            <a:extLst>
+              <a:ext uri="{FF2B5EF4-FFF2-40B4-BE49-F238E27FC236}">
                 <a16:creationId xmlns:a16="http://schemas.microsoft.com/office/drawing/2014/main" id="{0EEE5C68-5578-42AD-A52E-87F19BF290E2}"/>
               </a:ext>
             </a:extLst>
@@ -9828,8 +11516,8 @@
         </p:blipFill>
         <p:spPr>
           <a:xfrm rot="16200000">
-            <a:off x="7901219" y="1445575"/>
-            <a:ext cx="2789456" cy="3719275"/>
+            <a:off x="7572569" y="1204008"/>
+            <a:ext cx="3337487" cy="4449983"/>
           </a:xfrm>
           <a:prstGeom prst="rect">
             <a:avLst/>
@@ -9849,7 +11537,7 @@
 </p:sld>
 </file>
 
-<file path=ppt/slides/slide7.xml><?xml version="1.0" encoding="utf-8"?>
+<file path=ppt/slides/slide9.xml><?xml version="1.0" encoding="utf-8"?>
 <p:sld xmlns:a="http://schemas.openxmlformats.org/drawingml/2006/main" xmlns:r="http://schemas.openxmlformats.org/officeDocument/2006/relationships" xmlns:p="http://schemas.openxmlformats.org/presentationml/2006/main">
   <p:cSld>
     <p:spTree>
@@ -10253,473 +11941,6 @@
     <p:extLst>
       <p:ext uri="{BB962C8B-B14F-4D97-AF65-F5344CB8AC3E}">
         <p14:creationId xmlns:p14="http://schemas.microsoft.com/office/powerpoint/2010/main" val="713992669"/>
-      </p:ext>
-    </p:extLst>
-  </p:cSld>
-  <p:clrMapOvr>
-    <a:masterClrMapping/>
-  </p:clrMapOvr>
-</p:sld>
-</file>
-
-<file path=ppt/slides/slide8.xml><?xml version="1.0" encoding="utf-8"?>
-<p:sld xmlns:a="http://schemas.openxmlformats.org/drawingml/2006/main" xmlns:r="http://schemas.openxmlformats.org/officeDocument/2006/relationships" xmlns:p="http://schemas.openxmlformats.org/presentationml/2006/main">
-  <p:cSld>
-    <p:spTree>
-      <p:nvGrpSpPr>
-        <p:cNvPr id="1" name=""/>
-        <p:cNvGrpSpPr/>
-        <p:nvPr/>
-      </p:nvGrpSpPr>
-      <p:grpSpPr>
-        <a:xfrm>
-          <a:off x="0" y="0"/>
-          <a:ext cx="0" cy="0"/>
-          <a:chOff x="0" y="0"/>
-          <a:chExt cx="0" cy="0"/>
-        </a:xfrm>
-      </p:grpSpPr>
-      <p:sp>
-        <p:nvSpPr>
-          <p:cNvPr id="5" name="Title 1">
-            <a:extLst>
-              <a:ext uri="{FF2B5EF4-FFF2-40B4-BE49-F238E27FC236}">
-                <a16:creationId xmlns:a16="http://schemas.microsoft.com/office/drawing/2014/main" id="{522A335D-40A0-495C-A9EA-B9A71B2BB6E3}"/>
-              </a:ext>
-            </a:extLst>
-          </p:cNvPr>
-          <p:cNvSpPr txBox="1">
-            <a:spLocks/>
-          </p:cNvSpPr>
-          <p:nvPr/>
-        </p:nvSpPr>
-        <p:spPr>
-          <a:xfrm>
-            <a:off x="345828" y="-22281"/>
-            <a:ext cx="10515600" cy="1325563"/>
-          </a:xfrm>
-          <a:prstGeom prst="rect">
-            <a:avLst/>
-          </a:prstGeom>
-        </p:spPr>
-        <p:txBody>
-          <a:bodyPr vert="horz" lIns="91440" tIns="45720" rIns="91440" bIns="45720" rtlCol="0" anchor="ctr">
-            <a:normAutofit/>
-          </a:bodyPr>
-          <a:lstStyle>
-            <a:lvl1pPr algn="l" defTabSz="914400" rtl="0" eaLnBrk="1" latinLnBrk="0" hangingPunct="1">
-              <a:lnSpc>
-                <a:spcPct val="90000"/>
-              </a:lnSpc>
-              <a:spcBef>
-                <a:spcPct val="0"/>
-              </a:spcBef>
-              <a:buNone/>
-              <a:defRPr sz="4400" kern="1200">
-                <a:solidFill>
-                  <a:schemeClr val="tx1"/>
-                </a:solidFill>
-                <a:latin typeface="+mj-lt"/>
-                <a:ea typeface="+mj-ea"/>
-                <a:cs typeface="+mj-cs"/>
-              </a:defRPr>
-            </a:lvl1pPr>
-          </a:lstStyle>
-          <a:p>
-            <a:r>
-              <a:rPr lang="en-US"/>
-              <a:t>My Philosophies on … </a:t>
-            </a:r>
-            <a:endParaRPr lang="en-US" dirty="0"/>
-          </a:p>
-        </p:txBody>
-      </p:sp>
-      <p:sp>
-        <p:nvSpPr>
-          <p:cNvPr id="6" name="TextBox 5">
-            <a:extLst>
-              <a:ext uri="{FF2B5EF4-FFF2-40B4-BE49-F238E27FC236}">
-                <a16:creationId xmlns:a16="http://schemas.microsoft.com/office/drawing/2014/main" id="{22E1AA7B-B076-444B-84D8-DA2C873ED78D}"/>
-              </a:ext>
-            </a:extLst>
-          </p:cNvPr>
-          <p:cNvSpPr txBox="1"/>
-          <p:nvPr/>
-        </p:nvSpPr>
-        <p:spPr>
-          <a:xfrm>
-            <a:off x="6667128" y="271168"/>
-            <a:ext cx="3708647" cy="369332"/>
-          </a:xfrm>
-          <a:prstGeom prst="rect">
-            <a:avLst/>
-          </a:prstGeom>
-          <a:noFill/>
-        </p:spPr>
-        <p:txBody>
-          <a:bodyPr wrap="square">
-            <a:spAutoFit/>
-          </a:bodyPr>
-          <a:lstStyle/>
-          <a:p>
-            <a:r>
-              <a:rPr lang="en-US" b="1" dirty="0"/>
-              <a:t>Being Proactive about your learning</a:t>
-            </a:r>
-          </a:p>
-        </p:txBody>
-      </p:sp>
-      <p:sp>
-        <p:nvSpPr>
-          <p:cNvPr id="8" name="TextBox 7">
-            <a:extLst>
-              <a:ext uri="{FF2B5EF4-FFF2-40B4-BE49-F238E27FC236}">
-                <a16:creationId xmlns:a16="http://schemas.microsoft.com/office/drawing/2014/main" id="{509119B2-F320-4872-B5D7-22C3F9BB3C9B}"/>
-              </a:ext>
-            </a:extLst>
-          </p:cNvPr>
-          <p:cNvSpPr txBox="1"/>
-          <p:nvPr/>
-        </p:nvSpPr>
-        <p:spPr>
-          <a:xfrm>
-            <a:off x="145329" y="1839042"/>
-            <a:ext cx="6094520" cy="3693319"/>
-          </a:xfrm>
-          <a:prstGeom prst="rect">
-            <a:avLst/>
-          </a:prstGeom>
-          <a:noFill/>
-        </p:spPr>
-        <p:txBody>
-          <a:bodyPr wrap="square">
-            <a:spAutoFit/>
-          </a:bodyPr>
-          <a:lstStyle/>
-          <a:p>
-            <a:pPr algn="l" fontAlgn="base"/>
-            <a:r>
-              <a:rPr lang="en-US" b="0" i="0" dirty="0">
-                <a:solidFill>
-                  <a:srgbClr val="1A1A1B"/>
-                </a:solidFill>
-                <a:effectLst/>
-                <a:latin typeface="Noto Sans"/>
-              </a:rPr>
-              <a:t>I don't take notes at all. Everything you need to remember is on power points, the text book, internet. What you should do is spent 95% of your time just trying to understand what's going on. Use that remaining 5% asking questions.</a:t>
-            </a:r>
-          </a:p>
-          <a:p>
-            <a:pPr algn="l" fontAlgn="base"/>
-            <a:endParaRPr lang="en-US" b="0" i="0" dirty="0">
-              <a:solidFill>
-                <a:srgbClr val="1A1A1B"/>
-              </a:solidFill>
-              <a:effectLst/>
-              <a:latin typeface="Noto Sans"/>
-            </a:endParaRPr>
-          </a:p>
-          <a:p>
-            <a:pPr algn="l" fontAlgn="base"/>
-            <a:r>
-              <a:rPr lang="en-US" b="0" i="0" dirty="0">
-                <a:solidFill>
-                  <a:srgbClr val="1A1A1B"/>
-                </a:solidFill>
-                <a:effectLst/>
-                <a:latin typeface="Noto Sans"/>
-              </a:rPr>
-              <a:t>I don't give a f*** if you're shy or don't want to be the annoying kid that asks questions. Be proactive. Sit in class to learn, not to record. If the prof tells you "X", ask why "X"? Why not "Y"? What happens to "X" if "Z" happens?</a:t>
-            </a:r>
-          </a:p>
-          <a:p>
-            <a:pPr algn="l" fontAlgn="base"/>
-            <a:r>
-              <a:rPr lang="en-US" b="0" i="0" dirty="0">
-                <a:solidFill>
-                  <a:srgbClr val="1A1A1B"/>
-                </a:solidFill>
-                <a:effectLst/>
-                <a:latin typeface="Noto Sans"/>
-              </a:rPr>
-              <a:t>And after class is over, try to apply the knowledge. When you see how the knowledge you just acquired fits with previous knowledge, then you will have a deeper understanding.</a:t>
-            </a:r>
-          </a:p>
-          <a:p>
-            <a:pPr algn="l" fontAlgn="base"/>
-            <a:endParaRPr lang="en-US" b="0" i="0" dirty="0">
-              <a:solidFill>
-                <a:srgbClr val="1A1A1B"/>
-              </a:solidFill>
-              <a:effectLst/>
-              <a:latin typeface="Noto Sans"/>
-            </a:endParaRPr>
-          </a:p>
-        </p:txBody>
-      </p:sp>
-      <p:sp>
-        <p:nvSpPr>
-          <p:cNvPr id="10" name="TextBox 9">
-            <a:extLst>
-              <a:ext uri="{FF2B5EF4-FFF2-40B4-BE49-F238E27FC236}">
-                <a16:creationId xmlns:a16="http://schemas.microsoft.com/office/drawing/2014/main" id="{504BF725-DCC5-4BAA-B0A6-F243CCD4DFDD}"/>
-              </a:ext>
-            </a:extLst>
-          </p:cNvPr>
-          <p:cNvSpPr txBox="1"/>
-          <p:nvPr/>
-        </p:nvSpPr>
-        <p:spPr>
-          <a:xfrm>
-            <a:off x="233036" y="1064551"/>
-            <a:ext cx="9603419" cy="369332"/>
-          </a:xfrm>
-          <a:prstGeom prst="rect">
-            <a:avLst/>
-          </a:prstGeom>
-          <a:solidFill>
-            <a:schemeClr val="accent6">
-              <a:lumMod val="20000"/>
-              <a:lumOff val="80000"/>
-            </a:schemeClr>
-          </a:solidFill>
-        </p:spPr>
-        <p:txBody>
-          <a:bodyPr wrap="square">
-            <a:spAutoFit/>
-          </a:bodyPr>
-          <a:lstStyle/>
-          <a:p>
-            <a:r>
-              <a:rPr lang="en-US" dirty="0"/>
-              <a:t>https://www.reddit.com/r/compsci/comments/5poqu6/how_do_you_take_notes_in_lectures/</a:t>
-            </a:r>
-          </a:p>
-        </p:txBody>
-      </p:sp>
-      <p:pic>
-        <p:nvPicPr>
-          <p:cNvPr id="15" name="Picture 14">
-            <a:extLst>
-              <a:ext uri="{FF2B5EF4-FFF2-40B4-BE49-F238E27FC236}">
-                <a16:creationId xmlns:a16="http://schemas.microsoft.com/office/drawing/2014/main" id="{AAA2EF1A-54A3-48A7-A3B2-3D74A706625C}"/>
-              </a:ext>
-            </a:extLst>
-          </p:cNvPr>
-          <p:cNvPicPr>
-            <a:picLocks noChangeAspect="1"/>
-          </p:cNvPicPr>
-          <p:nvPr/>
-        </p:nvPicPr>
-        <p:blipFill>
-          <a:blip r:embed="rId2"/>
-          <a:stretch>
-            <a:fillRect/>
-          </a:stretch>
-        </p:blipFill>
-        <p:spPr>
-          <a:xfrm>
-            <a:off x="7623050" y="2042185"/>
-            <a:ext cx="2752725" cy="1419225"/>
-          </a:xfrm>
-          <a:prstGeom prst="rect">
-            <a:avLst/>
-          </a:prstGeom>
-        </p:spPr>
-      </p:pic>
-      <p:pic>
-        <p:nvPicPr>
-          <p:cNvPr id="17" name="Picture 16">
-            <a:extLst>
-              <a:ext uri="{FF2B5EF4-FFF2-40B4-BE49-F238E27FC236}">
-                <a16:creationId xmlns:a16="http://schemas.microsoft.com/office/drawing/2014/main" id="{01623335-9808-4881-B066-181A877B2937}"/>
-              </a:ext>
-            </a:extLst>
-          </p:cNvPr>
-          <p:cNvPicPr>
-            <a:picLocks noChangeAspect="1"/>
-          </p:cNvPicPr>
-          <p:nvPr/>
-        </p:nvPicPr>
-        <p:blipFill>
-          <a:blip r:embed="rId3"/>
-          <a:stretch>
-            <a:fillRect/>
-          </a:stretch>
-        </p:blipFill>
-        <p:spPr>
-          <a:xfrm>
-            <a:off x="8999412" y="3722611"/>
-            <a:ext cx="2714625" cy="1809750"/>
-          </a:xfrm>
-          <a:prstGeom prst="rect">
-            <a:avLst/>
-          </a:prstGeom>
-        </p:spPr>
-      </p:pic>
-      <p:pic>
-        <p:nvPicPr>
-          <p:cNvPr id="19" name="Picture 18">
-            <a:extLst>
-              <a:ext uri="{FF2B5EF4-FFF2-40B4-BE49-F238E27FC236}">
-                <a16:creationId xmlns:a16="http://schemas.microsoft.com/office/drawing/2014/main" id="{0A0742B3-F5C6-4414-AE7E-31F8DCB77BD1}"/>
-              </a:ext>
-            </a:extLst>
-          </p:cNvPr>
-          <p:cNvPicPr>
-            <a:picLocks noChangeAspect="1"/>
-          </p:cNvPicPr>
-          <p:nvPr/>
-        </p:nvPicPr>
-        <p:blipFill>
-          <a:blip r:embed="rId4"/>
-          <a:stretch>
-            <a:fillRect/>
-          </a:stretch>
-        </p:blipFill>
-        <p:spPr>
-          <a:xfrm>
-            <a:off x="6862531" y="5619750"/>
-            <a:ext cx="2000250" cy="1238250"/>
-          </a:xfrm>
-          <a:prstGeom prst="rect">
-            <a:avLst/>
-          </a:prstGeom>
-        </p:spPr>
-      </p:pic>
-    </p:spTree>
-    <p:extLst>
-      <p:ext uri="{BB962C8B-B14F-4D97-AF65-F5344CB8AC3E}">
-        <p14:creationId xmlns:p14="http://schemas.microsoft.com/office/powerpoint/2010/main" val="1034395953"/>
-      </p:ext>
-    </p:extLst>
-  </p:cSld>
-  <p:clrMapOvr>
-    <a:masterClrMapping/>
-  </p:clrMapOvr>
-</p:sld>
-</file>
-
-<file path=ppt/slides/slide9.xml><?xml version="1.0" encoding="utf-8"?>
-<p:sld xmlns:a="http://schemas.openxmlformats.org/drawingml/2006/main" xmlns:r="http://schemas.openxmlformats.org/officeDocument/2006/relationships" xmlns:p="http://schemas.openxmlformats.org/presentationml/2006/main">
-  <p:cSld>
-    <p:spTree>
-      <p:nvGrpSpPr>
-        <p:cNvPr id="1" name=""/>
-        <p:cNvGrpSpPr/>
-        <p:nvPr/>
-      </p:nvGrpSpPr>
-      <p:grpSpPr>
-        <a:xfrm>
-          <a:off x="0" y="0"/>
-          <a:ext cx="0" cy="0"/>
-          <a:chOff x="0" y="0"/>
-          <a:chExt cx="0" cy="0"/>
-        </a:xfrm>
-      </p:grpSpPr>
-      <p:sp>
-        <p:nvSpPr>
-          <p:cNvPr id="2" name="Title 1">
-            <a:extLst>
-              <a:ext uri="{FF2B5EF4-FFF2-40B4-BE49-F238E27FC236}">
-                <a16:creationId xmlns:a16="http://schemas.microsoft.com/office/drawing/2014/main" id="{0C22B578-B70A-4D68-81A9-4670ECC9A0D9}"/>
-              </a:ext>
-            </a:extLst>
-          </p:cNvPr>
-          <p:cNvSpPr>
-            <a:spLocks noGrp="1"/>
-          </p:cNvSpPr>
-          <p:nvPr>
-            <p:ph type="title"/>
-          </p:nvPr>
-        </p:nvSpPr>
-        <p:spPr/>
-        <p:txBody>
-          <a:bodyPr/>
-          <a:lstStyle/>
-          <a:p>
-            <a:r>
-              <a:rPr lang="en-US" dirty="0"/>
-              <a:t>What I expect … </a:t>
-            </a:r>
-          </a:p>
-        </p:txBody>
-      </p:sp>
-      <p:sp>
-        <p:nvSpPr>
-          <p:cNvPr id="3" name="Content Placeholder 2">
-            <a:extLst>
-              <a:ext uri="{FF2B5EF4-FFF2-40B4-BE49-F238E27FC236}">
-                <a16:creationId xmlns:a16="http://schemas.microsoft.com/office/drawing/2014/main" id="{A115E06D-80BE-4E9E-A49E-F0F2768A3233}"/>
-              </a:ext>
-            </a:extLst>
-          </p:cNvPr>
-          <p:cNvSpPr>
-            <a:spLocks noGrp="1"/>
-          </p:cNvSpPr>
-          <p:nvPr>
-            <p:ph idx="1"/>
-          </p:nvPr>
-        </p:nvSpPr>
-        <p:spPr>
-          <a:xfrm>
-            <a:off x="598503" y="1690688"/>
-            <a:ext cx="10515600" cy="4351338"/>
-          </a:xfrm>
-        </p:spPr>
-        <p:txBody>
-          <a:bodyPr>
-            <a:normAutofit/>
-          </a:bodyPr>
-          <a:lstStyle/>
-          <a:p>
-            <a:pPr marL="0" indent="0">
-              <a:buNone/>
-            </a:pPr>
-            <a:r>
-              <a:rPr lang="en-US" sz="3200" dirty="0"/>
-              <a:t>Pro-active learning  and participation</a:t>
-            </a:r>
-          </a:p>
-          <a:p>
-            <a:pPr marL="971550" lvl="1" indent="-514350">
-              <a:buAutoNum type="arabicPeriod"/>
-            </a:pPr>
-            <a:r>
-              <a:rPr lang="en-US" sz="2800" dirty="0"/>
-              <a:t>Going beyond lectures</a:t>
-            </a:r>
-          </a:p>
-          <a:p>
-            <a:pPr marL="971550" lvl="1" indent="-514350">
-              <a:buAutoNum type="arabicPeriod"/>
-            </a:pPr>
-            <a:r>
-              <a:rPr lang="en-US" sz="2800" dirty="0"/>
-              <a:t>Keeping track of your grade</a:t>
-            </a:r>
-          </a:p>
-          <a:p>
-            <a:pPr marL="971550" lvl="1" indent="-514350">
-              <a:buAutoNum type="arabicPeriod"/>
-            </a:pPr>
-            <a:r>
-              <a:rPr lang="en-US" sz="2800" dirty="0"/>
-              <a:t>Getting things done on time</a:t>
-            </a:r>
-          </a:p>
-          <a:p>
-            <a:pPr marL="457200" lvl="1" indent="0">
-              <a:buNone/>
-            </a:pPr>
-            <a:endParaRPr lang="en-US" sz="2800" dirty="0"/>
-          </a:p>
-        </p:txBody>
-      </p:sp>
-    </p:spTree>
-    <p:extLst>
-      <p:ext uri="{BB962C8B-B14F-4D97-AF65-F5344CB8AC3E}">
-        <p14:creationId xmlns:p14="http://schemas.microsoft.com/office/powerpoint/2010/main" val="1702743935"/>
       </p:ext>
     </p:extLst>
   </p:cSld>

--- a/CSC3510 S2021/Lectures/01IntroductionTo3510.pptx
+++ b/CSC3510 S2021/Lectures/01IntroductionTo3510.pptx
@@ -5,21 +5,25 @@
     <p:sldMasterId id="2147483958" r:id="rId1"/>
   </p:sldMasterIdLst>
   <p:notesMasterIdLst>
-    <p:notesMasterId r:id="rId14"/>
+    <p:notesMasterId r:id="rId18"/>
   </p:notesMasterIdLst>
   <p:sldIdLst>
     <p:sldId id="555" r:id="rId2"/>
     <p:sldId id="708" r:id="rId3"/>
     <p:sldId id="709" r:id="rId4"/>
     <p:sldId id="710" r:id="rId5"/>
-    <p:sldId id="715" r:id="rId6"/>
-    <p:sldId id="717" r:id="rId7"/>
-    <p:sldId id="718" r:id="rId8"/>
-    <p:sldId id="711" r:id="rId9"/>
-    <p:sldId id="712" r:id="rId10"/>
-    <p:sldId id="713" r:id="rId11"/>
-    <p:sldId id="716" r:id="rId12"/>
-    <p:sldId id="714" r:id="rId13"/>
+    <p:sldId id="499" r:id="rId6"/>
+    <p:sldId id="715" r:id="rId7"/>
+    <p:sldId id="717" r:id="rId8"/>
+    <p:sldId id="718" r:id="rId9"/>
+    <p:sldId id="719" r:id="rId10"/>
+    <p:sldId id="720" r:id="rId11"/>
+    <p:sldId id="722" r:id="rId12"/>
+    <p:sldId id="711" r:id="rId13"/>
+    <p:sldId id="712" r:id="rId14"/>
+    <p:sldId id="713" r:id="rId15"/>
+    <p:sldId id="716" r:id="rId16"/>
+    <p:sldId id="714" r:id="rId17"/>
   </p:sldIdLst>
   <p:sldSz cx="12192000" cy="6858000"/>
   <p:notesSz cx="6858000" cy="9144000"/>
@@ -381,333 +385,7 @@
 </c:chartSpace>
 </file>
 
-<file path=ppt/charts/chart2.xml><?xml version="1.0" encoding="utf-8"?>
-<c:chartSpace xmlns:c="http://schemas.openxmlformats.org/drawingml/2006/chart" xmlns:a="http://schemas.openxmlformats.org/drawingml/2006/main" xmlns:r="http://schemas.openxmlformats.org/officeDocument/2006/relationships" xmlns:c16r2="http://schemas.microsoft.com/office/drawing/2015/06/chart">
-  <c:date1904 val="0"/>
-  <c:lang val="en-US"/>
-  <c:roundedCorners val="0"/>
-  <mc:AlternateContent xmlns:mc="http://schemas.openxmlformats.org/markup-compatibility/2006">
-    <mc:Choice xmlns:c14="http://schemas.microsoft.com/office/drawing/2007/8/2/chart" Requires="c14">
-      <c14:style val="102"/>
-    </mc:Choice>
-    <mc:Fallback>
-      <c:style val="2"/>
-    </mc:Fallback>
-  </mc:AlternateContent>
-  <c:chart>
-    <c:title>
-      <c:tx>
-        <c:rich>
-          <a:bodyPr rot="0" spcFirstLastPara="1" vertOverflow="ellipsis" vert="horz" wrap="square" anchor="ctr" anchorCtr="1"/>
-          <a:lstStyle/>
-          <a:p>
-            <a:pPr>
-              <a:defRPr sz="1400" b="0" i="0" u="none" strike="noStrike" kern="1200" spc="0" baseline="0">
-                <a:solidFill>
-                  <a:schemeClr val="tx1">
-                    <a:lumMod val="65000"/>
-                    <a:lumOff val="35000"/>
-                  </a:schemeClr>
-                </a:solidFill>
-                <a:latin typeface="+mn-lt"/>
-                <a:ea typeface="+mn-ea"/>
-                <a:cs typeface="+mn-cs"/>
-              </a:defRPr>
-            </a:pPr>
-            <a:r>
-              <a:rPr lang="en-US"/>
-              <a:t>Approx percent completed </a:t>
-            </a:r>
-          </a:p>
-        </c:rich>
-      </c:tx>
-      <c:overlay val="0"/>
-      <c:spPr>
-        <a:noFill/>
-        <a:ln>
-          <a:noFill/>
-        </a:ln>
-        <a:effectLst/>
-      </c:spPr>
-      <c:txPr>
-        <a:bodyPr rot="0" spcFirstLastPara="1" vertOverflow="ellipsis" vert="horz" wrap="square" anchor="ctr" anchorCtr="1"/>
-        <a:lstStyle/>
-        <a:p>
-          <a:pPr>
-            <a:defRPr sz="1400" b="0" i="0" u="none" strike="noStrike" kern="1200" spc="0" baseline="0">
-              <a:solidFill>
-                <a:schemeClr val="tx1">
-                  <a:lumMod val="65000"/>
-                  <a:lumOff val="35000"/>
-                </a:schemeClr>
-              </a:solidFill>
-              <a:latin typeface="+mn-lt"/>
-              <a:ea typeface="+mn-ea"/>
-              <a:cs typeface="+mn-cs"/>
-            </a:defRPr>
-          </a:pPr>
-          <a:endParaRPr lang="en-US"/>
-        </a:p>
-      </c:txPr>
-    </c:title>
-    <c:autoTitleDeleted val="0"/>
-    <c:plotArea>
-      <c:layout/>
-      <c:barChart>
-        <c:barDir val="col"/>
-        <c:grouping val="stacked"/>
-        <c:varyColors val="0"/>
-        <c:ser>
-          <c:idx val="0"/>
-          <c:order val="0"/>
-          <c:spPr>
-            <a:solidFill>
-              <a:schemeClr val="accent1"/>
-            </a:solidFill>
-            <a:ln>
-              <a:noFill/>
-            </a:ln>
-            <a:effectLst/>
-          </c:spPr>
-          <c:invertIfNegative val="0"/>
-          <c:cat>
-            <c:strRef>
-              <c:f>(Sheet2!$G$28,Sheet2!$H$28)</c:f>
-              <c:strCache>
-                <c:ptCount val="2"/>
-                <c:pt idx="0">
-                  <c:v>CSC4350</c:v>
-                </c:pt>
-                <c:pt idx="1">
-                  <c:v>CSC2200</c:v>
-                </c:pt>
-              </c:strCache>
-            </c:strRef>
-          </c:cat>
-          <c:val>
-            <c:numRef>
-              <c:f>(Sheet2!$G$30,Sheet2!$H$30)</c:f>
-              <c:numCache>
-                <c:formatCode>General</c:formatCode>
-                <c:ptCount val="2"/>
-                <c:pt idx="0">
-                  <c:v>50</c:v>
-                </c:pt>
-                <c:pt idx="1">
-                  <c:v>73.076923076923066</c:v>
-                </c:pt>
-              </c:numCache>
-            </c:numRef>
-          </c:val>
-          <c:extLst>
-            <c:ext xmlns:c16="http://schemas.microsoft.com/office/drawing/2014/chart" uri="{C3380CC4-5D6E-409C-BE32-E72D297353CC}">
-              <c16:uniqueId val="{00000000-EA78-4833-AFF2-74F143263F70}"/>
-            </c:ext>
-          </c:extLst>
-        </c:ser>
-        <c:dLbls>
-          <c:showLegendKey val="0"/>
-          <c:showVal val="0"/>
-          <c:showCatName val="0"/>
-          <c:showSerName val="0"/>
-          <c:showPercent val="0"/>
-          <c:showBubbleSize val="0"/>
-        </c:dLbls>
-        <c:gapWidth val="150"/>
-        <c:overlap val="100"/>
-        <c:axId val="848635616"/>
-        <c:axId val="848637256"/>
-      </c:barChart>
-      <c:catAx>
-        <c:axId val="848635616"/>
-        <c:scaling>
-          <c:orientation val="minMax"/>
-        </c:scaling>
-        <c:delete val="0"/>
-        <c:axPos val="b"/>
-        <c:numFmt formatCode="General" sourceLinked="1"/>
-        <c:majorTickMark val="none"/>
-        <c:minorTickMark val="none"/>
-        <c:tickLblPos val="nextTo"/>
-        <c:spPr>
-          <a:noFill/>
-          <a:ln w="9525" cap="flat" cmpd="sng" algn="ctr">
-            <a:solidFill>
-              <a:schemeClr val="tx1">
-                <a:lumMod val="15000"/>
-                <a:lumOff val="85000"/>
-              </a:schemeClr>
-            </a:solidFill>
-            <a:round/>
-          </a:ln>
-          <a:effectLst/>
-        </c:spPr>
-        <c:txPr>
-          <a:bodyPr rot="-60000000" spcFirstLastPara="1" vertOverflow="ellipsis" vert="horz" wrap="square" anchor="ctr" anchorCtr="1"/>
-          <a:lstStyle/>
-          <a:p>
-            <a:pPr>
-              <a:defRPr sz="900" b="0" i="0" u="none" strike="noStrike" kern="1200" baseline="0">
-                <a:solidFill>
-                  <a:schemeClr val="tx1">
-                    <a:lumMod val="65000"/>
-                    <a:lumOff val="35000"/>
-                  </a:schemeClr>
-                </a:solidFill>
-                <a:latin typeface="+mn-lt"/>
-                <a:ea typeface="+mn-ea"/>
-                <a:cs typeface="+mn-cs"/>
-              </a:defRPr>
-            </a:pPr>
-            <a:endParaRPr lang="en-US"/>
-          </a:p>
-        </c:txPr>
-        <c:crossAx val="848637256"/>
-        <c:crosses val="autoZero"/>
-        <c:auto val="1"/>
-        <c:lblAlgn val="ctr"/>
-        <c:lblOffset val="100"/>
-        <c:noMultiLvlLbl val="0"/>
-      </c:catAx>
-      <c:valAx>
-        <c:axId val="848637256"/>
-        <c:scaling>
-          <c:orientation val="minMax"/>
-        </c:scaling>
-        <c:delete val="0"/>
-        <c:axPos val="l"/>
-        <c:majorGridlines>
-          <c:spPr>
-            <a:ln w="9525" cap="flat" cmpd="sng" algn="ctr">
-              <a:solidFill>
-                <a:schemeClr val="tx1">
-                  <a:lumMod val="15000"/>
-                  <a:lumOff val="85000"/>
-                </a:schemeClr>
-              </a:solidFill>
-              <a:round/>
-            </a:ln>
-            <a:effectLst/>
-          </c:spPr>
-        </c:majorGridlines>
-        <c:numFmt formatCode="General" sourceLinked="1"/>
-        <c:majorTickMark val="none"/>
-        <c:minorTickMark val="none"/>
-        <c:tickLblPos val="nextTo"/>
-        <c:spPr>
-          <a:noFill/>
-          <a:ln>
-            <a:noFill/>
-          </a:ln>
-          <a:effectLst/>
-        </c:spPr>
-        <c:txPr>
-          <a:bodyPr rot="-60000000" spcFirstLastPara="1" vertOverflow="ellipsis" vert="horz" wrap="square" anchor="ctr" anchorCtr="1"/>
-          <a:lstStyle/>
-          <a:p>
-            <a:pPr>
-              <a:defRPr sz="900" b="0" i="0" u="none" strike="noStrike" kern="1200" baseline="0">
-                <a:solidFill>
-                  <a:schemeClr val="tx1">
-                    <a:lumMod val="65000"/>
-                    <a:lumOff val="35000"/>
-                  </a:schemeClr>
-                </a:solidFill>
-                <a:latin typeface="+mn-lt"/>
-                <a:ea typeface="+mn-ea"/>
-                <a:cs typeface="+mn-cs"/>
-              </a:defRPr>
-            </a:pPr>
-            <a:endParaRPr lang="en-US"/>
-          </a:p>
-        </c:txPr>
-        <c:crossAx val="848635616"/>
-        <c:crosses val="autoZero"/>
-        <c:crossBetween val="between"/>
-      </c:valAx>
-      <c:spPr>
-        <a:noFill/>
-        <a:ln>
-          <a:noFill/>
-        </a:ln>
-        <a:effectLst/>
-      </c:spPr>
-    </c:plotArea>
-    <c:plotVisOnly val="1"/>
-    <c:dispBlanksAs val="gap"/>
-    <c:extLst>
-      <c:ext xmlns:c16r3="http://schemas.microsoft.com/office/drawing/2017/03/chart" uri="{56B9EC1D-385E-4148-901F-78D8002777C0}">
-        <c16r3:dataDisplayOptions16>
-          <c16r3:dispNaAsBlank val="1"/>
-        </c16r3:dataDisplayOptions16>
-      </c:ext>
-    </c:extLst>
-    <c:showDLblsOverMax val="0"/>
-  </c:chart>
-  <c:spPr>
-    <a:noFill/>
-    <a:ln>
-      <a:noFill/>
-    </a:ln>
-    <a:effectLst/>
-  </c:spPr>
-  <c:txPr>
-    <a:bodyPr/>
-    <a:lstStyle/>
-    <a:p>
-      <a:pPr>
-        <a:defRPr/>
-      </a:pPr>
-      <a:endParaRPr lang="en-US"/>
-    </a:p>
-  </c:txPr>
-  <c:externalData r:id="rId3">
-    <c:autoUpdate val="0"/>
-  </c:externalData>
-</c:chartSpace>
-</file>
-
 <file path=ppt/charts/colors1.xml><?xml version="1.0" encoding="utf-8"?>
-<cs:colorStyle xmlns:cs="http://schemas.microsoft.com/office/drawing/2012/chartStyle" xmlns:a="http://schemas.openxmlformats.org/drawingml/2006/main" meth="cycle" id="10">
-  <a:schemeClr val="accent1"/>
-  <a:schemeClr val="accent2"/>
-  <a:schemeClr val="accent3"/>
-  <a:schemeClr val="accent4"/>
-  <a:schemeClr val="accent5"/>
-  <a:schemeClr val="accent6"/>
-  <cs:variation/>
-  <cs:variation>
-    <a:lumMod val="60000"/>
-  </cs:variation>
-  <cs:variation>
-    <a:lumMod val="80000"/>
-    <a:lumOff val="20000"/>
-  </cs:variation>
-  <cs:variation>
-    <a:lumMod val="80000"/>
-  </cs:variation>
-  <cs:variation>
-    <a:lumMod val="60000"/>
-    <a:lumOff val="40000"/>
-  </cs:variation>
-  <cs:variation>
-    <a:lumMod val="50000"/>
-  </cs:variation>
-  <cs:variation>
-    <a:lumMod val="70000"/>
-    <a:lumOff val="30000"/>
-  </cs:variation>
-  <cs:variation>
-    <a:lumMod val="70000"/>
-  </cs:variation>
-  <cs:variation>
-    <a:lumMod val="50000"/>
-    <a:lumOff val="50000"/>
-  </cs:variation>
-</cs:colorStyle>
-</file>
-
-<file path=ppt/charts/colors2.xml><?xml version="1.0" encoding="utf-8"?>
 <cs:colorStyle xmlns:cs="http://schemas.microsoft.com/office/drawing/2012/chartStyle" xmlns:a="http://schemas.openxmlformats.org/drawingml/2006/main" meth="cycle" id="10">
   <a:schemeClr val="accent1"/>
   <a:schemeClr val="accent2"/>
@@ -1266,511 +944,6 @@
 </cs:chartStyle>
 </file>
 
-<file path=ppt/charts/style2.xml><?xml version="1.0" encoding="utf-8"?>
-<cs:chartStyle xmlns:cs="http://schemas.microsoft.com/office/drawing/2012/chartStyle" xmlns:a="http://schemas.openxmlformats.org/drawingml/2006/main" id="297">
-  <cs:axisTitle>
-    <cs:lnRef idx="0"/>
-    <cs:fillRef idx="0"/>
-    <cs:effectRef idx="0"/>
-    <cs:fontRef idx="minor">
-      <a:schemeClr val="tx1">
-        <a:lumMod val="65000"/>
-        <a:lumOff val="35000"/>
-      </a:schemeClr>
-    </cs:fontRef>
-    <cs:defRPr sz="1000" kern="1200"/>
-  </cs:axisTitle>
-  <cs:categoryAxis>
-    <cs:lnRef idx="0"/>
-    <cs:fillRef idx="0"/>
-    <cs:effectRef idx="0"/>
-    <cs:fontRef idx="minor">
-      <a:schemeClr val="tx1">
-        <a:lumMod val="65000"/>
-        <a:lumOff val="35000"/>
-      </a:schemeClr>
-    </cs:fontRef>
-    <cs:spPr>
-      <a:ln w="9525" cap="flat" cmpd="sng" algn="ctr">
-        <a:solidFill>
-          <a:schemeClr val="tx1">
-            <a:lumMod val="15000"/>
-            <a:lumOff val="85000"/>
-          </a:schemeClr>
-        </a:solidFill>
-        <a:round/>
-      </a:ln>
-    </cs:spPr>
-    <cs:defRPr sz="900" kern="1200"/>
-  </cs:categoryAxis>
-  <cs:chartArea mods="allowNoFillOverride allowNoLineOverride">
-    <cs:lnRef idx="0"/>
-    <cs:fillRef idx="0"/>
-    <cs:effectRef idx="0"/>
-    <cs:fontRef idx="minor">
-      <a:schemeClr val="tx1"/>
-    </cs:fontRef>
-    <cs:spPr>
-      <a:solidFill>
-        <a:schemeClr val="bg1"/>
-      </a:solidFill>
-      <a:ln w="9525" cap="flat" cmpd="sng" algn="ctr">
-        <a:solidFill>
-          <a:schemeClr val="tx1">
-            <a:lumMod val="15000"/>
-            <a:lumOff val="85000"/>
-          </a:schemeClr>
-        </a:solidFill>
-        <a:round/>
-      </a:ln>
-    </cs:spPr>
-    <cs:defRPr sz="1000" kern="1200"/>
-  </cs:chartArea>
-  <cs:dataLabel>
-    <cs:lnRef idx="0"/>
-    <cs:fillRef idx="0"/>
-    <cs:effectRef idx="0"/>
-    <cs:fontRef idx="minor">
-      <a:schemeClr val="tx1">
-        <a:lumMod val="75000"/>
-        <a:lumOff val="25000"/>
-      </a:schemeClr>
-    </cs:fontRef>
-    <cs:defRPr sz="900" kern="1200"/>
-  </cs:dataLabel>
-  <cs:dataLabelCallout>
-    <cs:lnRef idx="0"/>
-    <cs:fillRef idx="0"/>
-    <cs:effectRef idx="0"/>
-    <cs:fontRef idx="minor">
-      <a:schemeClr val="dk1">
-        <a:lumMod val="65000"/>
-        <a:lumOff val="35000"/>
-      </a:schemeClr>
-    </cs:fontRef>
-    <cs:spPr>
-      <a:solidFill>
-        <a:schemeClr val="lt1"/>
-      </a:solidFill>
-      <a:ln>
-        <a:solidFill>
-          <a:schemeClr val="dk1">
-            <a:lumMod val="25000"/>
-            <a:lumOff val="75000"/>
-          </a:schemeClr>
-        </a:solidFill>
-      </a:ln>
-    </cs:spPr>
-    <cs:defRPr sz="900" kern="1200"/>
-    <cs:bodyPr rot="0" spcFirstLastPara="1" vertOverflow="clip" horzOverflow="clip" vert="horz" wrap="square" lIns="36576" tIns="18288" rIns="36576" bIns="18288" anchor="ctr" anchorCtr="1">
-      <a:spAutoFit/>
-    </cs:bodyPr>
-  </cs:dataLabelCallout>
-  <cs:dataPoint>
-    <cs:lnRef idx="0"/>
-    <cs:fillRef idx="1">
-      <cs:styleClr val="auto"/>
-    </cs:fillRef>
-    <cs:effectRef idx="0"/>
-    <cs:fontRef idx="minor">
-      <a:schemeClr val="tx1"/>
-    </cs:fontRef>
-  </cs:dataPoint>
-  <cs:dataPoint3D>
-    <cs:lnRef idx="0"/>
-    <cs:fillRef idx="1">
-      <cs:styleClr val="auto"/>
-    </cs:fillRef>
-    <cs:effectRef idx="0"/>
-    <cs:fontRef idx="minor">
-      <a:schemeClr val="tx1"/>
-    </cs:fontRef>
-  </cs:dataPoint3D>
-  <cs:dataPointLine>
-    <cs:lnRef idx="0">
-      <cs:styleClr val="auto"/>
-    </cs:lnRef>
-    <cs:fillRef idx="1"/>
-    <cs:effectRef idx="0"/>
-    <cs:fontRef idx="minor">
-      <a:schemeClr val="tx1"/>
-    </cs:fontRef>
-    <cs:spPr>
-      <a:ln w="28575" cap="rnd">
-        <a:solidFill>
-          <a:schemeClr val="phClr"/>
-        </a:solidFill>
-        <a:round/>
-      </a:ln>
-    </cs:spPr>
-  </cs:dataPointLine>
-  <cs:dataPointMarker>
-    <cs:lnRef idx="0">
-      <cs:styleClr val="auto"/>
-    </cs:lnRef>
-    <cs:fillRef idx="1">
-      <cs:styleClr val="auto"/>
-    </cs:fillRef>
-    <cs:effectRef idx="0"/>
-    <cs:fontRef idx="minor">
-      <a:schemeClr val="tx1"/>
-    </cs:fontRef>
-    <cs:spPr>
-      <a:ln w="9525">
-        <a:solidFill>
-          <a:schemeClr val="phClr"/>
-        </a:solidFill>
-      </a:ln>
-    </cs:spPr>
-  </cs:dataPointMarker>
-  <cs:dataPointMarkerLayout symbol="circle" size="5"/>
-  <cs:dataPointWireframe>
-    <cs:lnRef idx="0">
-      <cs:styleClr val="auto"/>
-    </cs:lnRef>
-    <cs:fillRef idx="1"/>
-    <cs:effectRef idx="0"/>
-    <cs:fontRef idx="minor">
-      <a:schemeClr val="tx1"/>
-    </cs:fontRef>
-    <cs:spPr>
-      <a:ln w="9525" cap="rnd">
-        <a:solidFill>
-          <a:schemeClr val="phClr"/>
-        </a:solidFill>
-        <a:round/>
-      </a:ln>
-    </cs:spPr>
-  </cs:dataPointWireframe>
-  <cs:dataTable>
-    <cs:lnRef idx="0"/>
-    <cs:fillRef idx="0"/>
-    <cs:effectRef idx="0"/>
-    <cs:fontRef idx="minor">
-      <a:schemeClr val="tx1">
-        <a:lumMod val="65000"/>
-        <a:lumOff val="35000"/>
-      </a:schemeClr>
-    </cs:fontRef>
-    <cs:spPr>
-      <a:noFill/>
-      <a:ln w="9525" cap="flat" cmpd="sng" algn="ctr">
-        <a:solidFill>
-          <a:schemeClr val="tx1">
-            <a:lumMod val="15000"/>
-            <a:lumOff val="85000"/>
-          </a:schemeClr>
-        </a:solidFill>
-        <a:round/>
-      </a:ln>
-    </cs:spPr>
-    <cs:defRPr sz="900" kern="1200"/>
-  </cs:dataTable>
-  <cs:downBar>
-    <cs:lnRef idx="0"/>
-    <cs:fillRef idx="0"/>
-    <cs:effectRef idx="0"/>
-    <cs:fontRef idx="minor">
-      <a:schemeClr val="tx1"/>
-    </cs:fontRef>
-    <cs:spPr>
-      <a:solidFill>
-        <a:schemeClr val="dk1">
-          <a:lumMod val="75000"/>
-          <a:lumOff val="25000"/>
-        </a:schemeClr>
-      </a:solidFill>
-      <a:ln w="9525" cap="flat" cmpd="sng" algn="ctr">
-        <a:solidFill>
-          <a:schemeClr val="tx1">
-            <a:lumMod val="65000"/>
-            <a:lumOff val="35000"/>
-          </a:schemeClr>
-        </a:solidFill>
-        <a:round/>
-      </a:ln>
-    </cs:spPr>
-  </cs:downBar>
-  <cs:dropLine>
-    <cs:lnRef idx="0"/>
-    <cs:fillRef idx="0"/>
-    <cs:effectRef idx="0"/>
-    <cs:fontRef idx="minor">
-      <a:schemeClr val="tx1"/>
-    </cs:fontRef>
-    <cs:spPr>
-      <a:ln w="9525" cap="flat" cmpd="sng" algn="ctr">
-        <a:solidFill>
-          <a:schemeClr val="tx1">
-            <a:lumMod val="35000"/>
-            <a:lumOff val="65000"/>
-          </a:schemeClr>
-        </a:solidFill>
-        <a:round/>
-      </a:ln>
-    </cs:spPr>
-  </cs:dropLine>
-  <cs:errorBar>
-    <cs:lnRef idx="0"/>
-    <cs:fillRef idx="0"/>
-    <cs:effectRef idx="0"/>
-    <cs:fontRef idx="minor">
-      <a:schemeClr val="tx1"/>
-    </cs:fontRef>
-    <cs:spPr>
-      <a:ln w="9525" cap="flat" cmpd="sng" algn="ctr">
-        <a:solidFill>
-          <a:schemeClr val="tx1">
-            <a:lumMod val="65000"/>
-            <a:lumOff val="35000"/>
-          </a:schemeClr>
-        </a:solidFill>
-        <a:round/>
-      </a:ln>
-    </cs:spPr>
-  </cs:errorBar>
-  <cs:floor>
-    <cs:lnRef idx="0"/>
-    <cs:fillRef idx="0"/>
-    <cs:effectRef idx="0"/>
-    <cs:fontRef idx="minor">
-      <a:schemeClr val="tx1"/>
-    </cs:fontRef>
-    <cs:spPr>
-      <a:noFill/>
-      <a:ln>
-        <a:noFill/>
-      </a:ln>
-    </cs:spPr>
-  </cs:floor>
-  <cs:gridlineMajor>
-    <cs:lnRef idx="0"/>
-    <cs:fillRef idx="0"/>
-    <cs:effectRef idx="0"/>
-    <cs:fontRef idx="minor">
-      <a:schemeClr val="tx1"/>
-    </cs:fontRef>
-    <cs:spPr>
-      <a:ln w="9525" cap="flat" cmpd="sng" algn="ctr">
-        <a:solidFill>
-          <a:schemeClr val="tx1">
-            <a:lumMod val="15000"/>
-            <a:lumOff val="85000"/>
-          </a:schemeClr>
-        </a:solidFill>
-        <a:round/>
-      </a:ln>
-    </cs:spPr>
-  </cs:gridlineMajor>
-  <cs:gridlineMinor>
-    <cs:lnRef idx="0"/>
-    <cs:fillRef idx="0"/>
-    <cs:effectRef idx="0"/>
-    <cs:fontRef idx="minor">
-      <a:schemeClr val="tx1"/>
-    </cs:fontRef>
-    <cs:spPr>
-      <a:ln w="9525" cap="flat" cmpd="sng" algn="ctr">
-        <a:solidFill>
-          <a:schemeClr val="tx1">
-            <a:lumMod val="5000"/>
-            <a:lumOff val="95000"/>
-          </a:schemeClr>
-        </a:solidFill>
-        <a:round/>
-      </a:ln>
-    </cs:spPr>
-  </cs:gridlineMinor>
-  <cs:hiLoLine>
-    <cs:lnRef idx="0"/>
-    <cs:fillRef idx="0"/>
-    <cs:effectRef idx="0"/>
-    <cs:fontRef idx="minor">
-      <a:schemeClr val="tx1"/>
-    </cs:fontRef>
-    <cs:spPr>
-      <a:ln w="9525" cap="flat" cmpd="sng" algn="ctr">
-        <a:solidFill>
-          <a:schemeClr val="tx1">
-            <a:lumMod val="50000"/>
-            <a:lumOff val="50000"/>
-          </a:schemeClr>
-        </a:solidFill>
-        <a:round/>
-      </a:ln>
-    </cs:spPr>
-  </cs:hiLoLine>
-  <cs:leaderLine>
-    <cs:lnRef idx="0"/>
-    <cs:fillRef idx="0"/>
-    <cs:effectRef idx="0"/>
-    <cs:fontRef idx="minor">
-      <a:schemeClr val="tx1"/>
-    </cs:fontRef>
-    <cs:spPr>
-      <a:ln w="9525" cap="flat" cmpd="sng" algn="ctr">
-        <a:solidFill>
-          <a:schemeClr val="tx1">
-            <a:lumMod val="35000"/>
-            <a:lumOff val="65000"/>
-          </a:schemeClr>
-        </a:solidFill>
-        <a:round/>
-      </a:ln>
-    </cs:spPr>
-  </cs:leaderLine>
-  <cs:legend>
-    <cs:lnRef idx="0"/>
-    <cs:fillRef idx="0"/>
-    <cs:effectRef idx="0"/>
-    <cs:fontRef idx="minor">
-      <a:schemeClr val="tx1">
-        <a:lumMod val="65000"/>
-        <a:lumOff val="35000"/>
-      </a:schemeClr>
-    </cs:fontRef>
-    <cs:defRPr sz="900" kern="1200"/>
-  </cs:legend>
-  <cs:plotArea mods="allowNoFillOverride allowNoLineOverride">
-    <cs:lnRef idx="0"/>
-    <cs:fillRef idx="0"/>
-    <cs:effectRef idx="0"/>
-    <cs:fontRef idx="minor">
-      <a:schemeClr val="tx1"/>
-    </cs:fontRef>
-  </cs:plotArea>
-  <cs:plotArea3D mods="allowNoFillOverride allowNoLineOverride">
-    <cs:lnRef idx="0"/>
-    <cs:fillRef idx="0"/>
-    <cs:effectRef idx="0"/>
-    <cs:fontRef idx="minor">
-      <a:schemeClr val="tx1"/>
-    </cs:fontRef>
-  </cs:plotArea3D>
-  <cs:seriesAxis>
-    <cs:lnRef idx="0"/>
-    <cs:fillRef idx="0"/>
-    <cs:effectRef idx="0"/>
-    <cs:fontRef idx="minor">
-      <a:schemeClr val="tx1">
-        <a:lumMod val="65000"/>
-        <a:lumOff val="35000"/>
-      </a:schemeClr>
-    </cs:fontRef>
-    <cs:defRPr sz="900" kern="1200"/>
-  </cs:seriesAxis>
-  <cs:seriesLine>
-    <cs:lnRef idx="0"/>
-    <cs:fillRef idx="0"/>
-    <cs:effectRef idx="0"/>
-    <cs:fontRef idx="minor">
-      <a:schemeClr val="tx1"/>
-    </cs:fontRef>
-    <cs:spPr>
-      <a:ln w="9525" cap="flat" cmpd="sng" algn="ctr">
-        <a:solidFill>
-          <a:schemeClr val="tx1">
-            <a:lumMod val="35000"/>
-            <a:lumOff val="65000"/>
-          </a:schemeClr>
-        </a:solidFill>
-        <a:round/>
-      </a:ln>
-    </cs:spPr>
-  </cs:seriesLine>
-  <cs:title>
-    <cs:lnRef idx="0"/>
-    <cs:fillRef idx="0"/>
-    <cs:effectRef idx="0"/>
-    <cs:fontRef idx="minor">
-      <a:schemeClr val="tx1">
-        <a:lumMod val="65000"/>
-        <a:lumOff val="35000"/>
-      </a:schemeClr>
-    </cs:fontRef>
-    <cs:defRPr sz="1400" b="0" kern="1200" spc="0" baseline="0"/>
-  </cs:title>
-  <cs:trendline>
-    <cs:lnRef idx="0">
-      <cs:styleClr val="auto"/>
-    </cs:lnRef>
-    <cs:fillRef idx="0"/>
-    <cs:effectRef idx="0"/>
-    <cs:fontRef idx="minor">
-      <a:schemeClr val="tx1"/>
-    </cs:fontRef>
-    <cs:spPr>
-      <a:ln w="19050" cap="rnd">
-        <a:solidFill>
-          <a:schemeClr val="phClr"/>
-        </a:solidFill>
-        <a:prstDash val="sysDot"/>
-      </a:ln>
-    </cs:spPr>
-  </cs:trendline>
-  <cs:trendlineLabel>
-    <cs:lnRef idx="0"/>
-    <cs:fillRef idx="0"/>
-    <cs:effectRef idx="0"/>
-    <cs:fontRef idx="minor">
-      <a:schemeClr val="tx1">
-        <a:lumMod val="65000"/>
-        <a:lumOff val="35000"/>
-      </a:schemeClr>
-    </cs:fontRef>
-    <cs:defRPr sz="900" kern="1200"/>
-  </cs:trendlineLabel>
-  <cs:upBar>
-    <cs:lnRef idx="0"/>
-    <cs:fillRef idx="0"/>
-    <cs:effectRef idx="0"/>
-    <cs:fontRef idx="minor">
-      <a:schemeClr val="tx1"/>
-    </cs:fontRef>
-    <cs:spPr>
-      <a:solidFill>
-        <a:schemeClr val="lt1"/>
-      </a:solidFill>
-      <a:ln w="9525" cap="flat" cmpd="sng" algn="ctr">
-        <a:solidFill>
-          <a:schemeClr val="tx1">
-            <a:lumMod val="65000"/>
-            <a:lumOff val="35000"/>
-          </a:schemeClr>
-        </a:solidFill>
-        <a:round/>
-      </a:ln>
-    </cs:spPr>
-  </cs:upBar>
-  <cs:valueAxis>
-    <cs:lnRef idx="0"/>
-    <cs:fillRef idx="0"/>
-    <cs:effectRef idx="0"/>
-    <cs:fontRef idx="minor">
-      <a:schemeClr val="tx1">
-        <a:lumMod val="65000"/>
-        <a:lumOff val="35000"/>
-      </a:schemeClr>
-    </cs:fontRef>
-    <cs:defRPr sz="900" kern="1200"/>
-  </cs:valueAxis>
-  <cs:wall>
-    <cs:lnRef idx="0"/>
-    <cs:fillRef idx="0"/>
-    <cs:effectRef idx="0"/>
-    <cs:fontRef idx="minor">
-      <a:schemeClr val="tx1"/>
-    </cs:fontRef>
-    <cs:spPr>
-      <a:noFill/>
-      <a:ln>
-        <a:noFill/>
-      </a:ln>
-    </cs:spPr>
-  </cs:wall>
-</cs:chartStyle>
-</file>
-
 <file path=ppt/notesMasters/notesMaster1.xml><?xml version="1.0" encoding="utf-8"?>
 <p:notesMaster xmlns:a="http://schemas.openxmlformats.org/drawingml/2006/main" xmlns:r="http://schemas.openxmlformats.org/officeDocument/2006/relationships" xmlns:p="http://schemas.openxmlformats.org/presentationml/2006/main">
   <p:cSld>
@@ -1853,7 +1026,7 @@
           <a:p>
             <a:fld id="{C8AEADBA-F76D-42CB-AAEA-5899A162C59D}" type="datetimeFigureOut">
               <a:rPr lang="en-US" smtClean="0"/>
-              <a:t>1/2/2021</a:t>
+              <a:t>1/7/2021</a:t>
             </a:fld>
             <a:endParaRPr lang="en-US"/>
           </a:p>
@@ -2339,7 +1512,7 @@
           <a:p>
             <a:fld id="{83777DF0-4DA5-40CD-8FA1-5F589D66E613}" type="datetimeFigureOut">
               <a:rPr lang="en-US" smtClean="0"/>
-              <a:t>1/2/2021</a:t>
+              <a:t>1/7/2021</a:t>
             </a:fld>
             <a:endParaRPr lang="en-US"/>
           </a:p>
@@ -2509,7 +1682,7 @@
           <a:p>
             <a:fld id="{83777DF0-4DA5-40CD-8FA1-5F589D66E613}" type="datetimeFigureOut">
               <a:rPr lang="en-US" smtClean="0"/>
-              <a:t>1/2/2021</a:t>
+              <a:t>1/7/2021</a:t>
             </a:fld>
             <a:endParaRPr lang="en-US"/>
           </a:p>
@@ -2689,7 +1862,7 @@
           <a:p>
             <a:fld id="{83777DF0-4DA5-40CD-8FA1-5F589D66E613}" type="datetimeFigureOut">
               <a:rPr lang="en-US" smtClean="0"/>
-              <a:t>1/2/2021</a:t>
+              <a:t>1/7/2021</a:t>
             </a:fld>
             <a:endParaRPr lang="en-US"/>
           </a:p>
@@ -2859,7 +2032,7 @@
           <a:p>
             <a:fld id="{83777DF0-4DA5-40CD-8FA1-5F589D66E613}" type="datetimeFigureOut">
               <a:rPr lang="en-US" smtClean="0"/>
-              <a:t>1/2/2021</a:t>
+              <a:t>1/7/2021</a:t>
             </a:fld>
             <a:endParaRPr lang="en-US"/>
           </a:p>
@@ -3105,7 +2278,7 @@
           <a:p>
             <a:fld id="{83777DF0-4DA5-40CD-8FA1-5F589D66E613}" type="datetimeFigureOut">
               <a:rPr lang="en-US" smtClean="0"/>
-              <a:t>1/2/2021</a:t>
+              <a:t>1/7/2021</a:t>
             </a:fld>
             <a:endParaRPr lang="en-US"/>
           </a:p>
@@ -3337,7 +2510,7 @@
           <a:p>
             <a:fld id="{83777DF0-4DA5-40CD-8FA1-5F589D66E613}" type="datetimeFigureOut">
               <a:rPr lang="en-US" smtClean="0"/>
-              <a:t>1/2/2021</a:t>
+              <a:t>1/7/2021</a:t>
             </a:fld>
             <a:endParaRPr lang="en-US"/>
           </a:p>
@@ -3704,7 +2877,7 @@
           <a:p>
             <a:fld id="{83777DF0-4DA5-40CD-8FA1-5F589D66E613}" type="datetimeFigureOut">
               <a:rPr lang="en-US" smtClean="0"/>
-              <a:t>1/2/2021</a:t>
+              <a:t>1/7/2021</a:t>
             </a:fld>
             <a:endParaRPr lang="en-US"/>
           </a:p>
@@ -3822,7 +2995,7 @@
           <a:p>
             <a:fld id="{83777DF0-4DA5-40CD-8FA1-5F589D66E613}" type="datetimeFigureOut">
               <a:rPr lang="en-US" smtClean="0"/>
-              <a:t>1/2/2021</a:t>
+              <a:t>1/7/2021</a:t>
             </a:fld>
             <a:endParaRPr lang="en-US"/>
           </a:p>
@@ -3917,7 +3090,7 @@
           <a:p>
             <a:fld id="{83777DF0-4DA5-40CD-8FA1-5F589D66E613}" type="datetimeFigureOut">
               <a:rPr lang="en-US" smtClean="0"/>
-              <a:t>1/2/2021</a:t>
+              <a:t>1/7/2021</a:t>
             </a:fld>
             <a:endParaRPr lang="en-US"/>
           </a:p>
@@ -4194,7 +3367,7 @@
           <a:p>
             <a:fld id="{83777DF0-4DA5-40CD-8FA1-5F589D66E613}" type="datetimeFigureOut">
               <a:rPr lang="en-US" smtClean="0"/>
-              <a:t>1/2/2021</a:t>
+              <a:t>1/7/2021</a:t>
             </a:fld>
             <a:endParaRPr lang="en-US"/>
           </a:p>
@@ -4451,7 +3624,7 @@
           <a:p>
             <a:fld id="{83777DF0-4DA5-40CD-8FA1-5F589D66E613}" type="datetimeFigureOut">
               <a:rPr lang="en-US" smtClean="0"/>
-              <a:t>1/2/2021</a:t>
+              <a:t>1/7/2021</a:t>
             </a:fld>
             <a:endParaRPr lang="en-US"/>
           </a:p>
@@ -4671,7 +3844,7 @@
           <a:p>
             <a:fld id="{83777DF0-4DA5-40CD-8FA1-5F589D66E613}" type="datetimeFigureOut">
               <a:rPr lang="en-US" smtClean="0"/>
-              <a:t>1/2/2021</a:t>
+              <a:t>1/7/2021</a:t>
             </a:fld>
             <a:endParaRPr lang="en-US"/>
           </a:p>
@@ -5250,6 +4423,1532 @@
       </p:grpSpPr>
       <p:sp>
         <p:nvSpPr>
+          <p:cNvPr id="2" name="Title 1">
+            <a:extLst>
+              <a:ext uri="{FF2B5EF4-FFF2-40B4-BE49-F238E27FC236}">
+                <a16:creationId xmlns:a16="http://schemas.microsoft.com/office/drawing/2014/main" id="{3526A797-5758-42B4-AE1D-B64C2E3B7C91}"/>
+              </a:ext>
+            </a:extLst>
+          </p:cNvPr>
+          <p:cNvSpPr>
+            <a:spLocks noGrp="1"/>
+          </p:cNvSpPr>
+          <p:nvPr>
+            <p:ph type="title"/>
+          </p:nvPr>
+        </p:nvSpPr>
+        <p:spPr/>
+        <p:txBody>
+          <a:bodyPr/>
+          <a:lstStyle/>
+          <a:p>
+            <a:endParaRPr lang="en-US"/>
+          </a:p>
+        </p:txBody>
+      </p:sp>
+      <p:sp>
+        <p:nvSpPr>
+          <p:cNvPr id="3" name="Content Placeholder 2">
+            <a:extLst>
+              <a:ext uri="{FF2B5EF4-FFF2-40B4-BE49-F238E27FC236}">
+                <a16:creationId xmlns:a16="http://schemas.microsoft.com/office/drawing/2014/main" id="{8CEC55DF-D21D-4156-A2A4-527C15DCD588}"/>
+              </a:ext>
+            </a:extLst>
+          </p:cNvPr>
+          <p:cNvSpPr>
+            <a:spLocks noGrp="1"/>
+          </p:cNvSpPr>
+          <p:nvPr>
+            <p:ph idx="1"/>
+          </p:nvPr>
+        </p:nvSpPr>
+        <p:spPr/>
+        <p:txBody>
+          <a:bodyPr/>
+          <a:lstStyle/>
+          <a:p>
+            <a:endParaRPr lang="en-US"/>
+          </a:p>
+        </p:txBody>
+      </p:sp>
+      <p:pic>
+        <p:nvPicPr>
+          <p:cNvPr id="4" name="Picture 3">
+            <a:extLst>
+              <a:ext uri="{FF2B5EF4-FFF2-40B4-BE49-F238E27FC236}">
+                <a16:creationId xmlns:a16="http://schemas.microsoft.com/office/drawing/2014/main" id="{568E134F-F586-48D9-9109-117E19694937}"/>
+              </a:ext>
+            </a:extLst>
+          </p:cNvPr>
+          <p:cNvPicPr>
+            <a:picLocks noChangeAspect="1"/>
+          </p:cNvPicPr>
+          <p:nvPr/>
+        </p:nvPicPr>
+        <p:blipFill>
+          <a:blip r:embed="rId2"/>
+          <a:stretch>
+            <a:fillRect/>
+          </a:stretch>
+        </p:blipFill>
+        <p:spPr>
+          <a:xfrm>
+            <a:off x="618415" y="1336261"/>
+            <a:ext cx="6581888" cy="4996112"/>
+          </a:xfrm>
+          <a:prstGeom prst="rect">
+            <a:avLst/>
+          </a:prstGeom>
+        </p:spPr>
+      </p:pic>
+      <p:sp>
+        <p:nvSpPr>
+          <p:cNvPr id="5" name="TextBox 4">
+            <a:extLst>
+              <a:ext uri="{FF2B5EF4-FFF2-40B4-BE49-F238E27FC236}">
+                <a16:creationId xmlns:a16="http://schemas.microsoft.com/office/drawing/2014/main" id="{2450A914-270E-4DDA-A9E4-77324E84A7F5}"/>
+              </a:ext>
+            </a:extLst>
+          </p:cNvPr>
+          <p:cNvSpPr txBox="1"/>
+          <p:nvPr/>
+        </p:nvSpPr>
+        <p:spPr>
+          <a:xfrm>
+            <a:off x="3607267" y="260059"/>
+            <a:ext cx="7186072" cy="646331"/>
+          </a:xfrm>
+          <a:prstGeom prst="rect">
+            <a:avLst/>
+          </a:prstGeom>
+          <a:solidFill>
+            <a:srgbClr val="FFFF00"/>
+          </a:solidFill>
+        </p:spPr>
+        <p:txBody>
+          <a:bodyPr wrap="square" rtlCol="0">
+            <a:spAutoFit/>
+          </a:bodyPr>
+          <a:lstStyle/>
+          <a:p>
+            <a:r>
+              <a:rPr lang="en-US" dirty="0"/>
+              <a:t>What will you put in here? The bare minimum? Or a series of things you want to make sure to remember?  Paraphrase, paraphrase, paraphrase</a:t>
+            </a:r>
+          </a:p>
+        </p:txBody>
+      </p:sp>
+      <p:sp>
+        <p:nvSpPr>
+          <p:cNvPr id="6" name="TextBox 5">
+            <a:extLst>
+              <a:ext uri="{FF2B5EF4-FFF2-40B4-BE49-F238E27FC236}">
+                <a16:creationId xmlns:a16="http://schemas.microsoft.com/office/drawing/2014/main" id="{37C7A00A-451A-49C3-A2D4-164F8D426E8E}"/>
+              </a:ext>
+            </a:extLst>
+          </p:cNvPr>
+          <p:cNvSpPr txBox="1"/>
+          <p:nvPr/>
+        </p:nvSpPr>
+        <p:spPr>
+          <a:xfrm>
+            <a:off x="4494100" y="4164063"/>
+            <a:ext cx="7186072" cy="1477328"/>
+          </a:xfrm>
+          <a:prstGeom prst="rect">
+            <a:avLst/>
+          </a:prstGeom>
+          <a:solidFill>
+            <a:srgbClr val="FFFF00"/>
+          </a:solidFill>
+        </p:spPr>
+        <p:txBody>
+          <a:bodyPr wrap="square" rtlCol="0">
+            <a:spAutoFit/>
+          </a:bodyPr>
+          <a:lstStyle/>
+          <a:p>
+            <a:r>
+              <a:rPr lang="en-US" dirty="0"/>
+              <a:t>Let me know items that are muddy. If its muddy for you … its likely to be muddy for others</a:t>
+            </a:r>
+          </a:p>
+          <a:p>
+            <a:endParaRPr lang="en-US" dirty="0"/>
+          </a:p>
+          <a:p>
+            <a:endParaRPr lang="en-US" dirty="0"/>
+          </a:p>
+          <a:p>
+            <a:r>
+              <a:rPr lang="en-US" dirty="0"/>
+              <a:t>Much of learning is driven by curiosity … </a:t>
+            </a:r>
+          </a:p>
+        </p:txBody>
+      </p:sp>
+      <p:cxnSp>
+        <p:nvCxnSpPr>
+          <p:cNvPr id="8" name="Straight Arrow Connector 7">
+            <a:extLst>
+              <a:ext uri="{FF2B5EF4-FFF2-40B4-BE49-F238E27FC236}">
+                <a16:creationId xmlns:a16="http://schemas.microsoft.com/office/drawing/2014/main" id="{7B6EAD81-9163-450E-93FE-299578E47F8F}"/>
+              </a:ext>
+            </a:extLst>
+          </p:cNvPr>
+          <p:cNvCxnSpPr/>
+          <p:nvPr/>
+        </p:nvCxnSpPr>
+        <p:spPr>
+          <a:xfrm flipH="1" flipV="1">
+            <a:off x="2059536" y="5221480"/>
+            <a:ext cx="2474363" cy="247828"/>
+          </a:xfrm>
+          <a:prstGeom prst="straightConnector1">
+            <a:avLst/>
+          </a:prstGeom>
+          <a:ln>
+            <a:tailEnd type="triangle"/>
+          </a:ln>
+        </p:spPr>
+        <p:style>
+          <a:lnRef idx="1">
+            <a:schemeClr val="accent1"/>
+          </a:lnRef>
+          <a:fillRef idx="0">
+            <a:schemeClr val="accent1"/>
+          </a:fillRef>
+          <a:effectRef idx="0">
+            <a:schemeClr val="accent1"/>
+          </a:effectRef>
+          <a:fontRef idx="minor">
+            <a:schemeClr val="tx1"/>
+          </a:fontRef>
+        </p:style>
+      </p:cxnSp>
+      <p:cxnSp>
+        <p:nvCxnSpPr>
+          <p:cNvPr id="9" name="Straight Arrow Connector 8">
+            <a:extLst>
+              <a:ext uri="{FF2B5EF4-FFF2-40B4-BE49-F238E27FC236}">
+                <a16:creationId xmlns:a16="http://schemas.microsoft.com/office/drawing/2014/main" id="{4F6D2E22-8E3D-4101-A647-56787100A26A}"/>
+              </a:ext>
+            </a:extLst>
+          </p:cNvPr>
+          <p:cNvCxnSpPr/>
+          <p:nvPr/>
+        </p:nvCxnSpPr>
+        <p:spPr>
+          <a:xfrm flipH="1" flipV="1">
+            <a:off x="2019737" y="4438080"/>
+            <a:ext cx="2474363" cy="247828"/>
+          </a:xfrm>
+          <a:prstGeom prst="straightConnector1">
+            <a:avLst/>
+          </a:prstGeom>
+          <a:ln>
+            <a:tailEnd type="triangle"/>
+          </a:ln>
+        </p:spPr>
+        <p:style>
+          <a:lnRef idx="1">
+            <a:schemeClr val="accent1"/>
+          </a:lnRef>
+          <a:fillRef idx="0">
+            <a:schemeClr val="accent1"/>
+          </a:fillRef>
+          <a:effectRef idx="0">
+            <a:schemeClr val="accent1"/>
+          </a:effectRef>
+          <a:fontRef idx="minor">
+            <a:schemeClr val="tx1"/>
+          </a:fontRef>
+        </p:style>
+      </p:cxnSp>
+      <p:cxnSp>
+        <p:nvCxnSpPr>
+          <p:cNvPr id="10" name="Straight Arrow Connector 9">
+            <a:extLst>
+              <a:ext uri="{FF2B5EF4-FFF2-40B4-BE49-F238E27FC236}">
+                <a16:creationId xmlns:a16="http://schemas.microsoft.com/office/drawing/2014/main" id="{B5C9A595-570F-46E5-BD42-FCE7E840950A}"/>
+              </a:ext>
+            </a:extLst>
+          </p:cNvPr>
+          <p:cNvCxnSpPr>
+            <a:cxnSpLocks/>
+          </p:cNvCxnSpPr>
+          <p:nvPr/>
+        </p:nvCxnSpPr>
+        <p:spPr>
+          <a:xfrm flipH="1">
+            <a:off x="4043494" y="850693"/>
+            <a:ext cx="2649921" cy="1269866"/>
+          </a:xfrm>
+          <a:prstGeom prst="straightConnector1">
+            <a:avLst/>
+          </a:prstGeom>
+          <a:ln>
+            <a:tailEnd type="triangle"/>
+          </a:ln>
+        </p:spPr>
+        <p:style>
+          <a:lnRef idx="1">
+            <a:schemeClr val="accent1"/>
+          </a:lnRef>
+          <a:fillRef idx="0">
+            <a:schemeClr val="accent1"/>
+          </a:fillRef>
+          <a:effectRef idx="0">
+            <a:schemeClr val="accent1"/>
+          </a:effectRef>
+          <a:fontRef idx="minor">
+            <a:schemeClr val="tx1"/>
+          </a:fontRef>
+        </p:style>
+      </p:cxnSp>
+    </p:spTree>
+    <p:extLst>
+      <p:ext uri="{BB962C8B-B14F-4D97-AF65-F5344CB8AC3E}">
+        <p14:creationId xmlns:p14="http://schemas.microsoft.com/office/powerpoint/2010/main" val="324799777"/>
+      </p:ext>
+    </p:extLst>
+  </p:cSld>
+  <p:clrMapOvr>
+    <a:masterClrMapping/>
+  </p:clrMapOvr>
+</p:sld>
+</file>
+
+<file path=ppt/slides/slide11.xml><?xml version="1.0" encoding="utf-8"?>
+<p:sld xmlns:a="http://schemas.openxmlformats.org/drawingml/2006/main" xmlns:r="http://schemas.openxmlformats.org/officeDocument/2006/relationships" xmlns:p="http://schemas.openxmlformats.org/presentationml/2006/main">
+  <p:cSld>
+    <p:spTree>
+      <p:nvGrpSpPr>
+        <p:cNvPr id="1" name=""/>
+        <p:cNvGrpSpPr/>
+        <p:nvPr/>
+      </p:nvGrpSpPr>
+      <p:grpSpPr>
+        <a:xfrm>
+          <a:off x="0" y="0"/>
+          <a:ext cx="0" cy="0"/>
+          <a:chOff x="0" y="0"/>
+          <a:chExt cx="0" cy="0"/>
+        </a:xfrm>
+      </p:grpSpPr>
+      <p:sp>
+        <p:nvSpPr>
+          <p:cNvPr id="2" name="Title 1">
+            <a:extLst>
+              <a:ext uri="{FF2B5EF4-FFF2-40B4-BE49-F238E27FC236}">
+                <a16:creationId xmlns:a16="http://schemas.microsoft.com/office/drawing/2014/main" id="{1F58AC58-6BEC-4FB9-97AA-9EEF08752DF8}"/>
+              </a:ext>
+            </a:extLst>
+          </p:cNvPr>
+          <p:cNvSpPr>
+            <a:spLocks noGrp="1"/>
+          </p:cNvSpPr>
+          <p:nvPr>
+            <p:ph type="title"/>
+          </p:nvPr>
+        </p:nvSpPr>
+        <p:spPr/>
+        <p:txBody>
+          <a:bodyPr/>
+          <a:lstStyle/>
+          <a:p>
+            <a:r>
+              <a:rPr lang="en-US" dirty="0"/>
+              <a:t>How your grade is determined – 45% HW/Projects</a:t>
+            </a:r>
+          </a:p>
+        </p:txBody>
+      </p:sp>
+      <p:sp>
+        <p:nvSpPr>
+          <p:cNvPr id="8" name="TextBox 7">
+            <a:extLst>
+              <a:ext uri="{FF2B5EF4-FFF2-40B4-BE49-F238E27FC236}">
+                <a16:creationId xmlns:a16="http://schemas.microsoft.com/office/drawing/2014/main" id="{5F8CA9AA-A08E-42B3-922F-CBCBCD1030A7}"/>
+              </a:ext>
+            </a:extLst>
+          </p:cNvPr>
+          <p:cNvSpPr txBox="1"/>
+          <p:nvPr/>
+        </p:nvSpPr>
+        <p:spPr>
+          <a:xfrm>
+            <a:off x="4005353" y="1612292"/>
+            <a:ext cx="3896067" cy="1200329"/>
+          </a:xfrm>
+          <a:prstGeom prst="rect">
+            <a:avLst/>
+          </a:prstGeom>
+          <a:solidFill>
+            <a:schemeClr val="accent6">
+              <a:lumMod val="20000"/>
+              <a:lumOff val="80000"/>
+            </a:schemeClr>
+          </a:solidFill>
+        </p:spPr>
+        <p:txBody>
+          <a:bodyPr wrap="none" rtlCol="0">
+            <a:spAutoFit/>
+          </a:bodyPr>
+          <a:lstStyle/>
+          <a:p>
+            <a:r>
+              <a:rPr lang="en-US" dirty="0"/>
+              <a:t>HW Early on … will stop around the MT </a:t>
+            </a:r>
+          </a:p>
+          <a:p>
+            <a:endParaRPr lang="en-US" dirty="0"/>
+          </a:p>
+          <a:p>
+            <a:r>
+              <a:rPr lang="en-US" dirty="0"/>
+              <a:t>Project work (more on this later)</a:t>
+            </a:r>
+          </a:p>
+          <a:p>
+            <a:endParaRPr lang="en-US" dirty="0"/>
+          </a:p>
+        </p:txBody>
+      </p:sp>
+      <p:sp>
+        <p:nvSpPr>
+          <p:cNvPr id="12" name="TextBox 11">
+            <a:extLst>
+              <a:ext uri="{FF2B5EF4-FFF2-40B4-BE49-F238E27FC236}">
+                <a16:creationId xmlns:a16="http://schemas.microsoft.com/office/drawing/2014/main" id="{326C7062-28F4-4259-959F-9AC03DD64371}"/>
+              </a:ext>
+            </a:extLst>
+          </p:cNvPr>
+          <p:cNvSpPr txBox="1"/>
+          <p:nvPr/>
+        </p:nvSpPr>
+        <p:spPr>
+          <a:xfrm>
+            <a:off x="2057319" y="3190820"/>
+            <a:ext cx="6777625" cy="1200329"/>
+          </a:xfrm>
+          <a:prstGeom prst="rect">
+            <a:avLst/>
+          </a:prstGeom>
+          <a:solidFill>
+            <a:schemeClr val="accent6">
+              <a:lumMod val="20000"/>
+              <a:lumOff val="80000"/>
+            </a:schemeClr>
+          </a:solidFill>
+        </p:spPr>
+        <p:txBody>
+          <a:bodyPr wrap="none" rtlCol="0">
+            <a:spAutoFit/>
+          </a:bodyPr>
+          <a:lstStyle/>
+          <a:p>
+            <a:r>
+              <a:rPr lang="en-US" dirty="0"/>
+              <a:t>Early on … HW designed to give you practice … There is lots to learn … </a:t>
+            </a:r>
+          </a:p>
+          <a:p>
+            <a:endParaRPr lang="en-US" dirty="0"/>
+          </a:p>
+          <a:p>
+            <a:r>
+              <a:rPr lang="en-US" dirty="0"/>
+              <a:t>Want that the ‘melt’ away and move into project</a:t>
+            </a:r>
+          </a:p>
+          <a:p>
+            <a:endParaRPr lang="en-US" dirty="0"/>
+          </a:p>
+        </p:txBody>
+      </p:sp>
+    </p:spTree>
+    <p:extLst>
+      <p:ext uri="{BB962C8B-B14F-4D97-AF65-F5344CB8AC3E}">
+        <p14:creationId xmlns:p14="http://schemas.microsoft.com/office/powerpoint/2010/main" val="579895478"/>
+      </p:ext>
+    </p:extLst>
+  </p:cSld>
+  <p:clrMapOvr>
+    <a:masterClrMapping/>
+  </p:clrMapOvr>
+</p:sld>
+</file>
+
+<file path=ppt/slides/slide12.xml><?xml version="1.0" encoding="utf-8"?>
+<p:sld xmlns:a="http://schemas.openxmlformats.org/drawingml/2006/main" xmlns:r="http://schemas.openxmlformats.org/officeDocument/2006/relationships" xmlns:p="http://schemas.openxmlformats.org/presentationml/2006/main">
+  <p:cSld>
+    <p:spTree>
+      <p:nvGrpSpPr>
+        <p:cNvPr id="1" name=""/>
+        <p:cNvGrpSpPr/>
+        <p:nvPr/>
+      </p:nvGrpSpPr>
+      <p:grpSpPr>
+        <a:xfrm>
+          <a:off x="0" y="0"/>
+          <a:ext cx="0" cy="0"/>
+          <a:chOff x="0" y="0"/>
+          <a:chExt cx="0" cy="0"/>
+        </a:xfrm>
+      </p:grpSpPr>
+      <p:sp>
+        <p:nvSpPr>
+          <p:cNvPr id="2" name="Title 1">
+            <a:extLst>
+              <a:ext uri="{FF2B5EF4-FFF2-40B4-BE49-F238E27FC236}">
+                <a16:creationId xmlns:a16="http://schemas.microsoft.com/office/drawing/2014/main" id="{0EEE5C68-5578-42AD-A52E-87F19BF290E2}"/>
+              </a:ext>
+            </a:extLst>
+          </p:cNvPr>
+          <p:cNvSpPr>
+            <a:spLocks noGrp="1"/>
+          </p:cNvSpPr>
+          <p:nvPr>
+            <p:ph type="title"/>
+          </p:nvPr>
+        </p:nvSpPr>
+        <p:spPr>
+          <a:xfrm>
+            <a:off x="381001" y="116044"/>
+            <a:ext cx="10515600" cy="1325563"/>
+          </a:xfrm>
+        </p:spPr>
+        <p:txBody>
+          <a:bodyPr/>
+          <a:lstStyle/>
+          <a:p>
+            <a:r>
+              <a:rPr lang="en-US" dirty="0"/>
+              <a:t>My Philosophies  on … </a:t>
+            </a:r>
+          </a:p>
+        </p:txBody>
+      </p:sp>
+      <p:sp>
+        <p:nvSpPr>
+          <p:cNvPr id="4" name="AutoShape 2">
+            <a:extLst>
+              <a:ext uri="{FF2B5EF4-FFF2-40B4-BE49-F238E27FC236}">
+                <a16:creationId xmlns:a16="http://schemas.microsoft.com/office/drawing/2014/main" id="{F38C0335-553E-441E-A6CA-08D9E32FEAC0}"/>
+              </a:ext>
+            </a:extLst>
+          </p:cNvPr>
+          <p:cNvSpPr>
+            <a:spLocks noChangeAspect="1" noChangeArrowheads="1"/>
+          </p:cNvSpPr>
+          <p:nvPr/>
+        </p:nvSpPr>
+        <p:spPr bwMode="auto">
+          <a:xfrm>
+            <a:off x="5943600" y="3276600"/>
+            <a:ext cx="304800" cy="304800"/>
+          </a:xfrm>
+          <a:prstGeom prst="rect">
+            <a:avLst/>
+          </a:prstGeom>
+          <a:noFill/>
+          <a:extLst>
+            <a:ext uri="{909E8E84-426E-40DD-AFC4-6F175D3DCCD1}">
+              <a14:hiddenFill xmlns:a14="http://schemas.microsoft.com/office/drawing/2010/main">
+                <a:solidFill>
+                  <a:srgbClr val="FFFFFF"/>
+                </a:solidFill>
+              </a14:hiddenFill>
+            </a:ext>
+          </a:extLst>
+        </p:spPr>
+        <p:txBody>
+          <a:bodyPr vert="horz" wrap="square" lIns="91440" tIns="45720" rIns="91440" bIns="45720" numCol="1" anchor="t" anchorCtr="0" compatLnSpc="1">
+            <a:prstTxWarp prst="textNoShape">
+              <a:avLst/>
+            </a:prstTxWarp>
+          </a:bodyPr>
+          <a:lstStyle/>
+          <a:p>
+            <a:endParaRPr lang="en-US"/>
+          </a:p>
+        </p:txBody>
+      </p:sp>
+      <p:sp>
+        <p:nvSpPr>
+          <p:cNvPr id="5" name="AutoShape 4" descr="Full size image">
+            <a:extLst>
+              <a:ext uri="{FF2B5EF4-FFF2-40B4-BE49-F238E27FC236}">
+                <a16:creationId xmlns:a16="http://schemas.microsoft.com/office/drawing/2014/main" id="{8AEC6E8B-C2A0-4B46-BC56-6429EB24CAB8}"/>
+              </a:ext>
+            </a:extLst>
+          </p:cNvPr>
+          <p:cNvSpPr>
+            <a:spLocks noChangeAspect="1" noChangeArrowheads="1"/>
+          </p:cNvSpPr>
+          <p:nvPr/>
+        </p:nvSpPr>
+        <p:spPr bwMode="auto">
+          <a:xfrm>
+            <a:off x="6096000" y="3429000"/>
+            <a:ext cx="304800" cy="304800"/>
+          </a:xfrm>
+          <a:prstGeom prst="rect">
+            <a:avLst/>
+          </a:prstGeom>
+          <a:noFill/>
+          <a:extLst>
+            <a:ext uri="{909E8E84-426E-40DD-AFC4-6F175D3DCCD1}">
+              <a14:hiddenFill xmlns:a14="http://schemas.microsoft.com/office/drawing/2010/main">
+                <a:solidFill>
+                  <a:srgbClr val="FFFFFF"/>
+                </a:solidFill>
+              </a14:hiddenFill>
+            </a:ext>
+          </a:extLst>
+        </p:spPr>
+        <p:txBody>
+          <a:bodyPr vert="horz" wrap="square" lIns="91440" tIns="45720" rIns="91440" bIns="45720" numCol="1" anchor="t" anchorCtr="0" compatLnSpc="1">
+            <a:prstTxWarp prst="textNoShape">
+              <a:avLst/>
+            </a:prstTxWarp>
+          </a:bodyPr>
+          <a:lstStyle/>
+          <a:p>
+            <a:endParaRPr lang="en-US"/>
+          </a:p>
+        </p:txBody>
+      </p:sp>
+      <p:sp>
+        <p:nvSpPr>
+          <p:cNvPr id="8" name="AutoShape 6" descr="Full size image">
+            <a:extLst>
+              <a:ext uri="{FF2B5EF4-FFF2-40B4-BE49-F238E27FC236}">
+                <a16:creationId xmlns:a16="http://schemas.microsoft.com/office/drawing/2014/main" id="{28C63CBE-AD67-4DF4-980A-D95CB7ED1799}"/>
+              </a:ext>
+            </a:extLst>
+          </p:cNvPr>
+          <p:cNvSpPr>
+            <a:spLocks noChangeAspect="1" noChangeArrowheads="1"/>
+          </p:cNvSpPr>
+          <p:nvPr/>
+        </p:nvSpPr>
+        <p:spPr bwMode="auto">
+          <a:xfrm>
+            <a:off x="6248400" y="3581400"/>
+            <a:ext cx="304800" cy="304800"/>
+          </a:xfrm>
+          <a:prstGeom prst="rect">
+            <a:avLst/>
+          </a:prstGeom>
+          <a:noFill/>
+          <a:extLst>
+            <a:ext uri="{909E8E84-426E-40DD-AFC4-6F175D3DCCD1}">
+              <a14:hiddenFill xmlns:a14="http://schemas.microsoft.com/office/drawing/2010/main">
+                <a:solidFill>
+                  <a:srgbClr val="FFFFFF"/>
+                </a:solidFill>
+              </a14:hiddenFill>
+            </a:ext>
+          </a:extLst>
+        </p:spPr>
+        <p:txBody>
+          <a:bodyPr vert="horz" wrap="square" lIns="91440" tIns="45720" rIns="91440" bIns="45720" numCol="1" anchor="t" anchorCtr="0" compatLnSpc="1">
+            <a:prstTxWarp prst="textNoShape">
+              <a:avLst/>
+            </a:prstTxWarp>
+          </a:bodyPr>
+          <a:lstStyle/>
+          <a:p>
+            <a:endParaRPr lang="en-US"/>
+          </a:p>
+        </p:txBody>
+      </p:sp>
+      <p:sp>
+        <p:nvSpPr>
+          <p:cNvPr id="13" name="TextBox 12">
+            <a:extLst>
+              <a:ext uri="{FF2B5EF4-FFF2-40B4-BE49-F238E27FC236}">
+                <a16:creationId xmlns:a16="http://schemas.microsoft.com/office/drawing/2014/main" id="{9F63925E-D71A-463C-97E6-E4E358FDD6D1}"/>
+              </a:ext>
+            </a:extLst>
+          </p:cNvPr>
+          <p:cNvSpPr txBox="1"/>
+          <p:nvPr/>
+        </p:nvSpPr>
+        <p:spPr>
+          <a:xfrm>
+            <a:off x="6248400" y="499053"/>
+            <a:ext cx="4239879" cy="523220"/>
+          </a:xfrm>
+          <a:prstGeom prst="rect">
+            <a:avLst/>
+          </a:prstGeom>
+          <a:noFill/>
+        </p:spPr>
+        <p:txBody>
+          <a:bodyPr wrap="none" rtlCol="0">
+            <a:spAutoFit/>
+          </a:bodyPr>
+          <a:lstStyle/>
+          <a:p>
+            <a:r>
+              <a:rPr lang="en-US" sz="2800" dirty="0"/>
+              <a:t>Learning … growth mindset </a:t>
+            </a:r>
+          </a:p>
+        </p:txBody>
+      </p:sp>
+      <p:sp>
+        <p:nvSpPr>
+          <p:cNvPr id="15" name="TextBox 14">
+            <a:extLst>
+              <a:ext uri="{FF2B5EF4-FFF2-40B4-BE49-F238E27FC236}">
+                <a16:creationId xmlns:a16="http://schemas.microsoft.com/office/drawing/2014/main" id="{CC9807FF-5A93-4749-9272-29BFB73A2868}"/>
+              </a:ext>
+            </a:extLst>
+          </p:cNvPr>
+          <p:cNvSpPr txBox="1"/>
+          <p:nvPr/>
+        </p:nvSpPr>
+        <p:spPr>
+          <a:xfrm>
+            <a:off x="260596" y="1441608"/>
+            <a:ext cx="6094520" cy="1477328"/>
+          </a:xfrm>
+          <a:prstGeom prst="rect">
+            <a:avLst/>
+          </a:prstGeom>
+          <a:solidFill>
+            <a:srgbClr val="FFFF00"/>
+          </a:solidFill>
+        </p:spPr>
+        <p:txBody>
+          <a:bodyPr wrap="square">
+            <a:spAutoFit/>
+          </a:bodyPr>
+          <a:lstStyle/>
+          <a:p>
+            <a:r>
+              <a:rPr lang="en-US" b="1" i="0" dirty="0">
+                <a:solidFill>
+                  <a:srgbClr val="202124"/>
+                </a:solidFill>
+                <a:effectLst/>
+                <a:latin typeface="Roboto"/>
+              </a:rPr>
+              <a:t>fixed mindset</a:t>
+            </a:r>
+            <a:r>
+              <a:rPr lang="en-US" dirty="0">
+                <a:solidFill>
+                  <a:srgbClr val="202124"/>
+                </a:solidFill>
+                <a:latin typeface="Roboto"/>
+              </a:rPr>
+              <a:t> -&gt; </a:t>
+            </a:r>
+            <a:r>
+              <a:rPr lang="en-US" b="0" i="0" dirty="0">
+                <a:solidFill>
+                  <a:srgbClr val="202124"/>
+                </a:solidFill>
+                <a:effectLst/>
+                <a:latin typeface="Roboto"/>
+              </a:rPr>
+              <a:t>believe that their basic abilities, intelligence, and talents are </a:t>
+            </a:r>
+            <a:r>
+              <a:rPr lang="en-US" b="1" i="0" dirty="0">
+                <a:solidFill>
+                  <a:srgbClr val="202124"/>
+                </a:solidFill>
+                <a:effectLst/>
+                <a:latin typeface="Roboto"/>
+              </a:rPr>
+              <a:t>fixed</a:t>
+            </a:r>
+            <a:r>
+              <a:rPr lang="en-US" b="0" i="0" dirty="0">
+                <a:solidFill>
+                  <a:srgbClr val="202124"/>
+                </a:solidFill>
+                <a:effectLst/>
+                <a:latin typeface="Roboto"/>
+              </a:rPr>
+              <a:t> traits. ...</a:t>
+            </a:r>
+          </a:p>
+          <a:p>
+            <a:endParaRPr lang="en-US" dirty="0">
+              <a:solidFill>
+                <a:srgbClr val="202124"/>
+              </a:solidFill>
+              <a:latin typeface="Roboto"/>
+            </a:endParaRPr>
+          </a:p>
+          <a:p>
+            <a:endParaRPr lang="en-US" dirty="0">
+              <a:solidFill>
+                <a:srgbClr val="202124"/>
+              </a:solidFill>
+              <a:latin typeface="Roboto"/>
+            </a:endParaRPr>
+          </a:p>
+          <a:p>
+            <a:r>
+              <a:rPr lang="en-US" b="0" i="0" dirty="0">
+                <a:solidFill>
+                  <a:srgbClr val="202124"/>
+                </a:solidFill>
+                <a:effectLst/>
+                <a:latin typeface="Roboto"/>
+              </a:rPr>
+              <a:t> .</a:t>
+            </a:r>
+            <a:endParaRPr lang="en-US" dirty="0"/>
+          </a:p>
+        </p:txBody>
+      </p:sp>
+      <p:sp>
+        <p:nvSpPr>
+          <p:cNvPr id="17" name="TextBox 16">
+            <a:extLst>
+              <a:ext uri="{FF2B5EF4-FFF2-40B4-BE49-F238E27FC236}">
+                <a16:creationId xmlns:a16="http://schemas.microsoft.com/office/drawing/2014/main" id="{91D6E196-011D-449D-B9EF-B6DA65D15F63}"/>
+              </a:ext>
+            </a:extLst>
+          </p:cNvPr>
+          <p:cNvSpPr txBox="1"/>
+          <p:nvPr/>
+        </p:nvSpPr>
+        <p:spPr>
+          <a:xfrm>
+            <a:off x="528221" y="3886200"/>
+            <a:ext cx="6134470" cy="646331"/>
+          </a:xfrm>
+          <a:prstGeom prst="rect">
+            <a:avLst/>
+          </a:prstGeom>
+          <a:solidFill>
+            <a:schemeClr val="accent3">
+              <a:lumMod val="20000"/>
+              <a:lumOff val="80000"/>
+            </a:schemeClr>
+          </a:solidFill>
+        </p:spPr>
+        <p:txBody>
+          <a:bodyPr wrap="square">
+            <a:spAutoFit/>
+          </a:bodyPr>
+          <a:lstStyle/>
+          <a:p>
+            <a:r>
+              <a:rPr lang="en-US" dirty="0"/>
+              <a:t>https://www.developgoodhabits.com/growth-mindset-examples/</a:t>
+            </a:r>
+          </a:p>
+        </p:txBody>
+      </p:sp>
+      <p:sp>
+        <p:nvSpPr>
+          <p:cNvPr id="19" name="TextBox 18">
+            <a:extLst>
+              <a:ext uri="{FF2B5EF4-FFF2-40B4-BE49-F238E27FC236}">
+                <a16:creationId xmlns:a16="http://schemas.microsoft.com/office/drawing/2014/main" id="{EDBAFF63-7A9A-44CE-B2C2-B6FA33B9F6C8}"/>
+              </a:ext>
+            </a:extLst>
+          </p:cNvPr>
+          <p:cNvSpPr txBox="1"/>
+          <p:nvPr/>
+        </p:nvSpPr>
+        <p:spPr>
+          <a:xfrm>
+            <a:off x="528221" y="4800680"/>
+            <a:ext cx="6134470" cy="1754326"/>
+          </a:xfrm>
+          <a:prstGeom prst="rect">
+            <a:avLst/>
+          </a:prstGeom>
+          <a:solidFill>
+            <a:schemeClr val="accent3">
+              <a:lumMod val="20000"/>
+              <a:lumOff val="80000"/>
+            </a:schemeClr>
+          </a:solidFill>
+        </p:spPr>
+        <p:txBody>
+          <a:bodyPr wrap="square">
+            <a:spAutoFit/>
+          </a:bodyPr>
+          <a:lstStyle/>
+          <a:p>
+            <a:pPr algn="l"/>
+            <a:r>
+              <a:rPr lang="en-US" b="1" i="0" dirty="0">
+                <a:solidFill>
+                  <a:srgbClr val="5171A5"/>
+                </a:solidFill>
+                <a:effectLst/>
+                <a:latin typeface="PT Serif"/>
+              </a:rPr>
+              <a:t>“It’s never too late to learn.”</a:t>
+            </a:r>
+          </a:p>
+          <a:p>
+            <a:r>
+              <a:rPr lang="en-US" b="1" i="0" dirty="0">
+                <a:solidFill>
+                  <a:srgbClr val="5171A5"/>
+                </a:solidFill>
+                <a:effectLst/>
+                <a:latin typeface="PT Serif"/>
+              </a:rPr>
+              <a:t>“I can always improve at something if I try.”</a:t>
+            </a:r>
+          </a:p>
+          <a:p>
+            <a:r>
+              <a:rPr lang="en-US" b="1" i="0" dirty="0">
+                <a:solidFill>
+                  <a:srgbClr val="5171A5"/>
+                </a:solidFill>
+                <a:effectLst/>
+                <a:latin typeface="PT Serif"/>
+              </a:rPr>
+              <a:t>“As long as I have determination, I can do anything.”</a:t>
+            </a:r>
+          </a:p>
+          <a:p>
+            <a:r>
+              <a:rPr lang="en-US" b="1" dirty="0">
+                <a:solidFill>
+                  <a:srgbClr val="5171A5"/>
+                </a:solidFill>
+                <a:latin typeface="PT Serif"/>
+              </a:rPr>
+              <a:t>“If I am struggling it means I am learning”</a:t>
+            </a:r>
+            <a:endParaRPr lang="en-US" b="1" i="0" dirty="0">
+              <a:solidFill>
+                <a:srgbClr val="5171A5"/>
+              </a:solidFill>
+              <a:effectLst/>
+              <a:latin typeface="PT Serif"/>
+            </a:endParaRPr>
+          </a:p>
+          <a:p>
+            <a:endParaRPr lang="en-US" b="1" i="0" dirty="0">
+              <a:solidFill>
+                <a:srgbClr val="5171A5"/>
+              </a:solidFill>
+              <a:effectLst/>
+              <a:latin typeface="PT Serif"/>
+            </a:endParaRPr>
+          </a:p>
+          <a:p>
+            <a:pPr algn="l"/>
+            <a:endParaRPr lang="en-US" b="1" i="0" dirty="0">
+              <a:solidFill>
+                <a:srgbClr val="5171A5"/>
+              </a:solidFill>
+              <a:effectLst/>
+              <a:latin typeface="PT Serif"/>
+            </a:endParaRPr>
+          </a:p>
+        </p:txBody>
+      </p:sp>
+      <p:sp>
+        <p:nvSpPr>
+          <p:cNvPr id="21" name="TextBox 20">
+            <a:extLst>
+              <a:ext uri="{FF2B5EF4-FFF2-40B4-BE49-F238E27FC236}">
+                <a16:creationId xmlns:a16="http://schemas.microsoft.com/office/drawing/2014/main" id="{93C02CE3-B432-49B1-AA15-603383D2EFEA}"/>
+              </a:ext>
+            </a:extLst>
+          </p:cNvPr>
+          <p:cNvSpPr txBox="1"/>
+          <p:nvPr/>
+        </p:nvSpPr>
+        <p:spPr>
+          <a:xfrm>
+            <a:off x="260596" y="2092169"/>
+            <a:ext cx="6082869" cy="923330"/>
+          </a:xfrm>
+          <a:prstGeom prst="rect">
+            <a:avLst/>
+          </a:prstGeom>
+          <a:noFill/>
+        </p:spPr>
+        <p:txBody>
+          <a:bodyPr wrap="square">
+            <a:spAutoFit/>
+          </a:bodyPr>
+          <a:lstStyle/>
+          <a:p>
+            <a:r>
+              <a:rPr lang="en-US" b="0" i="0" dirty="0">
+                <a:solidFill>
+                  <a:srgbClr val="2A2A2A"/>
+                </a:solidFill>
+                <a:effectLst/>
+                <a:latin typeface="lora"/>
+              </a:rPr>
+              <a:t> If someone believes intelligence and abilities are immutable traits, they are not likely to put in much effort to change their inherent intelligence and abilities.</a:t>
+            </a:r>
+            <a:endParaRPr lang="en-US" dirty="0"/>
+          </a:p>
+        </p:txBody>
+      </p:sp>
+      <p:sp>
+        <p:nvSpPr>
+          <p:cNvPr id="23" name="TextBox 22">
+            <a:extLst>
+              <a:ext uri="{FF2B5EF4-FFF2-40B4-BE49-F238E27FC236}">
+                <a16:creationId xmlns:a16="http://schemas.microsoft.com/office/drawing/2014/main" id="{468BE7C0-8E16-4235-8834-D4CC097F99B5}"/>
+              </a:ext>
+            </a:extLst>
+          </p:cNvPr>
+          <p:cNvSpPr txBox="1"/>
+          <p:nvPr/>
+        </p:nvSpPr>
+        <p:spPr>
+          <a:xfrm>
+            <a:off x="208995" y="3115505"/>
+            <a:ext cx="6134470" cy="646331"/>
+          </a:xfrm>
+          <a:prstGeom prst="rect">
+            <a:avLst/>
+          </a:prstGeom>
+          <a:solidFill>
+            <a:schemeClr val="accent3">
+              <a:lumMod val="20000"/>
+              <a:lumOff val="80000"/>
+            </a:schemeClr>
+          </a:solidFill>
+        </p:spPr>
+        <p:txBody>
+          <a:bodyPr wrap="square">
+            <a:spAutoFit/>
+          </a:bodyPr>
+          <a:lstStyle/>
+          <a:p>
+            <a:r>
+              <a:rPr lang="en-US" b="1" i="0" dirty="0">
+                <a:solidFill>
+                  <a:srgbClr val="202124"/>
+                </a:solidFill>
+                <a:effectLst/>
+                <a:latin typeface="Roboto"/>
+              </a:rPr>
+              <a:t>growth mindset</a:t>
+            </a:r>
+            <a:r>
+              <a:rPr lang="en-US" dirty="0">
+                <a:solidFill>
+                  <a:srgbClr val="202124"/>
+                </a:solidFill>
+                <a:latin typeface="Roboto"/>
+              </a:rPr>
+              <a:t> =&gt; </a:t>
+            </a:r>
+            <a:r>
+              <a:rPr lang="en-US" b="0" i="0" dirty="0">
+                <a:solidFill>
+                  <a:srgbClr val="202124"/>
+                </a:solidFill>
+                <a:effectLst/>
+                <a:latin typeface="Roboto"/>
+              </a:rPr>
+              <a:t>believe their abilities and intelligence can be developed with effort, learning, and persistence</a:t>
+            </a:r>
+            <a:endParaRPr lang="en-US" dirty="0"/>
+          </a:p>
+        </p:txBody>
+      </p:sp>
+      <p:pic>
+        <p:nvPicPr>
+          <p:cNvPr id="10" name="Picture 9">
+            <a:extLst>
+              <a:ext uri="{FF2B5EF4-FFF2-40B4-BE49-F238E27FC236}">
+                <a16:creationId xmlns:a16="http://schemas.microsoft.com/office/drawing/2014/main" id="{23830B2B-6F6E-4E95-B85D-BC8EFBCACB50}"/>
+              </a:ext>
+            </a:extLst>
+          </p:cNvPr>
+          <p:cNvPicPr>
+            <a:picLocks noChangeAspect="1"/>
+          </p:cNvPicPr>
+          <p:nvPr/>
+        </p:nvPicPr>
+        <p:blipFill>
+          <a:blip r:embed="rId2">
+            <a:extLst>
+              <a:ext uri="{28A0092B-C50C-407E-A947-70E740481C1C}">
+                <a14:useLocalDpi xmlns:a14="http://schemas.microsoft.com/office/drawing/2010/main" val="0"/>
+              </a:ext>
+            </a:extLst>
+          </a:blip>
+          <a:stretch>
+            <a:fillRect/>
+          </a:stretch>
+        </p:blipFill>
+        <p:spPr>
+          <a:xfrm rot="16200000">
+            <a:off x="7572569" y="1204008"/>
+            <a:ext cx="3337487" cy="4449983"/>
+          </a:xfrm>
+          <a:prstGeom prst="rect">
+            <a:avLst/>
+          </a:prstGeom>
+        </p:spPr>
+      </p:pic>
+    </p:spTree>
+    <p:extLst>
+      <p:ext uri="{BB962C8B-B14F-4D97-AF65-F5344CB8AC3E}">
+        <p14:creationId xmlns:p14="http://schemas.microsoft.com/office/powerpoint/2010/main" val="910537273"/>
+      </p:ext>
+    </p:extLst>
+  </p:cSld>
+  <p:clrMapOvr>
+    <a:masterClrMapping/>
+  </p:clrMapOvr>
+</p:sld>
+</file>
+
+<file path=ppt/slides/slide13.xml><?xml version="1.0" encoding="utf-8"?>
+<p:sld xmlns:a="http://schemas.openxmlformats.org/drawingml/2006/main" xmlns:r="http://schemas.openxmlformats.org/officeDocument/2006/relationships" xmlns:p="http://schemas.openxmlformats.org/presentationml/2006/main">
+  <p:cSld>
+    <p:spTree>
+      <p:nvGrpSpPr>
+        <p:cNvPr id="1" name=""/>
+        <p:cNvGrpSpPr/>
+        <p:nvPr/>
+      </p:nvGrpSpPr>
+      <p:grpSpPr>
+        <a:xfrm>
+          <a:off x="0" y="0"/>
+          <a:ext cx="0" cy="0"/>
+          <a:chOff x="0" y="0"/>
+          <a:chExt cx="0" cy="0"/>
+        </a:xfrm>
+      </p:grpSpPr>
+      <p:sp>
+        <p:nvSpPr>
+          <p:cNvPr id="2" name="Title 1">
+            <a:extLst>
+              <a:ext uri="{FF2B5EF4-FFF2-40B4-BE49-F238E27FC236}">
+                <a16:creationId xmlns:a16="http://schemas.microsoft.com/office/drawing/2014/main" id="{0EEE5C68-5578-42AD-A52E-87F19BF290E2}"/>
+              </a:ext>
+            </a:extLst>
+          </p:cNvPr>
+          <p:cNvSpPr>
+            <a:spLocks noGrp="1"/>
+          </p:cNvSpPr>
+          <p:nvPr>
+            <p:ph type="title"/>
+          </p:nvPr>
+        </p:nvSpPr>
+        <p:spPr>
+          <a:xfrm>
+            <a:off x="345828" y="-22281"/>
+            <a:ext cx="10515600" cy="1325563"/>
+          </a:xfrm>
+        </p:spPr>
+        <p:txBody>
+          <a:bodyPr/>
+          <a:lstStyle/>
+          <a:p>
+            <a:r>
+              <a:rPr lang="en-US" dirty="0"/>
+              <a:t>My Philosophies on … </a:t>
+            </a:r>
+          </a:p>
+        </p:txBody>
+      </p:sp>
+      <p:sp>
+        <p:nvSpPr>
+          <p:cNvPr id="4" name="AutoShape 2">
+            <a:extLst>
+              <a:ext uri="{FF2B5EF4-FFF2-40B4-BE49-F238E27FC236}">
+                <a16:creationId xmlns:a16="http://schemas.microsoft.com/office/drawing/2014/main" id="{F38C0335-553E-441E-A6CA-08D9E32FEAC0}"/>
+              </a:ext>
+            </a:extLst>
+          </p:cNvPr>
+          <p:cNvSpPr>
+            <a:spLocks noChangeAspect="1" noChangeArrowheads="1"/>
+          </p:cNvSpPr>
+          <p:nvPr/>
+        </p:nvSpPr>
+        <p:spPr bwMode="auto">
+          <a:xfrm>
+            <a:off x="5943600" y="3276600"/>
+            <a:ext cx="304800" cy="304800"/>
+          </a:xfrm>
+          <a:prstGeom prst="rect">
+            <a:avLst/>
+          </a:prstGeom>
+          <a:noFill/>
+          <a:extLst>
+            <a:ext uri="{909E8E84-426E-40DD-AFC4-6F175D3DCCD1}">
+              <a14:hiddenFill xmlns:a14="http://schemas.microsoft.com/office/drawing/2010/main">
+                <a:solidFill>
+                  <a:srgbClr val="FFFFFF"/>
+                </a:solidFill>
+              </a14:hiddenFill>
+            </a:ext>
+          </a:extLst>
+        </p:spPr>
+        <p:txBody>
+          <a:bodyPr vert="horz" wrap="square" lIns="91440" tIns="45720" rIns="91440" bIns="45720" numCol="1" anchor="t" anchorCtr="0" compatLnSpc="1">
+            <a:prstTxWarp prst="textNoShape">
+              <a:avLst/>
+            </a:prstTxWarp>
+          </a:bodyPr>
+          <a:lstStyle/>
+          <a:p>
+            <a:endParaRPr lang="en-US"/>
+          </a:p>
+        </p:txBody>
+      </p:sp>
+      <p:sp>
+        <p:nvSpPr>
+          <p:cNvPr id="5" name="AutoShape 4" descr="Full size image">
+            <a:extLst>
+              <a:ext uri="{FF2B5EF4-FFF2-40B4-BE49-F238E27FC236}">
+                <a16:creationId xmlns:a16="http://schemas.microsoft.com/office/drawing/2014/main" id="{8AEC6E8B-C2A0-4B46-BC56-6429EB24CAB8}"/>
+              </a:ext>
+            </a:extLst>
+          </p:cNvPr>
+          <p:cNvSpPr>
+            <a:spLocks noChangeAspect="1" noChangeArrowheads="1"/>
+          </p:cNvSpPr>
+          <p:nvPr/>
+        </p:nvSpPr>
+        <p:spPr bwMode="auto">
+          <a:xfrm>
+            <a:off x="6096000" y="3429000"/>
+            <a:ext cx="304800" cy="304800"/>
+          </a:xfrm>
+          <a:prstGeom prst="rect">
+            <a:avLst/>
+          </a:prstGeom>
+          <a:noFill/>
+          <a:extLst>
+            <a:ext uri="{909E8E84-426E-40DD-AFC4-6F175D3DCCD1}">
+              <a14:hiddenFill xmlns:a14="http://schemas.microsoft.com/office/drawing/2010/main">
+                <a:solidFill>
+                  <a:srgbClr val="FFFFFF"/>
+                </a:solidFill>
+              </a14:hiddenFill>
+            </a:ext>
+          </a:extLst>
+        </p:spPr>
+        <p:txBody>
+          <a:bodyPr vert="horz" wrap="square" lIns="91440" tIns="45720" rIns="91440" bIns="45720" numCol="1" anchor="t" anchorCtr="0" compatLnSpc="1">
+            <a:prstTxWarp prst="textNoShape">
+              <a:avLst/>
+            </a:prstTxWarp>
+          </a:bodyPr>
+          <a:lstStyle/>
+          <a:p>
+            <a:endParaRPr lang="en-US"/>
+          </a:p>
+        </p:txBody>
+      </p:sp>
+      <p:sp>
+        <p:nvSpPr>
+          <p:cNvPr id="8" name="AutoShape 6" descr="Full size image">
+            <a:extLst>
+              <a:ext uri="{FF2B5EF4-FFF2-40B4-BE49-F238E27FC236}">
+                <a16:creationId xmlns:a16="http://schemas.microsoft.com/office/drawing/2014/main" id="{28C63CBE-AD67-4DF4-980A-D95CB7ED1799}"/>
+              </a:ext>
+            </a:extLst>
+          </p:cNvPr>
+          <p:cNvSpPr>
+            <a:spLocks noChangeAspect="1" noChangeArrowheads="1"/>
+          </p:cNvSpPr>
+          <p:nvPr/>
+        </p:nvSpPr>
+        <p:spPr bwMode="auto">
+          <a:xfrm>
+            <a:off x="6248400" y="3581400"/>
+            <a:ext cx="304800" cy="304800"/>
+          </a:xfrm>
+          <a:prstGeom prst="rect">
+            <a:avLst/>
+          </a:prstGeom>
+          <a:noFill/>
+          <a:extLst>
+            <a:ext uri="{909E8E84-426E-40DD-AFC4-6F175D3DCCD1}">
+              <a14:hiddenFill xmlns:a14="http://schemas.microsoft.com/office/drawing/2010/main">
+                <a:solidFill>
+                  <a:srgbClr val="FFFFFF"/>
+                </a:solidFill>
+              </a14:hiddenFill>
+            </a:ext>
+          </a:extLst>
+        </p:spPr>
+        <p:txBody>
+          <a:bodyPr vert="horz" wrap="square" lIns="91440" tIns="45720" rIns="91440" bIns="45720" numCol="1" anchor="t" anchorCtr="0" compatLnSpc="1">
+            <a:prstTxWarp prst="textNoShape">
+              <a:avLst/>
+            </a:prstTxWarp>
+          </a:bodyPr>
+          <a:lstStyle/>
+          <a:p>
+            <a:endParaRPr lang="en-US"/>
+          </a:p>
+        </p:txBody>
+      </p:sp>
+      <p:sp>
+        <p:nvSpPr>
+          <p:cNvPr id="3" name="TextBox 2">
+            <a:extLst>
+              <a:ext uri="{FF2B5EF4-FFF2-40B4-BE49-F238E27FC236}">
+                <a16:creationId xmlns:a16="http://schemas.microsoft.com/office/drawing/2014/main" id="{9672309E-7832-43A2-A0C9-6CD304C8EE5C}"/>
+              </a:ext>
+            </a:extLst>
+          </p:cNvPr>
+          <p:cNvSpPr txBox="1"/>
+          <p:nvPr/>
+        </p:nvSpPr>
+        <p:spPr>
+          <a:xfrm>
+            <a:off x="209501" y="1096385"/>
+            <a:ext cx="5346101" cy="2585323"/>
+          </a:xfrm>
+          <a:prstGeom prst="rect">
+            <a:avLst/>
+          </a:prstGeom>
+          <a:solidFill>
+            <a:schemeClr val="accent6">
+              <a:lumMod val="20000"/>
+              <a:lumOff val="80000"/>
+            </a:schemeClr>
+          </a:solidFill>
+        </p:spPr>
+        <p:txBody>
+          <a:bodyPr wrap="square" rtlCol="0">
+            <a:spAutoFit/>
+          </a:bodyPr>
+          <a:lstStyle/>
+          <a:p>
+            <a:r>
+              <a:rPr lang="en-US" b="1" dirty="0"/>
+              <a:t>The Learning Process</a:t>
+            </a:r>
+          </a:p>
+          <a:p>
+            <a:endParaRPr lang="en-US" dirty="0"/>
+          </a:p>
+          <a:p>
+            <a:r>
+              <a:rPr lang="en-US" dirty="0"/>
+              <a:t>In the field</a:t>
+            </a:r>
+          </a:p>
+          <a:p>
+            <a:endParaRPr lang="en-US" dirty="0"/>
+          </a:p>
+          <a:p>
+            <a:r>
+              <a:rPr lang="en-US" dirty="0"/>
+              <a:t>1. Watch tutorial and code-a-long</a:t>
+            </a:r>
+          </a:p>
+          <a:p>
+            <a:r>
+              <a:rPr lang="en-US" dirty="0"/>
+              <a:t>	(get it working)</a:t>
+            </a:r>
+          </a:p>
+          <a:p>
+            <a:r>
+              <a:rPr lang="en-US" dirty="0"/>
+              <a:t>2. Recreate with a twist</a:t>
+            </a:r>
+          </a:p>
+          <a:p>
+            <a:r>
+              <a:rPr lang="en-US" dirty="0"/>
+              <a:t>3. Study the example … Repeat steps 1,2 if needed …</a:t>
+            </a:r>
+          </a:p>
+          <a:p>
+            <a:r>
+              <a:rPr lang="en-US" dirty="0"/>
+              <a:t>4. Apply to a big project</a:t>
+            </a:r>
+          </a:p>
+        </p:txBody>
+      </p:sp>
+      <p:sp>
+        <p:nvSpPr>
+          <p:cNvPr id="9" name="TextBox 8">
+            <a:extLst>
+              <a:ext uri="{FF2B5EF4-FFF2-40B4-BE49-F238E27FC236}">
+                <a16:creationId xmlns:a16="http://schemas.microsoft.com/office/drawing/2014/main" id="{DC012802-081C-4132-99FB-AF68CAEFF2BA}"/>
+              </a:ext>
+            </a:extLst>
+          </p:cNvPr>
+          <p:cNvSpPr txBox="1"/>
+          <p:nvPr/>
+        </p:nvSpPr>
+        <p:spPr>
+          <a:xfrm>
+            <a:off x="688598" y="4159827"/>
+            <a:ext cx="3892280" cy="2031325"/>
+          </a:xfrm>
+          <a:prstGeom prst="rect">
+            <a:avLst/>
+          </a:prstGeom>
+          <a:solidFill>
+            <a:schemeClr val="accent6">
+              <a:lumMod val="20000"/>
+              <a:lumOff val="80000"/>
+            </a:schemeClr>
+          </a:solidFill>
+        </p:spPr>
+        <p:txBody>
+          <a:bodyPr wrap="square" rtlCol="0">
+            <a:spAutoFit/>
+          </a:bodyPr>
+          <a:lstStyle/>
+          <a:p>
+            <a:r>
+              <a:rPr lang="en-US" b="1" dirty="0"/>
+              <a:t>As a student </a:t>
+            </a:r>
+            <a:endParaRPr lang="en-US" dirty="0"/>
+          </a:p>
+          <a:p>
+            <a:endParaRPr lang="en-US" dirty="0"/>
+          </a:p>
+          <a:p>
+            <a:r>
+              <a:rPr lang="en-US" dirty="0"/>
+              <a:t>Notes matter … in your own words</a:t>
+            </a:r>
+          </a:p>
+          <a:p>
+            <a:endParaRPr lang="en-US" dirty="0"/>
+          </a:p>
+          <a:p>
+            <a:r>
+              <a:rPr lang="en-US" dirty="0"/>
+              <a:t>Practice matters</a:t>
+            </a:r>
+          </a:p>
+          <a:p>
+            <a:endParaRPr lang="en-US" dirty="0"/>
+          </a:p>
+          <a:p>
+            <a:r>
+              <a:rPr lang="en-US" dirty="0"/>
+              <a:t>Use material ASAP </a:t>
+            </a:r>
+          </a:p>
+        </p:txBody>
+      </p:sp>
+      <p:sp>
+        <p:nvSpPr>
+          <p:cNvPr id="11" name="TextBox 10">
+            <a:extLst>
+              <a:ext uri="{FF2B5EF4-FFF2-40B4-BE49-F238E27FC236}">
+                <a16:creationId xmlns:a16="http://schemas.microsoft.com/office/drawing/2014/main" id="{29E858DE-467D-4F23-B4FB-416748E14FE0}"/>
+              </a:ext>
+            </a:extLst>
+          </p:cNvPr>
+          <p:cNvSpPr txBox="1"/>
+          <p:nvPr/>
+        </p:nvSpPr>
+        <p:spPr>
+          <a:xfrm>
+            <a:off x="5893292" y="456909"/>
+            <a:ext cx="4072631" cy="400110"/>
+          </a:xfrm>
+          <a:prstGeom prst="rect">
+            <a:avLst/>
+          </a:prstGeom>
+          <a:noFill/>
+        </p:spPr>
+        <p:txBody>
+          <a:bodyPr wrap="square">
+            <a:spAutoFit/>
+          </a:bodyPr>
+          <a:lstStyle/>
+          <a:p>
+            <a:r>
+              <a:rPr lang="en-US" sz="2000" b="1" dirty="0"/>
+              <a:t>The Learning Process</a:t>
+            </a:r>
+          </a:p>
+        </p:txBody>
+      </p:sp>
+      <p:pic>
+        <p:nvPicPr>
+          <p:cNvPr id="13" name="Picture 12">
+            <a:extLst>
+              <a:ext uri="{FF2B5EF4-FFF2-40B4-BE49-F238E27FC236}">
+                <a16:creationId xmlns:a16="http://schemas.microsoft.com/office/drawing/2014/main" id="{9F120DB7-1CEC-44B1-8DC4-7FCFD1F58A3E}"/>
+              </a:ext>
+            </a:extLst>
+          </p:cNvPr>
+          <p:cNvPicPr>
+            <a:picLocks noChangeAspect="1"/>
+          </p:cNvPicPr>
+          <p:nvPr/>
+        </p:nvPicPr>
+        <p:blipFill>
+          <a:blip r:embed="rId2"/>
+          <a:stretch>
+            <a:fillRect/>
+          </a:stretch>
+        </p:blipFill>
+        <p:spPr>
+          <a:xfrm>
+            <a:off x="5105539" y="3430380"/>
+            <a:ext cx="4641264" cy="2970711"/>
+          </a:xfrm>
+          <a:prstGeom prst="rect">
+            <a:avLst/>
+          </a:prstGeom>
+        </p:spPr>
+      </p:pic>
+    </p:spTree>
+    <p:extLst>
+      <p:ext uri="{BB962C8B-B14F-4D97-AF65-F5344CB8AC3E}">
+        <p14:creationId xmlns:p14="http://schemas.microsoft.com/office/powerpoint/2010/main" val="713992669"/>
+      </p:ext>
+    </p:extLst>
+  </p:cSld>
+  <p:clrMapOvr>
+    <a:masterClrMapping/>
+  </p:clrMapOvr>
+</p:sld>
+</file>
+
+<file path=ppt/slides/slide14.xml><?xml version="1.0" encoding="utf-8"?>
+<p:sld xmlns:a="http://schemas.openxmlformats.org/drawingml/2006/main" xmlns:r="http://schemas.openxmlformats.org/officeDocument/2006/relationships" xmlns:p="http://schemas.openxmlformats.org/presentationml/2006/main">
+  <p:cSld>
+    <p:spTree>
+      <p:nvGrpSpPr>
+        <p:cNvPr id="1" name=""/>
+        <p:cNvGrpSpPr/>
+        <p:nvPr/>
+      </p:nvGrpSpPr>
+      <p:grpSpPr>
+        <a:xfrm>
+          <a:off x="0" y="0"/>
+          <a:ext cx="0" cy="0"/>
+          <a:chOff x="0" y="0"/>
+          <a:chExt cx="0" cy="0"/>
+        </a:xfrm>
+      </p:grpSpPr>
+      <p:sp>
+        <p:nvSpPr>
           <p:cNvPr id="5" name="Title 1">
             <a:extLst>
               <a:ext uri="{FF2B5EF4-FFF2-40B4-BE49-F238E27FC236}">
@@ -5569,7 +6268,7 @@
 </p:sld>
 </file>
 
-<file path=ppt/slides/slide11.xml><?xml version="1.0" encoding="utf-8"?>
+<file path=ppt/slides/slide15.xml><?xml version="1.0" encoding="utf-8"?>
 <p:sld xmlns:a="http://schemas.openxmlformats.org/drawingml/2006/main" xmlns:r="http://schemas.openxmlformats.org/officeDocument/2006/relationships" xmlns:p="http://schemas.openxmlformats.org/presentationml/2006/main">
   <p:cSld>
     <p:spTree>
@@ -5698,7 +6397,7 @@
 </p:sld>
 </file>
 
-<file path=ppt/slides/slide12.xml><?xml version="1.0" encoding="utf-8"?>
+<file path=ppt/slides/slide16.xml><?xml version="1.0" encoding="utf-8"?>
 <p:sld xmlns:a="http://schemas.openxmlformats.org/drawingml/2006/main" xmlns:r="http://schemas.openxmlformats.org/officeDocument/2006/relationships" xmlns:p="http://schemas.openxmlformats.org/presentationml/2006/main">
   <p:cSld>
     <p:spTree>
@@ -9483,64 +10182,6 @@
       </p:grpSpPr>
       <p:sp>
         <p:nvSpPr>
-          <p:cNvPr id="2" name="Title 1">
-            <a:extLst>
-              <a:ext uri="{FF2B5EF4-FFF2-40B4-BE49-F238E27FC236}">
-                <a16:creationId xmlns:a16="http://schemas.microsoft.com/office/drawing/2014/main" id="{CB3DEEAA-181D-47DB-9B2E-9902177CE188}"/>
-              </a:ext>
-            </a:extLst>
-          </p:cNvPr>
-          <p:cNvSpPr>
-            <a:spLocks noGrp="1"/>
-          </p:cNvSpPr>
-          <p:nvPr>
-            <p:ph type="title"/>
-          </p:nvPr>
-        </p:nvSpPr>
-        <p:spPr/>
-        <p:txBody>
-          <a:bodyPr/>
-          <a:lstStyle/>
-          <a:p>
-            <a:r>
-              <a:rPr lang="en-US" dirty="0"/>
-              <a:t>Technologies include </a:t>
-            </a:r>
-          </a:p>
-        </p:txBody>
-      </p:sp>
-      <p:graphicFrame>
-        <p:nvGraphicFramePr>
-          <p:cNvPr id="4" name="Chart 3">
-            <a:extLst>
-              <a:ext uri="{FF2B5EF4-FFF2-40B4-BE49-F238E27FC236}">
-                <a16:creationId xmlns:a16="http://schemas.microsoft.com/office/drawing/2014/main" id="{3D9596CC-1ECE-4967-91FC-22047C517AFE}"/>
-              </a:ext>
-            </a:extLst>
-          </p:cNvPr>
-          <p:cNvGraphicFramePr>
-            <a:graphicFrameLocks/>
-          </p:cNvGraphicFramePr>
-          <p:nvPr>
-            <p:extLst>
-              <p:ext uri="{D42A27DB-BD31-4B8C-83A1-F6EECF244321}">
-                <p14:modId xmlns:p14="http://schemas.microsoft.com/office/powerpoint/2010/main" val="2697426670"/>
-              </p:ext>
-            </p:extLst>
-          </p:nvPr>
-        </p:nvGraphicFramePr>
-        <p:xfrm>
-          <a:off x="2414726" y="1376039"/>
-          <a:ext cx="6135950" cy="3520852"/>
-        </p:xfrm>
-        <a:graphic>
-          <a:graphicData uri="http://schemas.openxmlformats.org/drawingml/2006/chart">
-            <c:chart xmlns:c="http://schemas.openxmlformats.org/drawingml/2006/chart" xmlns:r="http://schemas.openxmlformats.org/officeDocument/2006/relationships" r:id="rId2"/>
-          </a:graphicData>
-        </a:graphic>
-      </p:graphicFrame>
-      <p:sp>
-        <p:nvSpPr>
           <p:cNvPr id="5" name="TextBox 4">
             <a:extLst>
               <a:ext uri="{FF2B5EF4-FFF2-40B4-BE49-F238E27FC236}">
@@ -9553,7 +10194,7 @@
         </p:nvSpPr>
         <p:spPr>
           <a:xfrm>
-            <a:off x="532660" y="5359894"/>
+            <a:off x="3007412" y="1321356"/>
             <a:ext cx="3521029" cy="369332"/>
           </a:xfrm>
           <a:prstGeom prst="rect">
@@ -9588,8 +10229,8 @@
         </p:nvSpPr>
         <p:spPr>
           <a:xfrm>
-            <a:off x="4500979" y="6285900"/>
-            <a:ext cx="3139706" cy="369332"/>
+            <a:off x="2823180" y="2980638"/>
+            <a:ext cx="2790251" cy="369332"/>
           </a:xfrm>
           <a:prstGeom prst="rect">
             <a:avLst/>
@@ -9604,8 +10245,95 @@
           <a:p>
             <a:r>
               <a:rPr lang="en-US" dirty="0"/>
-              <a:t>IDE’s IntelliJ, Visual Studio Code</a:t>
-            </a:r>
+              <a:t>IDE’s IntelliJ, IDE </a:t>
+            </a:r>
+            <a:r>
+              <a:rPr lang="en-US" dirty="0" err="1"/>
+              <a:t>Webstorm</a:t>
+            </a:r>
+            <a:r>
+              <a:rPr lang="en-US" dirty="0"/>
+              <a:t> </a:t>
+            </a:r>
+          </a:p>
+        </p:txBody>
+      </p:sp>
+      <p:sp>
+        <p:nvSpPr>
+          <p:cNvPr id="7" name="Title 1">
+            <a:extLst>
+              <a:ext uri="{FF2B5EF4-FFF2-40B4-BE49-F238E27FC236}">
+                <a16:creationId xmlns:a16="http://schemas.microsoft.com/office/drawing/2014/main" id="{6C341E46-392D-4798-8F88-B2F65220EF45}"/>
+              </a:ext>
+            </a:extLst>
+          </p:cNvPr>
+          <p:cNvSpPr txBox="1">
+            <a:spLocks/>
+          </p:cNvSpPr>
+          <p:nvPr/>
+        </p:nvSpPr>
+        <p:spPr>
+          <a:xfrm>
+            <a:off x="891513" y="1918487"/>
+            <a:ext cx="10515600" cy="1325563"/>
+          </a:xfrm>
+          <a:prstGeom prst="rect">
+            <a:avLst/>
+          </a:prstGeom>
+        </p:spPr>
+        <p:txBody>
+          <a:bodyPr vert="horz" lIns="91440" tIns="45720" rIns="91440" bIns="45720" rtlCol="0" anchor="ctr">
+            <a:normAutofit/>
+          </a:bodyPr>
+          <a:lstStyle>
+            <a:lvl1pPr algn="l" defTabSz="914400" rtl="0" eaLnBrk="1" latinLnBrk="0" hangingPunct="1">
+              <a:lnSpc>
+                <a:spcPct val="90000"/>
+              </a:lnSpc>
+              <a:spcBef>
+                <a:spcPct val="0"/>
+              </a:spcBef>
+              <a:buNone/>
+              <a:defRPr sz="4400" kern="1200">
+                <a:solidFill>
+                  <a:schemeClr val="tx1"/>
+                </a:solidFill>
+                <a:latin typeface="+mj-lt"/>
+                <a:ea typeface="+mj-ea"/>
+                <a:cs typeface="+mj-cs"/>
+              </a:defRPr>
+            </a:lvl1pPr>
+          </a:lstStyle>
+          <a:p>
+            <a:r>
+              <a:rPr lang="en-US" dirty="0"/>
+              <a:t>Tools to download </a:t>
+            </a:r>
+          </a:p>
+        </p:txBody>
+      </p:sp>
+      <p:sp>
+        <p:nvSpPr>
+          <p:cNvPr id="8" name="Title 7">
+            <a:extLst>
+              <a:ext uri="{FF2B5EF4-FFF2-40B4-BE49-F238E27FC236}">
+                <a16:creationId xmlns:a16="http://schemas.microsoft.com/office/drawing/2014/main" id="{45276FC3-5BED-49F0-9378-5A31C56416CD}"/>
+              </a:ext>
+            </a:extLst>
+          </p:cNvPr>
+          <p:cNvSpPr>
+            <a:spLocks noGrp="1"/>
+          </p:cNvSpPr>
+          <p:nvPr>
+            <p:ph type="title"/>
+          </p:nvPr>
+        </p:nvSpPr>
+        <p:spPr/>
+        <p:txBody>
+          <a:bodyPr/>
+          <a:lstStyle/>
+          <a:p>
+            <a:endParaRPr lang="en-US"/>
           </a:p>
         </p:txBody>
       </p:sp>
@@ -9623,6 +10351,358 @@
 </file>
 
 <file path=ppt/slides/slide5.xml><?xml version="1.0" encoding="utf-8"?>
+<p:sld xmlns:a="http://schemas.openxmlformats.org/drawingml/2006/main" xmlns:r="http://schemas.openxmlformats.org/officeDocument/2006/relationships" xmlns:p="http://schemas.openxmlformats.org/presentationml/2006/main">
+  <p:cSld>
+    <p:spTree>
+      <p:nvGrpSpPr>
+        <p:cNvPr id="1" name=""/>
+        <p:cNvGrpSpPr/>
+        <p:nvPr/>
+      </p:nvGrpSpPr>
+      <p:grpSpPr>
+        <a:xfrm>
+          <a:off x="0" y="0"/>
+          <a:ext cx="0" cy="0"/>
+          <a:chOff x="0" y="0"/>
+          <a:chExt cx="0" cy="0"/>
+        </a:xfrm>
+      </p:grpSpPr>
+      <p:pic>
+        <p:nvPicPr>
+          <p:cNvPr id="30724" name="Picture 4">
+            <a:extLst>
+              <a:ext uri="{FF2B5EF4-FFF2-40B4-BE49-F238E27FC236}">
+                <a16:creationId xmlns:a16="http://schemas.microsoft.com/office/drawing/2014/main" id="{8A68196B-87B2-4192-A42C-4AE0F86DB7F3}"/>
+              </a:ext>
+            </a:extLst>
+          </p:cNvPr>
+          <p:cNvPicPr>
+            <a:picLocks noChangeAspect="1" noChangeArrowheads="1"/>
+          </p:cNvPicPr>
+          <p:nvPr/>
+        </p:nvPicPr>
+        <p:blipFill>
+          <a:blip r:embed="rId2">
+            <a:extLst>
+              <a:ext uri="{28A0092B-C50C-407E-A947-70E740481C1C}">
+                <a14:useLocalDpi xmlns:a14="http://schemas.microsoft.com/office/drawing/2010/main" val="0"/>
+              </a:ext>
+            </a:extLst>
+          </a:blip>
+          <a:srcRect/>
+          <a:stretch>
+            <a:fillRect/>
+          </a:stretch>
+        </p:blipFill>
+        <p:spPr bwMode="auto">
+          <a:xfrm>
+            <a:off x="2133600" y="2428875"/>
+            <a:ext cx="3829050" cy="2609850"/>
+          </a:xfrm>
+          <a:prstGeom prst="rect">
+            <a:avLst/>
+          </a:prstGeom>
+          <a:noFill/>
+          <a:ln>
+            <a:noFill/>
+          </a:ln>
+          <a:extLst>
+            <a:ext uri="{909E8E84-426E-40DD-AFC4-6F175D3DCCD1}">
+              <a14:hiddenFill xmlns:a14="http://schemas.microsoft.com/office/drawing/2010/main">
+                <a:solidFill>
+                  <a:srgbClr val="FFFFFF"/>
+                </a:solidFill>
+              </a14:hiddenFill>
+            </a:ext>
+            <a:ext uri="{91240B29-F687-4F45-9708-019B960494DF}">
+              <a14:hiddenLine xmlns:a14="http://schemas.microsoft.com/office/drawing/2010/main" w="9525">
+                <a:solidFill>
+                  <a:srgbClr val="000000"/>
+                </a:solidFill>
+                <a:miter lim="800000"/>
+                <a:headEnd/>
+                <a:tailEnd/>
+              </a14:hiddenLine>
+            </a:ext>
+          </a:extLst>
+        </p:spPr>
+      </p:pic>
+      <p:pic>
+        <p:nvPicPr>
+          <p:cNvPr id="30725" name="Picture 2">
+            <a:extLst>
+              <a:ext uri="{FF2B5EF4-FFF2-40B4-BE49-F238E27FC236}">
+                <a16:creationId xmlns:a16="http://schemas.microsoft.com/office/drawing/2014/main" id="{3592DD4D-F46E-4CDF-BCB4-24CBB9E00DD1}"/>
+              </a:ext>
+            </a:extLst>
+          </p:cNvPr>
+          <p:cNvPicPr>
+            <a:picLocks noChangeAspect="1" noChangeArrowheads="1"/>
+          </p:cNvPicPr>
+          <p:nvPr/>
+        </p:nvPicPr>
+        <p:blipFill>
+          <a:blip r:embed="rId3">
+            <a:extLst>
+              <a:ext uri="{28A0092B-C50C-407E-A947-70E740481C1C}">
+                <a14:useLocalDpi xmlns:a14="http://schemas.microsoft.com/office/drawing/2010/main" val="0"/>
+              </a:ext>
+            </a:extLst>
+          </a:blip>
+          <a:srcRect/>
+          <a:stretch>
+            <a:fillRect/>
+          </a:stretch>
+        </p:blipFill>
+        <p:spPr bwMode="auto">
+          <a:xfrm>
+            <a:off x="5181600" y="4695825"/>
+            <a:ext cx="4495800" cy="1893888"/>
+          </a:xfrm>
+          <a:prstGeom prst="rect">
+            <a:avLst/>
+          </a:prstGeom>
+          <a:noFill/>
+          <a:ln>
+            <a:noFill/>
+          </a:ln>
+          <a:extLst>
+            <a:ext uri="{909E8E84-426E-40DD-AFC4-6F175D3DCCD1}">
+              <a14:hiddenFill xmlns:a14="http://schemas.microsoft.com/office/drawing/2010/main">
+                <a:solidFill>
+                  <a:srgbClr val="FFFFFF"/>
+                </a:solidFill>
+              </a14:hiddenFill>
+            </a:ext>
+            <a:ext uri="{91240B29-F687-4F45-9708-019B960494DF}">
+              <a14:hiddenLine xmlns:a14="http://schemas.microsoft.com/office/drawing/2010/main" w="9525">
+                <a:solidFill>
+                  <a:srgbClr val="000000"/>
+                </a:solidFill>
+                <a:miter lim="800000"/>
+                <a:headEnd/>
+                <a:tailEnd/>
+              </a14:hiddenLine>
+            </a:ext>
+          </a:extLst>
+        </p:spPr>
+      </p:pic>
+      <p:sp>
+        <p:nvSpPr>
+          <p:cNvPr id="6" name="TextBox 2">
+            <a:extLst>
+              <a:ext uri="{FF2B5EF4-FFF2-40B4-BE49-F238E27FC236}">
+                <a16:creationId xmlns:a16="http://schemas.microsoft.com/office/drawing/2014/main" id="{63AC70C0-37A1-41F2-9CA1-8A0E8FADECD2}"/>
+              </a:ext>
+            </a:extLst>
+          </p:cNvPr>
+          <p:cNvSpPr txBox="1"/>
+          <p:nvPr/>
+        </p:nvSpPr>
+        <p:spPr>
+          <a:xfrm>
+            <a:off x="587229" y="877887"/>
+            <a:ext cx="10469461" cy="1938992"/>
+          </a:xfrm>
+          <a:prstGeom prst="rect">
+            <a:avLst/>
+          </a:prstGeom>
+          <a:solidFill>
+            <a:schemeClr val="accent6">
+              <a:lumMod val="20000"/>
+              <a:lumOff val="80000"/>
+            </a:schemeClr>
+          </a:solidFill>
+        </p:spPr>
+        <p:style>
+          <a:lnRef idx="0">
+            <a:scrgbClr r="0" g="0" b="0"/>
+          </a:lnRef>
+          <a:fillRef idx="0">
+            <a:scrgbClr r="0" g="0" b="0"/>
+          </a:fillRef>
+          <a:effectRef idx="0">
+            <a:scrgbClr r="0" g="0" b="0"/>
+          </a:effectRef>
+          <a:fontRef idx="minor">
+            <a:schemeClr val="tx1"/>
+          </a:fontRef>
+        </p:style>
+        <p:txBody>
+          <a:bodyPr wrap="square">
+            <a:spAutoFit/>
+          </a:bodyPr>
+          <a:lstStyle>
+            <a:lvl1pPr marL="0" indent="0">
+              <a:defRPr sz="1100">
+                <a:solidFill>
+                  <a:schemeClr val="tx1"/>
+                </a:solidFill>
+                <a:latin typeface="+mn-lt"/>
+                <a:ea typeface="+mn-ea"/>
+                <a:cs typeface="+mn-cs"/>
+              </a:defRPr>
+            </a:lvl1pPr>
+            <a:lvl2pPr marL="457200" indent="0">
+              <a:defRPr sz="1100">
+                <a:solidFill>
+                  <a:schemeClr val="tx1"/>
+                </a:solidFill>
+                <a:latin typeface="+mn-lt"/>
+                <a:ea typeface="+mn-ea"/>
+                <a:cs typeface="+mn-cs"/>
+              </a:defRPr>
+            </a:lvl2pPr>
+            <a:lvl3pPr marL="914400" indent="0">
+              <a:defRPr sz="1100">
+                <a:solidFill>
+                  <a:schemeClr val="tx1"/>
+                </a:solidFill>
+                <a:latin typeface="+mn-lt"/>
+                <a:ea typeface="+mn-ea"/>
+                <a:cs typeface="+mn-cs"/>
+              </a:defRPr>
+            </a:lvl3pPr>
+            <a:lvl4pPr marL="1371600" indent="0">
+              <a:defRPr sz="1100">
+                <a:solidFill>
+                  <a:schemeClr val="tx1"/>
+                </a:solidFill>
+                <a:latin typeface="+mn-lt"/>
+                <a:ea typeface="+mn-ea"/>
+                <a:cs typeface="+mn-cs"/>
+              </a:defRPr>
+            </a:lvl4pPr>
+            <a:lvl5pPr marL="1828800" indent="0">
+              <a:defRPr sz="1100">
+                <a:solidFill>
+                  <a:schemeClr val="tx1"/>
+                </a:solidFill>
+                <a:latin typeface="+mn-lt"/>
+                <a:ea typeface="+mn-ea"/>
+                <a:cs typeface="+mn-cs"/>
+              </a:defRPr>
+            </a:lvl5pPr>
+            <a:lvl6pPr marL="2286000" indent="0">
+              <a:defRPr sz="1100">
+                <a:solidFill>
+                  <a:schemeClr val="tx1"/>
+                </a:solidFill>
+                <a:latin typeface="+mn-lt"/>
+                <a:ea typeface="+mn-ea"/>
+                <a:cs typeface="+mn-cs"/>
+              </a:defRPr>
+            </a:lvl6pPr>
+            <a:lvl7pPr marL="2743200" indent="0">
+              <a:defRPr sz="1100">
+                <a:solidFill>
+                  <a:schemeClr val="tx1"/>
+                </a:solidFill>
+                <a:latin typeface="+mn-lt"/>
+                <a:ea typeface="+mn-ea"/>
+                <a:cs typeface="+mn-cs"/>
+              </a:defRPr>
+            </a:lvl7pPr>
+            <a:lvl8pPr marL="3200400" indent="0">
+              <a:defRPr sz="1100">
+                <a:solidFill>
+                  <a:schemeClr val="tx1"/>
+                </a:solidFill>
+                <a:latin typeface="+mn-lt"/>
+                <a:ea typeface="+mn-ea"/>
+                <a:cs typeface="+mn-cs"/>
+              </a:defRPr>
+            </a:lvl8pPr>
+            <a:lvl9pPr marL="3657600" indent="0">
+              <a:defRPr sz="1100">
+                <a:solidFill>
+                  <a:schemeClr val="tx1"/>
+                </a:solidFill>
+                <a:latin typeface="+mn-lt"/>
+                <a:ea typeface="+mn-ea"/>
+                <a:cs typeface="+mn-cs"/>
+              </a:defRPr>
+            </a:lvl9pPr>
+          </a:lstStyle>
+          <a:p>
+            <a:pPr>
+              <a:defRPr/>
+            </a:pPr>
+            <a:r>
+              <a:rPr lang="en-US" sz="2000" dirty="0"/>
+              <a:t>There are many  development tools that you can use to develop html/JS Applications</a:t>
+            </a:r>
+          </a:p>
+          <a:p>
+            <a:pPr>
+              <a:defRPr/>
+            </a:pPr>
+            <a:endParaRPr lang="en-US" sz="2000" dirty="0"/>
+          </a:p>
+          <a:p>
+            <a:pPr>
+              <a:defRPr/>
+            </a:pPr>
+            <a:r>
+              <a:rPr lang="en-US" sz="2000" dirty="0"/>
+              <a:t>- We will use WebStorm and IntelliJ  </a:t>
+            </a:r>
+          </a:p>
+          <a:p>
+            <a:pPr>
+              <a:defRPr/>
+            </a:pPr>
+            <a:r>
+              <a:rPr lang="en-US" sz="2000" dirty="0"/>
+              <a:t>  1. https://www.jetbrains.com/webstorm/    apply for your free student edition: https://www.jetbrains.com/community/education/#students ... https://www.jetbrains.com/shop/eform/students</a:t>
+            </a:r>
+          </a:p>
+        </p:txBody>
+      </p:sp>
+      <p:sp>
+        <p:nvSpPr>
+          <p:cNvPr id="4" name="TextBox 3">
+            <a:extLst>
+              <a:ext uri="{FF2B5EF4-FFF2-40B4-BE49-F238E27FC236}">
+                <a16:creationId xmlns:a16="http://schemas.microsoft.com/office/drawing/2014/main" id="{0CAD4E19-D646-4C24-AC2D-494D3308F623}"/>
+              </a:ext>
+            </a:extLst>
+          </p:cNvPr>
+          <p:cNvSpPr txBox="1"/>
+          <p:nvPr/>
+        </p:nvSpPr>
+        <p:spPr>
+          <a:xfrm>
+            <a:off x="822121" y="151002"/>
+            <a:ext cx="10324173" cy="369332"/>
+          </a:xfrm>
+          <a:prstGeom prst="rect">
+            <a:avLst/>
+          </a:prstGeom>
+          <a:noFill/>
+        </p:spPr>
+        <p:txBody>
+          <a:bodyPr wrap="none" rtlCol="0">
+            <a:spAutoFit/>
+          </a:bodyPr>
+          <a:lstStyle/>
+          <a:p>
+            <a:r>
+              <a:rPr lang="en-US" dirty="0"/>
+              <a:t>Technologies we will look at: Java, JS, Html/CSS, … Junit, Mocha, postman, Chai, node.js … and maybe others</a:t>
+            </a:r>
+          </a:p>
+        </p:txBody>
+      </p:sp>
+    </p:spTree>
+  </p:cSld>
+  <p:clrMapOvr>
+    <a:masterClrMapping/>
+  </p:clrMapOvr>
+</p:sld>
+</file>
+
+<file path=ppt/slides/slide6.xml><?xml version="1.0" encoding="utf-8"?>
 <p:sld xmlns:a="http://schemas.openxmlformats.org/drawingml/2006/main" xmlns:r="http://schemas.openxmlformats.org/officeDocument/2006/relationships" xmlns:p="http://schemas.openxmlformats.org/presentationml/2006/main">
   <p:cSld>
     <p:spTree>
@@ -9661,7 +10741,7 @@
         </p:blipFill>
         <p:spPr>
           <a:xfrm>
-            <a:off x="1639178" y="2219556"/>
+            <a:off x="1765013" y="1019931"/>
             <a:ext cx="7191375" cy="2543175"/>
           </a:xfrm>
           <a:prstGeom prst="rect">
@@ -9669,6 +10749,181 @@
           </a:prstGeom>
         </p:spPr>
       </p:pic>
+      <p:sp>
+        <p:nvSpPr>
+          <p:cNvPr id="2" name="TextBox 1">
+            <a:extLst>
+              <a:ext uri="{FF2B5EF4-FFF2-40B4-BE49-F238E27FC236}">
+                <a16:creationId xmlns:a16="http://schemas.microsoft.com/office/drawing/2014/main" id="{3FAE1D73-979F-4EBF-A221-B6502D04A9E6}"/>
+              </a:ext>
+            </a:extLst>
+          </p:cNvPr>
+          <p:cNvSpPr txBox="1"/>
+          <p:nvPr/>
+        </p:nvSpPr>
+        <p:spPr>
+          <a:xfrm>
+            <a:off x="4597167" y="201336"/>
+            <a:ext cx="5124544" cy="646331"/>
+          </a:xfrm>
+          <a:prstGeom prst="rect">
+            <a:avLst/>
+          </a:prstGeom>
+          <a:solidFill>
+            <a:schemeClr val="accent6">
+              <a:lumMod val="20000"/>
+              <a:lumOff val="80000"/>
+            </a:schemeClr>
+          </a:solidFill>
+        </p:spPr>
+        <p:txBody>
+          <a:bodyPr wrap="none" rtlCol="0">
+            <a:spAutoFit/>
+          </a:bodyPr>
+          <a:lstStyle/>
+          <a:p>
+            <a:r>
+              <a:rPr lang="en-US" dirty="0"/>
+              <a:t>In class work … E.g., WOWs might have some quizzes</a:t>
+            </a:r>
+          </a:p>
+          <a:p>
+            <a:r>
+              <a:rPr lang="en-US" dirty="0"/>
+              <a:t>Weekly notes to hand in</a:t>
+            </a:r>
+          </a:p>
+        </p:txBody>
+      </p:sp>
+      <p:cxnSp>
+        <p:nvCxnSpPr>
+          <p:cNvPr id="4" name="Straight Arrow Connector 3">
+            <a:extLst>
+              <a:ext uri="{FF2B5EF4-FFF2-40B4-BE49-F238E27FC236}">
+                <a16:creationId xmlns:a16="http://schemas.microsoft.com/office/drawing/2014/main" id="{9970A788-57D7-4F43-A118-682DECA834F0}"/>
+              </a:ext>
+            </a:extLst>
+          </p:cNvPr>
+          <p:cNvCxnSpPr/>
+          <p:nvPr/>
+        </p:nvCxnSpPr>
+        <p:spPr>
+          <a:xfrm flipH="1">
+            <a:off x="4462943" y="729842"/>
+            <a:ext cx="1719743" cy="1409351"/>
+          </a:xfrm>
+          <a:prstGeom prst="straightConnector1">
+            <a:avLst/>
+          </a:prstGeom>
+          <a:ln>
+            <a:tailEnd type="triangle"/>
+          </a:ln>
+        </p:spPr>
+        <p:style>
+          <a:lnRef idx="1">
+            <a:schemeClr val="accent1"/>
+          </a:lnRef>
+          <a:fillRef idx="0">
+            <a:schemeClr val="accent1"/>
+          </a:fillRef>
+          <a:effectRef idx="0">
+            <a:schemeClr val="accent1"/>
+          </a:effectRef>
+          <a:fontRef idx="minor">
+            <a:schemeClr val="tx1"/>
+          </a:fontRef>
+        </p:style>
+      </p:cxnSp>
+      <p:sp>
+        <p:nvSpPr>
+          <p:cNvPr id="6" name="TextBox 5">
+            <a:extLst>
+              <a:ext uri="{FF2B5EF4-FFF2-40B4-BE49-F238E27FC236}">
+                <a16:creationId xmlns:a16="http://schemas.microsoft.com/office/drawing/2014/main" id="{59E017F7-2CD4-4914-9DC2-79439BF09470}"/>
+              </a:ext>
+            </a:extLst>
+          </p:cNvPr>
+          <p:cNvSpPr txBox="1"/>
+          <p:nvPr/>
+        </p:nvSpPr>
+        <p:spPr>
+          <a:xfrm>
+            <a:off x="4808290" y="3253672"/>
+            <a:ext cx="3896067" cy="923330"/>
+          </a:xfrm>
+          <a:prstGeom prst="rect">
+            <a:avLst/>
+          </a:prstGeom>
+          <a:solidFill>
+            <a:schemeClr val="accent6">
+              <a:lumMod val="20000"/>
+              <a:lumOff val="80000"/>
+            </a:schemeClr>
+          </a:solidFill>
+        </p:spPr>
+        <p:txBody>
+          <a:bodyPr wrap="none" rtlCol="0">
+            <a:spAutoFit/>
+          </a:bodyPr>
+          <a:lstStyle/>
+          <a:p>
+            <a:r>
+              <a:rPr lang="en-US" dirty="0"/>
+              <a:t>HW Early on … will stop around the MT </a:t>
+            </a:r>
+          </a:p>
+          <a:p>
+            <a:endParaRPr lang="en-US" dirty="0"/>
+          </a:p>
+          <a:p>
+            <a:r>
+              <a:rPr lang="en-US" dirty="0"/>
+              <a:t>Project work (more on this later)</a:t>
+            </a:r>
+          </a:p>
+        </p:txBody>
+      </p:sp>
+      <p:cxnSp>
+        <p:nvCxnSpPr>
+          <p:cNvPr id="7" name="Straight Arrow Connector 6">
+            <a:extLst>
+              <a:ext uri="{FF2B5EF4-FFF2-40B4-BE49-F238E27FC236}">
+                <a16:creationId xmlns:a16="http://schemas.microsoft.com/office/drawing/2014/main" id="{FCF0F6A2-7F06-4D18-9B2F-CF00815477EF}"/>
+              </a:ext>
+            </a:extLst>
+          </p:cNvPr>
+          <p:cNvCxnSpPr>
+            <a:cxnSpLocks/>
+          </p:cNvCxnSpPr>
+          <p:nvPr/>
+        </p:nvCxnSpPr>
+        <p:spPr>
+          <a:xfrm flipH="1" flipV="1">
+            <a:off x="3624044" y="2541864"/>
+            <a:ext cx="2776756" cy="711809"/>
+          </a:xfrm>
+          <a:prstGeom prst="straightConnector1">
+            <a:avLst/>
+          </a:prstGeom>
+          <a:ln>
+            <a:tailEnd type="triangle"/>
+          </a:ln>
+        </p:spPr>
+        <p:style>
+          <a:lnRef idx="1">
+            <a:schemeClr val="accent1"/>
+          </a:lnRef>
+          <a:fillRef idx="0">
+            <a:schemeClr val="accent1"/>
+          </a:fillRef>
+          <a:effectRef idx="0">
+            <a:schemeClr val="accent1"/>
+          </a:effectRef>
+          <a:fontRef idx="minor">
+            <a:schemeClr val="tx1"/>
+          </a:fontRef>
+        </p:style>
+      </p:cxnSp>
     </p:spTree>
     <p:extLst>
       <p:ext uri="{BB962C8B-B14F-4D97-AF65-F5344CB8AC3E}">
@@ -9682,7 +10937,7 @@
 </p:sld>
 </file>
 
-<file path=ppt/slides/slide6.xml><?xml version="1.0" encoding="utf-8"?>
+<file path=ppt/slides/slide7.xml><?xml version="1.0" encoding="utf-8"?>
 <p:sld xmlns:a="http://schemas.openxmlformats.org/drawingml/2006/main" xmlns:r="http://schemas.openxmlformats.org/officeDocument/2006/relationships" xmlns:p="http://schemas.openxmlformats.org/presentationml/2006/main">
   <p:cSld>
     <p:spTree>
@@ -10358,7 +11613,7 @@
 </p:sld>
 </file>
 
-<file path=ppt/slides/slide7.xml><?xml version="1.0" encoding="utf-8"?>
+<file path=ppt/slides/slide8.xml><?xml version="1.0" encoding="utf-8"?>
 <p:sld xmlns:a="http://schemas.openxmlformats.org/drawingml/2006/main" xmlns:r="http://schemas.openxmlformats.org/officeDocument/2006/relationships" xmlns:p="http://schemas.openxmlformats.org/presentationml/2006/main">
   <p:cSld>
     <p:spTree>
@@ -10375,31 +11630,6 @@
           <a:chExt cx="0" cy="0"/>
         </a:xfrm>
       </p:grpSpPr>
-      <p:sp>
-        <p:nvSpPr>
-          <p:cNvPr id="2" name="Title 1">
-            <a:extLst>
-              <a:ext uri="{FF2B5EF4-FFF2-40B4-BE49-F238E27FC236}">
-                <a16:creationId xmlns:a16="http://schemas.microsoft.com/office/drawing/2014/main" id="{B8D7C6BD-4183-467C-B38B-3364A115D6CB}"/>
-              </a:ext>
-            </a:extLst>
-          </p:cNvPr>
-          <p:cNvSpPr>
-            <a:spLocks noGrp="1"/>
-          </p:cNvSpPr>
-          <p:nvPr>
-            <p:ph type="title"/>
-          </p:nvPr>
-        </p:nvSpPr>
-        <p:spPr/>
-        <p:txBody>
-          <a:bodyPr/>
-          <a:lstStyle/>
-          <a:p>
-            <a:endParaRPr lang="en-US"/>
-          </a:p>
-        </p:txBody>
-      </p:sp>
       <p:graphicFrame>
         <p:nvGraphicFramePr>
           <p:cNvPr id="4" name="Content Placeholder 3">
@@ -10901,642 +12131,6 @@
 </p:sld>
 </file>
 
-<file path=ppt/slides/slide8.xml><?xml version="1.0" encoding="utf-8"?>
-<p:sld xmlns:a="http://schemas.openxmlformats.org/drawingml/2006/main" xmlns:r="http://schemas.openxmlformats.org/officeDocument/2006/relationships" xmlns:p="http://schemas.openxmlformats.org/presentationml/2006/main">
-  <p:cSld>
-    <p:spTree>
-      <p:nvGrpSpPr>
-        <p:cNvPr id="1" name=""/>
-        <p:cNvGrpSpPr/>
-        <p:nvPr/>
-      </p:nvGrpSpPr>
-      <p:grpSpPr>
-        <a:xfrm>
-          <a:off x="0" y="0"/>
-          <a:ext cx="0" cy="0"/>
-          <a:chOff x="0" y="0"/>
-          <a:chExt cx="0" cy="0"/>
-        </a:xfrm>
-      </p:grpSpPr>
-      <p:sp>
-        <p:nvSpPr>
-          <p:cNvPr id="2" name="Title 1">
-            <a:extLst>
-              <a:ext uri="{FF2B5EF4-FFF2-40B4-BE49-F238E27FC236}">
-                <a16:creationId xmlns:a16="http://schemas.microsoft.com/office/drawing/2014/main" id="{0EEE5C68-5578-42AD-A52E-87F19BF290E2}"/>
-              </a:ext>
-            </a:extLst>
-          </p:cNvPr>
-          <p:cNvSpPr>
-            <a:spLocks noGrp="1"/>
-          </p:cNvSpPr>
-          <p:nvPr>
-            <p:ph type="title"/>
-          </p:nvPr>
-        </p:nvSpPr>
-        <p:spPr>
-          <a:xfrm>
-            <a:off x="381001" y="116044"/>
-            <a:ext cx="10515600" cy="1325563"/>
-          </a:xfrm>
-        </p:spPr>
-        <p:txBody>
-          <a:bodyPr/>
-          <a:lstStyle/>
-          <a:p>
-            <a:r>
-              <a:rPr lang="en-US" dirty="0"/>
-              <a:t>My Philosophies  on … </a:t>
-            </a:r>
-          </a:p>
-        </p:txBody>
-      </p:sp>
-      <p:sp>
-        <p:nvSpPr>
-          <p:cNvPr id="4" name="AutoShape 2">
-            <a:extLst>
-              <a:ext uri="{FF2B5EF4-FFF2-40B4-BE49-F238E27FC236}">
-                <a16:creationId xmlns:a16="http://schemas.microsoft.com/office/drawing/2014/main" id="{F38C0335-553E-441E-A6CA-08D9E32FEAC0}"/>
-              </a:ext>
-            </a:extLst>
-          </p:cNvPr>
-          <p:cNvSpPr>
-            <a:spLocks noChangeAspect="1" noChangeArrowheads="1"/>
-          </p:cNvSpPr>
-          <p:nvPr/>
-        </p:nvSpPr>
-        <p:spPr bwMode="auto">
-          <a:xfrm>
-            <a:off x="5943600" y="3276600"/>
-            <a:ext cx="304800" cy="304800"/>
-          </a:xfrm>
-          <a:prstGeom prst="rect">
-            <a:avLst/>
-          </a:prstGeom>
-          <a:noFill/>
-          <a:extLst>
-            <a:ext uri="{909E8E84-426E-40DD-AFC4-6F175D3DCCD1}">
-              <a14:hiddenFill xmlns:a14="http://schemas.microsoft.com/office/drawing/2010/main">
-                <a:solidFill>
-                  <a:srgbClr val="FFFFFF"/>
-                </a:solidFill>
-              </a14:hiddenFill>
-            </a:ext>
-          </a:extLst>
-        </p:spPr>
-        <p:txBody>
-          <a:bodyPr vert="horz" wrap="square" lIns="91440" tIns="45720" rIns="91440" bIns="45720" numCol="1" anchor="t" anchorCtr="0" compatLnSpc="1">
-            <a:prstTxWarp prst="textNoShape">
-              <a:avLst/>
-            </a:prstTxWarp>
-          </a:bodyPr>
-          <a:lstStyle/>
-          <a:p>
-            <a:endParaRPr lang="en-US"/>
-          </a:p>
-        </p:txBody>
-      </p:sp>
-      <p:sp>
-        <p:nvSpPr>
-          <p:cNvPr id="5" name="AutoShape 4" descr="Full size image">
-            <a:extLst>
-              <a:ext uri="{FF2B5EF4-FFF2-40B4-BE49-F238E27FC236}">
-                <a16:creationId xmlns:a16="http://schemas.microsoft.com/office/drawing/2014/main" id="{8AEC6E8B-C2A0-4B46-BC56-6429EB24CAB8}"/>
-              </a:ext>
-            </a:extLst>
-          </p:cNvPr>
-          <p:cNvSpPr>
-            <a:spLocks noChangeAspect="1" noChangeArrowheads="1"/>
-          </p:cNvSpPr>
-          <p:nvPr/>
-        </p:nvSpPr>
-        <p:spPr bwMode="auto">
-          <a:xfrm>
-            <a:off x="6096000" y="3429000"/>
-            <a:ext cx="304800" cy="304800"/>
-          </a:xfrm>
-          <a:prstGeom prst="rect">
-            <a:avLst/>
-          </a:prstGeom>
-          <a:noFill/>
-          <a:extLst>
-            <a:ext uri="{909E8E84-426E-40DD-AFC4-6F175D3DCCD1}">
-              <a14:hiddenFill xmlns:a14="http://schemas.microsoft.com/office/drawing/2010/main">
-                <a:solidFill>
-                  <a:srgbClr val="FFFFFF"/>
-                </a:solidFill>
-              </a14:hiddenFill>
-            </a:ext>
-          </a:extLst>
-        </p:spPr>
-        <p:txBody>
-          <a:bodyPr vert="horz" wrap="square" lIns="91440" tIns="45720" rIns="91440" bIns="45720" numCol="1" anchor="t" anchorCtr="0" compatLnSpc="1">
-            <a:prstTxWarp prst="textNoShape">
-              <a:avLst/>
-            </a:prstTxWarp>
-          </a:bodyPr>
-          <a:lstStyle/>
-          <a:p>
-            <a:endParaRPr lang="en-US"/>
-          </a:p>
-        </p:txBody>
-      </p:sp>
-      <p:sp>
-        <p:nvSpPr>
-          <p:cNvPr id="8" name="AutoShape 6" descr="Full size image">
-            <a:extLst>
-              <a:ext uri="{FF2B5EF4-FFF2-40B4-BE49-F238E27FC236}">
-                <a16:creationId xmlns:a16="http://schemas.microsoft.com/office/drawing/2014/main" id="{28C63CBE-AD67-4DF4-980A-D95CB7ED1799}"/>
-              </a:ext>
-            </a:extLst>
-          </p:cNvPr>
-          <p:cNvSpPr>
-            <a:spLocks noChangeAspect="1" noChangeArrowheads="1"/>
-          </p:cNvSpPr>
-          <p:nvPr/>
-        </p:nvSpPr>
-        <p:spPr bwMode="auto">
-          <a:xfrm>
-            <a:off x="6248400" y="3581400"/>
-            <a:ext cx="304800" cy="304800"/>
-          </a:xfrm>
-          <a:prstGeom prst="rect">
-            <a:avLst/>
-          </a:prstGeom>
-          <a:noFill/>
-          <a:extLst>
-            <a:ext uri="{909E8E84-426E-40DD-AFC4-6F175D3DCCD1}">
-              <a14:hiddenFill xmlns:a14="http://schemas.microsoft.com/office/drawing/2010/main">
-                <a:solidFill>
-                  <a:srgbClr val="FFFFFF"/>
-                </a:solidFill>
-              </a14:hiddenFill>
-            </a:ext>
-          </a:extLst>
-        </p:spPr>
-        <p:txBody>
-          <a:bodyPr vert="horz" wrap="square" lIns="91440" tIns="45720" rIns="91440" bIns="45720" numCol="1" anchor="t" anchorCtr="0" compatLnSpc="1">
-            <a:prstTxWarp prst="textNoShape">
-              <a:avLst/>
-            </a:prstTxWarp>
-          </a:bodyPr>
-          <a:lstStyle/>
-          <a:p>
-            <a:endParaRPr lang="en-US"/>
-          </a:p>
-        </p:txBody>
-      </p:sp>
-      <p:sp>
-        <p:nvSpPr>
-          <p:cNvPr id="13" name="TextBox 12">
-            <a:extLst>
-              <a:ext uri="{FF2B5EF4-FFF2-40B4-BE49-F238E27FC236}">
-                <a16:creationId xmlns:a16="http://schemas.microsoft.com/office/drawing/2014/main" id="{9F63925E-D71A-463C-97E6-E4E358FDD6D1}"/>
-              </a:ext>
-            </a:extLst>
-          </p:cNvPr>
-          <p:cNvSpPr txBox="1"/>
-          <p:nvPr/>
-        </p:nvSpPr>
-        <p:spPr>
-          <a:xfrm>
-            <a:off x="6248400" y="499053"/>
-            <a:ext cx="4239879" cy="523220"/>
-          </a:xfrm>
-          <a:prstGeom prst="rect">
-            <a:avLst/>
-          </a:prstGeom>
-          <a:noFill/>
-        </p:spPr>
-        <p:txBody>
-          <a:bodyPr wrap="none" rtlCol="0">
-            <a:spAutoFit/>
-          </a:bodyPr>
-          <a:lstStyle/>
-          <a:p>
-            <a:r>
-              <a:rPr lang="en-US" sz="2800" dirty="0"/>
-              <a:t>Learning … growth mindset </a:t>
-            </a:r>
-          </a:p>
-        </p:txBody>
-      </p:sp>
-      <p:sp>
-        <p:nvSpPr>
-          <p:cNvPr id="15" name="TextBox 14">
-            <a:extLst>
-              <a:ext uri="{FF2B5EF4-FFF2-40B4-BE49-F238E27FC236}">
-                <a16:creationId xmlns:a16="http://schemas.microsoft.com/office/drawing/2014/main" id="{CC9807FF-5A93-4749-9272-29BFB73A2868}"/>
-              </a:ext>
-            </a:extLst>
-          </p:cNvPr>
-          <p:cNvSpPr txBox="1"/>
-          <p:nvPr/>
-        </p:nvSpPr>
-        <p:spPr>
-          <a:xfrm>
-            <a:off x="260596" y="1441608"/>
-            <a:ext cx="6094520" cy="1477328"/>
-          </a:xfrm>
-          <a:prstGeom prst="rect">
-            <a:avLst/>
-          </a:prstGeom>
-          <a:solidFill>
-            <a:srgbClr val="FFFF00"/>
-          </a:solidFill>
-        </p:spPr>
-        <p:txBody>
-          <a:bodyPr wrap="square">
-            <a:spAutoFit/>
-          </a:bodyPr>
-          <a:lstStyle/>
-          <a:p>
-            <a:r>
-              <a:rPr lang="en-US" b="1" i="0" dirty="0">
-                <a:solidFill>
-                  <a:srgbClr val="202124"/>
-                </a:solidFill>
-                <a:effectLst/>
-                <a:latin typeface="Roboto"/>
-              </a:rPr>
-              <a:t>fixed mindset</a:t>
-            </a:r>
-            <a:r>
-              <a:rPr lang="en-US" dirty="0">
-                <a:solidFill>
-                  <a:srgbClr val="202124"/>
-                </a:solidFill>
-                <a:latin typeface="Roboto"/>
-              </a:rPr>
-              <a:t> -&gt; </a:t>
-            </a:r>
-            <a:r>
-              <a:rPr lang="en-US" b="0" i="0" dirty="0">
-                <a:solidFill>
-                  <a:srgbClr val="202124"/>
-                </a:solidFill>
-                <a:effectLst/>
-                <a:latin typeface="Roboto"/>
-              </a:rPr>
-              <a:t>believe that their basic abilities, intelligence, and talents are </a:t>
-            </a:r>
-            <a:r>
-              <a:rPr lang="en-US" b="1" i="0" dirty="0">
-                <a:solidFill>
-                  <a:srgbClr val="202124"/>
-                </a:solidFill>
-                <a:effectLst/>
-                <a:latin typeface="Roboto"/>
-              </a:rPr>
-              <a:t>fixed</a:t>
-            </a:r>
-            <a:r>
-              <a:rPr lang="en-US" b="0" i="0" dirty="0">
-                <a:solidFill>
-                  <a:srgbClr val="202124"/>
-                </a:solidFill>
-                <a:effectLst/>
-                <a:latin typeface="Roboto"/>
-              </a:rPr>
-              <a:t> traits. ...</a:t>
-            </a:r>
-          </a:p>
-          <a:p>
-            <a:endParaRPr lang="en-US" dirty="0">
-              <a:solidFill>
-                <a:srgbClr val="202124"/>
-              </a:solidFill>
-              <a:latin typeface="Roboto"/>
-            </a:endParaRPr>
-          </a:p>
-          <a:p>
-            <a:endParaRPr lang="en-US" dirty="0">
-              <a:solidFill>
-                <a:srgbClr val="202124"/>
-              </a:solidFill>
-              <a:latin typeface="Roboto"/>
-            </a:endParaRPr>
-          </a:p>
-          <a:p>
-            <a:r>
-              <a:rPr lang="en-US" b="0" i="0" dirty="0">
-                <a:solidFill>
-                  <a:srgbClr val="202124"/>
-                </a:solidFill>
-                <a:effectLst/>
-                <a:latin typeface="Roboto"/>
-              </a:rPr>
-              <a:t> .</a:t>
-            </a:r>
-            <a:endParaRPr lang="en-US" dirty="0"/>
-          </a:p>
-        </p:txBody>
-      </p:sp>
-      <p:sp>
-        <p:nvSpPr>
-          <p:cNvPr id="17" name="TextBox 16">
-            <a:extLst>
-              <a:ext uri="{FF2B5EF4-FFF2-40B4-BE49-F238E27FC236}">
-                <a16:creationId xmlns:a16="http://schemas.microsoft.com/office/drawing/2014/main" id="{91D6E196-011D-449D-B9EF-B6DA65D15F63}"/>
-              </a:ext>
-            </a:extLst>
-          </p:cNvPr>
-          <p:cNvSpPr txBox="1"/>
-          <p:nvPr/>
-        </p:nvSpPr>
-        <p:spPr>
-          <a:xfrm>
-            <a:off x="528221" y="3886200"/>
-            <a:ext cx="6134470" cy="646331"/>
-          </a:xfrm>
-          <a:prstGeom prst="rect">
-            <a:avLst/>
-          </a:prstGeom>
-          <a:solidFill>
-            <a:schemeClr val="accent3">
-              <a:lumMod val="20000"/>
-              <a:lumOff val="80000"/>
-            </a:schemeClr>
-          </a:solidFill>
-        </p:spPr>
-        <p:txBody>
-          <a:bodyPr wrap="square">
-            <a:spAutoFit/>
-          </a:bodyPr>
-          <a:lstStyle/>
-          <a:p>
-            <a:r>
-              <a:rPr lang="en-US" dirty="0"/>
-              <a:t>https://www.developgoodhabits.com/growth-mindset-examples/</a:t>
-            </a:r>
-          </a:p>
-        </p:txBody>
-      </p:sp>
-      <p:sp>
-        <p:nvSpPr>
-          <p:cNvPr id="19" name="TextBox 18">
-            <a:extLst>
-              <a:ext uri="{FF2B5EF4-FFF2-40B4-BE49-F238E27FC236}">
-                <a16:creationId xmlns:a16="http://schemas.microsoft.com/office/drawing/2014/main" id="{EDBAFF63-7A9A-44CE-B2C2-B6FA33B9F6C8}"/>
-              </a:ext>
-            </a:extLst>
-          </p:cNvPr>
-          <p:cNvSpPr txBox="1"/>
-          <p:nvPr/>
-        </p:nvSpPr>
-        <p:spPr>
-          <a:xfrm>
-            <a:off x="528221" y="4800680"/>
-            <a:ext cx="6134470" cy="1754326"/>
-          </a:xfrm>
-          <a:prstGeom prst="rect">
-            <a:avLst/>
-          </a:prstGeom>
-          <a:solidFill>
-            <a:schemeClr val="accent3">
-              <a:lumMod val="20000"/>
-              <a:lumOff val="80000"/>
-            </a:schemeClr>
-          </a:solidFill>
-        </p:spPr>
-        <p:txBody>
-          <a:bodyPr wrap="square">
-            <a:spAutoFit/>
-          </a:bodyPr>
-          <a:lstStyle/>
-          <a:p>
-            <a:pPr algn="l"/>
-            <a:r>
-              <a:rPr lang="en-US" b="1" i="0" dirty="0">
-                <a:solidFill>
-                  <a:srgbClr val="5171A5"/>
-                </a:solidFill>
-                <a:effectLst/>
-                <a:latin typeface="PT Serif"/>
-              </a:rPr>
-              <a:t>“It’s never too late to learn.”</a:t>
-            </a:r>
-          </a:p>
-          <a:p>
-            <a:r>
-              <a:rPr lang="en-US" b="1" i="0" dirty="0">
-                <a:solidFill>
-                  <a:srgbClr val="5171A5"/>
-                </a:solidFill>
-                <a:effectLst/>
-                <a:latin typeface="PT Serif"/>
-              </a:rPr>
-              <a:t>“I can always improve at something if I try.”</a:t>
-            </a:r>
-          </a:p>
-          <a:p>
-            <a:r>
-              <a:rPr lang="en-US" b="1" i="0" dirty="0">
-                <a:solidFill>
-                  <a:srgbClr val="5171A5"/>
-                </a:solidFill>
-                <a:effectLst/>
-                <a:latin typeface="PT Serif"/>
-              </a:rPr>
-              <a:t>“As long as I have determination, I can do anything.”</a:t>
-            </a:r>
-          </a:p>
-          <a:p>
-            <a:r>
-              <a:rPr lang="en-US" b="1" dirty="0">
-                <a:solidFill>
-                  <a:srgbClr val="5171A5"/>
-                </a:solidFill>
-                <a:latin typeface="PT Serif"/>
-              </a:rPr>
-              <a:t>“If I am struggling it means I am learning”</a:t>
-            </a:r>
-            <a:endParaRPr lang="en-US" b="1" i="0" dirty="0">
-              <a:solidFill>
-                <a:srgbClr val="5171A5"/>
-              </a:solidFill>
-              <a:effectLst/>
-              <a:latin typeface="PT Serif"/>
-            </a:endParaRPr>
-          </a:p>
-          <a:p>
-            <a:endParaRPr lang="en-US" b="1" i="0" dirty="0">
-              <a:solidFill>
-                <a:srgbClr val="5171A5"/>
-              </a:solidFill>
-              <a:effectLst/>
-              <a:latin typeface="PT Serif"/>
-            </a:endParaRPr>
-          </a:p>
-          <a:p>
-            <a:pPr algn="l"/>
-            <a:endParaRPr lang="en-US" b="1" i="0" dirty="0">
-              <a:solidFill>
-                <a:srgbClr val="5171A5"/>
-              </a:solidFill>
-              <a:effectLst/>
-              <a:latin typeface="PT Serif"/>
-            </a:endParaRPr>
-          </a:p>
-        </p:txBody>
-      </p:sp>
-      <p:sp>
-        <p:nvSpPr>
-          <p:cNvPr id="21" name="TextBox 20">
-            <a:extLst>
-              <a:ext uri="{FF2B5EF4-FFF2-40B4-BE49-F238E27FC236}">
-                <a16:creationId xmlns:a16="http://schemas.microsoft.com/office/drawing/2014/main" id="{93C02CE3-B432-49B1-AA15-603383D2EFEA}"/>
-              </a:ext>
-            </a:extLst>
-          </p:cNvPr>
-          <p:cNvSpPr txBox="1"/>
-          <p:nvPr/>
-        </p:nvSpPr>
-        <p:spPr>
-          <a:xfrm>
-            <a:off x="260596" y="2092169"/>
-            <a:ext cx="6082869" cy="923330"/>
-          </a:xfrm>
-          <a:prstGeom prst="rect">
-            <a:avLst/>
-          </a:prstGeom>
-          <a:noFill/>
-        </p:spPr>
-        <p:txBody>
-          <a:bodyPr wrap="square">
-            <a:spAutoFit/>
-          </a:bodyPr>
-          <a:lstStyle/>
-          <a:p>
-            <a:r>
-              <a:rPr lang="en-US" b="0" i="0" dirty="0">
-                <a:solidFill>
-                  <a:srgbClr val="2A2A2A"/>
-                </a:solidFill>
-                <a:effectLst/>
-                <a:latin typeface="lora"/>
-              </a:rPr>
-              <a:t> If someone believes intelligence and abilities are immutable traits, they are not likely to put in much effort to change their inherent intelligence and abilities.</a:t>
-            </a:r>
-            <a:endParaRPr lang="en-US" dirty="0"/>
-          </a:p>
-        </p:txBody>
-      </p:sp>
-      <p:sp>
-        <p:nvSpPr>
-          <p:cNvPr id="23" name="TextBox 22">
-            <a:extLst>
-              <a:ext uri="{FF2B5EF4-FFF2-40B4-BE49-F238E27FC236}">
-                <a16:creationId xmlns:a16="http://schemas.microsoft.com/office/drawing/2014/main" id="{468BE7C0-8E16-4235-8834-D4CC097F99B5}"/>
-              </a:ext>
-            </a:extLst>
-          </p:cNvPr>
-          <p:cNvSpPr txBox="1"/>
-          <p:nvPr/>
-        </p:nvSpPr>
-        <p:spPr>
-          <a:xfrm>
-            <a:off x="208995" y="3115505"/>
-            <a:ext cx="6134470" cy="646331"/>
-          </a:xfrm>
-          <a:prstGeom prst="rect">
-            <a:avLst/>
-          </a:prstGeom>
-          <a:solidFill>
-            <a:schemeClr val="accent3">
-              <a:lumMod val="20000"/>
-              <a:lumOff val="80000"/>
-            </a:schemeClr>
-          </a:solidFill>
-        </p:spPr>
-        <p:txBody>
-          <a:bodyPr wrap="square">
-            <a:spAutoFit/>
-          </a:bodyPr>
-          <a:lstStyle/>
-          <a:p>
-            <a:r>
-              <a:rPr lang="en-US" b="1" i="0" dirty="0">
-                <a:solidFill>
-                  <a:srgbClr val="202124"/>
-                </a:solidFill>
-                <a:effectLst/>
-                <a:latin typeface="Roboto"/>
-              </a:rPr>
-              <a:t>growth mindset</a:t>
-            </a:r>
-            <a:r>
-              <a:rPr lang="en-US" dirty="0">
-                <a:solidFill>
-                  <a:srgbClr val="202124"/>
-                </a:solidFill>
-                <a:latin typeface="Roboto"/>
-              </a:rPr>
-              <a:t> =&gt; </a:t>
-            </a:r>
-            <a:r>
-              <a:rPr lang="en-US" b="0" i="0" dirty="0">
-                <a:solidFill>
-                  <a:srgbClr val="202124"/>
-                </a:solidFill>
-                <a:effectLst/>
-                <a:latin typeface="Roboto"/>
-              </a:rPr>
-              <a:t>believe their abilities and intelligence can be developed with effort, learning, and persistence</a:t>
-            </a:r>
-            <a:endParaRPr lang="en-US" dirty="0"/>
-          </a:p>
-        </p:txBody>
-      </p:sp>
-      <p:pic>
-        <p:nvPicPr>
-          <p:cNvPr id="10" name="Picture 9">
-            <a:extLst>
-              <a:ext uri="{FF2B5EF4-FFF2-40B4-BE49-F238E27FC236}">
-                <a16:creationId xmlns:a16="http://schemas.microsoft.com/office/drawing/2014/main" id="{23830B2B-6F6E-4E95-B85D-BC8EFBCACB50}"/>
-              </a:ext>
-            </a:extLst>
-          </p:cNvPr>
-          <p:cNvPicPr>
-            <a:picLocks noChangeAspect="1"/>
-          </p:cNvPicPr>
-          <p:nvPr/>
-        </p:nvPicPr>
-        <p:blipFill>
-          <a:blip r:embed="rId2">
-            <a:extLst>
-              <a:ext uri="{28A0092B-C50C-407E-A947-70E740481C1C}">
-                <a14:useLocalDpi xmlns:a14="http://schemas.microsoft.com/office/drawing/2010/main" val="0"/>
-              </a:ext>
-            </a:extLst>
-          </a:blip>
-          <a:stretch>
-            <a:fillRect/>
-          </a:stretch>
-        </p:blipFill>
-        <p:spPr>
-          <a:xfrm rot="16200000">
-            <a:off x="7572569" y="1204008"/>
-            <a:ext cx="3337487" cy="4449983"/>
-          </a:xfrm>
-          <a:prstGeom prst="rect">
-            <a:avLst/>
-          </a:prstGeom>
-        </p:spPr>
-      </p:pic>
-    </p:spTree>
-    <p:extLst>
-      <p:ext uri="{BB962C8B-B14F-4D97-AF65-F5344CB8AC3E}">
-        <p14:creationId xmlns:p14="http://schemas.microsoft.com/office/powerpoint/2010/main" val="910537273"/>
-      </p:ext>
-    </p:extLst>
-  </p:cSld>
-  <p:clrMapOvr>
-    <a:masterClrMapping/>
-  </p:clrMapOvr>
-</p:sld>
-</file>
-
 <file path=ppt/slides/slide9.xml><?xml version="1.0" encoding="utf-8"?>
 <p:sld xmlns:a="http://schemas.openxmlformats.org/drawingml/2006/main" xmlns:r="http://schemas.openxmlformats.org/officeDocument/2006/relationships" xmlns:p="http://schemas.openxmlformats.org/presentationml/2006/main">
   <p:cSld>
@@ -11559,7 +12153,7 @@
           <p:cNvPr id="2" name="Title 1">
             <a:extLst>
               <a:ext uri="{FF2B5EF4-FFF2-40B4-BE49-F238E27FC236}">
-                <a16:creationId xmlns:a16="http://schemas.microsoft.com/office/drawing/2014/main" id="{0EEE5C68-5578-42AD-A52E-87F19BF290E2}"/>
+                <a16:creationId xmlns:a16="http://schemas.microsoft.com/office/drawing/2014/main" id="{1F58AC58-6BEC-4FB9-97AA-9EEF08752DF8}"/>
               </a:ext>
             </a:extLst>
           </p:cNvPr>
@@ -11570,10 +12164,38 @@
             <p:ph type="title"/>
           </p:nvPr>
         </p:nvSpPr>
+        <p:spPr/>
+        <p:txBody>
+          <a:bodyPr/>
+          <a:lstStyle/>
+          <a:p>
+            <a:r>
+              <a:rPr lang="en-US" dirty="0"/>
+              <a:t>How your grade is determined – 15% In class work, quizzes and course notes</a:t>
+            </a:r>
+          </a:p>
+        </p:txBody>
+      </p:sp>
+      <p:sp>
+        <p:nvSpPr>
+          <p:cNvPr id="3" name="Content Placeholder 2">
+            <a:extLst>
+              <a:ext uri="{FF2B5EF4-FFF2-40B4-BE49-F238E27FC236}">
+                <a16:creationId xmlns:a16="http://schemas.microsoft.com/office/drawing/2014/main" id="{39DF62A9-72A9-4DF6-B15B-F1007D432967}"/>
+              </a:ext>
+            </a:extLst>
+          </p:cNvPr>
+          <p:cNvSpPr>
+            <a:spLocks noGrp="1"/>
+          </p:cNvSpPr>
+          <p:nvPr>
+            <p:ph idx="1"/>
+          </p:nvPr>
+        </p:nvSpPr>
         <p:spPr>
           <a:xfrm>
-            <a:off x="345828" y="-22281"/>
-            <a:ext cx="10515600" cy="1325563"/>
+            <a:off x="838200" y="1825625"/>
+            <a:ext cx="10515600" cy="4351338"/>
           </a:xfrm>
         </p:spPr>
         <p:txBody>
@@ -11582,337 +12204,17 @@
           <a:p>
             <a:r>
               <a:rPr lang="en-US" dirty="0"/>
-              <a:t>My Philosophies on … </a:t>
-            </a:r>
-          </a:p>
-        </p:txBody>
-      </p:sp>
-      <p:sp>
-        <p:nvSpPr>
-          <p:cNvPr id="4" name="AutoShape 2">
-            <a:extLst>
-              <a:ext uri="{FF2B5EF4-FFF2-40B4-BE49-F238E27FC236}">
-                <a16:creationId xmlns:a16="http://schemas.microsoft.com/office/drawing/2014/main" id="{F38C0335-553E-441E-A6CA-08D9E32FEAC0}"/>
-              </a:ext>
-            </a:extLst>
-          </p:cNvPr>
-          <p:cNvSpPr>
-            <a:spLocks noChangeAspect="1" noChangeArrowheads="1"/>
-          </p:cNvSpPr>
-          <p:nvPr/>
-        </p:nvSpPr>
-        <p:spPr bwMode="auto">
-          <a:xfrm>
-            <a:off x="5943600" y="3276600"/>
-            <a:ext cx="304800" cy="304800"/>
-          </a:xfrm>
-          <a:prstGeom prst="rect">
-            <a:avLst/>
-          </a:prstGeom>
-          <a:noFill/>
-          <a:extLst>
-            <a:ext uri="{909E8E84-426E-40DD-AFC4-6F175D3DCCD1}">
-              <a14:hiddenFill xmlns:a14="http://schemas.microsoft.com/office/drawing/2010/main">
-                <a:solidFill>
-                  <a:srgbClr val="FFFFFF"/>
-                </a:solidFill>
-              </a14:hiddenFill>
-            </a:ext>
-          </a:extLst>
-        </p:spPr>
-        <p:txBody>
-          <a:bodyPr vert="horz" wrap="square" lIns="91440" tIns="45720" rIns="91440" bIns="45720" numCol="1" anchor="t" anchorCtr="0" compatLnSpc="1">
-            <a:prstTxWarp prst="textNoShape">
-              <a:avLst/>
-            </a:prstTxWarp>
-          </a:bodyPr>
-          <a:lstStyle/>
-          <a:p>
-            <a:endParaRPr lang="en-US"/>
-          </a:p>
-        </p:txBody>
-      </p:sp>
-      <p:sp>
-        <p:nvSpPr>
-          <p:cNvPr id="5" name="AutoShape 4" descr="Full size image">
-            <a:extLst>
-              <a:ext uri="{FF2B5EF4-FFF2-40B4-BE49-F238E27FC236}">
-                <a16:creationId xmlns:a16="http://schemas.microsoft.com/office/drawing/2014/main" id="{8AEC6E8B-C2A0-4B46-BC56-6429EB24CAB8}"/>
-              </a:ext>
-            </a:extLst>
-          </p:cNvPr>
-          <p:cNvSpPr>
-            <a:spLocks noChangeAspect="1" noChangeArrowheads="1"/>
-          </p:cNvSpPr>
-          <p:nvPr/>
-        </p:nvSpPr>
-        <p:spPr bwMode="auto">
-          <a:xfrm>
-            <a:off x="6096000" y="3429000"/>
-            <a:ext cx="304800" cy="304800"/>
-          </a:xfrm>
-          <a:prstGeom prst="rect">
-            <a:avLst/>
-          </a:prstGeom>
-          <a:noFill/>
-          <a:extLst>
-            <a:ext uri="{909E8E84-426E-40DD-AFC4-6F175D3DCCD1}">
-              <a14:hiddenFill xmlns:a14="http://schemas.microsoft.com/office/drawing/2010/main">
-                <a:solidFill>
-                  <a:srgbClr val="FFFFFF"/>
-                </a:solidFill>
-              </a14:hiddenFill>
-            </a:ext>
-          </a:extLst>
-        </p:spPr>
-        <p:txBody>
-          <a:bodyPr vert="horz" wrap="square" lIns="91440" tIns="45720" rIns="91440" bIns="45720" numCol="1" anchor="t" anchorCtr="0" compatLnSpc="1">
-            <a:prstTxWarp prst="textNoShape">
-              <a:avLst/>
-            </a:prstTxWarp>
-          </a:bodyPr>
-          <a:lstStyle/>
-          <a:p>
-            <a:endParaRPr lang="en-US"/>
-          </a:p>
-        </p:txBody>
-      </p:sp>
-      <p:sp>
-        <p:nvSpPr>
-          <p:cNvPr id="8" name="AutoShape 6" descr="Full size image">
-            <a:extLst>
-              <a:ext uri="{FF2B5EF4-FFF2-40B4-BE49-F238E27FC236}">
-                <a16:creationId xmlns:a16="http://schemas.microsoft.com/office/drawing/2014/main" id="{28C63CBE-AD67-4DF4-980A-D95CB7ED1799}"/>
-              </a:ext>
-            </a:extLst>
-          </p:cNvPr>
-          <p:cNvSpPr>
-            <a:spLocks noChangeAspect="1" noChangeArrowheads="1"/>
-          </p:cNvSpPr>
-          <p:nvPr/>
-        </p:nvSpPr>
-        <p:spPr bwMode="auto">
-          <a:xfrm>
-            <a:off x="6248400" y="3581400"/>
-            <a:ext cx="304800" cy="304800"/>
-          </a:xfrm>
-          <a:prstGeom prst="rect">
-            <a:avLst/>
-          </a:prstGeom>
-          <a:noFill/>
-          <a:extLst>
-            <a:ext uri="{909E8E84-426E-40DD-AFC4-6F175D3DCCD1}">
-              <a14:hiddenFill xmlns:a14="http://schemas.microsoft.com/office/drawing/2010/main">
-                <a:solidFill>
-                  <a:srgbClr val="FFFFFF"/>
-                </a:solidFill>
-              </a14:hiddenFill>
-            </a:ext>
-          </a:extLst>
-        </p:spPr>
-        <p:txBody>
-          <a:bodyPr vert="horz" wrap="square" lIns="91440" tIns="45720" rIns="91440" bIns="45720" numCol="1" anchor="t" anchorCtr="0" compatLnSpc="1">
-            <a:prstTxWarp prst="textNoShape">
-              <a:avLst/>
-            </a:prstTxWarp>
-          </a:bodyPr>
-          <a:lstStyle/>
-          <a:p>
-            <a:endParaRPr lang="en-US"/>
-          </a:p>
-        </p:txBody>
-      </p:sp>
-      <p:sp>
-        <p:nvSpPr>
-          <p:cNvPr id="3" name="TextBox 2">
-            <a:extLst>
-              <a:ext uri="{FF2B5EF4-FFF2-40B4-BE49-F238E27FC236}">
-                <a16:creationId xmlns:a16="http://schemas.microsoft.com/office/drawing/2014/main" id="{9672309E-7832-43A2-A0C9-6CD304C8EE5C}"/>
-              </a:ext>
-            </a:extLst>
-          </p:cNvPr>
-          <p:cNvSpPr txBox="1"/>
-          <p:nvPr/>
-        </p:nvSpPr>
-        <p:spPr>
-          <a:xfrm>
-            <a:off x="209501" y="1096385"/>
-            <a:ext cx="5346101" cy="2585323"/>
-          </a:xfrm>
-          <a:prstGeom prst="rect">
-            <a:avLst/>
-          </a:prstGeom>
-          <a:solidFill>
-            <a:schemeClr val="accent6">
-              <a:lumMod val="20000"/>
-              <a:lumOff val="80000"/>
-            </a:schemeClr>
-          </a:solidFill>
-        </p:spPr>
-        <p:txBody>
-          <a:bodyPr wrap="square" rtlCol="0">
-            <a:spAutoFit/>
-          </a:bodyPr>
-          <a:lstStyle/>
-          <a:p>
-            <a:r>
-              <a:rPr lang="en-US" b="1" dirty="0"/>
-              <a:t>The Learning Process</a:t>
-            </a:r>
-          </a:p>
-          <a:p>
-            <a:endParaRPr lang="en-US" dirty="0"/>
-          </a:p>
-          <a:p>
-            <a:r>
-              <a:rPr lang="en-US" dirty="0"/>
-              <a:t>In the field</a:t>
-            </a:r>
-          </a:p>
-          <a:p>
-            <a:endParaRPr lang="en-US" dirty="0"/>
-          </a:p>
-          <a:p>
-            <a:r>
-              <a:rPr lang="en-US" dirty="0"/>
-              <a:t>1. Watch tutorial and code-a-long</a:t>
-            </a:r>
-          </a:p>
-          <a:p>
-            <a:r>
-              <a:rPr lang="en-US" dirty="0"/>
-              <a:t>	(get it working)</a:t>
-            </a:r>
-          </a:p>
-          <a:p>
-            <a:r>
-              <a:rPr lang="en-US" dirty="0"/>
-              <a:t>2. Recreate with a twist</a:t>
-            </a:r>
-          </a:p>
-          <a:p>
-            <a:r>
-              <a:rPr lang="en-US" dirty="0"/>
-              <a:t>3. Study the example … Repeat steps 1,2 if needed …</a:t>
-            </a:r>
-          </a:p>
-          <a:p>
-            <a:r>
-              <a:rPr lang="en-US" dirty="0"/>
-              <a:t>4. Apply to a big project</a:t>
-            </a:r>
-          </a:p>
-        </p:txBody>
-      </p:sp>
-      <p:sp>
-        <p:nvSpPr>
-          <p:cNvPr id="9" name="TextBox 8">
-            <a:extLst>
-              <a:ext uri="{FF2B5EF4-FFF2-40B4-BE49-F238E27FC236}">
-                <a16:creationId xmlns:a16="http://schemas.microsoft.com/office/drawing/2014/main" id="{DC012802-081C-4132-99FB-AF68CAEFF2BA}"/>
-              </a:ext>
-            </a:extLst>
-          </p:cNvPr>
-          <p:cNvSpPr txBox="1"/>
-          <p:nvPr/>
-        </p:nvSpPr>
-        <p:spPr>
-          <a:xfrm>
-            <a:off x="688598" y="4159827"/>
-            <a:ext cx="3892280" cy="2031325"/>
-          </a:xfrm>
-          <a:prstGeom prst="rect">
-            <a:avLst/>
-          </a:prstGeom>
-          <a:solidFill>
-            <a:schemeClr val="accent6">
-              <a:lumMod val="20000"/>
-              <a:lumOff val="80000"/>
-            </a:schemeClr>
-          </a:solidFill>
-        </p:spPr>
-        <p:txBody>
-          <a:bodyPr wrap="square" rtlCol="0">
-            <a:spAutoFit/>
-          </a:bodyPr>
-          <a:lstStyle/>
-          <a:p>
-            <a:r>
-              <a:rPr lang="en-US" b="1" dirty="0"/>
-              <a:t>As a student </a:t>
-            </a:r>
-            <a:endParaRPr lang="en-US" dirty="0"/>
-          </a:p>
-          <a:p>
-            <a:endParaRPr lang="en-US" dirty="0"/>
-          </a:p>
-          <a:p>
-            <a:r>
-              <a:rPr lang="en-US" dirty="0"/>
-              <a:t>Notes matter … in your own words</a:t>
-            </a:r>
-          </a:p>
-          <a:p>
-            <a:endParaRPr lang="en-US" dirty="0"/>
-          </a:p>
-          <a:p>
-            <a:r>
-              <a:rPr lang="en-US" dirty="0"/>
-              <a:t>Practice matters</a:t>
-            </a:r>
-          </a:p>
-          <a:p>
-            <a:endParaRPr lang="en-US" dirty="0"/>
-          </a:p>
-          <a:p>
-            <a:r>
-              <a:rPr lang="en-US" dirty="0"/>
-              <a:t>Use material ASAP </a:t>
-            </a:r>
-          </a:p>
-        </p:txBody>
-      </p:sp>
-      <p:sp>
-        <p:nvSpPr>
-          <p:cNvPr id="11" name="TextBox 10">
-            <a:extLst>
-              <a:ext uri="{FF2B5EF4-FFF2-40B4-BE49-F238E27FC236}">
-                <a16:creationId xmlns:a16="http://schemas.microsoft.com/office/drawing/2014/main" id="{29E858DE-467D-4F23-B4FB-416748E14FE0}"/>
-              </a:ext>
-            </a:extLst>
-          </p:cNvPr>
-          <p:cNvSpPr txBox="1"/>
-          <p:nvPr/>
-        </p:nvSpPr>
-        <p:spPr>
-          <a:xfrm>
-            <a:off x="5893292" y="456909"/>
-            <a:ext cx="4072631" cy="400110"/>
-          </a:xfrm>
-          <a:prstGeom prst="rect">
-            <a:avLst/>
-          </a:prstGeom>
-          <a:noFill/>
-        </p:spPr>
-        <p:txBody>
-          <a:bodyPr wrap="square">
-            <a:spAutoFit/>
-          </a:bodyPr>
-          <a:lstStyle/>
-          <a:p>
-            <a:r>
-              <a:rPr lang="en-US" sz="2000" b="1" dirty="0"/>
-              <a:t>The Learning Process</a:t>
+              <a:t>In class work … small little assignments that help you practice. </a:t>
             </a:r>
           </a:p>
         </p:txBody>
       </p:sp>
       <p:pic>
         <p:nvPicPr>
-          <p:cNvPr id="13" name="Picture 12">
+          <p:cNvPr id="7" name="Picture 6">
             <a:extLst>
               <a:ext uri="{FF2B5EF4-FFF2-40B4-BE49-F238E27FC236}">
-                <a16:creationId xmlns:a16="http://schemas.microsoft.com/office/drawing/2014/main" id="{9F120DB7-1CEC-44B1-8DC4-7FCFD1F58A3E}"/>
+                <a16:creationId xmlns:a16="http://schemas.microsoft.com/office/drawing/2014/main" id="{AE9D3BB2-4CC6-45F6-91CE-46D682DFCE68}"/>
               </a:ext>
             </a:extLst>
           </p:cNvPr>
@@ -11929,8 +12231,98 @@
         </p:blipFill>
         <p:spPr>
           <a:xfrm>
-            <a:off x="5105539" y="3430380"/>
-            <a:ext cx="4641264" cy="2970711"/>
+            <a:off x="1550302" y="2571662"/>
+            <a:ext cx="1809750" cy="581025"/>
+          </a:xfrm>
+          <a:prstGeom prst="rect">
+            <a:avLst/>
+          </a:prstGeom>
+        </p:spPr>
+      </p:pic>
+      <p:pic>
+        <p:nvPicPr>
+          <p:cNvPr id="9" name="Picture 8">
+            <a:extLst>
+              <a:ext uri="{FF2B5EF4-FFF2-40B4-BE49-F238E27FC236}">
+                <a16:creationId xmlns:a16="http://schemas.microsoft.com/office/drawing/2014/main" id="{896C167C-BFDA-45F7-9A2F-9FB5A8ADCD95}"/>
+              </a:ext>
+            </a:extLst>
+          </p:cNvPr>
+          <p:cNvPicPr>
+            <a:picLocks noChangeAspect="1"/>
+          </p:cNvPicPr>
+          <p:nvPr/>
+        </p:nvPicPr>
+        <p:blipFill>
+          <a:blip r:embed="rId3"/>
+          <a:stretch>
+            <a:fillRect/>
+          </a:stretch>
+        </p:blipFill>
+        <p:spPr>
+          <a:xfrm>
+            <a:off x="1914787" y="4229996"/>
+            <a:ext cx="4038600" cy="266700"/>
+          </a:xfrm>
+          <a:prstGeom prst="rect">
+            <a:avLst/>
+          </a:prstGeom>
+        </p:spPr>
+      </p:pic>
+      <p:pic>
+        <p:nvPicPr>
+          <p:cNvPr id="11" name="Picture 10">
+            <a:extLst>
+              <a:ext uri="{FF2B5EF4-FFF2-40B4-BE49-F238E27FC236}">
+                <a16:creationId xmlns:a16="http://schemas.microsoft.com/office/drawing/2014/main" id="{AB6E8FDB-0B44-4734-8BA8-92E324F35575}"/>
+              </a:ext>
+            </a:extLst>
+          </p:cNvPr>
+          <p:cNvPicPr>
+            <a:picLocks noChangeAspect="1"/>
+          </p:cNvPicPr>
+          <p:nvPr/>
+        </p:nvPicPr>
+        <p:blipFill>
+          <a:blip r:embed="rId4"/>
+          <a:stretch>
+            <a:fillRect/>
+          </a:stretch>
+        </p:blipFill>
+        <p:spPr>
+          <a:xfrm>
+            <a:off x="3360052" y="4806905"/>
+            <a:ext cx="4305300" cy="304800"/>
+          </a:xfrm>
+          <a:prstGeom prst="rect">
+            <a:avLst/>
+          </a:prstGeom>
+        </p:spPr>
+      </p:pic>
+      <p:pic>
+        <p:nvPicPr>
+          <p:cNvPr id="13" name="Picture 12">
+            <a:extLst>
+              <a:ext uri="{FF2B5EF4-FFF2-40B4-BE49-F238E27FC236}">
+                <a16:creationId xmlns:a16="http://schemas.microsoft.com/office/drawing/2014/main" id="{B218137C-C5D4-4698-A4B1-1EF11B5E4C26}"/>
+              </a:ext>
+            </a:extLst>
+          </p:cNvPr>
+          <p:cNvPicPr>
+            <a:picLocks noChangeAspect="1"/>
+          </p:cNvPicPr>
+          <p:nvPr/>
+        </p:nvPicPr>
+        <p:blipFill>
+          <a:blip r:embed="rId5"/>
+          <a:stretch>
+            <a:fillRect/>
+          </a:stretch>
+        </p:blipFill>
+        <p:spPr>
+          <a:xfrm>
+            <a:off x="2771775" y="3479843"/>
+            <a:ext cx="4819650" cy="361950"/>
           </a:xfrm>
           <a:prstGeom prst="rect">
             <a:avLst/>
@@ -11940,7 +12332,7 @@
     </p:spTree>
     <p:extLst>
       <p:ext uri="{BB962C8B-B14F-4D97-AF65-F5344CB8AC3E}">
-        <p14:creationId xmlns:p14="http://schemas.microsoft.com/office/powerpoint/2010/main" val="713992669"/>
+        <p14:creationId xmlns:p14="http://schemas.microsoft.com/office/powerpoint/2010/main" val="2430208932"/>
       </p:ext>
     </p:extLst>
   </p:cSld>

--- a/CSC3510 S2021/Lectures/01IntroductionTo3510.pptx
+++ b/CSC3510 S2021/Lectures/01IntroductionTo3510.pptx
@@ -1026,7 +1026,7 @@
           <a:p>
             <a:fld id="{C8AEADBA-F76D-42CB-AAEA-5899A162C59D}" type="datetimeFigureOut">
               <a:rPr lang="en-US" smtClean="0"/>
-              <a:t>1/7/2021</a:t>
+              <a:t>1/8/2021</a:t>
             </a:fld>
             <a:endParaRPr lang="en-US"/>
           </a:p>
@@ -1512,7 +1512,7 @@
           <a:p>
             <a:fld id="{83777DF0-4DA5-40CD-8FA1-5F589D66E613}" type="datetimeFigureOut">
               <a:rPr lang="en-US" smtClean="0"/>
-              <a:t>1/7/2021</a:t>
+              <a:t>1/8/2021</a:t>
             </a:fld>
             <a:endParaRPr lang="en-US"/>
           </a:p>
@@ -1682,7 +1682,7 @@
           <a:p>
             <a:fld id="{83777DF0-4DA5-40CD-8FA1-5F589D66E613}" type="datetimeFigureOut">
               <a:rPr lang="en-US" smtClean="0"/>
-              <a:t>1/7/2021</a:t>
+              <a:t>1/8/2021</a:t>
             </a:fld>
             <a:endParaRPr lang="en-US"/>
           </a:p>
@@ -1862,7 +1862,7 @@
           <a:p>
             <a:fld id="{83777DF0-4DA5-40CD-8FA1-5F589D66E613}" type="datetimeFigureOut">
               <a:rPr lang="en-US" smtClean="0"/>
-              <a:t>1/7/2021</a:t>
+              <a:t>1/8/2021</a:t>
             </a:fld>
             <a:endParaRPr lang="en-US"/>
           </a:p>
@@ -2032,7 +2032,7 @@
           <a:p>
             <a:fld id="{83777DF0-4DA5-40CD-8FA1-5F589D66E613}" type="datetimeFigureOut">
               <a:rPr lang="en-US" smtClean="0"/>
-              <a:t>1/7/2021</a:t>
+              <a:t>1/8/2021</a:t>
             </a:fld>
             <a:endParaRPr lang="en-US"/>
           </a:p>
@@ -2278,7 +2278,7 @@
           <a:p>
             <a:fld id="{83777DF0-4DA5-40CD-8FA1-5F589D66E613}" type="datetimeFigureOut">
               <a:rPr lang="en-US" smtClean="0"/>
-              <a:t>1/7/2021</a:t>
+              <a:t>1/8/2021</a:t>
             </a:fld>
             <a:endParaRPr lang="en-US"/>
           </a:p>
@@ -2510,7 +2510,7 @@
           <a:p>
             <a:fld id="{83777DF0-4DA5-40CD-8FA1-5F589D66E613}" type="datetimeFigureOut">
               <a:rPr lang="en-US" smtClean="0"/>
-              <a:t>1/7/2021</a:t>
+              <a:t>1/8/2021</a:t>
             </a:fld>
             <a:endParaRPr lang="en-US"/>
           </a:p>
@@ -2877,7 +2877,7 @@
           <a:p>
             <a:fld id="{83777DF0-4DA5-40CD-8FA1-5F589D66E613}" type="datetimeFigureOut">
               <a:rPr lang="en-US" smtClean="0"/>
-              <a:t>1/7/2021</a:t>
+              <a:t>1/8/2021</a:t>
             </a:fld>
             <a:endParaRPr lang="en-US"/>
           </a:p>
@@ -2995,7 +2995,7 @@
           <a:p>
             <a:fld id="{83777DF0-4DA5-40CD-8FA1-5F589D66E613}" type="datetimeFigureOut">
               <a:rPr lang="en-US" smtClean="0"/>
-              <a:t>1/7/2021</a:t>
+              <a:t>1/8/2021</a:t>
             </a:fld>
             <a:endParaRPr lang="en-US"/>
           </a:p>
@@ -3090,7 +3090,7 @@
           <a:p>
             <a:fld id="{83777DF0-4DA5-40CD-8FA1-5F589D66E613}" type="datetimeFigureOut">
               <a:rPr lang="en-US" smtClean="0"/>
-              <a:t>1/7/2021</a:t>
+              <a:t>1/8/2021</a:t>
             </a:fld>
             <a:endParaRPr lang="en-US"/>
           </a:p>
@@ -3367,7 +3367,7 @@
           <a:p>
             <a:fld id="{83777DF0-4DA5-40CD-8FA1-5F589D66E613}" type="datetimeFigureOut">
               <a:rPr lang="en-US" smtClean="0"/>
-              <a:t>1/7/2021</a:t>
+              <a:t>1/8/2021</a:t>
             </a:fld>
             <a:endParaRPr lang="en-US"/>
           </a:p>
@@ -3624,7 +3624,7 @@
           <a:p>
             <a:fld id="{83777DF0-4DA5-40CD-8FA1-5F589D66E613}" type="datetimeFigureOut">
               <a:rPr lang="en-US" smtClean="0"/>
-              <a:t>1/7/2021</a:t>
+              <a:t>1/8/2021</a:t>
             </a:fld>
             <a:endParaRPr lang="en-US"/>
           </a:p>
@@ -3844,7 +3844,7 @@
           <a:p>
             <a:fld id="{83777DF0-4DA5-40CD-8FA1-5F589D66E613}" type="datetimeFigureOut">
               <a:rPr lang="en-US" smtClean="0"/>
-              <a:t>1/7/2021</a:t>
+              <a:t>1/8/2021</a:t>
             </a:fld>
             <a:endParaRPr lang="en-US"/>
           </a:p>
@@ -10230,7 +10230,7 @@
         <p:spPr>
           <a:xfrm>
             <a:off x="2823180" y="2980638"/>
-            <a:ext cx="2790251" cy="369332"/>
+            <a:ext cx="4406399" cy="369332"/>
           </a:xfrm>
           <a:prstGeom prst="rect">
             <a:avLst/>
@@ -10245,15 +10245,7 @@
           <a:p>
             <a:r>
               <a:rPr lang="en-US" dirty="0"/>
-              <a:t>IDE’s IntelliJ, IDE </a:t>
-            </a:r>
-            <a:r>
-              <a:rPr lang="en-US" dirty="0" err="1"/>
-              <a:t>Webstorm</a:t>
-            </a:r>
-            <a:r>
-              <a:rPr lang="en-US" dirty="0"/>
-              <a:t> </a:t>
+              <a:t>IDE’s IntelliJ, IDE WebStorm, GitHub Desktop </a:t>
             </a:r>
           </a:p>
         </p:txBody>
@@ -11630,470 +11622,12 @@
           <a:chExt cx="0" cy="0"/>
         </a:xfrm>
       </p:grpSpPr>
-      <p:graphicFrame>
-        <p:nvGraphicFramePr>
-          <p:cNvPr id="4" name="Content Placeholder 3">
+      <p:pic>
+        <p:nvPicPr>
+          <p:cNvPr id="17" name="Picture 16">
             <a:extLst>
               <a:ext uri="{FF2B5EF4-FFF2-40B4-BE49-F238E27FC236}">
-                <a16:creationId xmlns:a16="http://schemas.microsoft.com/office/drawing/2014/main" id="{33B20147-5D86-4990-A5B0-2015449C95B3}"/>
-              </a:ext>
-            </a:extLst>
-          </p:cNvPr>
-          <p:cNvGraphicFramePr>
-            <a:graphicFrameLocks noGrp="1"/>
-          </p:cNvGraphicFramePr>
-          <p:nvPr>
-            <p:ph idx="1"/>
-            <p:extLst>
-              <p:ext uri="{D42A27DB-BD31-4B8C-83A1-F6EECF244321}">
-                <p14:modId xmlns:p14="http://schemas.microsoft.com/office/powerpoint/2010/main" val="1546735464"/>
-              </p:ext>
-            </p:extLst>
-          </p:nvPr>
-        </p:nvGraphicFramePr>
-        <p:xfrm>
-          <a:off x="2938509" y="2201662"/>
-          <a:ext cx="4770391" cy="2813088"/>
-        </p:xfrm>
-        <a:graphic>
-          <a:graphicData uri="http://schemas.openxmlformats.org/drawingml/2006/table">
-            <a:tbl>
-              <a:tblPr>
-                <a:tableStyleId>{5C22544A-7EE6-4342-B048-85BDC9FD1C3A}</a:tableStyleId>
-              </a:tblPr>
-              <a:tblGrid>
-                <a:gridCol w="4770391">
-                  <a:extLst>
-                    <a:ext uri="{9D8B030D-6E8A-4147-A177-3AD203B41FA5}">
-                      <a16:colId xmlns:a16="http://schemas.microsoft.com/office/drawing/2014/main" val="395453339"/>
-                    </a:ext>
-                  </a:extLst>
-                </a:gridCol>
-              </a:tblGrid>
-              <a:tr h="285539">
-                <a:tc>
-                  <a:txBody>
-                    <a:bodyPr/>
-                    <a:lstStyle/>
-                    <a:p>
-                      <a:pPr algn="l" fontAlgn="ctr"/>
-                      <a:r>
-                        <a:rPr lang="en-US" sz="1100" u="none" strike="noStrike">
-                          <a:effectLst/>
-                        </a:rPr>
-                        <a:t>Topics Covered in the Course</a:t>
-                      </a:r>
-                      <a:endParaRPr lang="en-US" sz="1100" b="1" i="0" u="none" strike="noStrike">
-                        <a:solidFill>
-                          <a:srgbClr val="000000"/>
-                        </a:solidFill>
-                        <a:effectLst/>
-                        <a:latin typeface="Calibri" panose="020F0502020204030204" pitchFamily="34" charset="0"/>
-                      </a:endParaRPr>
-                    </a:p>
-                  </a:txBody>
-                  <a:tcPr marL="7620" marR="7620" marT="7620" marB="0" anchor="ctr"/>
-                </a:tc>
-                <a:extLst>
-                  <a:ext uri="{0D108BD9-81ED-4DB2-BD59-A6C34878D82A}">
-                    <a16:rowId xmlns:a16="http://schemas.microsoft.com/office/drawing/2014/main" val="820915461"/>
-                  </a:ext>
-                </a:extLst>
-              </a:tr>
-              <a:tr h="285539">
-                <a:tc>
-                  <a:txBody>
-                    <a:bodyPr/>
-                    <a:lstStyle/>
-                    <a:p>
-                      <a:pPr algn="l" fontAlgn="ctr"/>
-                      <a:r>
-                        <a:rPr lang="en-US" sz="1000" u="none" strike="noStrike">
-                          <a:effectLst/>
-                        </a:rPr>
-                        <a:t>·</a:t>
-                      </a:r>
-                      <a:r>
-                        <a:rPr lang="en-US" sz="700" u="none" strike="noStrike">
-                          <a:effectLst/>
-                        </a:rPr>
-                        <a:t>        </a:t>
-                      </a:r>
-                      <a:r>
-                        <a:rPr lang="en-US" sz="1000" u="none" strike="noStrike">
-                          <a:effectLst/>
-                        </a:rPr>
-                        <a:t>Testing Concepts</a:t>
-                      </a:r>
-                      <a:endParaRPr lang="en-US" sz="1000" b="0" i="0" u="none" strike="noStrike">
-                        <a:solidFill>
-                          <a:srgbClr val="000000"/>
-                        </a:solidFill>
-                        <a:effectLst/>
-                        <a:latin typeface="Symbol" panose="05050102010706020507" pitchFamily="18" charset="2"/>
-                      </a:endParaRPr>
-                    </a:p>
-                  </a:txBody>
-                  <a:tcPr marL="182880" marR="7620" marT="7620" marB="0" anchor="ctr"/>
-                </a:tc>
-                <a:extLst>
-                  <a:ext uri="{0D108BD9-81ED-4DB2-BD59-A6C34878D82A}">
-                    <a16:rowId xmlns:a16="http://schemas.microsoft.com/office/drawing/2014/main" val="1968400483"/>
-                  </a:ext>
-                </a:extLst>
-              </a:tr>
-              <a:tr h="285539">
-                <a:tc>
-                  <a:txBody>
-                    <a:bodyPr/>
-                    <a:lstStyle/>
-                    <a:p>
-                      <a:pPr algn="l" fontAlgn="ctr"/>
-                      <a:r>
-                        <a:rPr lang="nl-NL" sz="1000" u="none" strike="noStrike" dirty="0">
-                          <a:effectLst/>
-                        </a:rPr>
-                        <a:t>·</a:t>
-                      </a:r>
-                      <a:r>
-                        <a:rPr lang="nl-NL" sz="700" u="none" strike="noStrike" dirty="0">
-                          <a:effectLst/>
-                        </a:rPr>
-                        <a:t>        </a:t>
-                      </a:r>
-                      <a:r>
-                        <a:rPr lang="nl-NL" sz="1000" u="none" strike="noStrike" dirty="0">
-                          <a:effectLst/>
-                        </a:rPr>
-                        <a:t>Agile EP testing roots (1)</a:t>
-                      </a:r>
-                      <a:endParaRPr lang="nl-NL" sz="1000" b="0" i="0" u="none" strike="noStrike" dirty="0">
-                        <a:solidFill>
-                          <a:srgbClr val="000000"/>
-                        </a:solidFill>
-                        <a:effectLst/>
-                        <a:latin typeface="Symbol" panose="05050102010706020507" pitchFamily="18" charset="2"/>
-                      </a:endParaRPr>
-                    </a:p>
-                  </a:txBody>
-                  <a:tcPr marL="182880" marR="7620" marT="7620" marB="0" anchor="ctr"/>
-                </a:tc>
-                <a:extLst>
-                  <a:ext uri="{0D108BD9-81ED-4DB2-BD59-A6C34878D82A}">
-                    <a16:rowId xmlns:a16="http://schemas.microsoft.com/office/drawing/2014/main" val="3596880673"/>
-                  </a:ext>
-                </a:extLst>
-              </a:tr>
-              <a:tr h="285539">
-                <a:tc>
-                  <a:txBody>
-                    <a:bodyPr/>
-                    <a:lstStyle/>
-                    <a:p>
-                      <a:pPr algn="l" fontAlgn="ctr"/>
-                      <a:r>
-                        <a:rPr lang="en-US" sz="1000" u="none" strike="noStrike">
-                          <a:effectLst/>
-                        </a:rPr>
-                        <a:t>·</a:t>
-                      </a:r>
-                      <a:r>
-                        <a:rPr lang="en-US" sz="700" u="none" strike="noStrike">
-                          <a:effectLst/>
-                        </a:rPr>
-                        <a:t>        </a:t>
-                      </a:r>
-                      <a:r>
-                        <a:rPr lang="en-US" sz="1000" u="none" strike="noStrike">
-                          <a:effectLst/>
-                        </a:rPr>
-                        <a:t>Code Reviews</a:t>
-                      </a:r>
-                      <a:endParaRPr lang="en-US" sz="1000" b="0" i="0" u="none" strike="noStrike">
-                        <a:solidFill>
-                          <a:srgbClr val="000000"/>
-                        </a:solidFill>
-                        <a:effectLst/>
-                        <a:latin typeface="Symbol" panose="05050102010706020507" pitchFamily="18" charset="2"/>
-                      </a:endParaRPr>
-                    </a:p>
-                  </a:txBody>
-                  <a:tcPr marL="182880" marR="7620" marT="7620" marB="0" anchor="ctr"/>
-                </a:tc>
-                <a:extLst>
-                  <a:ext uri="{0D108BD9-81ED-4DB2-BD59-A6C34878D82A}">
-                    <a16:rowId xmlns:a16="http://schemas.microsoft.com/office/drawing/2014/main" val="1493921477"/>
-                  </a:ext>
-                </a:extLst>
-              </a:tr>
-              <a:tr h="285539">
-                <a:tc>
-                  <a:txBody>
-                    <a:bodyPr/>
-                    <a:lstStyle/>
-                    <a:p>
-                      <a:pPr algn="l" fontAlgn="ctr"/>
-                      <a:r>
-                        <a:rPr lang="en-US" sz="1000" u="none" strike="noStrike">
-                          <a:effectLst/>
-                        </a:rPr>
-                        <a:t>·</a:t>
-                      </a:r>
-                      <a:r>
-                        <a:rPr lang="en-US" sz="700" u="none" strike="noStrike">
-                          <a:effectLst/>
-                        </a:rPr>
-                        <a:t>        </a:t>
-                      </a:r>
-                      <a:r>
-                        <a:rPr lang="en-US" sz="1000" u="none" strike="noStrike">
-                          <a:effectLst/>
-                        </a:rPr>
-                        <a:t>Java Review and Unit Testing in Java (2, 3)</a:t>
-                      </a:r>
-                      <a:endParaRPr lang="en-US" sz="1000" b="0" i="0" u="none" strike="noStrike">
-                        <a:solidFill>
-                          <a:srgbClr val="000000"/>
-                        </a:solidFill>
-                        <a:effectLst/>
-                        <a:latin typeface="Symbol" panose="05050102010706020507" pitchFamily="18" charset="2"/>
-                      </a:endParaRPr>
-                    </a:p>
-                  </a:txBody>
-                  <a:tcPr marL="182880" marR="7620" marT="7620" marB="0" anchor="ctr"/>
-                </a:tc>
-                <a:extLst>
-                  <a:ext uri="{0D108BD9-81ED-4DB2-BD59-A6C34878D82A}">
-                    <a16:rowId xmlns:a16="http://schemas.microsoft.com/office/drawing/2014/main" val="1771452807"/>
-                  </a:ext>
-                </a:extLst>
-              </a:tr>
-              <a:tr h="285539">
-                <a:tc>
-                  <a:txBody>
-                    <a:bodyPr/>
-                    <a:lstStyle/>
-                    <a:p>
-                      <a:pPr algn="l" fontAlgn="ctr"/>
-                      <a:r>
-                        <a:rPr lang="en-US" sz="1000" u="none" strike="noStrike">
-                          <a:effectLst/>
-                        </a:rPr>
-                        <a:t>·</a:t>
-                      </a:r>
-                      <a:r>
-                        <a:rPr lang="en-US" sz="700" u="none" strike="noStrike">
-                          <a:effectLst/>
-                        </a:rPr>
-                        <a:t>        </a:t>
-                      </a:r>
-                      <a:r>
-                        <a:rPr lang="en-US" sz="1000" u="none" strike="noStrike">
-                          <a:effectLst/>
-                        </a:rPr>
-                        <a:t>JS review and JS Unit Testing in (2)</a:t>
-                      </a:r>
-                      <a:endParaRPr lang="en-US" sz="1000" b="0" i="0" u="none" strike="noStrike">
-                        <a:solidFill>
-                          <a:srgbClr val="000000"/>
-                        </a:solidFill>
-                        <a:effectLst/>
-                        <a:latin typeface="Symbol" panose="05050102010706020507" pitchFamily="18" charset="2"/>
-                      </a:endParaRPr>
-                    </a:p>
-                  </a:txBody>
-                  <a:tcPr marL="182880" marR="7620" marT="7620" marB="0" anchor="ctr"/>
-                </a:tc>
-                <a:extLst>
-                  <a:ext uri="{0D108BD9-81ED-4DB2-BD59-A6C34878D82A}">
-                    <a16:rowId xmlns:a16="http://schemas.microsoft.com/office/drawing/2014/main" val="1199781287"/>
-                  </a:ext>
-                </a:extLst>
-              </a:tr>
-              <a:tr h="285539">
-                <a:tc>
-                  <a:txBody>
-                    <a:bodyPr/>
-                    <a:lstStyle/>
-                    <a:p>
-                      <a:pPr algn="l" fontAlgn="ctr"/>
-                      <a:r>
-                        <a:rPr lang="en-US" sz="1000" u="none" strike="noStrike">
-                          <a:effectLst/>
-                        </a:rPr>
-                        <a:t>·</a:t>
-                      </a:r>
-                      <a:r>
-                        <a:rPr lang="en-US" sz="700" u="none" strike="noStrike">
-                          <a:effectLst/>
-                        </a:rPr>
-                        <a:t>        </a:t>
-                      </a:r>
-                      <a:r>
-                        <a:rPr lang="en-US" sz="1000" u="none" strike="noStrike">
-                          <a:effectLst/>
-                        </a:rPr>
-                        <a:t>JS Code Standards (3)</a:t>
-                      </a:r>
-                      <a:endParaRPr lang="en-US" sz="1000" b="0" i="0" u="none" strike="noStrike">
-                        <a:solidFill>
-                          <a:srgbClr val="000000"/>
-                        </a:solidFill>
-                        <a:effectLst/>
-                        <a:latin typeface="Symbol" panose="05050102010706020507" pitchFamily="18" charset="2"/>
-                      </a:endParaRPr>
-                    </a:p>
-                  </a:txBody>
-                  <a:tcPr marL="182880" marR="7620" marT="7620" marB="0" anchor="ctr"/>
-                </a:tc>
-                <a:extLst>
-                  <a:ext uri="{0D108BD9-81ED-4DB2-BD59-A6C34878D82A}">
-                    <a16:rowId xmlns:a16="http://schemas.microsoft.com/office/drawing/2014/main" val="3957372723"/>
-                  </a:ext>
-                </a:extLst>
-              </a:tr>
-              <a:tr h="285539">
-                <a:tc>
-                  <a:txBody>
-                    <a:bodyPr/>
-                    <a:lstStyle/>
-                    <a:p>
-                      <a:pPr algn="l" fontAlgn="ctr"/>
-                      <a:r>
-                        <a:rPr lang="nl-NL" sz="1000" u="none" strike="noStrike">
-                          <a:effectLst/>
-                        </a:rPr>
-                        <a:t>·</a:t>
-                      </a:r>
-                      <a:r>
-                        <a:rPr lang="nl-NL" sz="700" u="none" strike="noStrike">
-                          <a:effectLst/>
-                        </a:rPr>
-                        <a:t>        </a:t>
-                      </a:r>
-                      <a:r>
-                        <a:rPr lang="nl-NL" sz="1000" u="none" strike="noStrike">
-                          <a:effectLst/>
-                        </a:rPr>
-                        <a:t>JS Debugging in JS (2)</a:t>
-                      </a:r>
-                      <a:endParaRPr lang="nl-NL" sz="1000" b="0" i="0" u="none" strike="noStrike">
-                        <a:solidFill>
-                          <a:srgbClr val="000000"/>
-                        </a:solidFill>
-                        <a:effectLst/>
-                        <a:latin typeface="Symbol" panose="05050102010706020507" pitchFamily="18" charset="2"/>
-                      </a:endParaRPr>
-                    </a:p>
-                  </a:txBody>
-                  <a:tcPr marL="182880" marR="7620" marT="7620" marB="0" anchor="ctr"/>
-                </a:tc>
-                <a:extLst>
-                  <a:ext uri="{0D108BD9-81ED-4DB2-BD59-A6C34878D82A}">
-                    <a16:rowId xmlns:a16="http://schemas.microsoft.com/office/drawing/2014/main" val="2169306244"/>
-                  </a:ext>
-                </a:extLst>
-              </a:tr>
-              <a:tr h="264388">
-                <a:tc>
-                  <a:txBody>
-                    <a:bodyPr/>
-                    <a:lstStyle/>
-                    <a:p>
-                      <a:pPr algn="l" fontAlgn="ctr"/>
-                      <a:r>
-                        <a:rPr lang="en-US" sz="1000" u="none" strike="noStrike">
-                          <a:effectLst/>
-                        </a:rPr>
-                        <a:t>·</a:t>
-                      </a:r>
-                      <a:r>
-                        <a:rPr lang="en-US" sz="700" u="none" strike="noStrike">
-                          <a:effectLst/>
-                        </a:rPr>
-                        <a:t>        </a:t>
-                      </a:r>
-                      <a:r>
-                        <a:rPr lang="en-US" sz="1000" u="none" strike="noStrike">
-                          <a:effectLst/>
-                        </a:rPr>
-                        <a:t>Node.js unit testing</a:t>
-                      </a:r>
-                      <a:endParaRPr lang="en-US" sz="1000" b="0" i="0" u="none" strike="noStrike">
-                        <a:solidFill>
-                          <a:srgbClr val="000000"/>
-                        </a:solidFill>
-                        <a:effectLst/>
-                        <a:latin typeface="Symbol" panose="05050102010706020507" pitchFamily="18" charset="2"/>
-                      </a:endParaRPr>
-                    </a:p>
-                  </a:txBody>
-                  <a:tcPr marL="182880" marR="7620" marT="7620" marB="0" anchor="ctr"/>
-                </a:tc>
-                <a:extLst>
-                  <a:ext uri="{0D108BD9-81ED-4DB2-BD59-A6C34878D82A}">
-                    <a16:rowId xmlns:a16="http://schemas.microsoft.com/office/drawing/2014/main" val="649719880"/>
-                  </a:ext>
-                </a:extLst>
-              </a:tr>
-              <a:tr h="264388">
-                <a:tc>
-                  <a:txBody>
-                    <a:bodyPr/>
-                    <a:lstStyle/>
-                    <a:p>
-                      <a:pPr algn="l" fontAlgn="ctr"/>
-                      <a:r>
-                        <a:rPr lang="en-US" sz="1000" u="none" strike="noStrike" dirty="0">
-                          <a:effectLst/>
-                        </a:rPr>
-                        <a:t>·</a:t>
-                      </a:r>
-                      <a:r>
-                        <a:rPr lang="en-US" sz="700" u="none" strike="noStrike" dirty="0">
-                          <a:effectLst/>
-                        </a:rPr>
-                        <a:t>        </a:t>
-                      </a:r>
-                      <a:r>
-                        <a:rPr lang="en-US" sz="1000" u="none" strike="noStrike" dirty="0">
-                          <a:effectLst/>
-                        </a:rPr>
-                        <a:t>API Testing with </a:t>
-                      </a:r>
-                      <a:r>
-                        <a:rPr lang="en-US" sz="1000" u="none" strike="noStrike" dirty="0" err="1">
-                          <a:effectLst/>
-                        </a:rPr>
-                        <a:t>PostMan</a:t>
-                      </a:r>
-                      <a:endParaRPr lang="en-US" sz="1000" b="0" i="0" u="none" strike="noStrike" dirty="0">
-                        <a:solidFill>
-                          <a:srgbClr val="000000"/>
-                        </a:solidFill>
-                        <a:effectLst/>
-                        <a:latin typeface="Symbol" panose="05050102010706020507" pitchFamily="18" charset="2"/>
-                      </a:endParaRPr>
-                    </a:p>
-                  </a:txBody>
-                  <a:tcPr marL="182880" marR="7620" marT="7620" marB="0" anchor="ctr"/>
-                </a:tc>
-                <a:extLst>
-                  <a:ext uri="{0D108BD9-81ED-4DB2-BD59-A6C34878D82A}">
-                    <a16:rowId xmlns:a16="http://schemas.microsoft.com/office/drawing/2014/main" val="730002011"/>
-                  </a:ext>
-                </a:extLst>
-              </a:tr>
-            </a:tbl>
-          </a:graphicData>
-        </a:graphic>
-      </p:graphicFrame>
-      <p:pic>
-        <p:nvPicPr>
-          <p:cNvPr id="6" name="Picture 5">
-            <a:extLst>
-              <a:ext uri="{FF2B5EF4-FFF2-40B4-BE49-F238E27FC236}">
-                <a16:creationId xmlns:a16="http://schemas.microsoft.com/office/drawing/2014/main" id="{0766082F-7C84-4CC2-843A-2D0C851C003C}"/>
+                <a16:creationId xmlns:a16="http://schemas.microsoft.com/office/drawing/2014/main" id="{8A3D3DED-086B-44CB-99B4-BE65E2A12051}"/>
               </a:ext>
             </a:extLst>
           </p:cNvPr>
@@ -12110,14 +11644,742 @@
         </p:blipFill>
         <p:spPr>
           <a:xfrm>
-            <a:off x="1785937" y="576262"/>
-            <a:ext cx="8620125" cy="5705475"/>
+            <a:off x="1943851" y="0"/>
+            <a:ext cx="6333613" cy="6858000"/>
           </a:xfrm>
           <a:prstGeom prst="rect">
             <a:avLst/>
           </a:prstGeom>
         </p:spPr>
       </p:pic>
+      <p:sp>
+        <p:nvSpPr>
+          <p:cNvPr id="2" name="TextBox 1">
+            <a:extLst>
+              <a:ext uri="{FF2B5EF4-FFF2-40B4-BE49-F238E27FC236}">
+                <a16:creationId xmlns:a16="http://schemas.microsoft.com/office/drawing/2014/main" id="{CC9A4175-C16C-4A12-8528-47CB7CD5ADB4}"/>
+              </a:ext>
+            </a:extLst>
+          </p:cNvPr>
+          <p:cNvSpPr txBox="1"/>
+          <p:nvPr/>
+        </p:nvSpPr>
+        <p:spPr>
+          <a:xfrm>
+            <a:off x="9215989" y="713471"/>
+            <a:ext cx="1281376" cy="369332"/>
+          </a:xfrm>
+          <a:prstGeom prst="rect">
+            <a:avLst/>
+          </a:prstGeom>
+          <a:solidFill>
+            <a:schemeClr val="accent6">
+              <a:lumMod val="20000"/>
+              <a:lumOff val="80000"/>
+            </a:schemeClr>
+          </a:solidFill>
+        </p:spPr>
+        <p:txBody>
+          <a:bodyPr wrap="none" rtlCol="0">
+            <a:spAutoFit/>
+          </a:bodyPr>
+          <a:lstStyle/>
+          <a:p>
+            <a:r>
+              <a:rPr lang="en-US" dirty="0"/>
+              <a:t>Teams form</a:t>
+            </a:r>
+          </a:p>
+        </p:txBody>
+      </p:sp>
+      <p:cxnSp>
+        <p:nvCxnSpPr>
+          <p:cNvPr id="5" name="Straight Arrow Connector 4">
+            <a:extLst>
+              <a:ext uri="{FF2B5EF4-FFF2-40B4-BE49-F238E27FC236}">
+                <a16:creationId xmlns:a16="http://schemas.microsoft.com/office/drawing/2014/main" id="{8273C006-C712-418E-B384-8F8227970C70}"/>
+              </a:ext>
+            </a:extLst>
+          </p:cNvPr>
+          <p:cNvCxnSpPr/>
+          <p:nvPr/>
+        </p:nvCxnSpPr>
+        <p:spPr>
+          <a:xfrm flipH="1">
+            <a:off x="6690903" y="1015475"/>
+            <a:ext cx="2583809" cy="381251"/>
+          </a:xfrm>
+          <a:prstGeom prst="straightConnector1">
+            <a:avLst/>
+          </a:prstGeom>
+          <a:ln>
+            <a:tailEnd type="triangle"/>
+          </a:ln>
+        </p:spPr>
+        <p:style>
+          <a:lnRef idx="1">
+            <a:schemeClr val="accent1"/>
+          </a:lnRef>
+          <a:fillRef idx="0">
+            <a:schemeClr val="accent1"/>
+          </a:fillRef>
+          <a:effectRef idx="0">
+            <a:schemeClr val="accent1"/>
+          </a:effectRef>
+          <a:fontRef idx="minor">
+            <a:schemeClr val="tx1"/>
+          </a:fontRef>
+        </p:style>
+      </p:cxnSp>
+      <p:sp>
+        <p:nvSpPr>
+          <p:cNvPr id="7" name="TextBox 6">
+            <a:extLst>
+              <a:ext uri="{FF2B5EF4-FFF2-40B4-BE49-F238E27FC236}">
+                <a16:creationId xmlns:a16="http://schemas.microsoft.com/office/drawing/2014/main" id="{1DF01003-5B93-4C01-BC70-5B16B4BA072C}"/>
+              </a:ext>
+            </a:extLst>
+          </p:cNvPr>
+          <p:cNvSpPr txBox="1"/>
+          <p:nvPr/>
+        </p:nvSpPr>
+        <p:spPr>
+          <a:xfrm>
+            <a:off x="9215989" y="1698730"/>
+            <a:ext cx="2246384" cy="369332"/>
+          </a:xfrm>
+          <a:prstGeom prst="rect">
+            <a:avLst/>
+          </a:prstGeom>
+          <a:solidFill>
+            <a:schemeClr val="accent6">
+              <a:lumMod val="20000"/>
+              <a:lumOff val="80000"/>
+            </a:schemeClr>
+          </a:solidFill>
+        </p:spPr>
+        <p:txBody>
+          <a:bodyPr wrap="none" rtlCol="0">
+            <a:spAutoFit/>
+          </a:bodyPr>
+          <a:lstStyle/>
+          <a:p>
+            <a:r>
+              <a:rPr lang="en-US" dirty="0"/>
+              <a:t>Prototypes developed</a:t>
+            </a:r>
+          </a:p>
+        </p:txBody>
+      </p:sp>
+      <p:cxnSp>
+        <p:nvCxnSpPr>
+          <p:cNvPr id="8" name="Straight Arrow Connector 7">
+            <a:extLst>
+              <a:ext uri="{FF2B5EF4-FFF2-40B4-BE49-F238E27FC236}">
+                <a16:creationId xmlns:a16="http://schemas.microsoft.com/office/drawing/2014/main" id="{971918DD-C558-49C0-912C-269B6AB78257}"/>
+              </a:ext>
+            </a:extLst>
+          </p:cNvPr>
+          <p:cNvCxnSpPr>
+            <a:cxnSpLocks/>
+          </p:cNvCxnSpPr>
+          <p:nvPr/>
+        </p:nvCxnSpPr>
+        <p:spPr>
+          <a:xfrm flipH="1">
+            <a:off x="6678322" y="1797649"/>
+            <a:ext cx="2537668" cy="572417"/>
+          </a:xfrm>
+          <a:prstGeom prst="straightConnector1">
+            <a:avLst/>
+          </a:prstGeom>
+          <a:ln>
+            <a:tailEnd type="triangle"/>
+          </a:ln>
+        </p:spPr>
+        <p:style>
+          <a:lnRef idx="1">
+            <a:schemeClr val="accent1"/>
+          </a:lnRef>
+          <a:fillRef idx="0">
+            <a:schemeClr val="accent1"/>
+          </a:fillRef>
+          <a:effectRef idx="0">
+            <a:schemeClr val="accent1"/>
+          </a:effectRef>
+          <a:fontRef idx="minor">
+            <a:schemeClr val="tx1"/>
+          </a:fontRef>
+        </p:style>
+      </p:cxnSp>
+      <p:sp>
+        <p:nvSpPr>
+          <p:cNvPr id="10" name="TextBox 9">
+            <a:extLst>
+              <a:ext uri="{FF2B5EF4-FFF2-40B4-BE49-F238E27FC236}">
+                <a16:creationId xmlns:a16="http://schemas.microsoft.com/office/drawing/2014/main" id="{5C4A4E3A-03E2-4E0E-BB84-5375B2886CCE}"/>
+              </a:ext>
+            </a:extLst>
+          </p:cNvPr>
+          <p:cNvSpPr txBox="1"/>
+          <p:nvPr/>
+        </p:nvSpPr>
+        <p:spPr>
+          <a:xfrm>
+            <a:off x="9463677" y="2227110"/>
+            <a:ext cx="1362040" cy="369332"/>
+          </a:xfrm>
+          <a:prstGeom prst="rect">
+            <a:avLst/>
+          </a:prstGeom>
+          <a:solidFill>
+            <a:schemeClr val="accent6">
+              <a:lumMod val="20000"/>
+              <a:lumOff val="80000"/>
+            </a:schemeClr>
+          </a:solidFill>
+        </p:spPr>
+        <p:txBody>
+          <a:bodyPr wrap="none" rtlCol="0">
+            <a:spAutoFit/>
+          </a:bodyPr>
+          <a:lstStyle/>
+          <a:p>
+            <a:r>
+              <a:rPr lang="en-US" dirty="0"/>
+              <a:t>Release Plan</a:t>
+            </a:r>
+          </a:p>
+        </p:txBody>
+      </p:sp>
+      <p:cxnSp>
+        <p:nvCxnSpPr>
+          <p:cNvPr id="11" name="Straight Arrow Connector 10">
+            <a:extLst>
+              <a:ext uri="{FF2B5EF4-FFF2-40B4-BE49-F238E27FC236}">
+                <a16:creationId xmlns:a16="http://schemas.microsoft.com/office/drawing/2014/main" id="{73811C20-BACF-4F6F-ADC4-0D59BFBA2972}"/>
+              </a:ext>
+            </a:extLst>
+          </p:cNvPr>
+          <p:cNvCxnSpPr>
+            <a:cxnSpLocks/>
+          </p:cNvCxnSpPr>
+          <p:nvPr/>
+        </p:nvCxnSpPr>
+        <p:spPr>
+          <a:xfrm flipH="1">
+            <a:off x="6870068" y="2326029"/>
+            <a:ext cx="2593610" cy="740838"/>
+          </a:xfrm>
+          <a:prstGeom prst="straightConnector1">
+            <a:avLst/>
+          </a:prstGeom>
+          <a:ln>
+            <a:tailEnd type="triangle"/>
+          </a:ln>
+        </p:spPr>
+        <p:style>
+          <a:lnRef idx="1">
+            <a:schemeClr val="accent1"/>
+          </a:lnRef>
+          <a:fillRef idx="0">
+            <a:schemeClr val="accent1"/>
+          </a:fillRef>
+          <a:effectRef idx="0">
+            <a:schemeClr val="accent1"/>
+          </a:effectRef>
+          <a:fontRef idx="minor">
+            <a:schemeClr val="tx1"/>
+          </a:fontRef>
+        </p:style>
+      </p:cxnSp>
+      <p:sp>
+        <p:nvSpPr>
+          <p:cNvPr id="13" name="TextBox 12">
+            <a:extLst>
+              <a:ext uri="{FF2B5EF4-FFF2-40B4-BE49-F238E27FC236}">
+                <a16:creationId xmlns:a16="http://schemas.microsoft.com/office/drawing/2014/main" id="{3B8E8355-2D91-428F-A544-82494085F6E3}"/>
+              </a:ext>
+            </a:extLst>
+          </p:cNvPr>
+          <p:cNvSpPr txBox="1"/>
+          <p:nvPr/>
+        </p:nvSpPr>
+        <p:spPr>
+          <a:xfrm>
+            <a:off x="9655424" y="3009709"/>
+            <a:ext cx="1362040" cy="369332"/>
+          </a:xfrm>
+          <a:prstGeom prst="rect">
+            <a:avLst/>
+          </a:prstGeom>
+          <a:solidFill>
+            <a:schemeClr val="accent6">
+              <a:lumMod val="20000"/>
+              <a:lumOff val="80000"/>
+            </a:schemeClr>
+          </a:solidFill>
+        </p:spPr>
+        <p:txBody>
+          <a:bodyPr wrap="square" rtlCol="0">
+            <a:spAutoFit/>
+          </a:bodyPr>
+          <a:lstStyle/>
+          <a:p>
+            <a:r>
+              <a:rPr lang="en-US" dirty="0"/>
+              <a:t>Sprints Start</a:t>
+            </a:r>
+          </a:p>
+        </p:txBody>
+      </p:sp>
+      <p:cxnSp>
+        <p:nvCxnSpPr>
+          <p:cNvPr id="14" name="Straight Arrow Connector 13">
+            <a:extLst>
+              <a:ext uri="{FF2B5EF4-FFF2-40B4-BE49-F238E27FC236}">
+                <a16:creationId xmlns:a16="http://schemas.microsoft.com/office/drawing/2014/main" id="{8390EDE9-5AE1-4E50-AD11-1BEEFF8BCC8B}"/>
+              </a:ext>
+            </a:extLst>
+          </p:cNvPr>
+          <p:cNvCxnSpPr>
+            <a:cxnSpLocks/>
+          </p:cNvCxnSpPr>
+          <p:nvPr/>
+        </p:nvCxnSpPr>
+        <p:spPr>
+          <a:xfrm flipH="1">
+            <a:off x="7061815" y="3108628"/>
+            <a:ext cx="2593610" cy="345836"/>
+          </a:xfrm>
+          <a:prstGeom prst="straightConnector1">
+            <a:avLst/>
+          </a:prstGeom>
+          <a:ln>
+            <a:tailEnd type="triangle"/>
+          </a:ln>
+        </p:spPr>
+        <p:style>
+          <a:lnRef idx="1">
+            <a:schemeClr val="accent1"/>
+          </a:lnRef>
+          <a:fillRef idx="0">
+            <a:schemeClr val="accent1"/>
+          </a:fillRef>
+          <a:effectRef idx="0">
+            <a:schemeClr val="accent1"/>
+          </a:effectRef>
+          <a:fontRef idx="minor">
+            <a:schemeClr val="tx1"/>
+          </a:fontRef>
+        </p:style>
+      </p:cxnSp>
+      <p:sp>
+        <p:nvSpPr>
+          <p:cNvPr id="20" name="TextBox 19">
+            <a:extLst>
+              <a:ext uri="{FF2B5EF4-FFF2-40B4-BE49-F238E27FC236}">
+                <a16:creationId xmlns:a16="http://schemas.microsoft.com/office/drawing/2014/main" id="{628EC2CF-970F-437D-A033-8CDFBD05FAD9}"/>
+              </a:ext>
+            </a:extLst>
+          </p:cNvPr>
+          <p:cNvSpPr txBox="1"/>
+          <p:nvPr/>
+        </p:nvSpPr>
+        <p:spPr>
+          <a:xfrm>
+            <a:off x="9135325" y="5842525"/>
+            <a:ext cx="1690392" cy="646331"/>
+          </a:xfrm>
+          <a:prstGeom prst="rect">
+            <a:avLst/>
+          </a:prstGeom>
+          <a:solidFill>
+            <a:schemeClr val="accent6">
+              <a:lumMod val="20000"/>
+              <a:lumOff val="80000"/>
+            </a:schemeClr>
+          </a:solidFill>
+        </p:spPr>
+        <p:txBody>
+          <a:bodyPr wrap="square" rtlCol="0">
+            <a:spAutoFit/>
+          </a:bodyPr>
+          <a:lstStyle/>
+          <a:p>
+            <a:r>
+              <a:rPr lang="en-US" dirty="0"/>
+              <a:t>Final Presentations</a:t>
+            </a:r>
+          </a:p>
+        </p:txBody>
+      </p:sp>
+      <p:cxnSp>
+        <p:nvCxnSpPr>
+          <p:cNvPr id="21" name="Straight Arrow Connector 20">
+            <a:extLst>
+              <a:ext uri="{FF2B5EF4-FFF2-40B4-BE49-F238E27FC236}">
+                <a16:creationId xmlns:a16="http://schemas.microsoft.com/office/drawing/2014/main" id="{9BC70191-D5F6-4D32-AE5D-1F1B5B749B04}"/>
+              </a:ext>
+            </a:extLst>
+          </p:cNvPr>
+          <p:cNvCxnSpPr>
+            <a:cxnSpLocks/>
+          </p:cNvCxnSpPr>
+          <p:nvPr/>
+        </p:nvCxnSpPr>
+        <p:spPr>
+          <a:xfrm flipH="1">
+            <a:off x="6541716" y="5941444"/>
+            <a:ext cx="2593610" cy="345836"/>
+          </a:xfrm>
+          <a:prstGeom prst="straightConnector1">
+            <a:avLst/>
+          </a:prstGeom>
+          <a:ln>
+            <a:tailEnd type="triangle"/>
+          </a:ln>
+        </p:spPr>
+        <p:style>
+          <a:lnRef idx="1">
+            <a:schemeClr val="accent1"/>
+          </a:lnRef>
+          <a:fillRef idx="0">
+            <a:schemeClr val="accent1"/>
+          </a:fillRef>
+          <a:effectRef idx="0">
+            <a:schemeClr val="accent1"/>
+          </a:effectRef>
+          <a:fontRef idx="minor">
+            <a:schemeClr val="tx1"/>
+          </a:fontRef>
+        </p:style>
+      </p:cxnSp>
+      <p:sp>
+        <p:nvSpPr>
+          <p:cNvPr id="22" name="TextBox 21">
+            <a:extLst>
+              <a:ext uri="{FF2B5EF4-FFF2-40B4-BE49-F238E27FC236}">
+                <a16:creationId xmlns:a16="http://schemas.microsoft.com/office/drawing/2014/main" id="{2FAC74A4-C5B1-44A2-BA70-6CDDA940A45A}"/>
+              </a:ext>
+            </a:extLst>
+          </p:cNvPr>
+          <p:cNvSpPr txBox="1"/>
+          <p:nvPr/>
+        </p:nvSpPr>
+        <p:spPr>
+          <a:xfrm>
+            <a:off x="9567129" y="3802844"/>
+            <a:ext cx="1362040" cy="369332"/>
+          </a:xfrm>
+          <a:prstGeom prst="rect">
+            <a:avLst/>
+          </a:prstGeom>
+          <a:solidFill>
+            <a:schemeClr val="accent6">
+              <a:lumMod val="20000"/>
+              <a:lumOff val="80000"/>
+            </a:schemeClr>
+          </a:solidFill>
+        </p:spPr>
+        <p:txBody>
+          <a:bodyPr wrap="square" rtlCol="0">
+            <a:spAutoFit/>
+          </a:bodyPr>
+          <a:lstStyle/>
+          <a:p>
+            <a:r>
+              <a:rPr lang="en-US" dirty="0"/>
+              <a:t>Status 1 </a:t>
+            </a:r>
+          </a:p>
+        </p:txBody>
+      </p:sp>
+      <p:sp>
+        <p:nvSpPr>
+          <p:cNvPr id="23" name="TextBox 22">
+            <a:extLst>
+              <a:ext uri="{FF2B5EF4-FFF2-40B4-BE49-F238E27FC236}">
+                <a16:creationId xmlns:a16="http://schemas.microsoft.com/office/drawing/2014/main" id="{C8ADBD13-8546-40CE-B0F2-0FF0F953A421}"/>
+              </a:ext>
+            </a:extLst>
+          </p:cNvPr>
+          <p:cNvSpPr txBox="1"/>
+          <p:nvPr/>
+        </p:nvSpPr>
+        <p:spPr>
+          <a:xfrm>
+            <a:off x="9630811" y="4437865"/>
+            <a:ext cx="1362040" cy="369332"/>
+          </a:xfrm>
+          <a:prstGeom prst="rect">
+            <a:avLst/>
+          </a:prstGeom>
+          <a:solidFill>
+            <a:schemeClr val="accent6">
+              <a:lumMod val="20000"/>
+              <a:lumOff val="80000"/>
+            </a:schemeClr>
+          </a:solidFill>
+        </p:spPr>
+        <p:txBody>
+          <a:bodyPr wrap="square" rtlCol="0">
+            <a:spAutoFit/>
+          </a:bodyPr>
+          <a:lstStyle/>
+          <a:p>
+            <a:r>
+              <a:rPr lang="en-US" dirty="0"/>
+              <a:t>Status 2 </a:t>
+            </a:r>
+          </a:p>
+        </p:txBody>
+      </p:sp>
+      <p:cxnSp>
+        <p:nvCxnSpPr>
+          <p:cNvPr id="24" name="Straight Arrow Connector 23">
+            <a:extLst>
+              <a:ext uri="{FF2B5EF4-FFF2-40B4-BE49-F238E27FC236}">
+                <a16:creationId xmlns:a16="http://schemas.microsoft.com/office/drawing/2014/main" id="{45F91292-B57E-41BF-9190-E05DAD39C881}"/>
+              </a:ext>
+            </a:extLst>
+          </p:cNvPr>
+          <p:cNvCxnSpPr>
+            <a:cxnSpLocks/>
+          </p:cNvCxnSpPr>
+          <p:nvPr/>
+        </p:nvCxnSpPr>
+        <p:spPr>
+          <a:xfrm flipH="1">
+            <a:off x="7037201" y="4010903"/>
+            <a:ext cx="2593610" cy="345836"/>
+          </a:xfrm>
+          <a:prstGeom prst="straightConnector1">
+            <a:avLst/>
+          </a:prstGeom>
+          <a:ln>
+            <a:tailEnd type="triangle"/>
+          </a:ln>
+        </p:spPr>
+        <p:style>
+          <a:lnRef idx="1">
+            <a:schemeClr val="accent1"/>
+          </a:lnRef>
+          <a:fillRef idx="0">
+            <a:schemeClr val="accent1"/>
+          </a:fillRef>
+          <a:effectRef idx="0">
+            <a:schemeClr val="accent1"/>
+          </a:effectRef>
+          <a:fontRef idx="minor">
+            <a:schemeClr val="tx1"/>
+          </a:fontRef>
+        </p:style>
+      </p:cxnSp>
+      <p:cxnSp>
+        <p:nvCxnSpPr>
+          <p:cNvPr id="25" name="Straight Arrow Connector 24">
+            <a:extLst>
+              <a:ext uri="{FF2B5EF4-FFF2-40B4-BE49-F238E27FC236}">
+                <a16:creationId xmlns:a16="http://schemas.microsoft.com/office/drawing/2014/main" id="{2BDC1937-3BAB-4D48-9298-F410692C2DB0}"/>
+              </a:ext>
+            </a:extLst>
+          </p:cNvPr>
+          <p:cNvCxnSpPr>
+            <a:cxnSpLocks/>
+          </p:cNvCxnSpPr>
+          <p:nvPr/>
+        </p:nvCxnSpPr>
+        <p:spPr>
+          <a:xfrm flipH="1">
+            <a:off x="7061815" y="4601551"/>
+            <a:ext cx="2593610" cy="345836"/>
+          </a:xfrm>
+          <a:prstGeom prst="straightConnector1">
+            <a:avLst/>
+          </a:prstGeom>
+          <a:ln>
+            <a:tailEnd type="triangle"/>
+          </a:ln>
+        </p:spPr>
+        <p:style>
+          <a:lnRef idx="1">
+            <a:schemeClr val="accent1"/>
+          </a:lnRef>
+          <a:fillRef idx="0">
+            <a:schemeClr val="accent1"/>
+          </a:fillRef>
+          <a:effectRef idx="0">
+            <a:schemeClr val="accent1"/>
+          </a:effectRef>
+          <a:fontRef idx="minor">
+            <a:schemeClr val="tx1"/>
+          </a:fontRef>
+        </p:style>
+      </p:cxnSp>
+      <p:sp>
+        <p:nvSpPr>
+          <p:cNvPr id="26" name="TextBox 25">
+            <a:extLst>
+              <a:ext uri="{FF2B5EF4-FFF2-40B4-BE49-F238E27FC236}">
+                <a16:creationId xmlns:a16="http://schemas.microsoft.com/office/drawing/2014/main" id="{90561B65-7E71-4CA7-B620-DD8E821EC40F}"/>
+              </a:ext>
+            </a:extLst>
+          </p:cNvPr>
+          <p:cNvSpPr txBox="1"/>
+          <p:nvPr/>
+        </p:nvSpPr>
+        <p:spPr>
+          <a:xfrm>
+            <a:off x="9613499" y="4906825"/>
+            <a:ext cx="1362040" cy="369332"/>
+          </a:xfrm>
+          <a:prstGeom prst="rect">
+            <a:avLst/>
+          </a:prstGeom>
+          <a:solidFill>
+            <a:schemeClr val="accent6">
+              <a:lumMod val="20000"/>
+              <a:lumOff val="80000"/>
+            </a:schemeClr>
+          </a:solidFill>
+        </p:spPr>
+        <p:txBody>
+          <a:bodyPr wrap="square" rtlCol="0">
+            <a:spAutoFit/>
+          </a:bodyPr>
+          <a:lstStyle/>
+          <a:p>
+            <a:r>
+              <a:rPr lang="en-US" dirty="0"/>
+              <a:t>Status 3 </a:t>
+            </a:r>
+          </a:p>
+        </p:txBody>
+      </p:sp>
+      <p:cxnSp>
+        <p:nvCxnSpPr>
+          <p:cNvPr id="27" name="Straight Arrow Connector 26">
+            <a:extLst>
+              <a:ext uri="{FF2B5EF4-FFF2-40B4-BE49-F238E27FC236}">
+                <a16:creationId xmlns:a16="http://schemas.microsoft.com/office/drawing/2014/main" id="{97D6DEB3-0A67-4C42-A4FE-ACA4ECF00D25}"/>
+              </a:ext>
+            </a:extLst>
+          </p:cNvPr>
+          <p:cNvCxnSpPr>
+            <a:cxnSpLocks/>
+            <a:stCxn id="26" idx="1"/>
+          </p:cNvCxnSpPr>
+          <p:nvPr/>
+        </p:nvCxnSpPr>
+        <p:spPr>
+          <a:xfrm flipH="1">
+            <a:off x="7196461" y="5091491"/>
+            <a:ext cx="2417038" cy="385652"/>
+          </a:xfrm>
+          <a:prstGeom prst="straightConnector1">
+            <a:avLst/>
+          </a:prstGeom>
+          <a:ln>
+            <a:tailEnd type="triangle"/>
+          </a:ln>
+        </p:spPr>
+        <p:style>
+          <a:lnRef idx="1">
+            <a:schemeClr val="accent1"/>
+          </a:lnRef>
+          <a:fillRef idx="0">
+            <a:schemeClr val="accent1"/>
+          </a:fillRef>
+          <a:effectRef idx="0">
+            <a:schemeClr val="accent1"/>
+          </a:effectRef>
+          <a:fontRef idx="minor">
+            <a:schemeClr val="tx1"/>
+          </a:fontRef>
+        </p:style>
+      </p:cxnSp>
+      <p:sp>
+        <p:nvSpPr>
+          <p:cNvPr id="29" name="TextBox 28">
+            <a:extLst>
+              <a:ext uri="{FF2B5EF4-FFF2-40B4-BE49-F238E27FC236}">
+                <a16:creationId xmlns:a16="http://schemas.microsoft.com/office/drawing/2014/main" id="{17AFE462-662D-4D4A-A0EF-DE381959ACCF}"/>
+              </a:ext>
+            </a:extLst>
+          </p:cNvPr>
+          <p:cNvSpPr txBox="1"/>
+          <p:nvPr/>
+        </p:nvSpPr>
+        <p:spPr>
+          <a:xfrm>
+            <a:off x="9654964" y="5329089"/>
+            <a:ext cx="1362040" cy="369332"/>
+          </a:xfrm>
+          <a:prstGeom prst="rect">
+            <a:avLst/>
+          </a:prstGeom>
+          <a:solidFill>
+            <a:schemeClr val="accent6">
+              <a:lumMod val="20000"/>
+              <a:lumOff val="80000"/>
+            </a:schemeClr>
+          </a:solidFill>
+        </p:spPr>
+        <p:txBody>
+          <a:bodyPr wrap="square" rtlCol="0">
+            <a:spAutoFit/>
+          </a:bodyPr>
+          <a:lstStyle/>
+          <a:p>
+            <a:r>
+              <a:rPr lang="en-US" dirty="0"/>
+              <a:t>Team Evals</a:t>
+            </a:r>
+          </a:p>
+        </p:txBody>
+      </p:sp>
+      <p:cxnSp>
+        <p:nvCxnSpPr>
+          <p:cNvPr id="30" name="Straight Arrow Connector 29">
+            <a:extLst>
+              <a:ext uri="{FF2B5EF4-FFF2-40B4-BE49-F238E27FC236}">
+                <a16:creationId xmlns:a16="http://schemas.microsoft.com/office/drawing/2014/main" id="{85324C7D-60CC-4E77-AF92-BA0E7331D22E}"/>
+              </a:ext>
+            </a:extLst>
+          </p:cNvPr>
+          <p:cNvCxnSpPr>
+            <a:cxnSpLocks/>
+          </p:cNvCxnSpPr>
+          <p:nvPr/>
+        </p:nvCxnSpPr>
+        <p:spPr>
+          <a:xfrm flipH="1">
+            <a:off x="7238056" y="5505595"/>
+            <a:ext cx="2417038" cy="385652"/>
+          </a:xfrm>
+          <a:prstGeom prst="straightConnector1">
+            <a:avLst/>
+          </a:prstGeom>
+          <a:ln>
+            <a:tailEnd type="triangle"/>
+          </a:ln>
+        </p:spPr>
+        <p:style>
+          <a:lnRef idx="1">
+            <a:schemeClr val="accent1"/>
+          </a:lnRef>
+          <a:fillRef idx="0">
+            <a:schemeClr val="accent1"/>
+          </a:fillRef>
+          <a:effectRef idx="0">
+            <a:schemeClr val="accent1"/>
+          </a:effectRef>
+          <a:fontRef idx="minor">
+            <a:schemeClr val="tx1"/>
+          </a:fontRef>
+        </p:style>
+      </p:cxnSp>
     </p:spTree>
     <p:extLst>
       <p:ext uri="{BB962C8B-B14F-4D97-AF65-F5344CB8AC3E}">

--- a/CSC3510 S2021/Lectures/01IntroductionTo3510.pptx
+++ b/CSC3510 S2021/Lectures/01IntroductionTo3510.pptx
@@ -5,25 +5,29 @@
     <p:sldMasterId id="2147483958" r:id="rId1"/>
   </p:sldMasterIdLst>
   <p:notesMasterIdLst>
-    <p:notesMasterId r:id="rId18"/>
+    <p:notesMasterId r:id="rId22"/>
   </p:notesMasterIdLst>
   <p:sldIdLst>
     <p:sldId id="555" r:id="rId2"/>
     <p:sldId id="708" r:id="rId3"/>
     <p:sldId id="709" r:id="rId4"/>
-    <p:sldId id="710" r:id="rId5"/>
-    <p:sldId id="499" r:id="rId6"/>
-    <p:sldId id="715" r:id="rId7"/>
-    <p:sldId id="717" r:id="rId8"/>
-    <p:sldId id="718" r:id="rId9"/>
-    <p:sldId id="719" r:id="rId10"/>
-    <p:sldId id="720" r:id="rId11"/>
-    <p:sldId id="722" r:id="rId12"/>
-    <p:sldId id="711" r:id="rId13"/>
-    <p:sldId id="712" r:id="rId14"/>
-    <p:sldId id="713" r:id="rId15"/>
-    <p:sldId id="716" r:id="rId16"/>
-    <p:sldId id="714" r:id="rId17"/>
+    <p:sldId id="726" r:id="rId5"/>
+    <p:sldId id="727" r:id="rId6"/>
+    <p:sldId id="710" r:id="rId7"/>
+    <p:sldId id="499" r:id="rId8"/>
+    <p:sldId id="715" r:id="rId9"/>
+    <p:sldId id="717" r:id="rId10"/>
+    <p:sldId id="718" r:id="rId11"/>
+    <p:sldId id="719" r:id="rId12"/>
+    <p:sldId id="720" r:id="rId13"/>
+    <p:sldId id="722" r:id="rId14"/>
+    <p:sldId id="711" r:id="rId15"/>
+    <p:sldId id="712" r:id="rId16"/>
+    <p:sldId id="713" r:id="rId17"/>
+    <p:sldId id="716" r:id="rId18"/>
+    <p:sldId id="714" r:id="rId19"/>
+    <p:sldId id="723" r:id="rId20"/>
+    <p:sldId id="725" r:id="rId21"/>
   </p:sldIdLst>
   <p:sldSz cx="12192000" cy="6858000"/>
   <p:notesSz cx="6858000" cy="9144000"/>
@@ -170,6 +174,7 @@
           </a:p>
         </c:rich>
       </c:tx>
+      <c:layout/>
       <c:overlay val="0"/>
       <c:spPr>
         <a:noFill/>
@@ -329,6 +334,7 @@
     </c:plotArea>
     <c:legend>
       <c:legendPos val="b"/>
+      <c:layout/>
       <c:overlay val="0"/>
       <c:spPr>
         <a:noFill/>
@@ -1026,7 +1032,7 @@
           <a:p>
             <a:fld id="{C8AEADBA-F76D-42CB-AAEA-5899A162C59D}" type="datetimeFigureOut">
               <a:rPr lang="en-US" smtClean="0"/>
-              <a:t>1/8/2021</a:t>
+              <a:t>1/12/2021</a:t>
             </a:fld>
             <a:endParaRPr lang="en-US"/>
           </a:p>
@@ -1512,7 +1518,7 @@
           <a:p>
             <a:fld id="{83777DF0-4DA5-40CD-8FA1-5F589D66E613}" type="datetimeFigureOut">
               <a:rPr lang="en-US" smtClean="0"/>
-              <a:t>1/8/2021</a:t>
+              <a:t>1/12/2021</a:t>
             </a:fld>
             <a:endParaRPr lang="en-US"/>
           </a:p>
@@ -1682,7 +1688,7 @@
           <a:p>
             <a:fld id="{83777DF0-4DA5-40CD-8FA1-5F589D66E613}" type="datetimeFigureOut">
               <a:rPr lang="en-US" smtClean="0"/>
-              <a:t>1/8/2021</a:t>
+              <a:t>1/12/2021</a:t>
             </a:fld>
             <a:endParaRPr lang="en-US"/>
           </a:p>
@@ -1862,7 +1868,7 @@
           <a:p>
             <a:fld id="{83777DF0-4DA5-40CD-8FA1-5F589D66E613}" type="datetimeFigureOut">
               <a:rPr lang="en-US" smtClean="0"/>
-              <a:t>1/8/2021</a:t>
+              <a:t>1/12/2021</a:t>
             </a:fld>
             <a:endParaRPr lang="en-US"/>
           </a:p>
@@ -2032,7 +2038,7 @@
           <a:p>
             <a:fld id="{83777DF0-4DA5-40CD-8FA1-5F589D66E613}" type="datetimeFigureOut">
               <a:rPr lang="en-US" smtClean="0"/>
-              <a:t>1/8/2021</a:t>
+              <a:t>1/12/2021</a:t>
             </a:fld>
             <a:endParaRPr lang="en-US"/>
           </a:p>
@@ -2278,7 +2284,7 @@
           <a:p>
             <a:fld id="{83777DF0-4DA5-40CD-8FA1-5F589D66E613}" type="datetimeFigureOut">
               <a:rPr lang="en-US" smtClean="0"/>
-              <a:t>1/8/2021</a:t>
+              <a:t>1/12/2021</a:t>
             </a:fld>
             <a:endParaRPr lang="en-US"/>
           </a:p>
@@ -2510,7 +2516,7 @@
           <a:p>
             <a:fld id="{83777DF0-4DA5-40CD-8FA1-5F589D66E613}" type="datetimeFigureOut">
               <a:rPr lang="en-US" smtClean="0"/>
-              <a:t>1/8/2021</a:t>
+              <a:t>1/12/2021</a:t>
             </a:fld>
             <a:endParaRPr lang="en-US"/>
           </a:p>
@@ -2877,7 +2883,7 @@
           <a:p>
             <a:fld id="{83777DF0-4DA5-40CD-8FA1-5F589D66E613}" type="datetimeFigureOut">
               <a:rPr lang="en-US" smtClean="0"/>
-              <a:t>1/8/2021</a:t>
+              <a:t>1/12/2021</a:t>
             </a:fld>
             <a:endParaRPr lang="en-US"/>
           </a:p>
@@ -2995,7 +3001,7 @@
           <a:p>
             <a:fld id="{83777DF0-4DA5-40CD-8FA1-5F589D66E613}" type="datetimeFigureOut">
               <a:rPr lang="en-US" smtClean="0"/>
-              <a:t>1/8/2021</a:t>
+              <a:t>1/12/2021</a:t>
             </a:fld>
             <a:endParaRPr lang="en-US"/>
           </a:p>
@@ -3090,7 +3096,7 @@
           <a:p>
             <a:fld id="{83777DF0-4DA5-40CD-8FA1-5F589D66E613}" type="datetimeFigureOut">
               <a:rPr lang="en-US" smtClean="0"/>
-              <a:t>1/8/2021</a:t>
+              <a:t>1/12/2021</a:t>
             </a:fld>
             <a:endParaRPr lang="en-US"/>
           </a:p>
@@ -3367,7 +3373,7 @@
           <a:p>
             <a:fld id="{83777DF0-4DA5-40CD-8FA1-5F589D66E613}" type="datetimeFigureOut">
               <a:rPr lang="en-US" smtClean="0"/>
-              <a:t>1/8/2021</a:t>
+              <a:t>1/12/2021</a:t>
             </a:fld>
             <a:endParaRPr lang="en-US"/>
           </a:p>
@@ -3624,7 +3630,7 @@
           <a:p>
             <a:fld id="{83777DF0-4DA5-40CD-8FA1-5F589D66E613}" type="datetimeFigureOut">
               <a:rPr lang="en-US" smtClean="0"/>
-              <a:t>1/8/2021</a:t>
+              <a:t>1/12/2021</a:t>
             </a:fld>
             <a:endParaRPr lang="en-US"/>
           </a:p>
@@ -3844,7 +3850,7 @@
           <a:p>
             <a:fld id="{83777DF0-4DA5-40CD-8FA1-5F589D66E613}" type="datetimeFigureOut">
               <a:rPr lang="en-US" smtClean="0"/>
-              <a:t>1/8/2021</a:t>
+              <a:t>1/12/2021</a:t>
             </a:fld>
             <a:endParaRPr lang="en-US"/>
           </a:p>
@@ -4421,6 +4427,1005 @@
           <a:chExt cx="0" cy="0"/>
         </a:xfrm>
       </p:grpSpPr>
+      <p:pic>
+        <p:nvPicPr>
+          <p:cNvPr id="17" name="Picture 16">
+            <a:extLst>
+              <a:ext uri="{FF2B5EF4-FFF2-40B4-BE49-F238E27FC236}">
+                <a16:creationId xmlns:a16="http://schemas.microsoft.com/office/drawing/2014/main" id="{8A3D3DED-086B-44CB-99B4-BE65E2A12051}"/>
+              </a:ext>
+            </a:extLst>
+          </p:cNvPr>
+          <p:cNvPicPr>
+            <a:picLocks noChangeAspect="1"/>
+          </p:cNvPicPr>
+          <p:nvPr/>
+        </p:nvPicPr>
+        <p:blipFill>
+          <a:blip r:embed="rId2"/>
+          <a:stretch>
+            <a:fillRect/>
+          </a:stretch>
+        </p:blipFill>
+        <p:spPr>
+          <a:xfrm>
+            <a:off x="1943851" y="0"/>
+            <a:ext cx="6333613" cy="6858000"/>
+          </a:xfrm>
+          <a:prstGeom prst="rect">
+            <a:avLst/>
+          </a:prstGeom>
+        </p:spPr>
+      </p:pic>
+      <p:sp>
+        <p:nvSpPr>
+          <p:cNvPr id="2" name="TextBox 1">
+            <a:extLst>
+              <a:ext uri="{FF2B5EF4-FFF2-40B4-BE49-F238E27FC236}">
+                <a16:creationId xmlns:a16="http://schemas.microsoft.com/office/drawing/2014/main" id="{CC9A4175-C16C-4A12-8528-47CB7CD5ADB4}"/>
+              </a:ext>
+            </a:extLst>
+          </p:cNvPr>
+          <p:cNvSpPr txBox="1"/>
+          <p:nvPr/>
+        </p:nvSpPr>
+        <p:spPr>
+          <a:xfrm>
+            <a:off x="9215989" y="713471"/>
+            <a:ext cx="1281376" cy="369332"/>
+          </a:xfrm>
+          <a:prstGeom prst="rect">
+            <a:avLst/>
+          </a:prstGeom>
+          <a:solidFill>
+            <a:schemeClr val="accent6">
+              <a:lumMod val="20000"/>
+              <a:lumOff val="80000"/>
+            </a:schemeClr>
+          </a:solidFill>
+        </p:spPr>
+        <p:txBody>
+          <a:bodyPr wrap="none" rtlCol="0">
+            <a:spAutoFit/>
+          </a:bodyPr>
+          <a:lstStyle/>
+          <a:p>
+            <a:r>
+              <a:rPr lang="en-US" dirty="0"/>
+              <a:t>Teams form</a:t>
+            </a:r>
+          </a:p>
+        </p:txBody>
+      </p:sp>
+      <p:cxnSp>
+        <p:nvCxnSpPr>
+          <p:cNvPr id="5" name="Straight Arrow Connector 4">
+            <a:extLst>
+              <a:ext uri="{FF2B5EF4-FFF2-40B4-BE49-F238E27FC236}">
+                <a16:creationId xmlns:a16="http://schemas.microsoft.com/office/drawing/2014/main" id="{8273C006-C712-418E-B384-8F8227970C70}"/>
+              </a:ext>
+            </a:extLst>
+          </p:cNvPr>
+          <p:cNvCxnSpPr/>
+          <p:nvPr/>
+        </p:nvCxnSpPr>
+        <p:spPr>
+          <a:xfrm flipH="1">
+            <a:off x="6690903" y="1015475"/>
+            <a:ext cx="2583809" cy="381251"/>
+          </a:xfrm>
+          <a:prstGeom prst="straightConnector1">
+            <a:avLst/>
+          </a:prstGeom>
+          <a:ln>
+            <a:tailEnd type="triangle"/>
+          </a:ln>
+        </p:spPr>
+        <p:style>
+          <a:lnRef idx="1">
+            <a:schemeClr val="accent1"/>
+          </a:lnRef>
+          <a:fillRef idx="0">
+            <a:schemeClr val="accent1"/>
+          </a:fillRef>
+          <a:effectRef idx="0">
+            <a:schemeClr val="accent1"/>
+          </a:effectRef>
+          <a:fontRef idx="minor">
+            <a:schemeClr val="tx1"/>
+          </a:fontRef>
+        </p:style>
+      </p:cxnSp>
+      <p:sp>
+        <p:nvSpPr>
+          <p:cNvPr id="7" name="TextBox 6">
+            <a:extLst>
+              <a:ext uri="{FF2B5EF4-FFF2-40B4-BE49-F238E27FC236}">
+                <a16:creationId xmlns:a16="http://schemas.microsoft.com/office/drawing/2014/main" id="{1DF01003-5B93-4C01-BC70-5B16B4BA072C}"/>
+              </a:ext>
+            </a:extLst>
+          </p:cNvPr>
+          <p:cNvSpPr txBox="1"/>
+          <p:nvPr/>
+        </p:nvSpPr>
+        <p:spPr>
+          <a:xfrm>
+            <a:off x="9215989" y="1698730"/>
+            <a:ext cx="2246384" cy="369332"/>
+          </a:xfrm>
+          <a:prstGeom prst="rect">
+            <a:avLst/>
+          </a:prstGeom>
+          <a:solidFill>
+            <a:schemeClr val="accent6">
+              <a:lumMod val="20000"/>
+              <a:lumOff val="80000"/>
+            </a:schemeClr>
+          </a:solidFill>
+        </p:spPr>
+        <p:txBody>
+          <a:bodyPr wrap="none" rtlCol="0">
+            <a:spAutoFit/>
+          </a:bodyPr>
+          <a:lstStyle/>
+          <a:p>
+            <a:r>
+              <a:rPr lang="en-US" dirty="0"/>
+              <a:t>Prototypes developed</a:t>
+            </a:r>
+          </a:p>
+        </p:txBody>
+      </p:sp>
+      <p:cxnSp>
+        <p:nvCxnSpPr>
+          <p:cNvPr id="8" name="Straight Arrow Connector 7">
+            <a:extLst>
+              <a:ext uri="{FF2B5EF4-FFF2-40B4-BE49-F238E27FC236}">
+                <a16:creationId xmlns:a16="http://schemas.microsoft.com/office/drawing/2014/main" id="{971918DD-C558-49C0-912C-269B6AB78257}"/>
+              </a:ext>
+            </a:extLst>
+          </p:cNvPr>
+          <p:cNvCxnSpPr>
+            <a:cxnSpLocks/>
+          </p:cNvCxnSpPr>
+          <p:nvPr/>
+        </p:nvCxnSpPr>
+        <p:spPr>
+          <a:xfrm flipH="1">
+            <a:off x="6678322" y="1797649"/>
+            <a:ext cx="2537668" cy="572417"/>
+          </a:xfrm>
+          <a:prstGeom prst="straightConnector1">
+            <a:avLst/>
+          </a:prstGeom>
+          <a:ln>
+            <a:tailEnd type="triangle"/>
+          </a:ln>
+        </p:spPr>
+        <p:style>
+          <a:lnRef idx="1">
+            <a:schemeClr val="accent1"/>
+          </a:lnRef>
+          <a:fillRef idx="0">
+            <a:schemeClr val="accent1"/>
+          </a:fillRef>
+          <a:effectRef idx="0">
+            <a:schemeClr val="accent1"/>
+          </a:effectRef>
+          <a:fontRef idx="minor">
+            <a:schemeClr val="tx1"/>
+          </a:fontRef>
+        </p:style>
+      </p:cxnSp>
+      <p:sp>
+        <p:nvSpPr>
+          <p:cNvPr id="10" name="TextBox 9">
+            <a:extLst>
+              <a:ext uri="{FF2B5EF4-FFF2-40B4-BE49-F238E27FC236}">
+                <a16:creationId xmlns:a16="http://schemas.microsoft.com/office/drawing/2014/main" id="{5C4A4E3A-03E2-4E0E-BB84-5375B2886CCE}"/>
+              </a:ext>
+            </a:extLst>
+          </p:cNvPr>
+          <p:cNvSpPr txBox="1"/>
+          <p:nvPr/>
+        </p:nvSpPr>
+        <p:spPr>
+          <a:xfrm>
+            <a:off x="9463677" y="2227110"/>
+            <a:ext cx="1362040" cy="369332"/>
+          </a:xfrm>
+          <a:prstGeom prst="rect">
+            <a:avLst/>
+          </a:prstGeom>
+          <a:solidFill>
+            <a:schemeClr val="accent6">
+              <a:lumMod val="20000"/>
+              <a:lumOff val="80000"/>
+            </a:schemeClr>
+          </a:solidFill>
+        </p:spPr>
+        <p:txBody>
+          <a:bodyPr wrap="none" rtlCol="0">
+            <a:spAutoFit/>
+          </a:bodyPr>
+          <a:lstStyle/>
+          <a:p>
+            <a:r>
+              <a:rPr lang="en-US" dirty="0"/>
+              <a:t>Release Plan</a:t>
+            </a:r>
+          </a:p>
+        </p:txBody>
+      </p:sp>
+      <p:cxnSp>
+        <p:nvCxnSpPr>
+          <p:cNvPr id="11" name="Straight Arrow Connector 10">
+            <a:extLst>
+              <a:ext uri="{FF2B5EF4-FFF2-40B4-BE49-F238E27FC236}">
+                <a16:creationId xmlns:a16="http://schemas.microsoft.com/office/drawing/2014/main" id="{73811C20-BACF-4F6F-ADC4-0D59BFBA2972}"/>
+              </a:ext>
+            </a:extLst>
+          </p:cNvPr>
+          <p:cNvCxnSpPr>
+            <a:cxnSpLocks/>
+          </p:cNvCxnSpPr>
+          <p:nvPr/>
+        </p:nvCxnSpPr>
+        <p:spPr>
+          <a:xfrm flipH="1">
+            <a:off x="6870068" y="2326029"/>
+            <a:ext cx="2593610" cy="740838"/>
+          </a:xfrm>
+          <a:prstGeom prst="straightConnector1">
+            <a:avLst/>
+          </a:prstGeom>
+          <a:ln>
+            <a:tailEnd type="triangle"/>
+          </a:ln>
+        </p:spPr>
+        <p:style>
+          <a:lnRef idx="1">
+            <a:schemeClr val="accent1"/>
+          </a:lnRef>
+          <a:fillRef idx="0">
+            <a:schemeClr val="accent1"/>
+          </a:fillRef>
+          <a:effectRef idx="0">
+            <a:schemeClr val="accent1"/>
+          </a:effectRef>
+          <a:fontRef idx="minor">
+            <a:schemeClr val="tx1"/>
+          </a:fontRef>
+        </p:style>
+      </p:cxnSp>
+      <p:sp>
+        <p:nvSpPr>
+          <p:cNvPr id="13" name="TextBox 12">
+            <a:extLst>
+              <a:ext uri="{FF2B5EF4-FFF2-40B4-BE49-F238E27FC236}">
+                <a16:creationId xmlns:a16="http://schemas.microsoft.com/office/drawing/2014/main" id="{3B8E8355-2D91-428F-A544-82494085F6E3}"/>
+              </a:ext>
+            </a:extLst>
+          </p:cNvPr>
+          <p:cNvSpPr txBox="1"/>
+          <p:nvPr/>
+        </p:nvSpPr>
+        <p:spPr>
+          <a:xfrm>
+            <a:off x="9655424" y="3009709"/>
+            <a:ext cx="1362040" cy="369332"/>
+          </a:xfrm>
+          <a:prstGeom prst="rect">
+            <a:avLst/>
+          </a:prstGeom>
+          <a:solidFill>
+            <a:schemeClr val="accent6">
+              <a:lumMod val="20000"/>
+              <a:lumOff val="80000"/>
+            </a:schemeClr>
+          </a:solidFill>
+        </p:spPr>
+        <p:txBody>
+          <a:bodyPr wrap="square" rtlCol="0">
+            <a:spAutoFit/>
+          </a:bodyPr>
+          <a:lstStyle/>
+          <a:p>
+            <a:r>
+              <a:rPr lang="en-US" dirty="0"/>
+              <a:t>Sprints Start</a:t>
+            </a:r>
+          </a:p>
+        </p:txBody>
+      </p:sp>
+      <p:cxnSp>
+        <p:nvCxnSpPr>
+          <p:cNvPr id="14" name="Straight Arrow Connector 13">
+            <a:extLst>
+              <a:ext uri="{FF2B5EF4-FFF2-40B4-BE49-F238E27FC236}">
+                <a16:creationId xmlns:a16="http://schemas.microsoft.com/office/drawing/2014/main" id="{8390EDE9-5AE1-4E50-AD11-1BEEFF8BCC8B}"/>
+              </a:ext>
+            </a:extLst>
+          </p:cNvPr>
+          <p:cNvCxnSpPr>
+            <a:cxnSpLocks/>
+          </p:cNvCxnSpPr>
+          <p:nvPr/>
+        </p:nvCxnSpPr>
+        <p:spPr>
+          <a:xfrm flipH="1">
+            <a:off x="7061815" y="3108628"/>
+            <a:ext cx="2593610" cy="345836"/>
+          </a:xfrm>
+          <a:prstGeom prst="straightConnector1">
+            <a:avLst/>
+          </a:prstGeom>
+          <a:ln>
+            <a:tailEnd type="triangle"/>
+          </a:ln>
+        </p:spPr>
+        <p:style>
+          <a:lnRef idx="1">
+            <a:schemeClr val="accent1"/>
+          </a:lnRef>
+          <a:fillRef idx="0">
+            <a:schemeClr val="accent1"/>
+          </a:fillRef>
+          <a:effectRef idx="0">
+            <a:schemeClr val="accent1"/>
+          </a:effectRef>
+          <a:fontRef idx="minor">
+            <a:schemeClr val="tx1"/>
+          </a:fontRef>
+        </p:style>
+      </p:cxnSp>
+      <p:sp>
+        <p:nvSpPr>
+          <p:cNvPr id="20" name="TextBox 19">
+            <a:extLst>
+              <a:ext uri="{FF2B5EF4-FFF2-40B4-BE49-F238E27FC236}">
+                <a16:creationId xmlns:a16="http://schemas.microsoft.com/office/drawing/2014/main" id="{628EC2CF-970F-437D-A033-8CDFBD05FAD9}"/>
+              </a:ext>
+            </a:extLst>
+          </p:cNvPr>
+          <p:cNvSpPr txBox="1"/>
+          <p:nvPr/>
+        </p:nvSpPr>
+        <p:spPr>
+          <a:xfrm>
+            <a:off x="9135325" y="5842525"/>
+            <a:ext cx="1690392" cy="646331"/>
+          </a:xfrm>
+          <a:prstGeom prst="rect">
+            <a:avLst/>
+          </a:prstGeom>
+          <a:solidFill>
+            <a:schemeClr val="accent6">
+              <a:lumMod val="20000"/>
+              <a:lumOff val="80000"/>
+            </a:schemeClr>
+          </a:solidFill>
+        </p:spPr>
+        <p:txBody>
+          <a:bodyPr wrap="square" rtlCol="0">
+            <a:spAutoFit/>
+          </a:bodyPr>
+          <a:lstStyle/>
+          <a:p>
+            <a:r>
+              <a:rPr lang="en-US" dirty="0"/>
+              <a:t>Final Presentations</a:t>
+            </a:r>
+          </a:p>
+        </p:txBody>
+      </p:sp>
+      <p:cxnSp>
+        <p:nvCxnSpPr>
+          <p:cNvPr id="21" name="Straight Arrow Connector 20">
+            <a:extLst>
+              <a:ext uri="{FF2B5EF4-FFF2-40B4-BE49-F238E27FC236}">
+                <a16:creationId xmlns:a16="http://schemas.microsoft.com/office/drawing/2014/main" id="{9BC70191-D5F6-4D32-AE5D-1F1B5B749B04}"/>
+              </a:ext>
+            </a:extLst>
+          </p:cNvPr>
+          <p:cNvCxnSpPr>
+            <a:cxnSpLocks/>
+          </p:cNvCxnSpPr>
+          <p:nvPr/>
+        </p:nvCxnSpPr>
+        <p:spPr>
+          <a:xfrm flipH="1">
+            <a:off x="6541716" y="5941444"/>
+            <a:ext cx="2593610" cy="345836"/>
+          </a:xfrm>
+          <a:prstGeom prst="straightConnector1">
+            <a:avLst/>
+          </a:prstGeom>
+          <a:ln>
+            <a:tailEnd type="triangle"/>
+          </a:ln>
+        </p:spPr>
+        <p:style>
+          <a:lnRef idx="1">
+            <a:schemeClr val="accent1"/>
+          </a:lnRef>
+          <a:fillRef idx="0">
+            <a:schemeClr val="accent1"/>
+          </a:fillRef>
+          <a:effectRef idx="0">
+            <a:schemeClr val="accent1"/>
+          </a:effectRef>
+          <a:fontRef idx="minor">
+            <a:schemeClr val="tx1"/>
+          </a:fontRef>
+        </p:style>
+      </p:cxnSp>
+      <p:sp>
+        <p:nvSpPr>
+          <p:cNvPr id="22" name="TextBox 21">
+            <a:extLst>
+              <a:ext uri="{FF2B5EF4-FFF2-40B4-BE49-F238E27FC236}">
+                <a16:creationId xmlns:a16="http://schemas.microsoft.com/office/drawing/2014/main" id="{2FAC74A4-C5B1-44A2-BA70-6CDDA940A45A}"/>
+              </a:ext>
+            </a:extLst>
+          </p:cNvPr>
+          <p:cNvSpPr txBox="1"/>
+          <p:nvPr/>
+        </p:nvSpPr>
+        <p:spPr>
+          <a:xfrm>
+            <a:off x="9567129" y="3802844"/>
+            <a:ext cx="1362040" cy="369332"/>
+          </a:xfrm>
+          <a:prstGeom prst="rect">
+            <a:avLst/>
+          </a:prstGeom>
+          <a:solidFill>
+            <a:schemeClr val="accent6">
+              <a:lumMod val="20000"/>
+              <a:lumOff val="80000"/>
+            </a:schemeClr>
+          </a:solidFill>
+        </p:spPr>
+        <p:txBody>
+          <a:bodyPr wrap="square" rtlCol="0">
+            <a:spAutoFit/>
+          </a:bodyPr>
+          <a:lstStyle/>
+          <a:p>
+            <a:r>
+              <a:rPr lang="en-US" dirty="0"/>
+              <a:t>Status 1 </a:t>
+            </a:r>
+          </a:p>
+        </p:txBody>
+      </p:sp>
+      <p:sp>
+        <p:nvSpPr>
+          <p:cNvPr id="23" name="TextBox 22">
+            <a:extLst>
+              <a:ext uri="{FF2B5EF4-FFF2-40B4-BE49-F238E27FC236}">
+                <a16:creationId xmlns:a16="http://schemas.microsoft.com/office/drawing/2014/main" id="{C8ADBD13-8546-40CE-B0F2-0FF0F953A421}"/>
+              </a:ext>
+            </a:extLst>
+          </p:cNvPr>
+          <p:cNvSpPr txBox="1"/>
+          <p:nvPr/>
+        </p:nvSpPr>
+        <p:spPr>
+          <a:xfrm>
+            <a:off x="9630811" y="4437865"/>
+            <a:ext cx="1362040" cy="369332"/>
+          </a:xfrm>
+          <a:prstGeom prst="rect">
+            <a:avLst/>
+          </a:prstGeom>
+          <a:solidFill>
+            <a:schemeClr val="accent6">
+              <a:lumMod val="20000"/>
+              <a:lumOff val="80000"/>
+            </a:schemeClr>
+          </a:solidFill>
+        </p:spPr>
+        <p:txBody>
+          <a:bodyPr wrap="square" rtlCol="0">
+            <a:spAutoFit/>
+          </a:bodyPr>
+          <a:lstStyle/>
+          <a:p>
+            <a:r>
+              <a:rPr lang="en-US" dirty="0"/>
+              <a:t>Status 2 </a:t>
+            </a:r>
+          </a:p>
+        </p:txBody>
+      </p:sp>
+      <p:cxnSp>
+        <p:nvCxnSpPr>
+          <p:cNvPr id="24" name="Straight Arrow Connector 23">
+            <a:extLst>
+              <a:ext uri="{FF2B5EF4-FFF2-40B4-BE49-F238E27FC236}">
+                <a16:creationId xmlns:a16="http://schemas.microsoft.com/office/drawing/2014/main" id="{45F91292-B57E-41BF-9190-E05DAD39C881}"/>
+              </a:ext>
+            </a:extLst>
+          </p:cNvPr>
+          <p:cNvCxnSpPr>
+            <a:cxnSpLocks/>
+          </p:cNvCxnSpPr>
+          <p:nvPr/>
+        </p:nvCxnSpPr>
+        <p:spPr>
+          <a:xfrm flipH="1">
+            <a:off x="7037201" y="4010903"/>
+            <a:ext cx="2593610" cy="345836"/>
+          </a:xfrm>
+          <a:prstGeom prst="straightConnector1">
+            <a:avLst/>
+          </a:prstGeom>
+          <a:ln>
+            <a:tailEnd type="triangle"/>
+          </a:ln>
+        </p:spPr>
+        <p:style>
+          <a:lnRef idx="1">
+            <a:schemeClr val="accent1"/>
+          </a:lnRef>
+          <a:fillRef idx="0">
+            <a:schemeClr val="accent1"/>
+          </a:fillRef>
+          <a:effectRef idx="0">
+            <a:schemeClr val="accent1"/>
+          </a:effectRef>
+          <a:fontRef idx="minor">
+            <a:schemeClr val="tx1"/>
+          </a:fontRef>
+        </p:style>
+      </p:cxnSp>
+      <p:cxnSp>
+        <p:nvCxnSpPr>
+          <p:cNvPr id="25" name="Straight Arrow Connector 24">
+            <a:extLst>
+              <a:ext uri="{FF2B5EF4-FFF2-40B4-BE49-F238E27FC236}">
+                <a16:creationId xmlns:a16="http://schemas.microsoft.com/office/drawing/2014/main" id="{2BDC1937-3BAB-4D48-9298-F410692C2DB0}"/>
+              </a:ext>
+            </a:extLst>
+          </p:cNvPr>
+          <p:cNvCxnSpPr>
+            <a:cxnSpLocks/>
+          </p:cNvCxnSpPr>
+          <p:nvPr/>
+        </p:nvCxnSpPr>
+        <p:spPr>
+          <a:xfrm flipH="1">
+            <a:off x="7061815" y="4601551"/>
+            <a:ext cx="2593610" cy="345836"/>
+          </a:xfrm>
+          <a:prstGeom prst="straightConnector1">
+            <a:avLst/>
+          </a:prstGeom>
+          <a:ln>
+            <a:tailEnd type="triangle"/>
+          </a:ln>
+        </p:spPr>
+        <p:style>
+          <a:lnRef idx="1">
+            <a:schemeClr val="accent1"/>
+          </a:lnRef>
+          <a:fillRef idx="0">
+            <a:schemeClr val="accent1"/>
+          </a:fillRef>
+          <a:effectRef idx="0">
+            <a:schemeClr val="accent1"/>
+          </a:effectRef>
+          <a:fontRef idx="minor">
+            <a:schemeClr val="tx1"/>
+          </a:fontRef>
+        </p:style>
+      </p:cxnSp>
+      <p:sp>
+        <p:nvSpPr>
+          <p:cNvPr id="26" name="TextBox 25">
+            <a:extLst>
+              <a:ext uri="{FF2B5EF4-FFF2-40B4-BE49-F238E27FC236}">
+                <a16:creationId xmlns:a16="http://schemas.microsoft.com/office/drawing/2014/main" id="{90561B65-7E71-4CA7-B620-DD8E821EC40F}"/>
+              </a:ext>
+            </a:extLst>
+          </p:cNvPr>
+          <p:cNvSpPr txBox="1"/>
+          <p:nvPr/>
+        </p:nvSpPr>
+        <p:spPr>
+          <a:xfrm>
+            <a:off x="9613499" y="4906825"/>
+            <a:ext cx="1362040" cy="369332"/>
+          </a:xfrm>
+          <a:prstGeom prst="rect">
+            <a:avLst/>
+          </a:prstGeom>
+          <a:solidFill>
+            <a:schemeClr val="accent6">
+              <a:lumMod val="20000"/>
+              <a:lumOff val="80000"/>
+            </a:schemeClr>
+          </a:solidFill>
+        </p:spPr>
+        <p:txBody>
+          <a:bodyPr wrap="square" rtlCol="0">
+            <a:spAutoFit/>
+          </a:bodyPr>
+          <a:lstStyle/>
+          <a:p>
+            <a:r>
+              <a:rPr lang="en-US" dirty="0"/>
+              <a:t>Status 3 </a:t>
+            </a:r>
+          </a:p>
+        </p:txBody>
+      </p:sp>
+      <p:cxnSp>
+        <p:nvCxnSpPr>
+          <p:cNvPr id="27" name="Straight Arrow Connector 26">
+            <a:extLst>
+              <a:ext uri="{FF2B5EF4-FFF2-40B4-BE49-F238E27FC236}">
+                <a16:creationId xmlns:a16="http://schemas.microsoft.com/office/drawing/2014/main" id="{97D6DEB3-0A67-4C42-A4FE-ACA4ECF00D25}"/>
+              </a:ext>
+            </a:extLst>
+          </p:cNvPr>
+          <p:cNvCxnSpPr>
+            <a:cxnSpLocks/>
+            <a:stCxn id="26" idx="1"/>
+          </p:cNvCxnSpPr>
+          <p:nvPr/>
+        </p:nvCxnSpPr>
+        <p:spPr>
+          <a:xfrm flipH="1">
+            <a:off x="7196461" y="5091491"/>
+            <a:ext cx="2417038" cy="385652"/>
+          </a:xfrm>
+          <a:prstGeom prst="straightConnector1">
+            <a:avLst/>
+          </a:prstGeom>
+          <a:ln>
+            <a:tailEnd type="triangle"/>
+          </a:ln>
+        </p:spPr>
+        <p:style>
+          <a:lnRef idx="1">
+            <a:schemeClr val="accent1"/>
+          </a:lnRef>
+          <a:fillRef idx="0">
+            <a:schemeClr val="accent1"/>
+          </a:fillRef>
+          <a:effectRef idx="0">
+            <a:schemeClr val="accent1"/>
+          </a:effectRef>
+          <a:fontRef idx="minor">
+            <a:schemeClr val="tx1"/>
+          </a:fontRef>
+        </p:style>
+      </p:cxnSp>
+      <p:sp>
+        <p:nvSpPr>
+          <p:cNvPr id="29" name="TextBox 28">
+            <a:extLst>
+              <a:ext uri="{FF2B5EF4-FFF2-40B4-BE49-F238E27FC236}">
+                <a16:creationId xmlns:a16="http://schemas.microsoft.com/office/drawing/2014/main" id="{17AFE462-662D-4D4A-A0EF-DE381959ACCF}"/>
+              </a:ext>
+            </a:extLst>
+          </p:cNvPr>
+          <p:cNvSpPr txBox="1"/>
+          <p:nvPr/>
+        </p:nvSpPr>
+        <p:spPr>
+          <a:xfrm>
+            <a:off x="9654964" y="5329089"/>
+            <a:ext cx="1362040" cy="369332"/>
+          </a:xfrm>
+          <a:prstGeom prst="rect">
+            <a:avLst/>
+          </a:prstGeom>
+          <a:solidFill>
+            <a:schemeClr val="accent6">
+              <a:lumMod val="20000"/>
+              <a:lumOff val="80000"/>
+            </a:schemeClr>
+          </a:solidFill>
+        </p:spPr>
+        <p:txBody>
+          <a:bodyPr wrap="square" rtlCol="0">
+            <a:spAutoFit/>
+          </a:bodyPr>
+          <a:lstStyle/>
+          <a:p>
+            <a:r>
+              <a:rPr lang="en-US" dirty="0"/>
+              <a:t>Team Evals</a:t>
+            </a:r>
+          </a:p>
+        </p:txBody>
+      </p:sp>
+      <p:cxnSp>
+        <p:nvCxnSpPr>
+          <p:cNvPr id="30" name="Straight Arrow Connector 29">
+            <a:extLst>
+              <a:ext uri="{FF2B5EF4-FFF2-40B4-BE49-F238E27FC236}">
+                <a16:creationId xmlns:a16="http://schemas.microsoft.com/office/drawing/2014/main" id="{85324C7D-60CC-4E77-AF92-BA0E7331D22E}"/>
+              </a:ext>
+            </a:extLst>
+          </p:cNvPr>
+          <p:cNvCxnSpPr>
+            <a:cxnSpLocks/>
+          </p:cNvCxnSpPr>
+          <p:nvPr/>
+        </p:nvCxnSpPr>
+        <p:spPr>
+          <a:xfrm flipH="1">
+            <a:off x="7238056" y="5505595"/>
+            <a:ext cx="2417038" cy="385652"/>
+          </a:xfrm>
+          <a:prstGeom prst="straightConnector1">
+            <a:avLst/>
+          </a:prstGeom>
+          <a:ln>
+            <a:tailEnd type="triangle"/>
+          </a:ln>
+        </p:spPr>
+        <p:style>
+          <a:lnRef idx="1">
+            <a:schemeClr val="accent1"/>
+          </a:lnRef>
+          <a:fillRef idx="0">
+            <a:schemeClr val="accent1"/>
+          </a:fillRef>
+          <a:effectRef idx="0">
+            <a:schemeClr val="accent1"/>
+          </a:effectRef>
+          <a:fontRef idx="minor">
+            <a:schemeClr val="tx1"/>
+          </a:fontRef>
+        </p:style>
+      </p:cxnSp>
+    </p:spTree>
+    <p:extLst>
+      <p:ext uri="{BB962C8B-B14F-4D97-AF65-F5344CB8AC3E}">
+        <p14:creationId xmlns:p14="http://schemas.microsoft.com/office/powerpoint/2010/main" val="2141980905"/>
+      </p:ext>
+    </p:extLst>
+  </p:cSld>
+  <p:clrMapOvr>
+    <a:masterClrMapping/>
+  </p:clrMapOvr>
+</p:sld>
+</file>
+
+<file path=ppt/slides/slide11.xml><?xml version="1.0" encoding="utf-8"?>
+<p:sld xmlns:a="http://schemas.openxmlformats.org/drawingml/2006/main" xmlns:r="http://schemas.openxmlformats.org/officeDocument/2006/relationships" xmlns:p="http://schemas.openxmlformats.org/presentationml/2006/main">
+  <p:cSld>
+    <p:spTree>
+      <p:nvGrpSpPr>
+        <p:cNvPr id="1" name=""/>
+        <p:cNvGrpSpPr/>
+        <p:nvPr/>
+      </p:nvGrpSpPr>
+      <p:grpSpPr>
+        <a:xfrm>
+          <a:off x="0" y="0"/>
+          <a:ext cx="0" cy="0"/>
+          <a:chOff x="0" y="0"/>
+          <a:chExt cx="0" cy="0"/>
+        </a:xfrm>
+      </p:grpSpPr>
+      <p:sp>
+        <p:nvSpPr>
+          <p:cNvPr id="2" name="Title 1">
+            <a:extLst>
+              <a:ext uri="{FF2B5EF4-FFF2-40B4-BE49-F238E27FC236}">
+                <a16:creationId xmlns:a16="http://schemas.microsoft.com/office/drawing/2014/main" id="{1F58AC58-6BEC-4FB9-97AA-9EEF08752DF8}"/>
+              </a:ext>
+            </a:extLst>
+          </p:cNvPr>
+          <p:cNvSpPr>
+            <a:spLocks noGrp="1"/>
+          </p:cNvSpPr>
+          <p:nvPr>
+            <p:ph type="title"/>
+          </p:nvPr>
+        </p:nvSpPr>
+        <p:spPr/>
+        <p:txBody>
+          <a:bodyPr/>
+          <a:lstStyle/>
+          <a:p>
+            <a:r>
+              <a:rPr lang="en-US" dirty="0"/>
+              <a:t>How your grade is determined – 15% In class work, quizzes and course notes</a:t>
+            </a:r>
+          </a:p>
+        </p:txBody>
+      </p:sp>
+      <p:sp>
+        <p:nvSpPr>
+          <p:cNvPr id="3" name="Content Placeholder 2">
+            <a:extLst>
+              <a:ext uri="{FF2B5EF4-FFF2-40B4-BE49-F238E27FC236}">
+                <a16:creationId xmlns:a16="http://schemas.microsoft.com/office/drawing/2014/main" id="{39DF62A9-72A9-4DF6-B15B-F1007D432967}"/>
+              </a:ext>
+            </a:extLst>
+          </p:cNvPr>
+          <p:cNvSpPr>
+            <a:spLocks noGrp="1"/>
+          </p:cNvSpPr>
+          <p:nvPr>
+            <p:ph idx="1"/>
+          </p:nvPr>
+        </p:nvSpPr>
+        <p:spPr>
+          <a:xfrm>
+            <a:off x="838200" y="1825625"/>
+            <a:ext cx="10515600" cy="4351338"/>
+          </a:xfrm>
+        </p:spPr>
+        <p:txBody>
+          <a:bodyPr/>
+          <a:lstStyle/>
+          <a:p>
+            <a:r>
+              <a:rPr lang="en-US" dirty="0"/>
+              <a:t>In class work … small little assignments that help you practice. </a:t>
+            </a:r>
+          </a:p>
+        </p:txBody>
+      </p:sp>
+      <p:pic>
+        <p:nvPicPr>
+          <p:cNvPr id="7" name="Picture 6">
+            <a:extLst>
+              <a:ext uri="{FF2B5EF4-FFF2-40B4-BE49-F238E27FC236}">
+                <a16:creationId xmlns:a16="http://schemas.microsoft.com/office/drawing/2014/main" id="{AE9D3BB2-4CC6-45F6-91CE-46D682DFCE68}"/>
+              </a:ext>
+            </a:extLst>
+          </p:cNvPr>
+          <p:cNvPicPr>
+            <a:picLocks noChangeAspect="1"/>
+          </p:cNvPicPr>
+          <p:nvPr/>
+        </p:nvPicPr>
+        <p:blipFill>
+          <a:blip r:embed="rId2"/>
+          <a:stretch>
+            <a:fillRect/>
+          </a:stretch>
+        </p:blipFill>
+        <p:spPr>
+          <a:xfrm>
+            <a:off x="1550302" y="2571662"/>
+            <a:ext cx="1809750" cy="581025"/>
+          </a:xfrm>
+          <a:prstGeom prst="rect">
+            <a:avLst/>
+          </a:prstGeom>
+        </p:spPr>
+      </p:pic>
+      <p:pic>
+        <p:nvPicPr>
+          <p:cNvPr id="9" name="Picture 8">
+            <a:extLst>
+              <a:ext uri="{FF2B5EF4-FFF2-40B4-BE49-F238E27FC236}">
+                <a16:creationId xmlns:a16="http://schemas.microsoft.com/office/drawing/2014/main" id="{896C167C-BFDA-45F7-9A2F-9FB5A8ADCD95}"/>
+              </a:ext>
+            </a:extLst>
+          </p:cNvPr>
+          <p:cNvPicPr>
+            <a:picLocks noChangeAspect="1"/>
+          </p:cNvPicPr>
+          <p:nvPr/>
+        </p:nvPicPr>
+        <p:blipFill>
+          <a:blip r:embed="rId3"/>
+          <a:stretch>
+            <a:fillRect/>
+          </a:stretch>
+        </p:blipFill>
+        <p:spPr>
+          <a:xfrm>
+            <a:off x="1914787" y="4229996"/>
+            <a:ext cx="4038600" cy="266700"/>
+          </a:xfrm>
+          <a:prstGeom prst="rect">
+            <a:avLst/>
+          </a:prstGeom>
+        </p:spPr>
+      </p:pic>
+      <p:pic>
+        <p:nvPicPr>
+          <p:cNvPr id="11" name="Picture 10">
+            <a:extLst>
+              <a:ext uri="{FF2B5EF4-FFF2-40B4-BE49-F238E27FC236}">
+                <a16:creationId xmlns:a16="http://schemas.microsoft.com/office/drawing/2014/main" id="{AB6E8FDB-0B44-4734-8BA8-92E324F35575}"/>
+              </a:ext>
+            </a:extLst>
+          </p:cNvPr>
+          <p:cNvPicPr>
+            <a:picLocks noChangeAspect="1"/>
+          </p:cNvPicPr>
+          <p:nvPr/>
+        </p:nvPicPr>
+        <p:blipFill>
+          <a:blip r:embed="rId4"/>
+          <a:stretch>
+            <a:fillRect/>
+          </a:stretch>
+        </p:blipFill>
+        <p:spPr>
+          <a:xfrm>
+            <a:off x="3360052" y="4806905"/>
+            <a:ext cx="4305300" cy="304800"/>
+          </a:xfrm>
+          <a:prstGeom prst="rect">
+            <a:avLst/>
+          </a:prstGeom>
+        </p:spPr>
+      </p:pic>
+      <p:pic>
+        <p:nvPicPr>
+          <p:cNvPr id="13" name="Picture 12">
+            <a:extLst>
+              <a:ext uri="{FF2B5EF4-FFF2-40B4-BE49-F238E27FC236}">
+                <a16:creationId xmlns:a16="http://schemas.microsoft.com/office/drawing/2014/main" id="{B218137C-C5D4-4698-A4B1-1EF11B5E4C26}"/>
+              </a:ext>
+            </a:extLst>
+          </p:cNvPr>
+          <p:cNvPicPr>
+            <a:picLocks noChangeAspect="1"/>
+          </p:cNvPicPr>
+          <p:nvPr/>
+        </p:nvPicPr>
+        <p:blipFill>
+          <a:blip r:embed="rId5"/>
+          <a:stretch>
+            <a:fillRect/>
+          </a:stretch>
+        </p:blipFill>
+        <p:spPr>
+          <a:xfrm>
+            <a:off x="2771775" y="3479843"/>
+            <a:ext cx="4819650" cy="361950"/>
+          </a:xfrm>
+          <a:prstGeom prst="rect">
+            <a:avLst/>
+          </a:prstGeom>
+        </p:spPr>
+      </p:pic>
+    </p:spTree>
+    <p:extLst>
+      <p:ext uri="{BB962C8B-B14F-4D97-AF65-F5344CB8AC3E}">
+        <p14:creationId xmlns:p14="http://schemas.microsoft.com/office/powerpoint/2010/main" val="2430208932"/>
+      </p:ext>
+    </p:extLst>
+  </p:cSld>
+  <p:clrMapOvr>
+    <a:masterClrMapping/>
+  </p:clrMapOvr>
+</p:sld>
+</file>
+
+<file path=ppt/slides/slide12.xml><?xml version="1.0" encoding="utf-8"?>
+<p:sld xmlns:a="http://schemas.openxmlformats.org/drawingml/2006/main" xmlns:r="http://schemas.openxmlformats.org/officeDocument/2006/relationships" xmlns:p="http://schemas.openxmlformats.org/presentationml/2006/main">
+  <p:cSld>
+    <p:spTree>
+      <p:nvGrpSpPr>
+        <p:cNvPr id="1" name=""/>
+        <p:cNvGrpSpPr/>
+        <p:nvPr/>
+      </p:nvGrpSpPr>
+      <p:grpSpPr>
+        <a:xfrm>
+          <a:off x="0" y="0"/>
+          <a:ext cx="0" cy="0"/>
+          <a:chOff x="0" y="0"/>
+          <a:chExt cx="0" cy="0"/>
+        </a:xfrm>
+      </p:grpSpPr>
       <p:sp>
         <p:nvSpPr>
           <p:cNvPr id="2" name="Title 1">
@@ -4719,804 +5724,6 @@
 </p:sld>
 </file>
 
-<file path=ppt/slides/slide11.xml><?xml version="1.0" encoding="utf-8"?>
-<p:sld xmlns:a="http://schemas.openxmlformats.org/drawingml/2006/main" xmlns:r="http://schemas.openxmlformats.org/officeDocument/2006/relationships" xmlns:p="http://schemas.openxmlformats.org/presentationml/2006/main">
-  <p:cSld>
-    <p:spTree>
-      <p:nvGrpSpPr>
-        <p:cNvPr id="1" name=""/>
-        <p:cNvGrpSpPr/>
-        <p:nvPr/>
-      </p:nvGrpSpPr>
-      <p:grpSpPr>
-        <a:xfrm>
-          <a:off x="0" y="0"/>
-          <a:ext cx="0" cy="0"/>
-          <a:chOff x="0" y="0"/>
-          <a:chExt cx="0" cy="0"/>
-        </a:xfrm>
-      </p:grpSpPr>
-      <p:sp>
-        <p:nvSpPr>
-          <p:cNvPr id="2" name="Title 1">
-            <a:extLst>
-              <a:ext uri="{FF2B5EF4-FFF2-40B4-BE49-F238E27FC236}">
-                <a16:creationId xmlns:a16="http://schemas.microsoft.com/office/drawing/2014/main" id="{1F58AC58-6BEC-4FB9-97AA-9EEF08752DF8}"/>
-              </a:ext>
-            </a:extLst>
-          </p:cNvPr>
-          <p:cNvSpPr>
-            <a:spLocks noGrp="1"/>
-          </p:cNvSpPr>
-          <p:nvPr>
-            <p:ph type="title"/>
-          </p:nvPr>
-        </p:nvSpPr>
-        <p:spPr/>
-        <p:txBody>
-          <a:bodyPr/>
-          <a:lstStyle/>
-          <a:p>
-            <a:r>
-              <a:rPr lang="en-US" dirty="0"/>
-              <a:t>How your grade is determined – 45% HW/Projects</a:t>
-            </a:r>
-          </a:p>
-        </p:txBody>
-      </p:sp>
-      <p:sp>
-        <p:nvSpPr>
-          <p:cNvPr id="8" name="TextBox 7">
-            <a:extLst>
-              <a:ext uri="{FF2B5EF4-FFF2-40B4-BE49-F238E27FC236}">
-                <a16:creationId xmlns:a16="http://schemas.microsoft.com/office/drawing/2014/main" id="{5F8CA9AA-A08E-42B3-922F-CBCBCD1030A7}"/>
-              </a:ext>
-            </a:extLst>
-          </p:cNvPr>
-          <p:cNvSpPr txBox="1"/>
-          <p:nvPr/>
-        </p:nvSpPr>
-        <p:spPr>
-          <a:xfrm>
-            <a:off x="4005353" y="1612292"/>
-            <a:ext cx="3896067" cy="1200329"/>
-          </a:xfrm>
-          <a:prstGeom prst="rect">
-            <a:avLst/>
-          </a:prstGeom>
-          <a:solidFill>
-            <a:schemeClr val="accent6">
-              <a:lumMod val="20000"/>
-              <a:lumOff val="80000"/>
-            </a:schemeClr>
-          </a:solidFill>
-        </p:spPr>
-        <p:txBody>
-          <a:bodyPr wrap="none" rtlCol="0">
-            <a:spAutoFit/>
-          </a:bodyPr>
-          <a:lstStyle/>
-          <a:p>
-            <a:r>
-              <a:rPr lang="en-US" dirty="0"/>
-              <a:t>HW Early on … will stop around the MT </a:t>
-            </a:r>
-          </a:p>
-          <a:p>
-            <a:endParaRPr lang="en-US" dirty="0"/>
-          </a:p>
-          <a:p>
-            <a:r>
-              <a:rPr lang="en-US" dirty="0"/>
-              <a:t>Project work (more on this later)</a:t>
-            </a:r>
-          </a:p>
-          <a:p>
-            <a:endParaRPr lang="en-US" dirty="0"/>
-          </a:p>
-        </p:txBody>
-      </p:sp>
-      <p:sp>
-        <p:nvSpPr>
-          <p:cNvPr id="12" name="TextBox 11">
-            <a:extLst>
-              <a:ext uri="{FF2B5EF4-FFF2-40B4-BE49-F238E27FC236}">
-                <a16:creationId xmlns:a16="http://schemas.microsoft.com/office/drawing/2014/main" id="{326C7062-28F4-4259-959F-9AC03DD64371}"/>
-              </a:ext>
-            </a:extLst>
-          </p:cNvPr>
-          <p:cNvSpPr txBox="1"/>
-          <p:nvPr/>
-        </p:nvSpPr>
-        <p:spPr>
-          <a:xfrm>
-            <a:off x="2057319" y="3190820"/>
-            <a:ext cx="6777625" cy="1200329"/>
-          </a:xfrm>
-          <a:prstGeom prst="rect">
-            <a:avLst/>
-          </a:prstGeom>
-          <a:solidFill>
-            <a:schemeClr val="accent6">
-              <a:lumMod val="20000"/>
-              <a:lumOff val="80000"/>
-            </a:schemeClr>
-          </a:solidFill>
-        </p:spPr>
-        <p:txBody>
-          <a:bodyPr wrap="none" rtlCol="0">
-            <a:spAutoFit/>
-          </a:bodyPr>
-          <a:lstStyle/>
-          <a:p>
-            <a:r>
-              <a:rPr lang="en-US" dirty="0"/>
-              <a:t>Early on … HW designed to give you practice … There is lots to learn … </a:t>
-            </a:r>
-          </a:p>
-          <a:p>
-            <a:endParaRPr lang="en-US" dirty="0"/>
-          </a:p>
-          <a:p>
-            <a:r>
-              <a:rPr lang="en-US" dirty="0"/>
-              <a:t>Want that the ‘melt’ away and move into project</a:t>
-            </a:r>
-          </a:p>
-          <a:p>
-            <a:endParaRPr lang="en-US" dirty="0"/>
-          </a:p>
-        </p:txBody>
-      </p:sp>
-    </p:spTree>
-    <p:extLst>
-      <p:ext uri="{BB962C8B-B14F-4D97-AF65-F5344CB8AC3E}">
-        <p14:creationId xmlns:p14="http://schemas.microsoft.com/office/powerpoint/2010/main" val="579895478"/>
-      </p:ext>
-    </p:extLst>
-  </p:cSld>
-  <p:clrMapOvr>
-    <a:masterClrMapping/>
-  </p:clrMapOvr>
-</p:sld>
-</file>
-
-<file path=ppt/slides/slide12.xml><?xml version="1.0" encoding="utf-8"?>
-<p:sld xmlns:a="http://schemas.openxmlformats.org/drawingml/2006/main" xmlns:r="http://schemas.openxmlformats.org/officeDocument/2006/relationships" xmlns:p="http://schemas.openxmlformats.org/presentationml/2006/main">
-  <p:cSld>
-    <p:spTree>
-      <p:nvGrpSpPr>
-        <p:cNvPr id="1" name=""/>
-        <p:cNvGrpSpPr/>
-        <p:nvPr/>
-      </p:nvGrpSpPr>
-      <p:grpSpPr>
-        <a:xfrm>
-          <a:off x="0" y="0"/>
-          <a:ext cx="0" cy="0"/>
-          <a:chOff x="0" y="0"/>
-          <a:chExt cx="0" cy="0"/>
-        </a:xfrm>
-      </p:grpSpPr>
-      <p:sp>
-        <p:nvSpPr>
-          <p:cNvPr id="2" name="Title 1">
-            <a:extLst>
-              <a:ext uri="{FF2B5EF4-FFF2-40B4-BE49-F238E27FC236}">
-                <a16:creationId xmlns:a16="http://schemas.microsoft.com/office/drawing/2014/main" id="{0EEE5C68-5578-42AD-A52E-87F19BF290E2}"/>
-              </a:ext>
-            </a:extLst>
-          </p:cNvPr>
-          <p:cNvSpPr>
-            <a:spLocks noGrp="1"/>
-          </p:cNvSpPr>
-          <p:nvPr>
-            <p:ph type="title"/>
-          </p:nvPr>
-        </p:nvSpPr>
-        <p:spPr>
-          <a:xfrm>
-            <a:off x="381001" y="116044"/>
-            <a:ext cx="10515600" cy="1325563"/>
-          </a:xfrm>
-        </p:spPr>
-        <p:txBody>
-          <a:bodyPr/>
-          <a:lstStyle/>
-          <a:p>
-            <a:r>
-              <a:rPr lang="en-US" dirty="0"/>
-              <a:t>My Philosophies  on … </a:t>
-            </a:r>
-          </a:p>
-        </p:txBody>
-      </p:sp>
-      <p:sp>
-        <p:nvSpPr>
-          <p:cNvPr id="4" name="AutoShape 2">
-            <a:extLst>
-              <a:ext uri="{FF2B5EF4-FFF2-40B4-BE49-F238E27FC236}">
-                <a16:creationId xmlns:a16="http://schemas.microsoft.com/office/drawing/2014/main" id="{F38C0335-553E-441E-A6CA-08D9E32FEAC0}"/>
-              </a:ext>
-            </a:extLst>
-          </p:cNvPr>
-          <p:cNvSpPr>
-            <a:spLocks noChangeAspect="1" noChangeArrowheads="1"/>
-          </p:cNvSpPr>
-          <p:nvPr/>
-        </p:nvSpPr>
-        <p:spPr bwMode="auto">
-          <a:xfrm>
-            <a:off x="5943600" y="3276600"/>
-            <a:ext cx="304800" cy="304800"/>
-          </a:xfrm>
-          <a:prstGeom prst="rect">
-            <a:avLst/>
-          </a:prstGeom>
-          <a:noFill/>
-          <a:extLst>
-            <a:ext uri="{909E8E84-426E-40DD-AFC4-6F175D3DCCD1}">
-              <a14:hiddenFill xmlns:a14="http://schemas.microsoft.com/office/drawing/2010/main">
-                <a:solidFill>
-                  <a:srgbClr val="FFFFFF"/>
-                </a:solidFill>
-              </a14:hiddenFill>
-            </a:ext>
-          </a:extLst>
-        </p:spPr>
-        <p:txBody>
-          <a:bodyPr vert="horz" wrap="square" lIns="91440" tIns="45720" rIns="91440" bIns="45720" numCol="1" anchor="t" anchorCtr="0" compatLnSpc="1">
-            <a:prstTxWarp prst="textNoShape">
-              <a:avLst/>
-            </a:prstTxWarp>
-          </a:bodyPr>
-          <a:lstStyle/>
-          <a:p>
-            <a:endParaRPr lang="en-US"/>
-          </a:p>
-        </p:txBody>
-      </p:sp>
-      <p:sp>
-        <p:nvSpPr>
-          <p:cNvPr id="5" name="AutoShape 4" descr="Full size image">
-            <a:extLst>
-              <a:ext uri="{FF2B5EF4-FFF2-40B4-BE49-F238E27FC236}">
-                <a16:creationId xmlns:a16="http://schemas.microsoft.com/office/drawing/2014/main" id="{8AEC6E8B-C2A0-4B46-BC56-6429EB24CAB8}"/>
-              </a:ext>
-            </a:extLst>
-          </p:cNvPr>
-          <p:cNvSpPr>
-            <a:spLocks noChangeAspect="1" noChangeArrowheads="1"/>
-          </p:cNvSpPr>
-          <p:nvPr/>
-        </p:nvSpPr>
-        <p:spPr bwMode="auto">
-          <a:xfrm>
-            <a:off x="6096000" y="3429000"/>
-            <a:ext cx="304800" cy="304800"/>
-          </a:xfrm>
-          <a:prstGeom prst="rect">
-            <a:avLst/>
-          </a:prstGeom>
-          <a:noFill/>
-          <a:extLst>
-            <a:ext uri="{909E8E84-426E-40DD-AFC4-6F175D3DCCD1}">
-              <a14:hiddenFill xmlns:a14="http://schemas.microsoft.com/office/drawing/2010/main">
-                <a:solidFill>
-                  <a:srgbClr val="FFFFFF"/>
-                </a:solidFill>
-              </a14:hiddenFill>
-            </a:ext>
-          </a:extLst>
-        </p:spPr>
-        <p:txBody>
-          <a:bodyPr vert="horz" wrap="square" lIns="91440" tIns="45720" rIns="91440" bIns="45720" numCol="1" anchor="t" anchorCtr="0" compatLnSpc="1">
-            <a:prstTxWarp prst="textNoShape">
-              <a:avLst/>
-            </a:prstTxWarp>
-          </a:bodyPr>
-          <a:lstStyle/>
-          <a:p>
-            <a:endParaRPr lang="en-US"/>
-          </a:p>
-        </p:txBody>
-      </p:sp>
-      <p:sp>
-        <p:nvSpPr>
-          <p:cNvPr id="8" name="AutoShape 6" descr="Full size image">
-            <a:extLst>
-              <a:ext uri="{FF2B5EF4-FFF2-40B4-BE49-F238E27FC236}">
-                <a16:creationId xmlns:a16="http://schemas.microsoft.com/office/drawing/2014/main" id="{28C63CBE-AD67-4DF4-980A-D95CB7ED1799}"/>
-              </a:ext>
-            </a:extLst>
-          </p:cNvPr>
-          <p:cNvSpPr>
-            <a:spLocks noChangeAspect="1" noChangeArrowheads="1"/>
-          </p:cNvSpPr>
-          <p:nvPr/>
-        </p:nvSpPr>
-        <p:spPr bwMode="auto">
-          <a:xfrm>
-            <a:off x="6248400" y="3581400"/>
-            <a:ext cx="304800" cy="304800"/>
-          </a:xfrm>
-          <a:prstGeom prst="rect">
-            <a:avLst/>
-          </a:prstGeom>
-          <a:noFill/>
-          <a:extLst>
-            <a:ext uri="{909E8E84-426E-40DD-AFC4-6F175D3DCCD1}">
-              <a14:hiddenFill xmlns:a14="http://schemas.microsoft.com/office/drawing/2010/main">
-                <a:solidFill>
-                  <a:srgbClr val="FFFFFF"/>
-                </a:solidFill>
-              </a14:hiddenFill>
-            </a:ext>
-          </a:extLst>
-        </p:spPr>
-        <p:txBody>
-          <a:bodyPr vert="horz" wrap="square" lIns="91440" tIns="45720" rIns="91440" bIns="45720" numCol="1" anchor="t" anchorCtr="0" compatLnSpc="1">
-            <a:prstTxWarp prst="textNoShape">
-              <a:avLst/>
-            </a:prstTxWarp>
-          </a:bodyPr>
-          <a:lstStyle/>
-          <a:p>
-            <a:endParaRPr lang="en-US"/>
-          </a:p>
-        </p:txBody>
-      </p:sp>
-      <p:sp>
-        <p:nvSpPr>
-          <p:cNvPr id="13" name="TextBox 12">
-            <a:extLst>
-              <a:ext uri="{FF2B5EF4-FFF2-40B4-BE49-F238E27FC236}">
-                <a16:creationId xmlns:a16="http://schemas.microsoft.com/office/drawing/2014/main" id="{9F63925E-D71A-463C-97E6-E4E358FDD6D1}"/>
-              </a:ext>
-            </a:extLst>
-          </p:cNvPr>
-          <p:cNvSpPr txBox="1"/>
-          <p:nvPr/>
-        </p:nvSpPr>
-        <p:spPr>
-          <a:xfrm>
-            <a:off x="6248400" y="499053"/>
-            <a:ext cx="4239879" cy="523220"/>
-          </a:xfrm>
-          <a:prstGeom prst="rect">
-            <a:avLst/>
-          </a:prstGeom>
-          <a:noFill/>
-        </p:spPr>
-        <p:txBody>
-          <a:bodyPr wrap="none" rtlCol="0">
-            <a:spAutoFit/>
-          </a:bodyPr>
-          <a:lstStyle/>
-          <a:p>
-            <a:r>
-              <a:rPr lang="en-US" sz="2800" dirty="0"/>
-              <a:t>Learning … growth mindset </a:t>
-            </a:r>
-          </a:p>
-        </p:txBody>
-      </p:sp>
-      <p:sp>
-        <p:nvSpPr>
-          <p:cNvPr id="15" name="TextBox 14">
-            <a:extLst>
-              <a:ext uri="{FF2B5EF4-FFF2-40B4-BE49-F238E27FC236}">
-                <a16:creationId xmlns:a16="http://schemas.microsoft.com/office/drawing/2014/main" id="{CC9807FF-5A93-4749-9272-29BFB73A2868}"/>
-              </a:ext>
-            </a:extLst>
-          </p:cNvPr>
-          <p:cNvSpPr txBox="1"/>
-          <p:nvPr/>
-        </p:nvSpPr>
-        <p:spPr>
-          <a:xfrm>
-            <a:off x="260596" y="1441608"/>
-            <a:ext cx="6094520" cy="1477328"/>
-          </a:xfrm>
-          <a:prstGeom prst="rect">
-            <a:avLst/>
-          </a:prstGeom>
-          <a:solidFill>
-            <a:srgbClr val="FFFF00"/>
-          </a:solidFill>
-        </p:spPr>
-        <p:txBody>
-          <a:bodyPr wrap="square">
-            <a:spAutoFit/>
-          </a:bodyPr>
-          <a:lstStyle/>
-          <a:p>
-            <a:r>
-              <a:rPr lang="en-US" b="1" i="0" dirty="0">
-                <a:solidFill>
-                  <a:srgbClr val="202124"/>
-                </a:solidFill>
-                <a:effectLst/>
-                <a:latin typeface="Roboto"/>
-              </a:rPr>
-              <a:t>fixed mindset</a:t>
-            </a:r>
-            <a:r>
-              <a:rPr lang="en-US" dirty="0">
-                <a:solidFill>
-                  <a:srgbClr val="202124"/>
-                </a:solidFill>
-                <a:latin typeface="Roboto"/>
-              </a:rPr>
-              <a:t> -&gt; </a:t>
-            </a:r>
-            <a:r>
-              <a:rPr lang="en-US" b="0" i="0" dirty="0">
-                <a:solidFill>
-                  <a:srgbClr val="202124"/>
-                </a:solidFill>
-                <a:effectLst/>
-                <a:latin typeface="Roboto"/>
-              </a:rPr>
-              <a:t>believe that their basic abilities, intelligence, and talents are </a:t>
-            </a:r>
-            <a:r>
-              <a:rPr lang="en-US" b="1" i="0" dirty="0">
-                <a:solidFill>
-                  <a:srgbClr val="202124"/>
-                </a:solidFill>
-                <a:effectLst/>
-                <a:latin typeface="Roboto"/>
-              </a:rPr>
-              <a:t>fixed</a:t>
-            </a:r>
-            <a:r>
-              <a:rPr lang="en-US" b="0" i="0" dirty="0">
-                <a:solidFill>
-                  <a:srgbClr val="202124"/>
-                </a:solidFill>
-                <a:effectLst/>
-                <a:latin typeface="Roboto"/>
-              </a:rPr>
-              <a:t> traits. ...</a:t>
-            </a:r>
-          </a:p>
-          <a:p>
-            <a:endParaRPr lang="en-US" dirty="0">
-              <a:solidFill>
-                <a:srgbClr val="202124"/>
-              </a:solidFill>
-              <a:latin typeface="Roboto"/>
-            </a:endParaRPr>
-          </a:p>
-          <a:p>
-            <a:endParaRPr lang="en-US" dirty="0">
-              <a:solidFill>
-                <a:srgbClr val="202124"/>
-              </a:solidFill>
-              <a:latin typeface="Roboto"/>
-            </a:endParaRPr>
-          </a:p>
-          <a:p>
-            <a:r>
-              <a:rPr lang="en-US" b="0" i="0" dirty="0">
-                <a:solidFill>
-                  <a:srgbClr val="202124"/>
-                </a:solidFill>
-                <a:effectLst/>
-                <a:latin typeface="Roboto"/>
-              </a:rPr>
-              <a:t> .</a:t>
-            </a:r>
-            <a:endParaRPr lang="en-US" dirty="0"/>
-          </a:p>
-        </p:txBody>
-      </p:sp>
-      <p:sp>
-        <p:nvSpPr>
-          <p:cNvPr id="17" name="TextBox 16">
-            <a:extLst>
-              <a:ext uri="{FF2B5EF4-FFF2-40B4-BE49-F238E27FC236}">
-                <a16:creationId xmlns:a16="http://schemas.microsoft.com/office/drawing/2014/main" id="{91D6E196-011D-449D-B9EF-B6DA65D15F63}"/>
-              </a:ext>
-            </a:extLst>
-          </p:cNvPr>
-          <p:cNvSpPr txBox="1"/>
-          <p:nvPr/>
-        </p:nvSpPr>
-        <p:spPr>
-          <a:xfrm>
-            <a:off x="528221" y="3886200"/>
-            <a:ext cx="6134470" cy="646331"/>
-          </a:xfrm>
-          <a:prstGeom prst="rect">
-            <a:avLst/>
-          </a:prstGeom>
-          <a:solidFill>
-            <a:schemeClr val="accent3">
-              <a:lumMod val="20000"/>
-              <a:lumOff val="80000"/>
-            </a:schemeClr>
-          </a:solidFill>
-        </p:spPr>
-        <p:txBody>
-          <a:bodyPr wrap="square">
-            <a:spAutoFit/>
-          </a:bodyPr>
-          <a:lstStyle/>
-          <a:p>
-            <a:r>
-              <a:rPr lang="en-US" dirty="0"/>
-              <a:t>https://www.developgoodhabits.com/growth-mindset-examples/</a:t>
-            </a:r>
-          </a:p>
-        </p:txBody>
-      </p:sp>
-      <p:sp>
-        <p:nvSpPr>
-          <p:cNvPr id="19" name="TextBox 18">
-            <a:extLst>
-              <a:ext uri="{FF2B5EF4-FFF2-40B4-BE49-F238E27FC236}">
-                <a16:creationId xmlns:a16="http://schemas.microsoft.com/office/drawing/2014/main" id="{EDBAFF63-7A9A-44CE-B2C2-B6FA33B9F6C8}"/>
-              </a:ext>
-            </a:extLst>
-          </p:cNvPr>
-          <p:cNvSpPr txBox="1"/>
-          <p:nvPr/>
-        </p:nvSpPr>
-        <p:spPr>
-          <a:xfrm>
-            <a:off x="528221" y="4800680"/>
-            <a:ext cx="6134470" cy="1754326"/>
-          </a:xfrm>
-          <a:prstGeom prst="rect">
-            <a:avLst/>
-          </a:prstGeom>
-          <a:solidFill>
-            <a:schemeClr val="accent3">
-              <a:lumMod val="20000"/>
-              <a:lumOff val="80000"/>
-            </a:schemeClr>
-          </a:solidFill>
-        </p:spPr>
-        <p:txBody>
-          <a:bodyPr wrap="square">
-            <a:spAutoFit/>
-          </a:bodyPr>
-          <a:lstStyle/>
-          <a:p>
-            <a:pPr algn="l"/>
-            <a:r>
-              <a:rPr lang="en-US" b="1" i="0" dirty="0">
-                <a:solidFill>
-                  <a:srgbClr val="5171A5"/>
-                </a:solidFill>
-                <a:effectLst/>
-                <a:latin typeface="PT Serif"/>
-              </a:rPr>
-              <a:t>“It’s never too late to learn.”</a:t>
-            </a:r>
-          </a:p>
-          <a:p>
-            <a:r>
-              <a:rPr lang="en-US" b="1" i="0" dirty="0">
-                <a:solidFill>
-                  <a:srgbClr val="5171A5"/>
-                </a:solidFill>
-                <a:effectLst/>
-                <a:latin typeface="PT Serif"/>
-              </a:rPr>
-              <a:t>“I can always improve at something if I try.”</a:t>
-            </a:r>
-          </a:p>
-          <a:p>
-            <a:r>
-              <a:rPr lang="en-US" b="1" i="0" dirty="0">
-                <a:solidFill>
-                  <a:srgbClr val="5171A5"/>
-                </a:solidFill>
-                <a:effectLst/>
-                <a:latin typeface="PT Serif"/>
-              </a:rPr>
-              <a:t>“As long as I have determination, I can do anything.”</a:t>
-            </a:r>
-          </a:p>
-          <a:p>
-            <a:r>
-              <a:rPr lang="en-US" b="1" dirty="0">
-                <a:solidFill>
-                  <a:srgbClr val="5171A5"/>
-                </a:solidFill>
-                <a:latin typeface="PT Serif"/>
-              </a:rPr>
-              <a:t>“If I am struggling it means I am learning”</a:t>
-            </a:r>
-            <a:endParaRPr lang="en-US" b="1" i="0" dirty="0">
-              <a:solidFill>
-                <a:srgbClr val="5171A5"/>
-              </a:solidFill>
-              <a:effectLst/>
-              <a:latin typeface="PT Serif"/>
-            </a:endParaRPr>
-          </a:p>
-          <a:p>
-            <a:endParaRPr lang="en-US" b="1" i="0" dirty="0">
-              <a:solidFill>
-                <a:srgbClr val="5171A5"/>
-              </a:solidFill>
-              <a:effectLst/>
-              <a:latin typeface="PT Serif"/>
-            </a:endParaRPr>
-          </a:p>
-          <a:p>
-            <a:pPr algn="l"/>
-            <a:endParaRPr lang="en-US" b="1" i="0" dirty="0">
-              <a:solidFill>
-                <a:srgbClr val="5171A5"/>
-              </a:solidFill>
-              <a:effectLst/>
-              <a:latin typeface="PT Serif"/>
-            </a:endParaRPr>
-          </a:p>
-        </p:txBody>
-      </p:sp>
-      <p:sp>
-        <p:nvSpPr>
-          <p:cNvPr id="21" name="TextBox 20">
-            <a:extLst>
-              <a:ext uri="{FF2B5EF4-FFF2-40B4-BE49-F238E27FC236}">
-                <a16:creationId xmlns:a16="http://schemas.microsoft.com/office/drawing/2014/main" id="{93C02CE3-B432-49B1-AA15-603383D2EFEA}"/>
-              </a:ext>
-            </a:extLst>
-          </p:cNvPr>
-          <p:cNvSpPr txBox="1"/>
-          <p:nvPr/>
-        </p:nvSpPr>
-        <p:spPr>
-          <a:xfrm>
-            <a:off x="260596" y="2092169"/>
-            <a:ext cx="6082869" cy="923330"/>
-          </a:xfrm>
-          <a:prstGeom prst="rect">
-            <a:avLst/>
-          </a:prstGeom>
-          <a:noFill/>
-        </p:spPr>
-        <p:txBody>
-          <a:bodyPr wrap="square">
-            <a:spAutoFit/>
-          </a:bodyPr>
-          <a:lstStyle/>
-          <a:p>
-            <a:r>
-              <a:rPr lang="en-US" b="0" i="0" dirty="0">
-                <a:solidFill>
-                  <a:srgbClr val="2A2A2A"/>
-                </a:solidFill>
-                <a:effectLst/>
-                <a:latin typeface="lora"/>
-              </a:rPr>
-              <a:t> If someone believes intelligence and abilities are immutable traits, they are not likely to put in much effort to change their inherent intelligence and abilities.</a:t>
-            </a:r>
-            <a:endParaRPr lang="en-US" dirty="0"/>
-          </a:p>
-        </p:txBody>
-      </p:sp>
-      <p:sp>
-        <p:nvSpPr>
-          <p:cNvPr id="23" name="TextBox 22">
-            <a:extLst>
-              <a:ext uri="{FF2B5EF4-FFF2-40B4-BE49-F238E27FC236}">
-                <a16:creationId xmlns:a16="http://schemas.microsoft.com/office/drawing/2014/main" id="{468BE7C0-8E16-4235-8834-D4CC097F99B5}"/>
-              </a:ext>
-            </a:extLst>
-          </p:cNvPr>
-          <p:cNvSpPr txBox="1"/>
-          <p:nvPr/>
-        </p:nvSpPr>
-        <p:spPr>
-          <a:xfrm>
-            <a:off x="208995" y="3115505"/>
-            <a:ext cx="6134470" cy="646331"/>
-          </a:xfrm>
-          <a:prstGeom prst="rect">
-            <a:avLst/>
-          </a:prstGeom>
-          <a:solidFill>
-            <a:schemeClr val="accent3">
-              <a:lumMod val="20000"/>
-              <a:lumOff val="80000"/>
-            </a:schemeClr>
-          </a:solidFill>
-        </p:spPr>
-        <p:txBody>
-          <a:bodyPr wrap="square">
-            <a:spAutoFit/>
-          </a:bodyPr>
-          <a:lstStyle/>
-          <a:p>
-            <a:r>
-              <a:rPr lang="en-US" b="1" i="0" dirty="0">
-                <a:solidFill>
-                  <a:srgbClr val="202124"/>
-                </a:solidFill>
-                <a:effectLst/>
-                <a:latin typeface="Roboto"/>
-              </a:rPr>
-              <a:t>growth mindset</a:t>
-            </a:r>
-            <a:r>
-              <a:rPr lang="en-US" dirty="0">
-                <a:solidFill>
-                  <a:srgbClr val="202124"/>
-                </a:solidFill>
-                <a:latin typeface="Roboto"/>
-              </a:rPr>
-              <a:t> =&gt; </a:t>
-            </a:r>
-            <a:r>
-              <a:rPr lang="en-US" b="0" i="0" dirty="0">
-                <a:solidFill>
-                  <a:srgbClr val="202124"/>
-                </a:solidFill>
-                <a:effectLst/>
-                <a:latin typeface="Roboto"/>
-              </a:rPr>
-              <a:t>believe their abilities and intelligence can be developed with effort, learning, and persistence</a:t>
-            </a:r>
-            <a:endParaRPr lang="en-US" dirty="0"/>
-          </a:p>
-        </p:txBody>
-      </p:sp>
-      <p:pic>
-        <p:nvPicPr>
-          <p:cNvPr id="10" name="Picture 9">
-            <a:extLst>
-              <a:ext uri="{FF2B5EF4-FFF2-40B4-BE49-F238E27FC236}">
-                <a16:creationId xmlns:a16="http://schemas.microsoft.com/office/drawing/2014/main" id="{23830B2B-6F6E-4E95-B85D-BC8EFBCACB50}"/>
-              </a:ext>
-            </a:extLst>
-          </p:cNvPr>
-          <p:cNvPicPr>
-            <a:picLocks noChangeAspect="1"/>
-          </p:cNvPicPr>
-          <p:nvPr/>
-        </p:nvPicPr>
-        <p:blipFill>
-          <a:blip r:embed="rId2">
-            <a:extLst>
-              <a:ext uri="{28A0092B-C50C-407E-A947-70E740481C1C}">
-                <a14:useLocalDpi xmlns:a14="http://schemas.microsoft.com/office/drawing/2010/main" val="0"/>
-              </a:ext>
-            </a:extLst>
-          </a:blip>
-          <a:stretch>
-            <a:fillRect/>
-          </a:stretch>
-        </p:blipFill>
-        <p:spPr>
-          <a:xfrm rot="16200000">
-            <a:off x="7572569" y="1204008"/>
-            <a:ext cx="3337487" cy="4449983"/>
-          </a:xfrm>
-          <a:prstGeom prst="rect">
-            <a:avLst/>
-          </a:prstGeom>
-        </p:spPr>
-      </p:pic>
-    </p:spTree>
-    <p:extLst>
-      <p:ext uri="{BB962C8B-B14F-4D97-AF65-F5344CB8AC3E}">
-        <p14:creationId xmlns:p14="http://schemas.microsoft.com/office/powerpoint/2010/main" val="910537273"/>
-      </p:ext>
-    </p:extLst>
-  </p:cSld>
-  <p:clrMapOvr>
-    <a:masterClrMapping/>
-  </p:clrMapOvr>
-</p:sld>
-</file>
-
 <file path=ppt/slides/slide13.xml><?xml version="1.0" encoding="utf-8"?>
 <p:sld xmlns:a="http://schemas.openxmlformats.org/drawingml/2006/main" xmlns:r="http://schemas.openxmlformats.org/officeDocument/2006/relationships" xmlns:p="http://schemas.openxmlformats.org/presentationml/2006/main">
   <p:cSld>
@@ -5539,7 +5746,7 @@
           <p:cNvPr id="2" name="Title 1">
             <a:extLst>
               <a:ext uri="{FF2B5EF4-FFF2-40B4-BE49-F238E27FC236}">
-                <a16:creationId xmlns:a16="http://schemas.microsoft.com/office/drawing/2014/main" id="{0EEE5C68-5578-42AD-A52E-87F19BF290E2}"/>
+                <a16:creationId xmlns:a16="http://schemas.microsoft.com/office/drawing/2014/main" id="{1F58AC58-6BEC-4FB9-97AA-9EEF08752DF8}"/>
               </a:ext>
             </a:extLst>
           </p:cNvPr>
@@ -5550,164 +5757,24 @@
             <p:ph type="title"/>
           </p:nvPr>
         </p:nvSpPr>
-        <p:spPr>
-          <a:xfrm>
-            <a:off x="345828" y="-22281"/>
-            <a:ext cx="10515600" cy="1325563"/>
-          </a:xfrm>
-        </p:spPr>
+        <p:spPr/>
         <p:txBody>
           <a:bodyPr/>
           <a:lstStyle/>
           <a:p>
             <a:r>
               <a:rPr lang="en-US" dirty="0"/>
-              <a:t>My Philosophies on … </a:t>
-            </a:r>
-          </a:p>
-        </p:txBody>
-      </p:sp>
-      <p:sp>
-        <p:nvSpPr>
-          <p:cNvPr id="4" name="AutoShape 2">
+              <a:t>How your grade is determined – 45% HW/Projects</a:t>
+            </a:r>
+          </a:p>
+        </p:txBody>
+      </p:sp>
+      <p:sp>
+        <p:nvSpPr>
+          <p:cNvPr id="8" name="TextBox 7">
             <a:extLst>
               <a:ext uri="{FF2B5EF4-FFF2-40B4-BE49-F238E27FC236}">
-                <a16:creationId xmlns:a16="http://schemas.microsoft.com/office/drawing/2014/main" id="{F38C0335-553E-441E-A6CA-08D9E32FEAC0}"/>
-              </a:ext>
-            </a:extLst>
-          </p:cNvPr>
-          <p:cNvSpPr>
-            <a:spLocks noChangeAspect="1" noChangeArrowheads="1"/>
-          </p:cNvSpPr>
-          <p:nvPr/>
-        </p:nvSpPr>
-        <p:spPr bwMode="auto">
-          <a:xfrm>
-            <a:off x="5943600" y="3276600"/>
-            <a:ext cx="304800" cy="304800"/>
-          </a:xfrm>
-          <a:prstGeom prst="rect">
-            <a:avLst/>
-          </a:prstGeom>
-          <a:noFill/>
-          <a:extLst>
-            <a:ext uri="{909E8E84-426E-40DD-AFC4-6F175D3DCCD1}">
-              <a14:hiddenFill xmlns:a14="http://schemas.microsoft.com/office/drawing/2010/main">
-                <a:solidFill>
-                  <a:srgbClr val="FFFFFF"/>
-                </a:solidFill>
-              </a14:hiddenFill>
-            </a:ext>
-          </a:extLst>
-        </p:spPr>
-        <p:txBody>
-          <a:bodyPr vert="horz" wrap="square" lIns="91440" tIns="45720" rIns="91440" bIns="45720" numCol="1" anchor="t" anchorCtr="0" compatLnSpc="1">
-            <a:prstTxWarp prst="textNoShape">
-              <a:avLst/>
-            </a:prstTxWarp>
-          </a:bodyPr>
-          <a:lstStyle/>
-          <a:p>
-            <a:endParaRPr lang="en-US"/>
-          </a:p>
-        </p:txBody>
-      </p:sp>
-      <p:sp>
-        <p:nvSpPr>
-          <p:cNvPr id="5" name="AutoShape 4" descr="Full size image">
-            <a:extLst>
-              <a:ext uri="{FF2B5EF4-FFF2-40B4-BE49-F238E27FC236}">
-                <a16:creationId xmlns:a16="http://schemas.microsoft.com/office/drawing/2014/main" id="{8AEC6E8B-C2A0-4B46-BC56-6429EB24CAB8}"/>
-              </a:ext>
-            </a:extLst>
-          </p:cNvPr>
-          <p:cNvSpPr>
-            <a:spLocks noChangeAspect="1" noChangeArrowheads="1"/>
-          </p:cNvSpPr>
-          <p:nvPr/>
-        </p:nvSpPr>
-        <p:spPr bwMode="auto">
-          <a:xfrm>
-            <a:off x="6096000" y="3429000"/>
-            <a:ext cx="304800" cy="304800"/>
-          </a:xfrm>
-          <a:prstGeom prst="rect">
-            <a:avLst/>
-          </a:prstGeom>
-          <a:noFill/>
-          <a:extLst>
-            <a:ext uri="{909E8E84-426E-40DD-AFC4-6F175D3DCCD1}">
-              <a14:hiddenFill xmlns:a14="http://schemas.microsoft.com/office/drawing/2010/main">
-                <a:solidFill>
-                  <a:srgbClr val="FFFFFF"/>
-                </a:solidFill>
-              </a14:hiddenFill>
-            </a:ext>
-          </a:extLst>
-        </p:spPr>
-        <p:txBody>
-          <a:bodyPr vert="horz" wrap="square" lIns="91440" tIns="45720" rIns="91440" bIns="45720" numCol="1" anchor="t" anchorCtr="0" compatLnSpc="1">
-            <a:prstTxWarp prst="textNoShape">
-              <a:avLst/>
-            </a:prstTxWarp>
-          </a:bodyPr>
-          <a:lstStyle/>
-          <a:p>
-            <a:endParaRPr lang="en-US"/>
-          </a:p>
-        </p:txBody>
-      </p:sp>
-      <p:sp>
-        <p:nvSpPr>
-          <p:cNvPr id="8" name="AutoShape 6" descr="Full size image">
-            <a:extLst>
-              <a:ext uri="{FF2B5EF4-FFF2-40B4-BE49-F238E27FC236}">
-                <a16:creationId xmlns:a16="http://schemas.microsoft.com/office/drawing/2014/main" id="{28C63CBE-AD67-4DF4-980A-D95CB7ED1799}"/>
-              </a:ext>
-            </a:extLst>
-          </p:cNvPr>
-          <p:cNvSpPr>
-            <a:spLocks noChangeAspect="1" noChangeArrowheads="1"/>
-          </p:cNvSpPr>
-          <p:nvPr/>
-        </p:nvSpPr>
-        <p:spPr bwMode="auto">
-          <a:xfrm>
-            <a:off x="6248400" y="3581400"/>
-            <a:ext cx="304800" cy="304800"/>
-          </a:xfrm>
-          <a:prstGeom prst="rect">
-            <a:avLst/>
-          </a:prstGeom>
-          <a:noFill/>
-          <a:extLst>
-            <a:ext uri="{909E8E84-426E-40DD-AFC4-6F175D3DCCD1}">
-              <a14:hiddenFill xmlns:a14="http://schemas.microsoft.com/office/drawing/2010/main">
-                <a:solidFill>
-                  <a:srgbClr val="FFFFFF"/>
-                </a:solidFill>
-              </a14:hiddenFill>
-            </a:ext>
-          </a:extLst>
-        </p:spPr>
-        <p:txBody>
-          <a:bodyPr vert="horz" wrap="square" lIns="91440" tIns="45720" rIns="91440" bIns="45720" numCol="1" anchor="t" anchorCtr="0" compatLnSpc="1">
-            <a:prstTxWarp prst="textNoShape">
-              <a:avLst/>
-            </a:prstTxWarp>
-          </a:bodyPr>
-          <a:lstStyle/>
-          <a:p>
-            <a:endParaRPr lang="en-US"/>
-          </a:p>
-        </p:txBody>
-      </p:sp>
-      <p:sp>
-        <p:nvSpPr>
-          <p:cNvPr id="3" name="TextBox 2">
-            <a:extLst>
-              <a:ext uri="{FF2B5EF4-FFF2-40B4-BE49-F238E27FC236}">
-                <a16:creationId xmlns:a16="http://schemas.microsoft.com/office/drawing/2014/main" id="{9672309E-7832-43A2-A0C9-6CD304C8EE5C}"/>
+                <a16:creationId xmlns:a16="http://schemas.microsoft.com/office/drawing/2014/main" id="{5F8CA9AA-A08E-42B3-922F-CBCBCD1030A7}"/>
               </a:ext>
             </a:extLst>
           </p:cNvPr>
@@ -5716,8 +5783,8 @@
         </p:nvSpPr>
         <p:spPr>
           <a:xfrm>
-            <a:off x="209501" y="1096385"/>
-            <a:ext cx="5346101" cy="2585323"/>
+            <a:off x="4005353" y="1612292"/>
+            <a:ext cx="3896067" cy="1200329"/>
           </a:xfrm>
           <a:prstGeom prst="rect">
             <a:avLst/>
@@ -5730,14 +5797,14 @@
           </a:solidFill>
         </p:spPr>
         <p:txBody>
-          <a:bodyPr wrap="square" rtlCol="0">
+          <a:bodyPr wrap="none" rtlCol="0">
             <a:spAutoFit/>
           </a:bodyPr>
           <a:lstStyle/>
           <a:p>
             <a:r>
-              <a:rPr lang="en-US" b="1" dirty="0"/>
-              <a:t>The Learning Process</a:t>
+              <a:rPr lang="en-US" dirty="0"/>
+              <a:t>HW Early on … will stop around the MT </a:t>
             </a:r>
           </a:p>
           <a:p>
@@ -5746,50 +5813,20 @@
           <a:p>
             <a:r>
               <a:rPr lang="en-US" dirty="0"/>
-              <a:t>In the field</a:t>
+              <a:t>Project work (more on this later)</a:t>
             </a:r>
           </a:p>
           <a:p>
             <a:endParaRPr lang="en-US" dirty="0"/>
           </a:p>
-          <a:p>
-            <a:r>
-              <a:rPr lang="en-US" dirty="0"/>
-              <a:t>1. Watch tutorial and code-a-long</a:t>
-            </a:r>
-          </a:p>
-          <a:p>
-            <a:r>
-              <a:rPr lang="en-US" dirty="0"/>
-              <a:t>	(get it working)</a:t>
-            </a:r>
-          </a:p>
-          <a:p>
-            <a:r>
-              <a:rPr lang="en-US" dirty="0"/>
-              <a:t>2. Recreate with a twist</a:t>
-            </a:r>
-          </a:p>
-          <a:p>
-            <a:r>
-              <a:rPr lang="en-US" dirty="0"/>
-              <a:t>3. Study the example … Repeat steps 1,2 if needed …</a:t>
-            </a:r>
-          </a:p>
-          <a:p>
-            <a:r>
-              <a:rPr lang="en-US" dirty="0"/>
-              <a:t>4. Apply to a big project</a:t>
-            </a:r>
-          </a:p>
-        </p:txBody>
-      </p:sp>
-      <p:sp>
-        <p:nvSpPr>
-          <p:cNvPr id="9" name="TextBox 8">
+        </p:txBody>
+      </p:sp>
+      <p:sp>
+        <p:nvSpPr>
+          <p:cNvPr id="12" name="TextBox 11">
             <a:extLst>
               <a:ext uri="{FF2B5EF4-FFF2-40B4-BE49-F238E27FC236}">
-                <a16:creationId xmlns:a16="http://schemas.microsoft.com/office/drawing/2014/main" id="{DC012802-081C-4132-99FB-AF68CAEFF2BA}"/>
+                <a16:creationId xmlns:a16="http://schemas.microsoft.com/office/drawing/2014/main" id="{326C7062-28F4-4259-959F-9AC03DD64371}"/>
               </a:ext>
             </a:extLst>
           </p:cNvPr>
@@ -5798,8 +5835,8 @@
         </p:nvSpPr>
         <p:spPr>
           <a:xfrm>
-            <a:off x="688598" y="4159827"/>
-            <a:ext cx="3892280" cy="2031325"/>
+            <a:off x="2057319" y="3190820"/>
+            <a:ext cx="6777625" cy="1200329"/>
           </a:xfrm>
           <a:prstGeom prst="rect">
             <a:avLst/>
@@ -5812,115 +5849,34 @@
           </a:solidFill>
         </p:spPr>
         <p:txBody>
-          <a:bodyPr wrap="square" rtlCol="0">
+          <a:bodyPr wrap="none" rtlCol="0">
             <a:spAutoFit/>
           </a:bodyPr>
           <a:lstStyle/>
           <a:p>
             <a:r>
-              <a:rPr lang="en-US" b="1" dirty="0"/>
-              <a:t>As a student </a:t>
-            </a:r>
+              <a:rPr lang="en-US" dirty="0"/>
+              <a:t>Early on … HW designed to give you practice … There is lots to learn … </a:t>
+            </a:r>
+          </a:p>
+          <a:p>
             <a:endParaRPr lang="en-US" dirty="0"/>
           </a:p>
           <a:p>
+            <a:r>
+              <a:rPr lang="en-US" dirty="0"/>
+              <a:t>Want that the ‘melt’ away and move into project</a:t>
+            </a:r>
+          </a:p>
+          <a:p>
             <a:endParaRPr lang="en-US" dirty="0"/>
           </a:p>
-          <a:p>
-            <a:r>
-              <a:rPr lang="en-US" dirty="0"/>
-              <a:t>Notes matter … in your own words</a:t>
-            </a:r>
-          </a:p>
-          <a:p>
-            <a:endParaRPr lang="en-US" dirty="0"/>
-          </a:p>
-          <a:p>
-            <a:r>
-              <a:rPr lang="en-US" dirty="0"/>
-              <a:t>Practice matters</a:t>
-            </a:r>
-          </a:p>
-          <a:p>
-            <a:endParaRPr lang="en-US" dirty="0"/>
-          </a:p>
-          <a:p>
-            <a:r>
-              <a:rPr lang="en-US" dirty="0"/>
-              <a:t>Use material ASAP </a:t>
-            </a:r>
-          </a:p>
-        </p:txBody>
-      </p:sp>
-      <p:sp>
-        <p:nvSpPr>
-          <p:cNvPr id="11" name="TextBox 10">
-            <a:extLst>
-              <a:ext uri="{FF2B5EF4-FFF2-40B4-BE49-F238E27FC236}">
-                <a16:creationId xmlns:a16="http://schemas.microsoft.com/office/drawing/2014/main" id="{29E858DE-467D-4F23-B4FB-416748E14FE0}"/>
-              </a:ext>
-            </a:extLst>
-          </p:cNvPr>
-          <p:cNvSpPr txBox="1"/>
-          <p:nvPr/>
-        </p:nvSpPr>
-        <p:spPr>
-          <a:xfrm>
-            <a:off x="5893292" y="456909"/>
-            <a:ext cx="4072631" cy="400110"/>
-          </a:xfrm>
-          <a:prstGeom prst="rect">
-            <a:avLst/>
-          </a:prstGeom>
-          <a:noFill/>
-        </p:spPr>
-        <p:txBody>
-          <a:bodyPr wrap="square">
-            <a:spAutoFit/>
-          </a:bodyPr>
-          <a:lstStyle/>
-          <a:p>
-            <a:r>
-              <a:rPr lang="en-US" sz="2000" b="1" dirty="0"/>
-              <a:t>The Learning Process</a:t>
-            </a:r>
-          </a:p>
-        </p:txBody>
-      </p:sp>
-      <p:pic>
-        <p:nvPicPr>
-          <p:cNvPr id="13" name="Picture 12">
-            <a:extLst>
-              <a:ext uri="{FF2B5EF4-FFF2-40B4-BE49-F238E27FC236}">
-                <a16:creationId xmlns:a16="http://schemas.microsoft.com/office/drawing/2014/main" id="{9F120DB7-1CEC-44B1-8DC4-7FCFD1F58A3E}"/>
-              </a:ext>
-            </a:extLst>
-          </p:cNvPr>
-          <p:cNvPicPr>
-            <a:picLocks noChangeAspect="1"/>
-          </p:cNvPicPr>
-          <p:nvPr/>
-        </p:nvPicPr>
-        <p:blipFill>
-          <a:blip r:embed="rId2"/>
-          <a:stretch>
-            <a:fillRect/>
-          </a:stretch>
-        </p:blipFill>
-        <p:spPr>
-          <a:xfrm>
-            <a:off x="5105539" y="3430380"/>
-            <a:ext cx="4641264" cy="2970711"/>
-          </a:xfrm>
-          <a:prstGeom prst="rect">
-            <a:avLst/>
-          </a:prstGeom>
-        </p:spPr>
-      </p:pic>
+        </p:txBody>
+      </p:sp>
     </p:spTree>
     <p:extLst>
       <p:ext uri="{BB962C8B-B14F-4D97-AF65-F5344CB8AC3E}">
-        <p14:creationId xmlns:p14="http://schemas.microsoft.com/office/powerpoint/2010/main" val="713992669"/>
+        <p14:creationId xmlns:p14="http://schemas.microsoft.com/office/powerpoint/2010/main" val="579895478"/>
       </p:ext>
     </p:extLst>
   </p:cSld>
@@ -5949,65 +5905,178 @@
       </p:grpSpPr>
       <p:sp>
         <p:nvSpPr>
-          <p:cNvPr id="5" name="Title 1">
+          <p:cNvPr id="2" name="Title 1">
             <a:extLst>
               <a:ext uri="{FF2B5EF4-FFF2-40B4-BE49-F238E27FC236}">
-                <a16:creationId xmlns:a16="http://schemas.microsoft.com/office/drawing/2014/main" id="{522A335D-40A0-495C-A9EA-B9A71B2BB6E3}"/>
+                <a16:creationId xmlns:a16="http://schemas.microsoft.com/office/drawing/2014/main" id="{0EEE5C68-5578-42AD-A52E-87F19BF290E2}"/>
               </a:ext>
             </a:extLst>
           </p:cNvPr>
-          <p:cNvSpPr txBox="1">
-            <a:spLocks/>
+          <p:cNvSpPr>
+            <a:spLocks noGrp="1"/>
+          </p:cNvSpPr>
+          <p:nvPr>
+            <p:ph type="title"/>
+          </p:nvPr>
+        </p:nvSpPr>
+        <p:spPr>
+          <a:xfrm>
+            <a:off x="381001" y="116044"/>
+            <a:ext cx="10515600" cy="1325563"/>
+          </a:xfrm>
+        </p:spPr>
+        <p:txBody>
+          <a:bodyPr/>
+          <a:lstStyle/>
+          <a:p>
+            <a:r>
+              <a:rPr lang="en-US" dirty="0"/>
+              <a:t>My Philosophies  on … </a:t>
+            </a:r>
+          </a:p>
+        </p:txBody>
+      </p:sp>
+      <p:sp>
+        <p:nvSpPr>
+          <p:cNvPr id="4" name="AutoShape 2">
+            <a:extLst>
+              <a:ext uri="{FF2B5EF4-FFF2-40B4-BE49-F238E27FC236}">
+                <a16:creationId xmlns:a16="http://schemas.microsoft.com/office/drawing/2014/main" id="{F38C0335-553E-441E-A6CA-08D9E32FEAC0}"/>
+              </a:ext>
+            </a:extLst>
+          </p:cNvPr>
+          <p:cNvSpPr>
+            <a:spLocks noChangeAspect="1" noChangeArrowheads="1"/>
           </p:cNvSpPr>
           <p:nvPr/>
         </p:nvSpPr>
-        <p:spPr>
+        <p:spPr bwMode="auto">
           <a:xfrm>
-            <a:off x="345828" y="-22281"/>
-            <a:ext cx="10515600" cy="1325563"/>
+            <a:off x="5943600" y="3276600"/>
+            <a:ext cx="304800" cy="304800"/>
           </a:xfrm>
           <a:prstGeom prst="rect">
             <a:avLst/>
           </a:prstGeom>
-        </p:spPr>
-        <p:txBody>
-          <a:bodyPr vert="horz" lIns="91440" tIns="45720" rIns="91440" bIns="45720" rtlCol="0" anchor="ctr">
-            <a:normAutofit/>
+          <a:noFill/>
+          <a:extLst>
+            <a:ext uri="{909E8E84-426E-40DD-AFC4-6F175D3DCCD1}">
+              <a14:hiddenFill xmlns:a14="http://schemas.microsoft.com/office/drawing/2010/main">
+                <a:solidFill>
+                  <a:srgbClr val="FFFFFF"/>
+                </a:solidFill>
+              </a14:hiddenFill>
+            </a:ext>
+          </a:extLst>
+        </p:spPr>
+        <p:txBody>
+          <a:bodyPr vert="horz" wrap="square" lIns="91440" tIns="45720" rIns="91440" bIns="45720" numCol="1" anchor="t" anchorCtr="0" compatLnSpc="1">
+            <a:prstTxWarp prst="textNoShape">
+              <a:avLst/>
+            </a:prstTxWarp>
           </a:bodyPr>
-          <a:lstStyle>
-            <a:lvl1pPr algn="l" defTabSz="914400" rtl="0" eaLnBrk="1" latinLnBrk="0" hangingPunct="1">
-              <a:lnSpc>
-                <a:spcPct val="90000"/>
-              </a:lnSpc>
-              <a:spcBef>
-                <a:spcPct val="0"/>
-              </a:spcBef>
-              <a:buNone/>
-              <a:defRPr sz="4400" kern="1200">
-                <a:solidFill>
-                  <a:schemeClr val="tx1"/>
-                </a:solidFill>
-                <a:latin typeface="+mj-lt"/>
-                <a:ea typeface="+mj-ea"/>
-                <a:cs typeface="+mj-cs"/>
-              </a:defRPr>
-            </a:lvl1pPr>
-          </a:lstStyle>
-          <a:p>
-            <a:r>
-              <a:rPr lang="en-US"/>
-              <a:t>My Philosophies on … </a:t>
-            </a:r>
-            <a:endParaRPr lang="en-US" dirty="0"/>
-          </a:p>
-        </p:txBody>
-      </p:sp>
-      <p:sp>
-        <p:nvSpPr>
-          <p:cNvPr id="6" name="TextBox 5">
+          <a:lstStyle/>
+          <a:p>
+            <a:endParaRPr lang="en-US"/>
+          </a:p>
+        </p:txBody>
+      </p:sp>
+      <p:sp>
+        <p:nvSpPr>
+          <p:cNvPr id="5" name="AutoShape 4" descr="Full size image">
             <a:extLst>
               <a:ext uri="{FF2B5EF4-FFF2-40B4-BE49-F238E27FC236}">
-                <a16:creationId xmlns:a16="http://schemas.microsoft.com/office/drawing/2014/main" id="{22E1AA7B-B076-444B-84D8-DA2C873ED78D}"/>
+                <a16:creationId xmlns:a16="http://schemas.microsoft.com/office/drawing/2014/main" id="{8AEC6E8B-C2A0-4B46-BC56-6429EB24CAB8}"/>
+              </a:ext>
+            </a:extLst>
+          </p:cNvPr>
+          <p:cNvSpPr>
+            <a:spLocks noChangeAspect="1" noChangeArrowheads="1"/>
+          </p:cNvSpPr>
+          <p:nvPr/>
+        </p:nvSpPr>
+        <p:spPr bwMode="auto">
+          <a:xfrm>
+            <a:off x="6096000" y="3429000"/>
+            <a:ext cx="304800" cy="304800"/>
+          </a:xfrm>
+          <a:prstGeom prst="rect">
+            <a:avLst/>
+          </a:prstGeom>
+          <a:noFill/>
+          <a:extLst>
+            <a:ext uri="{909E8E84-426E-40DD-AFC4-6F175D3DCCD1}">
+              <a14:hiddenFill xmlns:a14="http://schemas.microsoft.com/office/drawing/2010/main">
+                <a:solidFill>
+                  <a:srgbClr val="FFFFFF"/>
+                </a:solidFill>
+              </a14:hiddenFill>
+            </a:ext>
+          </a:extLst>
+        </p:spPr>
+        <p:txBody>
+          <a:bodyPr vert="horz" wrap="square" lIns="91440" tIns="45720" rIns="91440" bIns="45720" numCol="1" anchor="t" anchorCtr="0" compatLnSpc="1">
+            <a:prstTxWarp prst="textNoShape">
+              <a:avLst/>
+            </a:prstTxWarp>
+          </a:bodyPr>
+          <a:lstStyle/>
+          <a:p>
+            <a:endParaRPr lang="en-US"/>
+          </a:p>
+        </p:txBody>
+      </p:sp>
+      <p:sp>
+        <p:nvSpPr>
+          <p:cNvPr id="8" name="AutoShape 6" descr="Full size image">
+            <a:extLst>
+              <a:ext uri="{FF2B5EF4-FFF2-40B4-BE49-F238E27FC236}">
+                <a16:creationId xmlns:a16="http://schemas.microsoft.com/office/drawing/2014/main" id="{28C63CBE-AD67-4DF4-980A-D95CB7ED1799}"/>
+              </a:ext>
+            </a:extLst>
+          </p:cNvPr>
+          <p:cNvSpPr>
+            <a:spLocks noChangeAspect="1" noChangeArrowheads="1"/>
+          </p:cNvSpPr>
+          <p:nvPr/>
+        </p:nvSpPr>
+        <p:spPr bwMode="auto">
+          <a:xfrm>
+            <a:off x="6248400" y="3581400"/>
+            <a:ext cx="304800" cy="304800"/>
+          </a:xfrm>
+          <a:prstGeom prst="rect">
+            <a:avLst/>
+          </a:prstGeom>
+          <a:noFill/>
+          <a:extLst>
+            <a:ext uri="{909E8E84-426E-40DD-AFC4-6F175D3DCCD1}">
+              <a14:hiddenFill xmlns:a14="http://schemas.microsoft.com/office/drawing/2010/main">
+                <a:solidFill>
+                  <a:srgbClr val="FFFFFF"/>
+                </a:solidFill>
+              </a14:hiddenFill>
+            </a:ext>
+          </a:extLst>
+        </p:spPr>
+        <p:txBody>
+          <a:bodyPr vert="horz" wrap="square" lIns="91440" tIns="45720" rIns="91440" bIns="45720" numCol="1" anchor="t" anchorCtr="0" compatLnSpc="1">
+            <a:prstTxWarp prst="textNoShape">
+              <a:avLst/>
+            </a:prstTxWarp>
+          </a:bodyPr>
+          <a:lstStyle/>
+          <a:p>
+            <a:endParaRPr lang="en-US"/>
+          </a:p>
+        </p:txBody>
+      </p:sp>
+      <p:sp>
+        <p:nvSpPr>
+          <p:cNvPr id="13" name="TextBox 12">
+            <a:extLst>
+              <a:ext uri="{FF2B5EF4-FFF2-40B4-BE49-F238E27FC236}">
+                <a16:creationId xmlns:a16="http://schemas.microsoft.com/office/drawing/2014/main" id="{9F63925E-D71A-463C-97E6-E4E358FDD6D1}"/>
               </a:ext>
             </a:extLst>
           </p:cNvPr>
@@ -6016,8 +6085,8 @@
         </p:nvSpPr>
         <p:spPr>
           <a:xfrm>
-            <a:off x="6667128" y="271168"/>
-            <a:ext cx="3708647" cy="369332"/>
+            <a:off x="6248400" y="499053"/>
+            <a:ext cx="4239879" cy="523220"/>
           </a:xfrm>
           <a:prstGeom prst="rect">
             <a:avLst/>
@@ -6025,24 +6094,24 @@
           <a:noFill/>
         </p:spPr>
         <p:txBody>
-          <a:bodyPr wrap="square">
+          <a:bodyPr wrap="none" rtlCol="0">
             <a:spAutoFit/>
           </a:bodyPr>
           <a:lstStyle/>
           <a:p>
             <a:r>
-              <a:rPr lang="en-US" b="1" dirty="0"/>
-              <a:t>Being Proactive about your learning</a:t>
-            </a:r>
-          </a:p>
-        </p:txBody>
-      </p:sp>
-      <p:sp>
-        <p:nvSpPr>
-          <p:cNvPr id="8" name="TextBox 7">
+              <a:rPr lang="en-US" sz="2800" dirty="0"/>
+              <a:t>Learning … growth mindset </a:t>
+            </a:r>
+          </a:p>
+        </p:txBody>
+      </p:sp>
+      <p:sp>
+        <p:nvSpPr>
+          <p:cNvPr id="15" name="TextBox 14">
             <a:extLst>
               <a:ext uri="{FF2B5EF4-FFF2-40B4-BE49-F238E27FC236}">
-                <a16:creationId xmlns:a16="http://schemas.microsoft.com/office/drawing/2014/main" id="{509119B2-F320-4872-B5D7-22C3F9BB3C9B}"/>
+                <a16:creationId xmlns:a16="http://schemas.microsoft.com/office/drawing/2014/main" id="{CC9807FF-5A93-4749-9272-29BFB73A2868}"/>
               </a:ext>
             </a:extLst>
           </p:cNvPr>
@@ -6051,13 +6120,15 @@
         </p:nvSpPr>
         <p:spPr>
           <a:xfrm>
-            <a:off x="145329" y="1839042"/>
-            <a:ext cx="6094520" cy="3693319"/>
+            <a:off x="260596" y="1441608"/>
+            <a:ext cx="6094520" cy="1477328"/>
           </a:xfrm>
           <a:prstGeom prst="rect">
             <a:avLst/>
           </a:prstGeom>
-          <a:noFill/>
+          <a:solidFill>
+            <a:srgbClr val="FFFF00"/>
+          </a:solidFill>
         </p:spPr>
         <p:txBody>
           <a:bodyPr wrap="square">
@@ -6065,72 +6136,93 @@
           </a:bodyPr>
           <a:lstStyle/>
           <a:p>
-            <a:pPr algn="l" fontAlgn="base"/>
+            <a:r>
+              <a:rPr lang="en-US" b="1" i="0" dirty="0">
+                <a:solidFill>
+                  <a:srgbClr val="202124"/>
+                </a:solidFill>
+                <a:effectLst/>
+                <a:latin typeface="Roboto"/>
+              </a:rPr>
+              <a:t>fixed mindset</a:t>
+            </a:r>
+            <a:r>
+              <a:rPr lang="en-US" dirty="0">
+                <a:solidFill>
+                  <a:srgbClr val="202124"/>
+                </a:solidFill>
+                <a:latin typeface="Roboto"/>
+              </a:rPr>
+              <a:t> -&gt; </a:t>
+            </a:r>
             <a:r>
               <a:rPr lang="en-US" b="0" i="0" dirty="0">
                 <a:solidFill>
-                  <a:srgbClr val="1A1A1B"/>
+                  <a:srgbClr val="202124"/>
                 </a:solidFill>
                 <a:effectLst/>
-                <a:latin typeface="Noto Sans"/>
+                <a:latin typeface="Roboto"/>
               </a:rPr>
-              <a:t>I don't take notes at all. Everything you need to remember is on power points, the text book, internet. What you should do is spent 95% of your time just trying to understand what's going on. Use that remaining 5% asking questions.</a:t>
-            </a:r>
-          </a:p>
-          <a:p>
-            <a:pPr algn="l" fontAlgn="base"/>
-            <a:endParaRPr lang="en-US" b="0" i="0" dirty="0">
-              <a:solidFill>
-                <a:srgbClr val="1A1A1B"/>
-              </a:solidFill>
-              <a:effectLst/>
-              <a:latin typeface="Noto Sans"/>
-            </a:endParaRPr>
-          </a:p>
-          <a:p>
-            <a:pPr algn="l" fontAlgn="base"/>
+              <a:t>believe that their basic abilities, intelligence, and talents are </a:t>
+            </a:r>
+            <a:r>
+              <a:rPr lang="en-US" b="1" i="0" dirty="0">
+                <a:solidFill>
+                  <a:srgbClr val="202124"/>
+                </a:solidFill>
+                <a:effectLst/>
+                <a:latin typeface="Roboto"/>
+              </a:rPr>
+              <a:t>fixed</a:t>
+            </a:r>
             <a:r>
               <a:rPr lang="en-US" b="0" i="0" dirty="0">
                 <a:solidFill>
-                  <a:srgbClr val="1A1A1B"/>
+                  <a:srgbClr val="202124"/>
                 </a:solidFill>
                 <a:effectLst/>
-                <a:latin typeface="Noto Sans"/>
+                <a:latin typeface="Roboto"/>
               </a:rPr>
-              <a:t>I don't give a f*** if you're shy or don't want to be the annoying kid that asks questions. Be proactive. Sit in class to learn, not to record. If the prof tells you "X", ask why "X"? Why not "Y"? What happens to "X" if "Z" happens?</a:t>
-            </a:r>
-          </a:p>
-          <a:p>
-            <a:pPr algn="l" fontAlgn="base"/>
+              <a:t> traits. ...</a:t>
+            </a:r>
+          </a:p>
+          <a:p>
+            <a:endParaRPr lang="en-US" dirty="0">
+              <a:solidFill>
+                <a:srgbClr val="202124"/>
+              </a:solidFill>
+              <a:latin typeface="Roboto"/>
+            </a:endParaRPr>
+          </a:p>
+          <a:p>
+            <a:endParaRPr lang="en-US" dirty="0">
+              <a:solidFill>
+                <a:srgbClr val="202124"/>
+              </a:solidFill>
+              <a:latin typeface="Roboto"/>
+            </a:endParaRPr>
+          </a:p>
+          <a:p>
             <a:r>
               <a:rPr lang="en-US" b="0" i="0" dirty="0">
                 <a:solidFill>
-                  <a:srgbClr val="1A1A1B"/>
+                  <a:srgbClr val="202124"/>
                 </a:solidFill>
                 <a:effectLst/>
-                <a:latin typeface="Noto Sans"/>
+                <a:latin typeface="Roboto"/>
               </a:rPr>
-              <a:t>And after class is over, try to apply the knowledge. When you see how the knowledge you just acquired fits with previous knowledge, then you will have a deeper understanding.</a:t>
-            </a:r>
-          </a:p>
-          <a:p>
-            <a:pPr algn="l" fontAlgn="base"/>
-            <a:endParaRPr lang="en-US" b="0" i="0" dirty="0">
-              <a:solidFill>
-                <a:srgbClr val="1A1A1B"/>
-              </a:solidFill>
-              <a:effectLst/>
-              <a:latin typeface="Noto Sans"/>
-            </a:endParaRPr>
-          </a:p>
-        </p:txBody>
-      </p:sp>
-      <p:sp>
-        <p:nvSpPr>
-          <p:cNvPr id="10" name="TextBox 9">
+              <a:t> .</a:t>
+            </a:r>
+            <a:endParaRPr lang="en-US" dirty="0"/>
+          </a:p>
+        </p:txBody>
+      </p:sp>
+      <p:sp>
+        <p:nvSpPr>
+          <p:cNvPr id="17" name="TextBox 16">
             <a:extLst>
               <a:ext uri="{FF2B5EF4-FFF2-40B4-BE49-F238E27FC236}">
-                <a16:creationId xmlns:a16="http://schemas.microsoft.com/office/drawing/2014/main" id="{504BF725-DCC5-4BAA-B0A6-F243CCD4DFDD}"/>
+                <a16:creationId xmlns:a16="http://schemas.microsoft.com/office/drawing/2014/main" id="{91D6E196-011D-449D-B9EF-B6DA65D15F63}"/>
               </a:ext>
             </a:extLst>
           </p:cNvPr>
@@ -6139,14 +6231,14 @@
         </p:nvSpPr>
         <p:spPr>
           <a:xfrm>
-            <a:off x="233036" y="1064551"/>
-            <a:ext cx="9603419" cy="369332"/>
+            <a:off x="528221" y="3886200"/>
+            <a:ext cx="6134470" cy="646331"/>
           </a:xfrm>
           <a:prstGeom prst="rect">
             <a:avLst/>
           </a:prstGeom>
           <a:solidFill>
-            <a:schemeClr val="accent6">
+            <a:schemeClr val="accent3">
               <a:lumMod val="20000"/>
               <a:lumOff val="80000"/>
             </a:schemeClr>
@@ -6160,105 +6252,231 @@
           <a:p>
             <a:r>
               <a:rPr lang="en-US" dirty="0"/>
-              <a:t>https://www.reddit.com/r/compsci/comments/5poqu6/how_do_you_take_notes_in_lectures/</a:t>
-            </a:r>
-          </a:p>
-        </p:txBody>
-      </p:sp>
-      <p:pic>
-        <p:nvPicPr>
-          <p:cNvPr id="15" name="Picture 14">
+              <a:t>https://www.developgoodhabits.com/growth-mindset-examples/</a:t>
+            </a:r>
+          </a:p>
+        </p:txBody>
+      </p:sp>
+      <p:sp>
+        <p:nvSpPr>
+          <p:cNvPr id="19" name="TextBox 18">
             <a:extLst>
               <a:ext uri="{FF2B5EF4-FFF2-40B4-BE49-F238E27FC236}">
-                <a16:creationId xmlns:a16="http://schemas.microsoft.com/office/drawing/2014/main" id="{AAA2EF1A-54A3-48A7-A3B2-3D74A706625C}"/>
+                <a16:creationId xmlns:a16="http://schemas.microsoft.com/office/drawing/2014/main" id="{EDBAFF63-7A9A-44CE-B2C2-B6FA33B9F6C8}"/>
               </a:ext>
             </a:extLst>
           </p:cNvPr>
-          <p:cNvPicPr>
-            <a:picLocks noChangeAspect="1"/>
-          </p:cNvPicPr>
+          <p:cNvSpPr txBox="1"/>
           <p:nvPr/>
-        </p:nvPicPr>
-        <p:blipFill>
-          <a:blip r:embed="rId2"/>
-          <a:stretch>
-            <a:fillRect/>
-          </a:stretch>
-        </p:blipFill>
+        </p:nvSpPr>
         <p:spPr>
           <a:xfrm>
-            <a:off x="7623050" y="2042185"/>
-            <a:ext cx="2752725" cy="1419225"/>
+            <a:off x="528221" y="4800680"/>
+            <a:ext cx="6134470" cy="1754326"/>
           </a:xfrm>
           <a:prstGeom prst="rect">
             <a:avLst/>
           </a:prstGeom>
-        </p:spPr>
-      </p:pic>
-      <p:pic>
-        <p:nvPicPr>
-          <p:cNvPr id="17" name="Picture 16">
+          <a:solidFill>
+            <a:schemeClr val="accent3">
+              <a:lumMod val="20000"/>
+              <a:lumOff val="80000"/>
+            </a:schemeClr>
+          </a:solidFill>
+        </p:spPr>
+        <p:txBody>
+          <a:bodyPr wrap="square">
+            <a:spAutoFit/>
+          </a:bodyPr>
+          <a:lstStyle/>
+          <a:p>
+            <a:pPr algn="l"/>
+            <a:r>
+              <a:rPr lang="en-US" b="1" i="0" dirty="0">
+                <a:solidFill>
+                  <a:srgbClr val="5171A5"/>
+                </a:solidFill>
+                <a:effectLst/>
+                <a:latin typeface="PT Serif"/>
+              </a:rPr>
+              <a:t>“It’s never too late to learn.”</a:t>
+            </a:r>
+          </a:p>
+          <a:p>
+            <a:r>
+              <a:rPr lang="en-US" b="1" i="0" dirty="0">
+                <a:solidFill>
+                  <a:srgbClr val="5171A5"/>
+                </a:solidFill>
+                <a:effectLst/>
+                <a:latin typeface="PT Serif"/>
+              </a:rPr>
+              <a:t>“I can always improve at something if I try.”</a:t>
+            </a:r>
+          </a:p>
+          <a:p>
+            <a:r>
+              <a:rPr lang="en-US" b="1" i="0" dirty="0">
+                <a:solidFill>
+                  <a:srgbClr val="5171A5"/>
+                </a:solidFill>
+                <a:effectLst/>
+                <a:latin typeface="PT Serif"/>
+              </a:rPr>
+              <a:t>“As long as I have determination, I can do anything.”</a:t>
+            </a:r>
+          </a:p>
+          <a:p>
+            <a:r>
+              <a:rPr lang="en-US" b="1" dirty="0">
+                <a:solidFill>
+                  <a:srgbClr val="5171A5"/>
+                </a:solidFill>
+                <a:latin typeface="PT Serif"/>
+              </a:rPr>
+              <a:t>“If I am struggling it means I am learning”</a:t>
+            </a:r>
+            <a:endParaRPr lang="en-US" b="1" i="0" dirty="0">
+              <a:solidFill>
+                <a:srgbClr val="5171A5"/>
+              </a:solidFill>
+              <a:effectLst/>
+              <a:latin typeface="PT Serif"/>
+            </a:endParaRPr>
+          </a:p>
+          <a:p>
+            <a:endParaRPr lang="en-US" b="1" i="0" dirty="0">
+              <a:solidFill>
+                <a:srgbClr val="5171A5"/>
+              </a:solidFill>
+              <a:effectLst/>
+              <a:latin typeface="PT Serif"/>
+            </a:endParaRPr>
+          </a:p>
+          <a:p>
+            <a:pPr algn="l"/>
+            <a:endParaRPr lang="en-US" b="1" i="0" dirty="0">
+              <a:solidFill>
+                <a:srgbClr val="5171A5"/>
+              </a:solidFill>
+              <a:effectLst/>
+              <a:latin typeface="PT Serif"/>
+            </a:endParaRPr>
+          </a:p>
+        </p:txBody>
+      </p:sp>
+      <p:sp>
+        <p:nvSpPr>
+          <p:cNvPr id="21" name="TextBox 20">
             <a:extLst>
               <a:ext uri="{FF2B5EF4-FFF2-40B4-BE49-F238E27FC236}">
-                <a16:creationId xmlns:a16="http://schemas.microsoft.com/office/drawing/2014/main" id="{01623335-9808-4881-B066-181A877B2937}"/>
+                <a16:creationId xmlns:a16="http://schemas.microsoft.com/office/drawing/2014/main" id="{93C02CE3-B432-49B1-AA15-603383D2EFEA}"/>
               </a:ext>
             </a:extLst>
           </p:cNvPr>
-          <p:cNvPicPr>
-            <a:picLocks noChangeAspect="1"/>
-          </p:cNvPicPr>
+          <p:cNvSpPr txBox="1"/>
           <p:nvPr/>
-        </p:nvPicPr>
-        <p:blipFill>
-          <a:blip r:embed="rId3"/>
-          <a:stretch>
-            <a:fillRect/>
-          </a:stretch>
-        </p:blipFill>
+        </p:nvSpPr>
         <p:spPr>
           <a:xfrm>
-            <a:off x="8999412" y="3722611"/>
-            <a:ext cx="2714625" cy="1809750"/>
+            <a:off x="260596" y="2092169"/>
+            <a:ext cx="6082869" cy="923330"/>
           </a:xfrm>
           <a:prstGeom prst="rect">
             <a:avLst/>
           </a:prstGeom>
-        </p:spPr>
-      </p:pic>
-      <p:pic>
-        <p:nvPicPr>
-          <p:cNvPr id="19" name="Picture 18">
+          <a:noFill/>
+        </p:spPr>
+        <p:txBody>
+          <a:bodyPr wrap="square">
+            <a:spAutoFit/>
+          </a:bodyPr>
+          <a:lstStyle/>
+          <a:p>
+            <a:r>
+              <a:rPr lang="en-US" b="0" i="0" dirty="0">
+                <a:solidFill>
+                  <a:srgbClr val="2A2A2A"/>
+                </a:solidFill>
+                <a:effectLst/>
+                <a:latin typeface="lora"/>
+              </a:rPr>
+              <a:t> If someone believes intelligence and abilities are immutable traits, they are not likely to put in much effort to change their inherent intelligence and abilities.</a:t>
+            </a:r>
+            <a:endParaRPr lang="en-US" dirty="0"/>
+          </a:p>
+        </p:txBody>
+      </p:sp>
+      <p:sp>
+        <p:nvSpPr>
+          <p:cNvPr id="23" name="TextBox 22">
             <a:extLst>
               <a:ext uri="{FF2B5EF4-FFF2-40B4-BE49-F238E27FC236}">
-                <a16:creationId xmlns:a16="http://schemas.microsoft.com/office/drawing/2014/main" id="{0A0742B3-F5C6-4414-AE7E-31F8DCB77BD1}"/>
+                <a16:creationId xmlns:a16="http://schemas.microsoft.com/office/drawing/2014/main" id="{468BE7C0-8E16-4235-8834-D4CC097F99B5}"/>
               </a:ext>
             </a:extLst>
           </p:cNvPr>
-          <p:cNvPicPr>
-            <a:picLocks noChangeAspect="1"/>
-          </p:cNvPicPr>
+          <p:cNvSpPr txBox="1"/>
           <p:nvPr/>
-        </p:nvPicPr>
-        <p:blipFill>
-          <a:blip r:embed="rId4"/>
-          <a:stretch>
-            <a:fillRect/>
-          </a:stretch>
-        </p:blipFill>
+        </p:nvSpPr>
         <p:spPr>
           <a:xfrm>
-            <a:off x="6862531" y="5619750"/>
-            <a:ext cx="2000250" cy="1238250"/>
+            <a:off x="208995" y="3115505"/>
+            <a:ext cx="6134470" cy="646331"/>
           </a:xfrm>
           <a:prstGeom prst="rect">
             <a:avLst/>
           </a:prstGeom>
-        </p:spPr>
-      </p:pic>
+          <a:solidFill>
+            <a:schemeClr val="accent3">
+              <a:lumMod val="20000"/>
+              <a:lumOff val="80000"/>
+            </a:schemeClr>
+          </a:solidFill>
+        </p:spPr>
+        <p:txBody>
+          <a:bodyPr wrap="square">
+            <a:spAutoFit/>
+          </a:bodyPr>
+          <a:lstStyle/>
+          <a:p>
+            <a:r>
+              <a:rPr lang="en-US" b="1" i="0" dirty="0">
+                <a:solidFill>
+                  <a:srgbClr val="202124"/>
+                </a:solidFill>
+                <a:effectLst/>
+                <a:latin typeface="Roboto"/>
+              </a:rPr>
+              <a:t>growth mindset</a:t>
+            </a:r>
+            <a:r>
+              <a:rPr lang="en-US" dirty="0">
+                <a:solidFill>
+                  <a:srgbClr val="202124"/>
+                </a:solidFill>
+                <a:latin typeface="Roboto"/>
+              </a:rPr>
+              <a:t> =&gt; </a:t>
+            </a:r>
+            <a:r>
+              <a:rPr lang="en-US" b="0" i="0" dirty="0">
+                <a:solidFill>
+                  <a:srgbClr val="202124"/>
+                </a:solidFill>
+                <a:effectLst/>
+                <a:latin typeface="Roboto"/>
+              </a:rPr>
+              <a:t>believe their abilities and intelligence can be developed with effort, learning, and persistence</a:t>
+            </a:r>
+            <a:endParaRPr lang="en-US" dirty="0"/>
+          </a:p>
+        </p:txBody>
+      </p:sp>
     </p:spTree>
     <p:extLst>
       <p:ext uri="{BB962C8B-B14F-4D97-AF65-F5344CB8AC3E}">
-        <p14:creationId xmlns:p14="http://schemas.microsoft.com/office/powerpoint/2010/main" val="1034395953"/>
+        <p14:creationId xmlns:p14="http://schemas.microsoft.com/office/powerpoint/2010/main" val="910537273"/>
       </p:ext>
     </p:extLst>
   </p:cSld>
@@ -6290,6 +6508,757 @@
           <p:cNvPr id="2" name="Title 1">
             <a:extLst>
               <a:ext uri="{FF2B5EF4-FFF2-40B4-BE49-F238E27FC236}">
+                <a16:creationId xmlns:a16="http://schemas.microsoft.com/office/drawing/2014/main" id="{0EEE5C68-5578-42AD-A52E-87F19BF290E2}"/>
+              </a:ext>
+            </a:extLst>
+          </p:cNvPr>
+          <p:cNvSpPr>
+            <a:spLocks noGrp="1"/>
+          </p:cNvSpPr>
+          <p:nvPr>
+            <p:ph type="title"/>
+          </p:nvPr>
+        </p:nvSpPr>
+        <p:spPr>
+          <a:xfrm>
+            <a:off x="345828" y="-22281"/>
+            <a:ext cx="10515600" cy="1325563"/>
+          </a:xfrm>
+        </p:spPr>
+        <p:txBody>
+          <a:bodyPr/>
+          <a:lstStyle/>
+          <a:p>
+            <a:r>
+              <a:rPr lang="en-US" dirty="0"/>
+              <a:t>My Philosophies on … </a:t>
+            </a:r>
+          </a:p>
+        </p:txBody>
+      </p:sp>
+      <p:sp>
+        <p:nvSpPr>
+          <p:cNvPr id="4" name="AutoShape 2">
+            <a:extLst>
+              <a:ext uri="{FF2B5EF4-FFF2-40B4-BE49-F238E27FC236}">
+                <a16:creationId xmlns:a16="http://schemas.microsoft.com/office/drawing/2014/main" id="{F38C0335-553E-441E-A6CA-08D9E32FEAC0}"/>
+              </a:ext>
+            </a:extLst>
+          </p:cNvPr>
+          <p:cNvSpPr>
+            <a:spLocks noChangeAspect="1" noChangeArrowheads="1"/>
+          </p:cNvSpPr>
+          <p:nvPr/>
+        </p:nvSpPr>
+        <p:spPr bwMode="auto">
+          <a:xfrm>
+            <a:off x="5943600" y="3276600"/>
+            <a:ext cx="304800" cy="304800"/>
+          </a:xfrm>
+          <a:prstGeom prst="rect">
+            <a:avLst/>
+          </a:prstGeom>
+          <a:noFill/>
+          <a:extLst>
+            <a:ext uri="{909E8E84-426E-40DD-AFC4-6F175D3DCCD1}">
+              <a14:hiddenFill xmlns:a14="http://schemas.microsoft.com/office/drawing/2010/main">
+                <a:solidFill>
+                  <a:srgbClr val="FFFFFF"/>
+                </a:solidFill>
+              </a14:hiddenFill>
+            </a:ext>
+          </a:extLst>
+        </p:spPr>
+        <p:txBody>
+          <a:bodyPr vert="horz" wrap="square" lIns="91440" tIns="45720" rIns="91440" bIns="45720" numCol="1" anchor="t" anchorCtr="0" compatLnSpc="1">
+            <a:prstTxWarp prst="textNoShape">
+              <a:avLst/>
+            </a:prstTxWarp>
+          </a:bodyPr>
+          <a:lstStyle/>
+          <a:p>
+            <a:endParaRPr lang="en-US"/>
+          </a:p>
+        </p:txBody>
+      </p:sp>
+      <p:sp>
+        <p:nvSpPr>
+          <p:cNvPr id="5" name="AutoShape 4" descr="Full size image">
+            <a:extLst>
+              <a:ext uri="{FF2B5EF4-FFF2-40B4-BE49-F238E27FC236}">
+                <a16:creationId xmlns:a16="http://schemas.microsoft.com/office/drawing/2014/main" id="{8AEC6E8B-C2A0-4B46-BC56-6429EB24CAB8}"/>
+              </a:ext>
+            </a:extLst>
+          </p:cNvPr>
+          <p:cNvSpPr>
+            <a:spLocks noChangeAspect="1" noChangeArrowheads="1"/>
+          </p:cNvSpPr>
+          <p:nvPr/>
+        </p:nvSpPr>
+        <p:spPr bwMode="auto">
+          <a:xfrm>
+            <a:off x="6096000" y="3429000"/>
+            <a:ext cx="304800" cy="304800"/>
+          </a:xfrm>
+          <a:prstGeom prst="rect">
+            <a:avLst/>
+          </a:prstGeom>
+          <a:noFill/>
+          <a:extLst>
+            <a:ext uri="{909E8E84-426E-40DD-AFC4-6F175D3DCCD1}">
+              <a14:hiddenFill xmlns:a14="http://schemas.microsoft.com/office/drawing/2010/main">
+                <a:solidFill>
+                  <a:srgbClr val="FFFFFF"/>
+                </a:solidFill>
+              </a14:hiddenFill>
+            </a:ext>
+          </a:extLst>
+        </p:spPr>
+        <p:txBody>
+          <a:bodyPr vert="horz" wrap="square" lIns="91440" tIns="45720" rIns="91440" bIns="45720" numCol="1" anchor="t" anchorCtr="0" compatLnSpc="1">
+            <a:prstTxWarp prst="textNoShape">
+              <a:avLst/>
+            </a:prstTxWarp>
+          </a:bodyPr>
+          <a:lstStyle/>
+          <a:p>
+            <a:endParaRPr lang="en-US"/>
+          </a:p>
+        </p:txBody>
+      </p:sp>
+      <p:sp>
+        <p:nvSpPr>
+          <p:cNvPr id="8" name="AutoShape 6" descr="Full size image">
+            <a:extLst>
+              <a:ext uri="{FF2B5EF4-FFF2-40B4-BE49-F238E27FC236}">
+                <a16:creationId xmlns:a16="http://schemas.microsoft.com/office/drawing/2014/main" id="{28C63CBE-AD67-4DF4-980A-D95CB7ED1799}"/>
+              </a:ext>
+            </a:extLst>
+          </p:cNvPr>
+          <p:cNvSpPr>
+            <a:spLocks noChangeAspect="1" noChangeArrowheads="1"/>
+          </p:cNvSpPr>
+          <p:nvPr/>
+        </p:nvSpPr>
+        <p:spPr bwMode="auto">
+          <a:xfrm>
+            <a:off x="6248400" y="3581400"/>
+            <a:ext cx="304800" cy="304800"/>
+          </a:xfrm>
+          <a:prstGeom prst="rect">
+            <a:avLst/>
+          </a:prstGeom>
+          <a:noFill/>
+          <a:extLst>
+            <a:ext uri="{909E8E84-426E-40DD-AFC4-6F175D3DCCD1}">
+              <a14:hiddenFill xmlns:a14="http://schemas.microsoft.com/office/drawing/2010/main">
+                <a:solidFill>
+                  <a:srgbClr val="FFFFFF"/>
+                </a:solidFill>
+              </a14:hiddenFill>
+            </a:ext>
+          </a:extLst>
+        </p:spPr>
+        <p:txBody>
+          <a:bodyPr vert="horz" wrap="square" lIns="91440" tIns="45720" rIns="91440" bIns="45720" numCol="1" anchor="t" anchorCtr="0" compatLnSpc="1">
+            <a:prstTxWarp prst="textNoShape">
+              <a:avLst/>
+            </a:prstTxWarp>
+          </a:bodyPr>
+          <a:lstStyle/>
+          <a:p>
+            <a:endParaRPr lang="en-US"/>
+          </a:p>
+        </p:txBody>
+      </p:sp>
+      <p:sp>
+        <p:nvSpPr>
+          <p:cNvPr id="3" name="TextBox 2">
+            <a:extLst>
+              <a:ext uri="{FF2B5EF4-FFF2-40B4-BE49-F238E27FC236}">
+                <a16:creationId xmlns:a16="http://schemas.microsoft.com/office/drawing/2014/main" id="{9672309E-7832-43A2-A0C9-6CD304C8EE5C}"/>
+              </a:ext>
+            </a:extLst>
+          </p:cNvPr>
+          <p:cNvSpPr txBox="1"/>
+          <p:nvPr/>
+        </p:nvSpPr>
+        <p:spPr>
+          <a:xfrm>
+            <a:off x="209501" y="1096385"/>
+            <a:ext cx="5346101" cy="2585323"/>
+          </a:xfrm>
+          <a:prstGeom prst="rect">
+            <a:avLst/>
+          </a:prstGeom>
+          <a:solidFill>
+            <a:schemeClr val="accent6">
+              <a:lumMod val="20000"/>
+              <a:lumOff val="80000"/>
+            </a:schemeClr>
+          </a:solidFill>
+        </p:spPr>
+        <p:txBody>
+          <a:bodyPr wrap="square" rtlCol="0">
+            <a:spAutoFit/>
+          </a:bodyPr>
+          <a:lstStyle/>
+          <a:p>
+            <a:r>
+              <a:rPr lang="en-US" b="1" dirty="0"/>
+              <a:t>The Learning Process</a:t>
+            </a:r>
+          </a:p>
+          <a:p>
+            <a:endParaRPr lang="en-US" dirty="0"/>
+          </a:p>
+          <a:p>
+            <a:r>
+              <a:rPr lang="en-US" dirty="0"/>
+              <a:t>In the field</a:t>
+            </a:r>
+          </a:p>
+          <a:p>
+            <a:endParaRPr lang="en-US" dirty="0"/>
+          </a:p>
+          <a:p>
+            <a:r>
+              <a:rPr lang="en-US" dirty="0"/>
+              <a:t>1. Watch tutorial and code-a-long</a:t>
+            </a:r>
+          </a:p>
+          <a:p>
+            <a:r>
+              <a:rPr lang="en-US" dirty="0"/>
+              <a:t>	(get it working)</a:t>
+            </a:r>
+          </a:p>
+          <a:p>
+            <a:r>
+              <a:rPr lang="en-US" dirty="0"/>
+              <a:t>2. Recreate with a twist</a:t>
+            </a:r>
+          </a:p>
+          <a:p>
+            <a:r>
+              <a:rPr lang="en-US" dirty="0"/>
+              <a:t>3. Study the example … Repeat steps 1,2 if needed …</a:t>
+            </a:r>
+          </a:p>
+          <a:p>
+            <a:r>
+              <a:rPr lang="en-US" dirty="0"/>
+              <a:t>4. Apply to a big project</a:t>
+            </a:r>
+          </a:p>
+        </p:txBody>
+      </p:sp>
+      <p:sp>
+        <p:nvSpPr>
+          <p:cNvPr id="9" name="TextBox 8">
+            <a:extLst>
+              <a:ext uri="{FF2B5EF4-FFF2-40B4-BE49-F238E27FC236}">
+                <a16:creationId xmlns:a16="http://schemas.microsoft.com/office/drawing/2014/main" id="{DC012802-081C-4132-99FB-AF68CAEFF2BA}"/>
+              </a:ext>
+            </a:extLst>
+          </p:cNvPr>
+          <p:cNvSpPr txBox="1"/>
+          <p:nvPr/>
+        </p:nvSpPr>
+        <p:spPr>
+          <a:xfrm>
+            <a:off x="688598" y="4159827"/>
+            <a:ext cx="3892280" cy="2031325"/>
+          </a:xfrm>
+          <a:prstGeom prst="rect">
+            <a:avLst/>
+          </a:prstGeom>
+          <a:solidFill>
+            <a:schemeClr val="accent6">
+              <a:lumMod val="20000"/>
+              <a:lumOff val="80000"/>
+            </a:schemeClr>
+          </a:solidFill>
+        </p:spPr>
+        <p:txBody>
+          <a:bodyPr wrap="square" rtlCol="0">
+            <a:spAutoFit/>
+          </a:bodyPr>
+          <a:lstStyle/>
+          <a:p>
+            <a:r>
+              <a:rPr lang="en-US" b="1" dirty="0"/>
+              <a:t>As a student </a:t>
+            </a:r>
+            <a:endParaRPr lang="en-US" dirty="0"/>
+          </a:p>
+          <a:p>
+            <a:endParaRPr lang="en-US" dirty="0"/>
+          </a:p>
+          <a:p>
+            <a:r>
+              <a:rPr lang="en-US" dirty="0"/>
+              <a:t>Notes matter … in your own words</a:t>
+            </a:r>
+          </a:p>
+          <a:p>
+            <a:endParaRPr lang="en-US" dirty="0"/>
+          </a:p>
+          <a:p>
+            <a:r>
+              <a:rPr lang="en-US" dirty="0"/>
+              <a:t>Practice matters</a:t>
+            </a:r>
+          </a:p>
+          <a:p>
+            <a:endParaRPr lang="en-US" dirty="0"/>
+          </a:p>
+          <a:p>
+            <a:r>
+              <a:rPr lang="en-US" dirty="0"/>
+              <a:t>Use material ASAP </a:t>
+            </a:r>
+          </a:p>
+        </p:txBody>
+      </p:sp>
+      <p:sp>
+        <p:nvSpPr>
+          <p:cNvPr id="11" name="TextBox 10">
+            <a:extLst>
+              <a:ext uri="{FF2B5EF4-FFF2-40B4-BE49-F238E27FC236}">
+                <a16:creationId xmlns:a16="http://schemas.microsoft.com/office/drawing/2014/main" id="{29E858DE-467D-4F23-B4FB-416748E14FE0}"/>
+              </a:ext>
+            </a:extLst>
+          </p:cNvPr>
+          <p:cNvSpPr txBox="1"/>
+          <p:nvPr/>
+        </p:nvSpPr>
+        <p:spPr>
+          <a:xfrm>
+            <a:off x="5893292" y="456909"/>
+            <a:ext cx="4072631" cy="400110"/>
+          </a:xfrm>
+          <a:prstGeom prst="rect">
+            <a:avLst/>
+          </a:prstGeom>
+          <a:noFill/>
+        </p:spPr>
+        <p:txBody>
+          <a:bodyPr wrap="square">
+            <a:spAutoFit/>
+          </a:bodyPr>
+          <a:lstStyle/>
+          <a:p>
+            <a:r>
+              <a:rPr lang="en-US" sz="2000" b="1" dirty="0"/>
+              <a:t>The Learning Process</a:t>
+            </a:r>
+          </a:p>
+        </p:txBody>
+      </p:sp>
+      <p:pic>
+        <p:nvPicPr>
+          <p:cNvPr id="13" name="Picture 12">
+            <a:extLst>
+              <a:ext uri="{FF2B5EF4-FFF2-40B4-BE49-F238E27FC236}">
+                <a16:creationId xmlns:a16="http://schemas.microsoft.com/office/drawing/2014/main" id="{9F120DB7-1CEC-44B1-8DC4-7FCFD1F58A3E}"/>
+              </a:ext>
+            </a:extLst>
+          </p:cNvPr>
+          <p:cNvPicPr>
+            <a:picLocks noChangeAspect="1"/>
+          </p:cNvPicPr>
+          <p:nvPr/>
+        </p:nvPicPr>
+        <p:blipFill>
+          <a:blip r:embed="rId2"/>
+          <a:stretch>
+            <a:fillRect/>
+          </a:stretch>
+        </p:blipFill>
+        <p:spPr>
+          <a:xfrm>
+            <a:off x="5105539" y="3430380"/>
+            <a:ext cx="4641264" cy="2970711"/>
+          </a:xfrm>
+          <a:prstGeom prst="rect">
+            <a:avLst/>
+          </a:prstGeom>
+        </p:spPr>
+      </p:pic>
+    </p:spTree>
+    <p:extLst>
+      <p:ext uri="{BB962C8B-B14F-4D97-AF65-F5344CB8AC3E}">
+        <p14:creationId xmlns:p14="http://schemas.microsoft.com/office/powerpoint/2010/main" val="713992669"/>
+      </p:ext>
+    </p:extLst>
+  </p:cSld>
+  <p:clrMapOvr>
+    <a:masterClrMapping/>
+  </p:clrMapOvr>
+</p:sld>
+</file>
+
+<file path=ppt/slides/slide16.xml><?xml version="1.0" encoding="utf-8"?>
+<p:sld xmlns:a="http://schemas.openxmlformats.org/drawingml/2006/main" xmlns:r="http://schemas.openxmlformats.org/officeDocument/2006/relationships" xmlns:p="http://schemas.openxmlformats.org/presentationml/2006/main">
+  <p:cSld>
+    <p:spTree>
+      <p:nvGrpSpPr>
+        <p:cNvPr id="1" name=""/>
+        <p:cNvGrpSpPr/>
+        <p:nvPr/>
+      </p:nvGrpSpPr>
+      <p:grpSpPr>
+        <a:xfrm>
+          <a:off x="0" y="0"/>
+          <a:ext cx="0" cy="0"/>
+          <a:chOff x="0" y="0"/>
+          <a:chExt cx="0" cy="0"/>
+        </a:xfrm>
+      </p:grpSpPr>
+      <p:sp>
+        <p:nvSpPr>
+          <p:cNvPr id="5" name="Title 1">
+            <a:extLst>
+              <a:ext uri="{FF2B5EF4-FFF2-40B4-BE49-F238E27FC236}">
+                <a16:creationId xmlns:a16="http://schemas.microsoft.com/office/drawing/2014/main" id="{522A335D-40A0-495C-A9EA-B9A71B2BB6E3}"/>
+              </a:ext>
+            </a:extLst>
+          </p:cNvPr>
+          <p:cNvSpPr txBox="1">
+            <a:spLocks/>
+          </p:cNvSpPr>
+          <p:nvPr/>
+        </p:nvSpPr>
+        <p:spPr>
+          <a:xfrm>
+            <a:off x="345828" y="-22281"/>
+            <a:ext cx="10515600" cy="1325563"/>
+          </a:xfrm>
+          <a:prstGeom prst="rect">
+            <a:avLst/>
+          </a:prstGeom>
+        </p:spPr>
+        <p:txBody>
+          <a:bodyPr vert="horz" lIns="91440" tIns="45720" rIns="91440" bIns="45720" rtlCol="0" anchor="ctr">
+            <a:normAutofit/>
+          </a:bodyPr>
+          <a:lstStyle>
+            <a:lvl1pPr algn="l" defTabSz="914400" rtl="0" eaLnBrk="1" latinLnBrk="0" hangingPunct="1">
+              <a:lnSpc>
+                <a:spcPct val="90000"/>
+              </a:lnSpc>
+              <a:spcBef>
+                <a:spcPct val="0"/>
+              </a:spcBef>
+              <a:buNone/>
+              <a:defRPr sz="4400" kern="1200">
+                <a:solidFill>
+                  <a:schemeClr val="tx1"/>
+                </a:solidFill>
+                <a:latin typeface="+mj-lt"/>
+                <a:ea typeface="+mj-ea"/>
+                <a:cs typeface="+mj-cs"/>
+              </a:defRPr>
+            </a:lvl1pPr>
+          </a:lstStyle>
+          <a:p>
+            <a:r>
+              <a:rPr lang="en-US"/>
+              <a:t>My Philosophies on … </a:t>
+            </a:r>
+            <a:endParaRPr lang="en-US" dirty="0"/>
+          </a:p>
+        </p:txBody>
+      </p:sp>
+      <p:sp>
+        <p:nvSpPr>
+          <p:cNvPr id="6" name="TextBox 5">
+            <a:extLst>
+              <a:ext uri="{FF2B5EF4-FFF2-40B4-BE49-F238E27FC236}">
+                <a16:creationId xmlns:a16="http://schemas.microsoft.com/office/drawing/2014/main" id="{22E1AA7B-B076-444B-84D8-DA2C873ED78D}"/>
+              </a:ext>
+            </a:extLst>
+          </p:cNvPr>
+          <p:cNvSpPr txBox="1"/>
+          <p:nvPr/>
+        </p:nvSpPr>
+        <p:spPr>
+          <a:xfrm>
+            <a:off x="6667128" y="271168"/>
+            <a:ext cx="3708647" cy="369332"/>
+          </a:xfrm>
+          <a:prstGeom prst="rect">
+            <a:avLst/>
+          </a:prstGeom>
+          <a:noFill/>
+        </p:spPr>
+        <p:txBody>
+          <a:bodyPr wrap="square">
+            <a:spAutoFit/>
+          </a:bodyPr>
+          <a:lstStyle/>
+          <a:p>
+            <a:r>
+              <a:rPr lang="en-US" b="1" dirty="0"/>
+              <a:t>Being Proactive about your learning</a:t>
+            </a:r>
+          </a:p>
+        </p:txBody>
+      </p:sp>
+      <p:sp>
+        <p:nvSpPr>
+          <p:cNvPr id="8" name="TextBox 7">
+            <a:extLst>
+              <a:ext uri="{FF2B5EF4-FFF2-40B4-BE49-F238E27FC236}">
+                <a16:creationId xmlns:a16="http://schemas.microsoft.com/office/drawing/2014/main" id="{509119B2-F320-4872-B5D7-22C3F9BB3C9B}"/>
+              </a:ext>
+            </a:extLst>
+          </p:cNvPr>
+          <p:cNvSpPr txBox="1"/>
+          <p:nvPr/>
+        </p:nvSpPr>
+        <p:spPr>
+          <a:xfrm>
+            <a:off x="145329" y="1839042"/>
+            <a:ext cx="6094520" cy="3693319"/>
+          </a:xfrm>
+          <a:prstGeom prst="rect">
+            <a:avLst/>
+          </a:prstGeom>
+          <a:noFill/>
+        </p:spPr>
+        <p:txBody>
+          <a:bodyPr wrap="square">
+            <a:spAutoFit/>
+          </a:bodyPr>
+          <a:lstStyle/>
+          <a:p>
+            <a:pPr algn="l" fontAlgn="base"/>
+            <a:r>
+              <a:rPr lang="en-US" b="0" i="0" dirty="0">
+                <a:solidFill>
+                  <a:srgbClr val="1A1A1B"/>
+                </a:solidFill>
+                <a:effectLst/>
+                <a:latin typeface="Noto Sans"/>
+              </a:rPr>
+              <a:t>I don't take notes at all. Everything you need to remember is on power points, the text book, internet. What you should do is spent 95% of your time just trying to understand what's going on. Use that remaining 5% asking questions.</a:t>
+            </a:r>
+          </a:p>
+          <a:p>
+            <a:pPr algn="l" fontAlgn="base"/>
+            <a:endParaRPr lang="en-US" b="0" i="0" dirty="0">
+              <a:solidFill>
+                <a:srgbClr val="1A1A1B"/>
+              </a:solidFill>
+              <a:effectLst/>
+              <a:latin typeface="Noto Sans"/>
+            </a:endParaRPr>
+          </a:p>
+          <a:p>
+            <a:pPr algn="l" fontAlgn="base"/>
+            <a:r>
+              <a:rPr lang="en-US" b="0" i="0" dirty="0">
+                <a:solidFill>
+                  <a:srgbClr val="1A1A1B"/>
+                </a:solidFill>
+                <a:effectLst/>
+                <a:latin typeface="Noto Sans"/>
+              </a:rPr>
+              <a:t>I don't give a f*** if you're shy or don't want to be the annoying kid that asks questions. Be proactive. Sit in class to learn, not to record. If the prof tells you "X", ask why "X"? Why not "Y"? What happens to "X" if "Z" happens?</a:t>
+            </a:r>
+          </a:p>
+          <a:p>
+            <a:pPr algn="l" fontAlgn="base"/>
+            <a:r>
+              <a:rPr lang="en-US" b="0" i="0" dirty="0">
+                <a:solidFill>
+                  <a:srgbClr val="1A1A1B"/>
+                </a:solidFill>
+                <a:effectLst/>
+                <a:latin typeface="Noto Sans"/>
+              </a:rPr>
+              <a:t>And after class is over, try to apply the knowledge. When you see how the knowledge you just acquired fits with previous knowledge, then you will have a deeper understanding.</a:t>
+            </a:r>
+          </a:p>
+          <a:p>
+            <a:pPr algn="l" fontAlgn="base"/>
+            <a:endParaRPr lang="en-US" b="0" i="0" dirty="0">
+              <a:solidFill>
+                <a:srgbClr val="1A1A1B"/>
+              </a:solidFill>
+              <a:effectLst/>
+              <a:latin typeface="Noto Sans"/>
+            </a:endParaRPr>
+          </a:p>
+        </p:txBody>
+      </p:sp>
+      <p:sp>
+        <p:nvSpPr>
+          <p:cNvPr id="10" name="TextBox 9">
+            <a:extLst>
+              <a:ext uri="{FF2B5EF4-FFF2-40B4-BE49-F238E27FC236}">
+                <a16:creationId xmlns:a16="http://schemas.microsoft.com/office/drawing/2014/main" id="{504BF725-DCC5-4BAA-B0A6-F243CCD4DFDD}"/>
+              </a:ext>
+            </a:extLst>
+          </p:cNvPr>
+          <p:cNvSpPr txBox="1"/>
+          <p:nvPr/>
+        </p:nvSpPr>
+        <p:spPr>
+          <a:xfrm>
+            <a:off x="233036" y="1064551"/>
+            <a:ext cx="9603419" cy="369332"/>
+          </a:xfrm>
+          <a:prstGeom prst="rect">
+            <a:avLst/>
+          </a:prstGeom>
+          <a:solidFill>
+            <a:schemeClr val="accent6">
+              <a:lumMod val="20000"/>
+              <a:lumOff val="80000"/>
+            </a:schemeClr>
+          </a:solidFill>
+        </p:spPr>
+        <p:txBody>
+          <a:bodyPr wrap="square">
+            <a:spAutoFit/>
+          </a:bodyPr>
+          <a:lstStyle/>
+          <a:p>
+            <a:r>
+              <a:rPr lang="en-US" dirty="0"/>
+              <a:t>https://www.reddit.com/r/compsci/comments/5poqu6/how_do_you_take_notes_in_lectures/</a:t>
+            </a:r>
+          </a:p>
+        </p:txBody>
+      </p:sp>
+      <p:pic>
+        <p:nvPicPr>
+          <p:cNvPr id="15" name="Picture 14">
+            <a:extLst>
+              <a:ext uri="{FF2B5EF4-FFF2-40B4-BE49-F238E27FC236}">
+                <a16:creationId xmlns:a16="http://schemas.microsoft.com/office/drawing/2014/main" id="{AAA2EF1A-54A3-48A7-A3B2-3D74A706625C}"/>
+              </a:ext>
+            </a:extLst>
+          </p:cNvPr>
+          <p:cNvPicPr>
+            <a:picLocks noChangeAspect="1"/>
+          </p:cNvPicPr>
+          <p:nvPr/>
+        </p:nvPicPr>
+        <p:blipFill>
+          <a:blip r:embed="rId2"/>
+          <a:stretch>
+            <a:fillRect/>
+          </a:stretch>
+        </p:blipFill>
+        <p:spPr>
+          <a:xfrm>
+            <a:off x="7623050" y="2042185"/>
+            <a:ext cx="2752725" cy="1419225"/>
+          </a:xfrm>
+          <a:prstGeom prst="rect">
+            <a:avLst/>
+          </a:prstGeom>
+        </p:spPr>
+      </p:pic>
+      <p:pic>
+        <p:nvPicPr>
+          <p:cNvPr id="17" name="Picture 16">
+            <a:extLst>
+              <a:ext uri="{FF2B5EF4-FFF2-40B4-BE49-F238E27FC236}">
+                <a16:creationId xmlns:a16="http://schemas.microsoft.com/office/drawing/2014/main" id="{01623335-9808-4881-B066-181A877B2937}"/>
+              </a:ext>
+            </a:extLst>
+          </p:cNvPr>
+          <p:cNvPicPr>
+            <a:picLocks noChangeAspect="1"/>
+          </p:cNvPicPr>
+          <p:nvPr/>
+        </p:nvPicPr>
+        <p:blipFill>
+          <a:blip r:embed="rId3"/>
+          <a:stretch>
+            <a:fillRect/>
+          </a:stretch>
+        </p:blipFill>
+        <p:spPr>
+          <a:xfrm>
+            <a:off x="8999412" y="3722611"/>
+            <a:ext cx="2714625" cy="1809750"/>
+          </a:xfrm>
+          <a:prstGeom prst="rect">
+            <a:avLst/>
+          </a:prstGeom>
+        </p:spPr>
+      </p:pic>
+      <p:pic>
+        <p:nvPicPr>
+          <p:cNvPr id="19" name="Picture 18">
+            <a:extLst>
+              <a:ext uri="{FF2B5EF4-FFF2-40B4-BE49-F238E27FC236}">
+                <a16:creationId xmlns:a16="http://schemas.microsoft.com/office/drawing/2014/main" id="{0A0742B3-F5C6-4414-AE7E-31F8DCB77BD1}"/>
+              </a:ext>
+            </a:extLst>
+          </p:cNvPr>
+          <p:cNvPicPr>
+            <a:picLocks noChangeAspect="1"/>
+          </p:cNvPicPr>
+          <p:nvPr/>
+        </p:nvPicPr>
+        <p:blipFill>
+          <a:blip r:embed="rId4"/>
+          <a:stretch>
+            <a:fillRect/>
+          </a:stretch>
+        </p:blipFill>
+        <p:spPr>
+          <a:xfrm>
+            <a:off x="6862531" y="5619750"/>
+            <a:ext cx="2000250" cy="1238250"/>
+          </a:xfrm>
+          <a:prstGeom prst="rect">
+            <a:avLst/>
+          </a:prstGeom>
+        </p:spPr>
+      </p:pic>
+    </p:spTree>
+    <p:extLst>
+      <p:ext uri="{BB962C8B-B14F-4D97-AF65-F5344CB8AC3E}">
+        <p14:creationId xmlns:p14="http://schemas.microsoft.com/office/powerpoint/2010/main" val="1034395953"/>
+      </p:ext>
+    </p:extLst>
+  </p:cSld>
+  <p:clrMapOvr>
+    <a:masterClrMapping/>
+  </p:clrMapOvr>
+</p:sld>
+</file>
+
+<file path=ppt/slides/slide17.xml><?xml version="1.0" encoding="utf-8"?>
+<p:sld xmlns:a="http://schemas.openxmlformats.org/drawingml/2006/main" xmlns:r="http://schemas.openxmlformats.org/officeDocument/2006/relationships" xmlns:p="http://schemas.openxmlformats.org/presentationml/2006/main">
+  <p:cSld>
+    <p:spTree>
+      <p:nvGrpSpPr>
+        <p:cNvPr id="1" name=""/>
+        <p:cNvGrpSpPr/>
+        <p:nvPr/>
+      </p:nvGrpSpPr>
+      <p:grpSpPr>
+        <a:xfrm>
+          <a:off x="0" y="0"/>
+          <a:ext cx="0" cy="0"/>
+          <a:chOff x="0" y="0"/>
+          <a:chExt cx="0" cy="0"/>
+        </a:xfrm>
+      </p:grpSpPr>
+      <p:sp>
+        <p:nvSpPr>
+          <p:cNvPr id="2" name="Title 1">
+            <a:extLst>
+              <a:ext uri="{FF2B5EF4-FFF2-40B4-BE49-F238E27FC236}">
                 <a16:creationId xmlns:a16="http://schemas.microsoft.com/office/drawing/2014/main" id="{0C22B578-B70A-4D68-81A9-4670ECC9A0D9}"/>
               </a:ext>
             </a:extLst>
@@ -6397,7 +7366,7 @@
 </p:sld>
 </file>
 
-<file path=ppt/slides/slide16.xml><?xml version="1.0" encoding="utf-8"?>
+<file path=ppt/slides/slide18.xml><?xml version="1.0" encoding="utf-8"?>
 <p:sld xmlns:a="http://schemas.openxmlformats.org/drawingml/2006/main" xmlns:r="http://schemas.openxmlformats.org/officeDocument/2006/relationships" xmlns:p="http://schemas.openxmlformats.org/presentationml/2006/main">
   <p:cSld>
     <p:spTree>
@@ -6429,7 +7398,7 @@
           <p:nvPr/>
         </p:nvPicPr>
         <p:blipFill>
-          <a:blip r:embed="rId2">
+          <a:blip r:embed="rId2" cstate="hqprint">
             <a:extLst>
               <a:ext uri="{28A0092B-C50C-407E-A947-70E740481C1C}">
                 <a14:useLocalDpi xmlns:a14="http://schemas.microsoft.com/office/drawing/2010/main" val="0"/>
@@ -6498,10 +7467,9 @@
           </a:lstStyle>
           <a:p>
             <a:r>
-              <a:rPr lang="en-US"/>
+              <a:rPr lang="en-US" dirty="0"/>
               <a:t>My Philosophies on … </a:t>
             </a:r>
-            <a:endParaRPr lang="en-US" dirty="0"/>
           </a:p>
         </p:txBody>
       </p:sp>
@@ -9479,6 +10447,60 @@
 </p:sld>
 </file>
 
+<file path=ppt/slides/slide19.xml><?xml version="1.0" encoding="utf-8"?>
+<p:sld xmlns:a="http://schemas.openxmlformats.org/drawingml/2006/main" xmlns:r="http://schemas.openxmlformats.org/officeDocument/2006/relationships" xmlns:p="http://schemas.openxmlformats.org/presentationml/2006/main">
+  <p:cSld>
+    <p:spTree>
+      <p:nvGrpSpPr>
+        <p:cNvPr id="1" name=""/>
+        <p:cNvGrpSpPr/>
+        <p:nvPr/>
+      </p:nvGrpSpPr>
+      <p:grpSpPr>
+        <a:xfrm>
+          <a:off x="0" y="0"/>
+          <a:ext cx="0" cy="0"/>
+          <a:chOff x="0" y="0"/>
+          <a:chExt cx="0" cy="0"/>
+        </a:xfrm>
+      </p:grpSpPr>
+      <p:pic>
+        <p:nvPicPr>
+          <p:cNvPr id="4" name="Picture 3"/>
+          <p:cNvPicPr>
+            <a:picLocks noChangeAspect="1"/>
+          </p:cNvPicPr>
+          <p:nvPr/>
+        </p:nvPicPr>
+        <p:blipFill>
+          <a:blip r:embed="rId2"/>
+          <a:stretch>
+            <a:fillRect/>
+          </a:stretch>
+        </p:blipFill>
+        <p:spPr>
+          <a:xfrm>
+            <a:off x="616947" y="260622"/>
+            <a:ext cx="10850158" cy="5811838"/>
+          </a:xfrm>
+          <a:prstGeom prst="rect">
+            <a:avLst/>
+          </a:prstGeom>
+        </p:spPr>
+      </p:pic>
+    </p:spTree>
+    <p:extLst>
+      <p:ext uri="{BB962C8B-B14F-4D97-AF65-F5344CB8AC3E}">
+        <p14:creationId xmlns:p14="http://schemas.microsoft.com/office/powerpoint/2010/main" val="2342704702"/>
+      </p:ext>
+    </p:extLst>
+  </p:cSld>
+  <p:clrMapOvr>
+    <a:masterClrMapping/>
+  </p:clrMapOvr>
+</p:sld>
+</file>
+
 <file path=ppt/slides/slide2.xml><?xml version="1.0" encoding="utf-8"?>
 <p:sld xmlns:a="http://schemas.openxmlformats.org/drawingml/2006/main" xmlns:r="http://schemas.openxmlformats.org/officeDocument/2006/relationships" xmlns:p="http://schemas.openxmlformats.org/presentationml/2006/main">
   <p:cSld>
@@ -9970,6 +10992,362 @@
 </p:sld>
 </file>
 
+<file path=ppt/slides/slide20.xml><?xml version="1.0" encoding="utf-8"?>
+<p:sld xmlns:a="http://schemas.openxmlformats.org/drawingml/2006/main" xmlns:r="http://schemas.openxmlformats.org/officeDocument/2006/relationships" xmlns:p="http://schemas.openxmlformats.org/presentationml/2006/main">
+  <p:cSld>
+    <p:spTree>
+      <p:nvGrpSpPr>
+        <p:cNvPr id="1" name=""/>
+        <p:cNvGrpSpPr/>
+        <p:nvPr/>
+      </p:nvGrpSpPr>
+      <p:grpSpPr>
+        <a:xfrm>
+          <a:off x="0" y="0"/>
+          <a:ext cx="0" cy="0"/>
+          <a:chOff x="0" y="0"/>
+          <a:chExt cx="0" cy="0"/>
+        </a:xfrm>
+      </p:grpSpPr>
+      <p:sp>
+        <p:nvSpPr>
+          <p:cNvPr id="2" name="Title 1"/>
+          <p:cNvSpPr>
+            <a:spLocks noGrp="1"/>
+          </p:cNvSpPr>
+          <p:nvPr>
+            <p:ph type="title"/>
+          </p:nvPr>
+        </p:nvSpPr>
+        <p:spPr/>
+        <p:txBody>
+          <a:bodyPr/>
+          <a:lstStyle/>
+          <a:p>
+            <a:endParaRPr lang="en-US"/>
+          </a:p>
+        </p:txBody>
+      </p:sp>
+      <p:sp>
+        <p:nvSpPr>
+          <p:cNvPr id="3" name="Content Placeholder 2"/>
+          <p:cNvSpPr>
+            <a:spLocks noGrp="1"/>
+          </p:cNvSpPr>
+          <p:nvPr>
+            <p:ph idx="1"/>
+          </p:nvPr>
+        </p:nvSpPr>
+        <p:spPr/>
+        <p:txBody>
+          <a:bodyPr/>
+          <a:lstStyle/>
+          <a:p>
+            <a:endParaRPr lang="en-US"/>
+          </a:p>
+        </p:txBody>
+      </p:sp>
+      <p:pic>
+        <p:nvPicPr>
+          <p:cNvPr id="4" name="Picture 3"/>
+          <p:cNvPicPr>
+            <a:picLocks noChangeAspect="1"/>
+          </p:cNvPicPr>
+          <p:nvPr/>
+        </p:nvPicPr>
+        <p:blipFill>
+          <a:blip r:embed="rId2"/>
+          <a:stretch>
+            <a:fillRect/>
+          </a:stretch>
+        </p:blipFill>
+        <p:spPr>
+          <a:xfrm>
+            <a:off x="2619375" y="2776537"/>
+            <a:ext cx="6953250" cy="1304925"/>
+          </a:xfrm>
+          <a:prstGeom prst="rect">
+            <a:avLst/>
+          </a:prstGeom>
+        </p:spPr>
+      </p:pic>
+      <p:pic>
+        <p:nvPicPr>
+          <p:cNvPr id="5" name="Picture 4"/>
+          <p:cNvPicPr>
+            <a:picLocks noChangeAspect="1"/>
+          </p:cNvPicPr>
+          <p:nvPr/>
+        </p:nvPicPr>
+        <p:blipFill>
+          <a:blip r:embed="rId3"/>
+          <a:stretch>
+            <a:fillRect/>
+          </a:stretch>
+        </p:blipFill>
+        <p:spPr>
+          <a:xfrm>
+            <a:off x="838200" y="114265"/>
+            <a:ext cx="6391275" cy="1238250"/>
+          </a:xfrm>
+          <a:prstGeom prst="rect">
+            <a:avLst/>
+          </a:prstGeom>
+        </p:spPr>
+      </p:pic>
+      <p:pic>
+        <p:nvPicPr>
+          <p:cNvPr id="6" name="Picture 5"/>
+          <p:cNvPicPr>
+            <a:picLocks noChangeAspect="1"/>
+          </p:cNvPicPr>
+          <p:nvPr/>
+        </p:nvPicPr>
+        <p:blipFill>
+          <a:blip r:embed="rId4"/>
+          <a:stretch>
+            <a:fillRect/>
+          </a:stretch>
+        </p:blipFill>
+        <p:spPr>
+          <a:xfrm>
+            <a:off x="382360" y="5467350"/>
+            <a:ext cx="5486400" cy="1390650"/>
+          </a:xfrm>
+          <a:prstGeom prst="rect">
+            <a:avLst/>
+          </a:prstGeom>
+        </p:spPr>
+      </p:pic>
+      <p:pic>
+        <p:nvPicPr>
+          <p:cNvPr id="8" name="Picture 7"/>
+          <p:cNvPicPr>
+            <a:picLocks noChangeAspect="1"/>
+          </p:cNvPicPr>
+          <p:nvPr/>
+        </p:nvPicPr>
+        <p:blipFill>
+          <a:blip r:embed="rId5"/>
+          <a:stretch>
+            <a:fillRect/>
+          </a:stretch>
+        </p:blipFill>
+        <p:spPr>
+          <a:xfrm>
+            <a:off x="5524933" y="3497113"/>
+            <a:ext cx="5381625" cy="1419225"/>
+          </a:xfrm>
+          <a:prstGeom prst="rect">
+            <a:avLst/>
+          </a:prstGeom>
+        </p:spPr>
+      </p:pic>
+      <p:pic>
+        <p:nvPicPr>
+          <p:cNvPr id="9" name="Picture 8"/>
+          <p:cNvPicPr>
+            <a:picLocks noChangeAspect="1"/>
+          </p:cNvPicPr>
+          <p:nvPr/>
+        </p:nvPicPr>
+        <p:blipFill>
+          <a:blip r:embed="rId6"/>
+          <a:stretch>
+            <a:fillRect/>
+          </a:stretch>
+        </p:blipFill>
+        <p:spPr>
+          <a:xfrm>
+            <a:off x="5909072" y="1091406"/>
+            <a:ext cx="5753100" cy="1295400"/>
+          </a:xfrm>
+          <a:prstGeom prst="rect">
+            <a:avLst/>
+          </a:prstGeom>
+        </p:spPr>
+      </p:pic>
+      <p:pic>
+        <p:nvPicPr>
+          <p:cNvPr id="10" name="Picture 9"/>
+          <p:cNvPicPr>
+            <a:picLocks noChangeAspect="1"/>
+          </p:cNvPicPr>
+          <p:nvPr/>
+        </p:nvPicPr>
+        <p:blipFill>
+          <a:blip r:embed="rId7"/>
+          <a:stretch>
+            <a:fillRect/>
+          </a:stretch>
+        </p:blipFill>
+        <p:spPr>
+          <a:xfrm>
+            <a:off x="950119" y="1638227"/>
+            <a:ext cx="4724400" cy="1304925"/>
+          </a:xfrm>
+          <a:prstGeom prst="rect">
+            <a:avLst/>
+          </a:prstGeom>
+        </p:spPr>
+      </p:pic>
+      <p:pic>
+        <p:nvPicPr>
+          <p:cNvPr id="11" name="Picture 10"/>
+          <p:cNvPicPr>
+            <a:picLocks noChangeAspect="1"/>
+          </p:cNvPicPr>
+          <p:nvPr/>
+        </p:nvPicPr>
+        <p:blipFill>
+          <a:blip r:embed="rId8"/>
+          <a:stretch>
+            <a:fillRect/>
+          </a:stretch>
+        </p:blipFill>
+        <p:spPr>
+          <a:xfrm>
+            <a:off x="631570" y="3509962"/>
+            <a:ext cx="5257800" cy="1257300"/>
+          </a:xfrm>
+          <a:prstGeom prst="rect">
+            <a:avLst/>
+          </a:prstGeom>
+        </p:spPr>
+      </p:pic>
+      <p:pic>
+        <p:nvPicPr>
+          <p:cNvPr id="12" name="Picture 11"/>
+          <p:cNvPicPr>
+            <a:picLocks noChangeAspect="1"/>
+          </p:cNvPicPr>
+          <p:nvPr/>
+        </p:nvPicPr>
+        <p:blipFill>
+          <a:blip r:embed="rId9"/>
+          <a:stretch>
+            <a:fillRect/>
+          </a:stretch>
+        </p:blipFill>
+        <p:spPr>
+          <a:xfrm>
+            <a:off x="6800850" y="125519"/>
+            <a:ext cx="5095875" cy="1266825"/>
+          </a:xfrm>
+          <a:prstGeom prst="rect">
+            <a:avLst/>
+          </a:prstGeom>
+        </p:spPr>
+      </p:pic>
+      <p:pic>
+        <p:nvPicPr>
+          <p:cNvPr id="13" name="Picture 12"/>
+          <p:cNvPicPr>
+            <a:picLocks noChangeAspect="1"/>
+          </p:cNvPicPr>
+          <p:nvPr/>
+        </p:nvPicPr>
+        <p:blipFill>
+          <a:blip r:embed="rId10"/>
+          <a:stretch>
+            <a:fillRect/>
+          </a:stretch>
+        </p:blipFill>
+        <p:spPr>
+          <a:xfrm>
+            <a:off x="6048374" y="5557838"/>
+            <a:ext cx="5476875" cy="1314450"/>
+          </a:xfrm>
+          <a:prstGeom prst="rect">
+            <a:avLst/>
+          </a:prstGeom>
+        </p:spPr>
+      </p:pic>
+      <p:pic>
+        <p:nvPicPr>
+          <p:cNvPr id="14" name="Picture 13"/>
+          <p:cNvPicPr>
+            <a:picLocks noChangeAspect="1"/>
+          </p:cNvPicPr>
+          <p:nvPr/>
+        </p:nvPicPr>
+        <p:blipFill>
+          <a:blip r:embed="rId11"/>
+          <a:stretch>
+            <a:fillRect/>
+          </a:stretch>
+        </p:blipFill>
+        <p:spPr>
+          <a:xfrm>
+            <a:off x="478972" y="4776787"/>
+            <a:ext cx="5438775" cy="1228725"/>
+          </a:xfrm>
+          <a:prstGeom prst="rect">
+            <a:avLst/>
+          </a:prstGeom>
+        </p:spPr>
+      </p:pic>
+      <p:pic>
+        <p:nvPicPr>
+          <p:cNvPr id="15" name="Picture 14"/>
+          <p:cNvPicPr>
+            <a:picLocks noChangeAspect="1"/>
+          </p:cNvPicPr>
+          <p:nvPr/>
+        </p:nvPicPr>
+        <p:blipFill>
+          <a:blip r:embed="rId12"/>
+          <a:stretch>
+            <a:fillRect/>
+          </a:stretch>
+        </p:blipFill>
+        <p:spPr>
+          <a:xfrm>
+            <a:off x="5638800" y="1739106"/>
+            <a:ext cx="4695825" cy="1219200"/>
+          </a:xfrm>
+          <a:prstGeom prst="rect">
+            <a:avLst/>
+          </a:prstGeom>
+        </p:spPr>
+      </p:pic>
+      <p:pic>
+        <p:nvPicPr>
+          <p:cNvPr id="7" name="Picture 6"/>
+          <p:cNvPicPr>
+            <a:picLocks noChangeAspect="1"/>
+          </p:cNvPicPr>
+          <p:nvPr/>
+        </p:nvPicPr>
+        <p:blipFill>
+          <a:blip r:embed="rId13"/>
+          <a:stretch>
+            <a:fillRect/>
+          </a:stretch>
+        </p:blipFill>
+        <p:spPr>
+          <a:xfrm>
+            <a:off x="6048374" y="4700515"/>
+            <a:ext cx="5716385" cy="1067808"/>
+          </a:xfrm>
+          <a:prstGeom prst="rect">
+            <a:avLst/>
+          </a:prstGeom>
+        </p:spPr>
+      </p:pic>
+    </p:spTree>
+    <p:extLst>
+      <p:ext uri="{BB962C8B-B14F-4D97-AF65-F5344CB8AC3E}">
+        <p14:creationId xmlns:p14="http://schemas.microsoft.com/office/powerpoint/2010/main" val="2628005039"/>
+      </p:ext>
+    </p:extLst>
+  </p:cSld>
+  <p:clrMapOvr>
+    <a:masterClrMapping/>
+  </p:clrMapOvr>
+</p:sld>
+</file>
+
 <file path=ppt/slides/slide3.xml><?xml version="1.0" encoding="utf-8"?>
 <p:sld xmlns:a="http://schemas.openxmlformats.org/drawingml/2006/main" xmlns:r="http://schemas.openxmlformats.org/officeDocument/2006/relationships" xmlns:p="http://schemas.openxmlformats.org/presentationml/2006/main">
   <p:cSld>
@@ -10182,6 +11560,502 @@
       </p:grpSpPr>
       <p:sp>
         <p:nvSpPr>
+          <p:cNvPr id="2" name="Title 1"/>
+          <p:cNvSpPr>
+            <a:spLocks noGrp="1"/>
+          </p:cNvSpPr>
+          <p:nvPr>
+            <p:ph type="title"/>
+          </p:nvPr>
+        </p:nvSpPr>
+        <p:spPr/>
+        <p:txBody>
+          <a:bodyPr/>
+          <a:lstStyle/>
+          <a:p>
+            <a:endParaRPr lang="en-US"/>
+          </a:p>
+        </p:txBody>
+      </p:sp>
+      <p:sp>
+        <p:nvSpPr>
+          <p:cNvPr id="3" name="Content Placeholder 2"/>
+          <p:cNvSpPr>
+            <a:spLocks noGrp="1"/>
+          </p:cNvSpPr>
+          <p:nvPr>
+            <p:ph idx="1"/>
+          </p:nvPr>
+        </p:nvSpPr>
+        <p:spPr/>
+        <p:txBody>
+          <a:bodyPr/>
+          <a:lstStyle/>
+          <a:p>
+            <a:endParaRPr lang="en-US"/>
+          </a:p>
+        </p:txBody>
+      </p:sp>
+      <p:pic>
+        <p:nvPicPr>
+          <p:cNvPr id="4" name="Picture 3"/>
+          <p:cNvPicPr>
+            <a:picLocks noChangeAspect="1"/>
+          </p:cNvPicPr>
+          <p:nvPr/>
+        </p:nvPicPr>
+        <p:blipFill>
+          <a:blip r:embed="rId2"/>
+          <a:stretch>
+            <a:fillRect/>
+          </a:stretch>
+        </p:blipFill>
+        <p:spPr>
+          <a:xfrm>
+            <a:off x="1002203" y="764771"/>
+            <a:ext cx="3382674" cy="3746962"/>
+          </a:xfrm>
+          <a:prstGeom prst="rect">
+            <a:avLst/>
+          </a:prstGeom>
+        </p:spPr>
+      </p:pic>
+      <p:pic>
+        <p:nvPicPr>
+          <p:cNvPr id="5" name="Picture 4"/>
+          <p:cNvPicPr>
+            <a:picLocks noChangeAspect="1"/>
+          </p:cNvPicPr>
+          <p:nvPr/>
+        </p:nvPicPr>
+        <p:blipFill>
+          <a:blip r:embed="rId3"/>
+          <a:stretch>
+            <a:fillRect/>
+          </a:stretch>
+        </p:blipFill>
+        <p:spPr>
+          <a:xfrm>
+            <a:off x="8809676" y="598516"/>
+            <a:ext cx="2974134" cy="4327121"/>
+          </a:xfrm>
+          <a:prstGeom prst="rect">
+            <a:avLst/>
+          </a:prstGeom>
+        </p:spPr>
+      </p:pic>
+      <p:pic>
+        <p:nvPicPr>
+          <p:cNvPr id="6" name="Picture 5"/>
+          <p:cNvPicPr>
+            <a:picLocks noChangeAspect="1"/>
+          </p:cNvPicPr>
+          <p:nvPr/>
+        </p:nvPicPr>
+        <p:blipFill>
+          <a:blip r:embed="rId4"/>
+          <a:stretch>
+            <a:fillRect/>
+          </a:stretch>
+        </p:blipFill>
+        <p:spPr>
+          <a:xfrm>
+            <a:off x="5141049" y="2762076"/>
+            <a:ext cx="3238617" cy="3588240"/>
+          </a:xfrm>
+          <a:prstGeom prst="rect">
+            <a:avLst/>
+          </a:prstGeom>
+        </p:spPr>
+      </p:pic>
+    </p:spTree>
+    <p:extLst>
+      <p:ext uri="{BB962C8B-B14F-4D97-AF65-F5344CB8AC3E}">
+        <p14:creationId xmlns:p14="http://schemas.microsoft.com/office/powerpoint/2010/main" val="1331018834"/>
+      </p:ext>
+    </p:extLst>
+  </p:cSld>
+  <p:clrMapOvr>
+    <a:masterClrMapping/>
+  </p:clrMapOvr>
+</p:sld>
+</file>
+
+<file path=ppt/slides/slide5.xml><?xml version="1.0" encoding="utf-8"?>
+<p:sld xmlns:a="http://schemas.openxmlformats.org/drawingml/2006/main" xmlns:r="http://schemas.openxmlformats.org/officeDocument/2006/relationships" xmlns:p="http://schemas.openxmlformats.org/presentationml/2006/main">
+  <p:cSld>
+    <p:spTree>
+      <p:nvGrpSpPr>
+        <p:cNvPr id="1" name=""/>
+        <p:cNvGrpSpPr/>
+        <p:nvPr/>
+      </p:nvGrpSpPr>
+      <p:grpSpPr>
+        <a:xfrm>
+          <a:off x="0" y="0"/>
+          <a:ext cx="0" cy="0"/>
+          <a:chOff x="0" y="0"/>
+          <a:chExt cx="0" cy="0"/>
+        </a:xfrm>
+      </p:grpSpPr>
+      <p:sp>
+        <p:nvSpPr>
+          <p:cNvPr id="2" name="Title 1"/>
+          <p:cNvSpPr>
+            <a:spLocks noGrp="1"/>
+          </p:cNvSpPr>
+          <p:nvPr>
+            <p:ph type="title"/>
+          </p:nvPr>
+        </p:nvSpPr>
+        <p:spPr/>
+        <p:txBody>
+          <a:bodyPr/>
+          <a:lstStyle/>
+          <a:p>
+            <a:endParaRPr lang="en-US"/>
+          </a:p>
+        </p:txBody>
+      </p:sp>
+      <p:sp>
+        <p:nvSpPr>
+          <p:cNvPr id="3" name="Content Placeholder 2"/>
+          <p:cNvSpPr>
+            <a:spLocks noGrp="1"/>
+          </p:cNvSpPr>
+          <p:nvPr>
+            <p:ph idx="1"/>
+          </p:nvPr>
+        </p:nvSpPr>
+        <p:spPr/>
+        <p:txBody>
+          <a:bodyPr/>
+          <a:lstStyle/>
+          <a:p>
+            <a:endParaRPr lang="en-US"/>
+          </a:p>
+        </p:txBody>
+      </p:sp>
+      <p:pic>
+        <p:nvPicPr>
+          <p:cNvPr id="4" name="Picture 3"/>
+          <p:cNvPicPr>
+            <a:picLocks noChangeAspect="1"/>
+          </p:cNvPicPr>
+          <p:nvPr/>
+        </p:nvPicPr>
+        <p:blipFill>
+          <a:blip r:embed="rId2"/>
+          <a:stretch>
+            <a:fillRect/>
+          </a:stretch>
+        </p:blipFill>
+        <p:spPr>
+          <a:xfrm>
+            <a:off x="2619375" y="2776537"/>
+            <a:ext cx="6953250" cy="1304925"/>
+          </a:xfrm>
+          <a:prstGeom prst="rect">
+            <a:avLst/>
+          </a:prstGeom>
+        </p:spPr>
+      </p:pic>
+      <p:pic>
+        <p:nvPicPr>
+          <p:cNvPr id="5" name="Picture 4"/>
+          <p:cNvPicPr>
+            <a:picLocks noChangeAspect="1"/>
+          </p:cNvPicPr>
+          <p:nvPr/>
+        </p:nvPicPr>
+        <p:blipFill>
+          <a:blip r:embed="rId3"/>
+          <a:stretch>
+            <a:fillRect/>
+          </a:stretch>
+        </p:blipFill>
+        <p:spPr>
+          <a:xfrm>
+            <a:off x="838200" y="114265"/>
+            <a:ext cx="6391275" cy="1238250"/>
+          </a:xfrm>
+          <a:prstGeom prst="rect">
+            <a:avLst/>
+          </a:prstGeom>
+        </p:spPr>
+      </p:pic>
+      <p:pic>
+        <p:nvPicPr>
+          <p:cNvPr id="6" name="Picture 5"/>
+          <p:cNvPicPr>
+            <a:picLocks noChangeAspect="1"/>
+          </p:cNvPicPr>
+          <p:nvPr/>
+        </p:nvPicPr>
+        <p:blipFill>
+          <a:blip r:embed="rId4"/>
+          <a:stretch>
+            <a:fillRect/>
+          </a:stretch>
+        </p:blipFill>
+        <p:spPr>
+          <a:xfrm>
+            <a:off x="382360" y="5467350"/>
+            <a:ext cx="5486400" cy="1390650"/>
+          </a:xfrm>
+          <a:prstGeom prst="rect">
+            <a:avLst/>
+          </a:prstGeom>
+        </p:spPr>
+      </p:pic>
+      <p:pic>
+        <p:nvPicPr>
+          <p:cNvPr id="8" name="Picture 7"/>
+          <p:cNvPicPr>
+            <a:picLocks noChangeAspect="1"/>
+          </p:cNvPicPr>
+          <p:nvPr/>
+        </p:nvPicPr>
+        <p:blipFill>
+          <a:blip r:embed="rId5"/>
+          <a:stretch>
+            <a:fillRect/>
+          </a:stretch>
+        </p:blipFill>
+        <p:spPr>
+          <a:xfrm>
+            <a:off x="5524933" y="3497113"/>
+            <a:ext cx="5381625" cy="1419225"/>
+          </a:xfrm>
+          <a:prstGeom prst="rect">
+            <a:avLst/>
+          </a:prstGeom>
+        </p:spPr>
+      </p:pic>
+      <p:pic>
+        <p:nvPicPr>
+          <p:cNvPr id="9" name="Picture 8"/>
+          <p:cNvPicPr>
+            <a:picLocks noChangeAspect="1"/>
+          </p:cNvPicPr>
+          <p:nvPr/>
+        </p:nvPicPr>
+        <p:blipFill>
+          <a:blip r:embed="rId6"/>
+          <a:stretch>
+            <a:fillRect/>
+          </a:stretch>
+        </p:blipFill>
+        <p:spPr>
+          <a:xfrm>
+            <a:off x="5909072" y="1091406"/>
+            <a:ext cx="5753100" cy="1295400"/>
+          </a:xfrm>
+          <a:prstGeom prst="rect">
+            <a:avLst/>
+          </a:prstGeom>
+        </p:spPr>
+      </p:pic>
+      <p:pic>
+        <p:nvPicPr>
+          <p:cNvPr id="10" name="Picture 9"/>
+          <p:cNvPicPr>
+            <a:picLocks noChangeAspect="1"/>
+          </p:cNvPicPr>
+          <p:nvPr/>
+        </p:nvPicPr>
+        <p:blipFill>
+          <a:blip r:embed="rId7"/>
+          <a:stretch>
+            <a:fillRect/>
+          </a:stretch>
+        </p:blipFill>
+        <p:spPr>
+          <a:xfrm>
+            <a:off x="950119" y="1638227"/>
+            <a:ext cx="4724400" cy="1304925"/>
+          </a:xfrm>
+          <a:prstGeom prst="rect">
+            <a:avLst/>
+          </a:prstGeom>
+        </p:spPr>
+      </p:pic>
+      <p:pic>
+        <p:nvPicPr>
+          <p:cNvPr id="11" name="Picture 10"/>
+          <p:cNvPicPr>
+            <a:picLocks noChangeAspect="1"/>
+          </p:cNvPicPr>
+          <p:nvPr/>
+        </p:nvPicPr>
+        <p:blipFill>
+          <a:blip r:embed="rId8"/>
+          <a:stretch>
+            <a:fillRect/>
+          </a:stretch>
+        </p:blipFill>
+        <p:spPr>
+          <a:xfrm>
+            <a:off x="631570" y="3509962"/>
+            <a:ext cx="5257800" cy="1257300"/>
+          </a:xfrm>
+          <a:prstGeom prst="rect">
+            <a:avLst/>
+          </a:prstGeom>
+        </p:spPr>
+      </p:pic>
+      <p:pic>
+        <p:nvPicPr>
+          <p:cNvPr id="12" name="Picture 11"/>
+          <p:cNvPicPr>
+            <a:picLocks noChangeAspect="1"/>
+          </p:cNvPicPr>
+          <p:nvPr/>
+        </p:nvPicPr>
+        <p:blipFill>
+          <a:blip r:embed="rId9"/>
+          <a:stretch>
+            <a:fillRect/>
+          </a:stretch>
+        </p:blipFill>
+        <p:spPr>
+          <a:xfrm>
+            <a:off x="6800850" y="125519"/>
+            <a:ext cx="5095875" cy="1266825"/>
+          </a:xfrm>
+          <a:prstGeom prst="rect">
+            <a:avLst/>
+          </a:prstGeom>
+        </p:spPr>
+      </p:pic>
+      <p:pic>
+        <p:nvPicPr>
+          <p:cNvPr id="13" name="Picture 12"/>
+          <p:cNvPicPr>
+            <a:picLocks noChangeAspect="1"/>
+          </p:cNvPicPr>
+          <p:nvPr/>
+        </p:nvPicPr>
+        <p:blipFill>
+          <a:blip r:embed="rId10"/>
+          <a:stretch>
+            <a:fillRect/>
+          </a:stretch>
+        </p:blipFill>
+        <p:spPr>
+          <a:xfrm>
+            <a:off x="6048374" y="5557838"/>
+            <a:ext cx="5476875" cy="1314450"/>
+          </a:xfrm>
+          <a:prstGeom prst="rect">
+            <a:avLst/>
+          </a:prstGeom>
+        </p:spPr>
+      </p:pic>
+      <p:pic>
+        <p:nvPicPr>
+          <p:cNvPr id="14" name="Picture 13"/>
+          <p:cNvPicPr>
+            <a:picLocks noChangeAspect="1"/>
+          </p:cNvPicPr>
+          <p:nvPr/>
+        </p:nvPicPr>
+        <p:blipFill>
+          <a:blip r:embed="rId11"/>
+          <a:stretch>
+            <a:fillRect/>
+          </a:stretch>
+        </p:blipFill>
+        <p:spPr>
+          <a:xfrm>
+            <a:off x="478972" y="4776787"/>
+            <a:ext cx="5438775" cy="1228725"/>
+          </a:xfrm>
+          <a:prstGeom prst="rect">
+            <a:avLst/>
+          </a:prstGeom>
+        </p:spPr>
+      </p:pic>
+      <p:pic>
+        <p:nvPicPr>
+          <p:cNvPr id="15" name="Picture 14"/>
+          <p:cNvPicPr>
+            <a:picLocks noChangeAspect="1"/>
+          </p:cNvPicPr>
+          <p:nvPr/>
+        </p:nvPicPr>
+        <p:blipFill>
+          <a:blip r:embed="rId12"/>
+          <a:stretch>
+            <a:fillRect/>
+          </a:stretch>
+        </p:blipFill>
+        <p:spPr>
+          <a:xfrm>
+            <a:off x="5638800" y="1739106"/>
+            <a:ext cx="4695825" cy="1219200"/>
+          </a:xfrm>
+          <a:prstGeom prst="rect">
+            <a:avLst/>
+          </a:prstGeom>
+        </p:spPr>
+      </p:pic>
+      <p:pic>
+        <p:nvPicPr>
+          <p:cNvPr id="7" name="Picture 6"/>
+          <p:cNvPicPr>
+            <a:picLocks noChangeAspect="1"/>
+          </p:cNvPicPr>
+          <p:nvPr/>
+        </p:nvPicPr>
+        <p:blipFill>
+          <a:blip r:embed="rId13"/>
+          <a:stretch>
+            <a:fillRect/>
+          </a:stretch>
+        </p:blipFill>
+        <p:spPr>
+          <a:xfrm>
+            <a:off x="6048374" y="4700515"/>
+            <a:ext cx="5716385" cy="1067808"/>
+          </a:xfrm>
+          <a:prstGeom prst="rect">
+            <a:avLst/>
+          </a:prstGeom>
+        </p:spPr>
+      </p:pic>
+    </p:spTree>
+    <p:extLst>
+      <p:ext uri="{BB962C8B-B14F-4D97-AF65-F5344CB8AC3E}">
+        <p14:creationId xmlns:p14="http://schemas.microsoft.com/office/powerpoint/2010/main" val="4190482440"/>
+      </p:ext>
+    </p:extLst>
+  </p:cSld>
+  <p:clrMapOvr>
+    <a:masterClrMapping/>
+  </p:clrMapOvr>
+</p:sld>
+</file>
+
+<file path=ppt/slides/slide6.xml><?xml version="1.0" encoding="utf-8"?>
+<p:sld xmlns:a="http://schemas.openxmlformats.org/drawingml/2006/main" xmlns:r="http://schemas.openxmlformats.org/officeDocument/2006/relationships" xmlns:p="http://schemas.openxmlformats.org/presentationml/2006/main">
+  <p:cSld>
+    <p:spTree>
+      <p:nvGrpSpPr>
+        <p:cNvPr id="1" name=""/>
+        <p:cNvGrpSpPr/>
+        <p:nvPr/>
+      </p:nvGrpSpPr>
+      <p:grpSpPr>
+        <a:xfrm>
+          <a:off x="0" y="0"/>
+          <a:ext cx="0" cy="0"/>
+          <a:chOff x="0" y="0"/>
+          <a:chExt cx="0" cy="0"/>
+        </a:xfrm>
+      </p:grpSpPr>
+      <p:sp>
+        <p:nvSpPr>
           <p:cNvPr id="5" name="TextBox 4">
             <a:extLst>
               <a:ext uri="{FF2B5EF4-FFF2-40B4-BE49-F238E27FC236}">
@@ -10304,31 +12178,6 @@
           </a:p>
         </p:txBody>
       </p:sp>
-      <p:sp>
-        <p:nvSpPr>
-          <p:cNvPr id="8" name="Title 7">
-            <a:extLst>
-              <a:ext uri="{FF2B5EF4-FFF2-40B4-BE49-F238E27FC236}">
-                <a16:creationId xmlns:a16="http://schemas.microsoft.com/office/drawing/2014/main" id="{45276FC3-5BED-49F0-9378-5A31C56416CD}"/>
-              </a:ext>
-            </a:extLst>
-          </p:cNvPr>
-          <p:cNvSpPr>
-            <a:spLocks noGrp="1"/>
-          </p:cNvSpPr>
-          <p:nvPr>
-            <p:ph type="title"/>
-          </p:nvPr>
-        </p:nvSpPr>
-        <p:spPr/>
-        <p:txBody>
-          <a:bodyPr/>
-          <a:lstStyle/>
-          <a:p>
-            <a:endParaRPr lang="en-US"/>
-          </a:p>
-        </p:txBody>
-      </p:sp>
     </p:spTree>
     <p:extLst>
       <p:ext uri="{BB962C8B-B14F-4D97-AF65-F5344CB8AC3E}">
@@ -10342,7 +12191,7 @@
 </p:sld>
 </file>
 
-<file path=ppt/slides/slide5.xml><?xml version="1.0" encoding="utf-8"?>
+<file path=ppt/slides/slide7.xml><?xml version="1.0" encoding="utf-8"?>
 <p:sld xmlns:a="http://schemas.openxmlformats.org/drawingml/2006/main" xmlns:r="http://schemas.openxmlformats.org/officeDocument/2006/relationships" xmlns:p="http://schemas.openxmlformats.org/presentationml/2006/main">
   <p:cSld>
     <p:spTree>
@@ -10390,66 +12239,6 @@
           <a:xfrm>
             <a:off x="2133600" y="2428875"/>
             <a:ext cx="3829050" cy="2609850"/>
-          </a:xfrm>
-          <a:prstGeom prst="rect">
-            <a:avLst/>
-          </a:prstGeom>
-          <a:noFill/>
-          <a:ln>
-            <a:noFill/>
-          </a:ln>
-          <a:extLst>
-            <a:ext uri="{909E8E84-426E-40DD-AFC4-6F175D3DCCD1}">
-              <a14:hiddenFill xmlns:a14="http://schemas.microsoft.com/office/drawing/2010/main">
-                <a:solidFill>
-                  <a:srgbClr val="FFFFFF"/>
-                </a:solidFill>
-              </a14:hiddenFill>
-            </a:ext>
-            <a:ext uri="{91240B29-F687-4F45-9708-019B960494DF}">
-              <a14:hiddenLine xmlns:a14="http://schemas.microsoft.com/office/drawing/2010/main" w="9525">
-                <a:solidFill>
-                  <a:srgbClr val="000000"/>
-                </a:solidFill>
-                <a:miter lim="800000"/>
-                <a:headEnd/>
-                <a:tailEnd/>
-              </a14:hiddenLine>
-            </a:ext>
-          </a:extLst>
-        </p:spPr>
-      </p:pic>
-      <p:pic>
-        <p:nvPicPr>
-          <p:cNvPr id="30725" name="Picture 2">
-            <a:extLst>
-              <a:ext uri="{FF2B5EF4-FFF2-40B4-BE49-F238E27FC236}">
-                <a16:creationId xmlns:a16="http://schemas.microsoft.com/office/drawing/2014/main" id="{3592DD4D-F46E-4CDF-BCB4-24CBB9E00DD1}"/>
-              </a:ext>
-            </a:extLst>
-          </p:cNvPr>
-          <p:cNvPicPr>
-            <a:picLocks noChangeAspect="1" noChangeArrowheads="1"/>
-          </p:cNvPicPr>
-          <p:nvPr/>
-        </p:nvPicPr>
-        <p:blipFill>
-          <a:blip r:embed="rId3">
-            <a:extLst>
-              <a:ext uri="{28A0092B-C50C-407E-A947-70E740481C1C}">
-                <a14:useLocalDpi xmlns:a14="http://schemas.microsoft.com/office/drawing/2010/main" val="0"/>
-              </a:ext>
-            </a:extLst>
-          </a:blip>
-          <a:srcRect/>
-          <a:stretch>
-            <a:fillRect/>
-          </a:stretch>
-        </p:blipFill>
-        <p:spPr bwMode="auto">
-          <a:xfrm>
-            <a:off x="5181600" y="4695825"/>
-            <a:ext cx="4495800" cy="1893888"/>
           </a:xfrm>
           <a:prstGeom prst="rect">
             <a:avLst/>
@@ -10686,6 +12475,90 @@
           </a:p>
         </p:txBody>
       </p:sp>
+      <p:pic>
+        <p:nvPicPr>
+          <p:cNvPr id="2" name="Picture 1"/>
+          <p:cNvPicPr>
+            <a:picLocks noChangeAspect="1"/>
+          </p:cNvPicPr>
+          <p:nvPr/>
+        </p:nvPicPr>
+        <p:blipFill>
+          <a:blip r:embed="rId3"/>
+          <a:stretch>
+            <a:fillRect/>
+          </a:stretch>
+        </p:blipFill>
+        <p:spPr>
+          <a:xfrm>
+            <a:off x="7946778" y="2816879"/>
+            <a:ext cx="3109912" cy="3035274"/>
+          </a:xfrm>
+          <a:prstGeom prst="rect">
+            <a:avLst/>
+          </a:prstGeom>
+        </p:spPr>
+      </p:pic>
+      <p:pic>
+        <p:nvPicPr>
+          <p:cNvPr id="30725" name="Picture 2">
+            <a:extLst>
+              <a:ext uri="{FF2B5EF4-FFF2-40B4-BE49-F238E27FC236}">
+                <a16:creationId xmlns:a16="http://schemas.microsoft.com/office/drawing/2014/main" id="{3592DD4D-F46E-4CDF-BCB4-24CBB9E00DD1}"/>
+              </a:ext>
+            </a:extLst>
+          </p:cNvPr>
+          <p:cNvPicPr>
+            <a:picLocks noChangeAspect="1" noChangeArrowheads="1"/>
+          </p:cNvPicPr>
+          <p:nvPr/>
+        </p:nvPicPr>
+        <p:blipFill>
+          <a:blip r:embed="rId4">
+            <a:extLst>
+              <a:ext uri="{28A0092B-C50C-407E-A947-70E740481C1C}">
+                <a14:useLocalDpi xmlns:a14="http://schemas.microsoft.com/office/drawing/2010/main" val="0"/>
+              </a:ext>
+            </a:extLst>
+          </a:blip>
+          <a:srcRect/>
+          <a:stretch>
+            <a:fillRect/>
+          </a:stretch>
+        </p:blipFill>
+        <p:spPr bwMode="auto">
+          <a:xfrm>
+            <a:off x="5181600" y="4695825"/>
+            <a:ext cx="4495800" cy="1893888"/>
+          </a:xfrm>
+          <a:prstGeom prst="rect">
+            <a:avLst/>
+          </a:prstGeom>
+          <a:noFill/>
+          <a:ln>
+            <a:noFill/>
+          </a:ln>
+          <a:extLst>
+            <a:ext uri="{909E8E84-426E-40DD-AFC4-6F175D3DCCD1}">
+              <a14:hiddenFill xmlns:a14="http://schemas.microsoft.com/office/drawing/2010/main">
+                <a:solidFill>
+                  <a:srgbClr val="FFFFFF"/>
+                </a:solidFill>
+              </a14:hiddenFill>
+            </a:ext>
+            <a:ext uri="{91240B29-F687-4F45-9708-019B960494DF}">
+              <a14:hiddenLine xmlns:a14="http://schemas.microsoft.com/office/drawing/2010/main" w="9525">
+                <a:solidFill>
+                  <a:srgbClr val="000000"/>
+                </a:solidFill>
+                <a:miter lim="800000"/>
+                <a:headEnd/>
+                <a:tailEnd/>
+              </a14:hiddenLine>
+            </a:ext>
+          </a:extLst>
+        </p:spPr>
+      </p:pic>
     </p:spTree>
   </p:cSld>
   <p:clrMapOvr>
@@ -10694,7 +12567,7 @@
 </p:sld>
 </file>
 
-<file path=ppt/slides/slide6.xml><?xml version="1.0" encoding="utf-8"?>
+<file path=ppt/slides/slide8.xml><?xml version="1.0" encoding="utf-8"?>
 <p:sld xmlns:a="http://schemas.openxmlformats.org/drawingml/2006/main" xmlns:r="http://schemas.openxmlformats.org/officeDocument/2006/relationships" xmlns:p="http://schemas.openxmlformats.org/presentationml/2006/main">
   <p:cSld>
     <p:spTree>
@@ -10929,7 +12802,7 @@
 </p:sld>
 </file>
 
-<file path=ppt/slides/slide7.xml><?xml version="1.0" encoding="utf-8"?>
+<file path=ppt/slides/slide9.xml><?xml version="1.0" encoding="utf-8"?>
 <p:sld xmlns:a="http://schemas.openxmlformats.org/drawingml/2006/main" xmlns:r="http://schemas.openxmlformats.org/officeDocument/2006/relationships" xmlns:p="http://schemas.openxmlformats.org/presentationml/2006/main">
   <p:cSld>
     <p:spTree>
@@ -11605,1005 +13478,6 @@
 </p:sld>
 </file>
 
-<file path=ppt/slides/slide8.xml><?xml version="1.0" encoding="utf-8"?>
-<p:sld xmlns:a="http://schemas.openxmlformats.org/drawingml/2006/main" xmlns:r="http://schemas.openxmlformats.org/officeDocument/2006/relationships" xmlns:p="http://schemas.openxmlformats.org/presentationml/2006/main">
-  <p:cSld>
-    <p:spTree>
-      <p:nvGrpSpPr>
-        <p:cNvPr id="1" name=""/>
-        <p:cNvGrpSpPr/>
-        <p:nvPr/>
-      </p:nvGrpSpPr>
-      <p:grpSpPr>
-        <a:xfrm>
-          <a:off x="0" y="0"/>
-          <a:ext cx="0" cy="0"/>
-          <a:chOff x="0" y="0"/>
-          <a:chExt cx="0" cy="0"/>
-        </a:xfrm>
-      </p:grpSpPr>
-      <p:pic>
-        <p:nvPicPr>
-          <p:cNvPr id="17" name="Picture 16">
-            <a:extLst>
-              <a:ext uri="{FF2B5EF4-FFF2-40B4-BE49-F238E27FC236}">
-                <a16:creationId xmlns:a16="http://schemas.microsoft.com/office/drawing/2014/main" id="{8A3D3DED-086B-44CB-99B4-BE65E2A12051}"/>
-              </a:ext>
-            </a:extLst>
-          </p:cNvPr>
-          <p:cNvPicPr>
-            <a:picLocks noChangeAspect="1"/>
-          </p:cNvPicPr>
-          <p:nvPr/>
-        </p:nvPicPr>
-        <p:blipFill>
-          <a:blip r:embed="rId2"/>
-          <a:stretch>
-            <a:fillRect/>
-          </a:stretch>
-        </p:blipFill>
-        <p:spPr>
-          <a:xfrm>
-            <a:off x="1943851" y="0"/>
-            <a:ext cx="6333613" cy="6858000"/>
-          </a:xfrm>
-          <a:prstGeom prst="rect">
-            <a:avLst/>
-          </a:prstGeom>
-        </p:spPr>
-      </p:pic>
-      <p:sp>
-        <p:nvSpPr>
-          <p:cNvPr id="2" name="TextBox 1">
-            <a:extLst>
-              <a:ext uri="{FF2B5EF4-FFF2-40B4-BE49-F238E27FC236}">
-                <a16:creationId xmlns:a16="http://schemas.microsoft.com/office/drawing/2014/main" id="{CC9A4175-C16C-4A12-8528-47CB7CD5ADB4}"/>
-              </a:ext>
-            </a:extLst>
-          </p:cNvPr>
-          <p:cNvSpPr txBox="1"/>
-          <p:nvPr/>
-        </p:nvSpPr>
-        <p:spPr>
-          <a:xfrm>
-            <a:off x="9215989" y="713471"/>
-            <a:ext cx="1281376" cy="369332"/>
-          </a:xfrm>
-          <a:prstGeom prst="rect">
-            <a:avLst/>
-          </a:prstGeom>
-          <a:solidFill>
-            <a:schemeClr val="accent6">
-              <a:lumMod val="20000"/>
-              <a:lumOff val="80000"/>
-            </a:schemeClr>
-          </a:solidFill>
-        </p:spPr>
-        <p:txBody>
-          <a:bodyPr wrap="none" rtlCol="0">
-            <a:spAutoFit/>
-          </a:bodyPr>
-          <a:lstStyle/>
-          <a:p>
-            <a:r>
-              <a:rPr lang="en-US" dirty="0"/>
-              <a:t>Teams form</a:t>
-            </a:r>
-          </a:p>
-        </p:txBody>
-      </p:sp>
-      <p:cxnSp>
-        <p:nvCxnSpPr>
-          <p:cNvPr id="5" name="Straight Arrow Connector 4">
-            <a:extLst>
-              <a:ext uri="{FF2B5EF4-FFF2-40B4-BE49-F238E27FC236}">
-                <a16:creationId xmlns:a16="http://schemas.microsoft.com/office/drawing/2014/main" id="{8273C006-C712-418E-B384-8F8227970C70}"/>
-              </a:ext>
-            </a:extLst>
-          </p:cNvPr>
-          <p:cNvCxnSpPr/>
-          <p:nvPr/>
-        </p:nvCxnSpPr>
-        <p:spPr>
-          <a:xfrm flipH="1">
-            <a:off x="6690903" y="1015475"/>
-            <a:ext cx="2583809" cy="381251"/>
-          </a:xfrm>
-          <a:prstGeom prst="straightConnector1">
-            <a:avLst/>
-          </a:prstGeom>
-          <a:ln>
-            <a:tailEnd type="triangle"/>
-          </a:ln>
-        </p:spPr>
-        <p:style>
-          <a:lnRef idx="1">
-            <a:schemeClr val="accent1"/>
-          </a:lnRef>
-          <a:fillRef idx="0">
-            <a:schemeClr val="accent1"/>
-          </a:fillRef>
-          <a:effectRef idx="0">
-            <a:schemeClr val="accent1"/>
-          </a:effectRef>
-          <a:fontRef idx="minor">
-            <a:schemeClr val="tx1"/>
-          </a:fontRef>
-        </p:style>
-      </p:cxnSp>
-      <p:sp>
-        <p:nvSpPr>
-          <p:cNvPr id="7" name="TextBox 6">
-            <a:extLst>
-              <a:ext uri="{FF2B5EF4-FFF2-40B4-BE49-F238E27FC236}">
-                <a16:creationId xmlns:a16="http://schemas.microsoft.com/office/drawing/2014/main" id="{1DF01003-5B93-4C01-BC70-5B16B4BA072C}"/>
-              </a:ext>
-            </a:extLst>
-          </p:cNvPr>
-          <p:cNvSpPr txBox="1"/>
-          <p:nvPr/>
-        </p:nvSpPr>
-        <p:spPr>
-          <a:xfrm>
-            <a:off x="9215989" y="1698730"/>
-            <a:ext cx="2246384" cy="369332"/>
-          </a:xfrm>
-          <a:prstGeom prst="rect">
-            <a:avLst/>
-          </a:prstGeom>
-          <a:solidFill>
-            <a:schemeClr val="accent6">
-              <a:lumMod val="20000"/>
-              <a:lumOff val="80000"/>
-            </a:schemeClr>
-          </a:solidFill>
-        </p:spPr>
-        <p:txBody>
-          <a:bodyPr wrap="none" rtlCol="0">
-            <a:spAutoFit/>
-          </a:bodyPr>
-          <a:lstStyle/>
-          <a:p>
-            <a:r>
-              <a:rPr lang="en-US" dirty="0"/>
-              <a:t>Prototypes developed</a:t>
-            </a:r>
-          </a:p>
-        </p:txBody>
-      </p:sp>
-      <p:cxnSp>
-        <p:nvCxnSpPr>
-          <p:cNvPr id="8" name="Straight Arrow Connector 7">
-            <a:extLst>
-              <a:ext uri="{FF2B5EF4-FFF2-40B4-BE49-F238E27FC236}">
-                <a16:creationId xmlns:a16="http://schemas.microsoft.com/office/drawing/2014/main" id="{971918DD-C558-49C0-912C-269B6AB78257}"/>
-              </a:ext>
-            </a:extLst>
-          </p:cNvPr>
-          <p:cNvCxnSpPr>
-            <a:cxnSpLocks/>
-          </p:cNvCxnSpPr>
-          <p:nvPr/>
-        </p:nvCxnSpPr>
-        <p:spPr>
-          <a:xfrm flipH="1">
-            <a:off x="6678322" y="1797649"/>
-            <a:ext cx="2537668" cy="572417"/>
-          </a:xfrm>
-          <a:prstGeom prst="straightConnector1">
-            <a:avLst/>
-          </a:prstGeom>
-          <a:ln>
-            <a:tailEnd type="triangle"/>
-          </a:ln>
-        </p:spPr>
-        <p:style>
-          <a:lnRef idx="1">
-            <a:schemeClr val="accent1"/>
-          </a:lnRef>
-          <a:fillRef idx="0">
-            <a:schemeClr val="accent1"/>
-          </a:fillRef>
-          <a:effectRef idx="0">
-            <a:schemeClr val="accent1"/>
-          </a:effectRef>
-          <a:fontRef idx="minor">
-            <a:schemeClr val="tx1"/>
-          </a:fontRef>
-        </p:style>
-      </p:cxnSp>
-      <p:sp>
-        <p:nvSpPr>
-          <p:cNvPr id="10" name="TextBox 9">
-            <a:extLst>
-              <a:ext uri="{FF2B5EF4-FFF2-40B4-BE49-F238E27FC236}">
-                <a16:creationId xmlns:a16="http://schemas.microsoft.com/office/drawing/2014/main" id="{5C4A4E3A-03E2-4E0E-BB84-5375B2886CCE}"/>
-              </a:ext>
-            </a:extLst>
-          </p:cNvPr>
-          <p:cNvSpPr txBox="1"/>
-          <p:nvPr/>
-        </p:nvSpPr>
-        <p:spPr>
-          <a:xfrm>
-            <a:off x="9463677" y="2227110"/>
-            <a:ext cx="1362040" cy="369332"/>
-          </a:xfrm>
-          <a:prstGeom prst="rect">
-            <a:avLst/>
-          </a:prstGeom>
-          <a:solidFill>
-            <a:schemeClr val="accent6">
-              <a:lumMod val="20000"/>
-              <a:lumOff val="80000"/>
-            </a:schemeClr>
-          </a:solidFill>
-        </p:spPr>
-        <p:txBody>
-          <a:bodyPr wrap="none" rtlCol="0">
-            <a:spAutoFit/>
-          </a:bodyPr>
-          <a:lstStyle/>
-          <a:p>
-            <a:r>
-              <a:rPr lang="en-US" dirty="0"/>
-              <a:t>Release Plan</a:t>
-            </a:r>
-          </a:p>
-        </p:txBody>
-      </p:sp>
-      <p:cxnSp>
-        <p:nvCxnSpPr>
-          <p:cNvPr id="11" name="Straight Arrow Connector 10">
-            <a:extLst>
-              <a:ext uri="{FF2B5EF4-FFF2-40B4-BE49-F238E27FC236}">
-                <a16:creationId xmlns:a16="http://schemas.microsoft.com/office/drawing/2014/main" id="{73811C20-BACF-4F6F-ADC4-0D59BFBA2972}"/>
-              </a:ext>
-            </a:extLst>
-          </p:cNvPr>
-          <p:cNvCxnSpPr>
-            <a:cxnSpLocks/>
-          </p:cNvCxnSpPr>
-          <p:nvPr/>
-        </p:nvCxnSpPr>
-        <p:spPr>
-          <a:xfrm flipH="1">
-            <a:off x="6870068" y="2326029"/>
-            <a:ext cx="2593610" cy="740838"/>
-          </a:xfrm>
-          <a:prstGeom prst="straightConnector1">
-            <a:avLst/>
-          </a:prstGeom>
-          <a:ln>
-            <a:tailEnd type="triangle"/>
-          </a:ln>
-        </p:spPr>
-        <p:style>
-          <a:lnRef idx="1">
-            <a:schemeClr val="accent1"/>
-          </a:lnRef>
-          <a:fillRef idx="0">
-            <a:schemeClr val="accent1"/>
-          </a:fillRef>
-          <a:effectRef idx="0">
-            <a:schemeClr val="accent1"/>
-          </a:effectRef>
-          <a:fontRef idx="minor">
-            <a:schemeClr val="tx1"/>
-          </a:fontRef>
-        </p:style>
-      </p:cxnSp>
-      <p:sp>
-        <p:nvSpPr>
-          <p:cNvPr id="13" name="TextBox 12">
-            <a:extLst>
-              <a:ext uri="{FF2B5EF4-FFF2-40B4-BE49-F238E27FC236}">
-                <a16:creationId xmlns:a16="http://schemas.microsoft.com/office/drawing/2014/main" id="{3B8E8355-2D91-428F-A544-82494085F6E3}"/>
-              </a:ext>
-            </a:extLst>
-          </p:cNvPr>
-          <p:cNvSpPr txBox="1"/>
-          <p:nvPr/>
-        </p:nvSpPr>
-        <p:spPr>
-          <a:xfrm>
-            <a:off x="9655424" y="3009709"/>
-            <a:ext cx="1362040" cy="369332"/>
-          </a:xfrm>
-          <a:prstGeom prst="rect">
-            <a:avLst/>
-          </a:prstGeom>
-          <a:solidFill>
-            <a:schemeClr val="accent6">
-              <a:lumMod val="20000"/>
-              <a:lumOff val="80000"/>
-            </a:schemeClr>
-          </a:solidFill>
-        </p:spPr>
-        <p:txBody>
-          <a:bodyPr wrap="square" rtlCol="0">
-            <a:spAutoFit/>
-          </a:bodyPr>
-          <a:lstStyle/>
-          <a:p>
-            <a:r>
-              <a:rPr lang="en-US" dirty="0"/>
-              <a:t>Sprints Start</a:t>
-            </a:r>
-          </a:p>
-        </p:txBody>
-      </p:sp>
-      <p:cxnSp>
-        <p:nvCxnSpPr>
-          <p:cNvPr id="14" name="Straight Arrow Connector 13">
-            <a:extLst>
-              <a:ext uri="{FF2B5EF4-FFF2-40B4-BE49-F238E27FC236}">
-                <a16:creationId xmlns:a16="http://schemas.microsoft.com/office/drawing/2014/main" id="{8390EDE9-5AE1-4E50-AD11-1BEEFF8BCC8B}"/>
-              </a:ext>
-            </a:extLst>
-          </p:cNvPr>
-          <p:cNvCxnSpPr>
-            <a:cxnSpLocks/>
-          </p:cNvCxnSpPr>
-          <p:nvPr/>
-        </p:nvCxnSpPr>
-        <p:spPr>
-          <a:xfrm flipH="1">
-            <a:off x="7061815" y="3108628"/>
-            <a:ext cx="2593610" cy="345836"/>
-          </a:xfrm>
-          <a:prstGeom prst="straightConnector1">
-            <a:avLst/>
-          </a:prstGeom>
-          <a:ln>
-            <a:tailEnd type="triangle"/>
-          </a:ln>
-        </p:spPr>
-        <p:style>
-          <a:lnRef idx="1">
-            <a:schemeClr val="accent1"/>
-          </a:lnRef>
-          <a:fillRef idx="0">
-            <a:schemeClr val="accent1"/>
-          </a:fillRef>
-          <a:effectRef idx="0">
-            <a:schemeClr val="accent1"/>
-          </a:effectRef>
-          <a:fontRef idx="minor">
-            <a:schemeClr val="tx1"/>
-          </a:fontRef>
-        </p:style>
-      </p:cxnSp>
-      <p:sp>
-        <p:nvSpPr>
-          <p:cNvPr id="20" name="TextBox 19">
-            <a:extLst>
-              <a:ext uri="{FF2B5EF4-FFF2-40B4-BE49-F238E27FC236}">
-                <a16:creationId xmlns:a16="http://schemas.microsoft.com/office/drawing/2014/main" id="{628EC2CF-970F-437D-A033-8CDFBD05FAD9}"/>
-              </a:ext>
-            </a:extLst>
-          </p:cNvPr>
-          <p:cNvSpPr txBox="1"/>
-          <p:nvPr/>
-        </p:nvSpPr>
-        <p:spPr>
-          <a:xfrm>
-            <a:off x="9135325" y="5842525"/>
-            <a:ext cx="1690392" cy="646331"/>
-          </a:xfrm>
-          <a:prstGeom prst="rect">
-            <a:avLst/>
-          </a:prstGeom>
-          <a:solidFill>
-            <a:schemeClr val="accent6">
-              <a:lumMod val="20000"/>
-              <a:lumOff val="80000"/>
-            </a:schemeClr>
-          </a:solidFill>
-        </p:spPr>
-        <p:txBody>
-          <a:bodyPr wrap="square" rtlCol="0">
-            <a:spAutoFit/>
-          </a:bodyPr>
-          <a:lstStyle/>
-          <a:p>
-            <a:r>
-              <a:rPr lang="en-US" dirty="0"/>
-              <a:t>Final Presentations</a:t>
-            </a:r>
-          </a:p>
-        </p:txBody>
-      </p:sp>
-      <p:cxnSp>
-        <p:nvCxnSpPr>
-          <p:cNvPr id="21" name="Straight Arrow Connector 20">
-            <a:extLst>
-              <a:ext uri="{FF2B5EF4-FFF2-40B4-BE49-F238E27FC236}">
-                <a16:creationId xmlns:a16="http://schemas.microsoft.com/office/drawing/2014/main" id="{9BC70191-D5F6-4D32-AE5D-1F1B5B749B04}"/>
-              </a:ext>
-            </a:extLst>
-          </p:cNvPr>
-          <p:cNvCxnSpPr>
-            <a:cxnSpLocks/>
-          </p:cNvCxnSpPr>
-          <p:nvPr/>
-        </p:nvCxnSpPr>
-        <p:spPr>
-          <a:xfrm flipH="1">
-            <a:off x="6541716" y="5941444"/>
-            <a:ext cx="2593610" cy="345836"/>
-          </a:xfrm>
-          <a:prstGeom prst="straightConnector1">
-            <a:avLst/>
-          </a:prstGeom>
-          <a:ln>
-            <a:tailEnd type="triangle"/>
-          </a:ln>
-        </p:spPr>
-        <p:style>
-          <a:lnRef idx="1">
-            <a:schemeClr val="accent1"/>
-          </a:lnRef>
-          <a:fillRef idx="0">
-            <a:schemeClr val="accent1"/>
-          </a:fillRef>
-          <a:effectRef idx="0">
-            <a:schemeClr val="accent1"/>
-          </a:effectRef>
-          <a:fontRef idx="minor">
-            <a:schemeClr val="tx1"/>
-          </a:fontRef>
-        </p:style>
-      </p:cxnSp>
-      <p:sp>
-        <p:nvSpPr>
-          <p:cNvPr id="22" name="TextBox 21">
-            <a:extLst>
-              <a:ext uri="{FF2B5EF4-FFF2-40B4-BE49-F238E27FC236}">
-                <a16:creationId xmlns:a16="http://schemas.microsoft.com/office/drawing/2014/main" id="{2FAC74A4-C5B1-44A2-BA70-6CDDA940A45A}"/>
-              </a:ext>
-            </a:extLst>
-          </p:cNvPr>
-          <p:cNvSpPr txBox="1"/>
-          <p:nvPr/>
-        </p:nvSpPr>
-        <p:spPr>
-          <a:xfrm>
-            <a:off x="9567129" y="3802844"/>
-            <a:ext cx="1362040" cy="369332"/>
-          </a:xfrm>
-          <a:prstGeom prst="rect">
-            <a:avLst/>
-          </a:prstGeom>
-          <a:solidFill>
-            <a:schemeClr val="accent6">
-              <a:lumMod val="20000"/>
-              <a:lumOff val="80000"/>
-            </a:schemeClr>
-          </a:solidFill>
-        </p:spPr>
-        <p:txBody>
-          <a:bodyPr wrap="square" rtlCol="0">
-            <a:spAutoFit/>
-          </a:bodyPr>
-          <a:lstStyle/>
-          <a:p>
-            <a:r>
-              <a:rPr lang="en-US" dirty="0"/>
-              <a:t>Status 1 </a:t>
-            </a:r>
-          </a:p>
-        </p:txBody>
-      </p:sp>
-      <p:sp>
-        <p:nvSpPr>
-          <p:cNvPr id="23" name="TextBox 22">
-            <a:extLst>
-              <a:ext uri="{FF2B5EF4-FFF2-40B4-BE49-F238E27FC236}">
-                <a16:creationId xmlns:a16="http://schemas.microsoft.com/office/drawing/2014/main" id="{C8ADBD13-8546-40CE-B0F2-0FF0F953A421}"/>
-              </a:ext>
-            </a:extLst>
-          </p:cNvPr>
-          <p:cNvSpPr txBox="1"/>
-          <p:nvPr/>
-        </p:nvSpPr>
-        <p:spPr>
-          <a:xfrm>
-            <a:off x="9630811" y="4437865"/>
-            <a:ext cx="1362040" cy="369332"/>
-          </a:xfrm>
-          <a:prstGeom prst="rect">
-            <a:avLst/>
-          </a:prstGeom>
-          <a:solidFill>
-            <a:schemeClr val="accent6">
-              <a:lumMod val="20000"/>
-              <a:lumOff val="80000"/>
-            </a:schemeClr>
-          </a:solidFill>
-        </p:spPr>
-        <p:txBody>
-          <a:bodyPr wrap="square" rtlCol="0">
-            <a:spAutoFit/>
-          </a:bodyPr>
-          <a:lstStyle/>
-          <a:p>
-            <a:r>
-              <a:rPr lang="en-US" dirty="0"/>
-              <a:t>Status 2 </a:t>
-            </a:r>
-          </a:p>
-        </p:txBody>
-      </p:sp>
-      <p:cxnSp>
-        <p:nvCxnSpPr>
-          <p:cNvPr id="24" name="Straight Arrow Connector 23">
-            <a:extLst>
-              <a:ext uri="{FF2B5EF4-FFF2-40B4-BE49-F238E27FC236}">
-                <a16:creationId xmlns:a16="http://schemas.microsoft.com/office/drawing/2014/main" id="{45F91292-B57E-41BF-9190-E05DAD39C881}"/>
-              </a:ext>
-            </a:extLst>
-          </p:cNvPr>
-          <p:cNvCxnSpPr>
-            <a:cxnSpLocks/>
-          </p:cNvCxnSpPr>
-          <p:nvPr/>
-        </p:nvCxnSpPr>
-        <p:spPr>
-          <a:xfrm flipH="1">
-            <a:off x="7037201" y="4010903"/>
-            <a:ext cx="2593610" cy="345836"/>
-          </a:xfrm>
-          <a:prstGeom prst="straightConnector1">
-            <a:avLst/>
-          </a:prstGeom>
-          <a:ln>
-            <a:tailEnd type="triangle"/>
-          </a:ln>
-        </p:spPr>
-        <p:style>
-          <a:lnRef idx="1">
-            <a:schemeClr val="accent1"/>
-          </a:lnRef>
-          <a:fillRef idx="0">
-            <a:schemeClr val="accent1"/>
-          </a:fillRef>
-          <a:effectRef idx="0">
-            <a:schemeClr val="accent1"/>
-          </a:effectRef>
-          <a:fontRef idx="minor">
-            <a:schemeClr val="tx1"/>
-          </a:fontRef>
-        </p:style>
-      </p:cxnSp>
-      <p:cxnSp>
-        <p:nvCxnSpPr>
-          <p:cNvPr id="25" name="Straight Arrow Connector 24">
-            <a:extLst>
-              <a:ext uri="{FF2B5EF4-FFF2-40B4-BE49-F238E27FC236}">
-                <a16:creationId xmlns:a16="http://schemas.microsoft.com/office/drawing/2014/main" id="{2BDC1937-3BAB-4D48-9298-F410692C2DB0}"/>
-              </a:ext>
-            </a:extLst>
-          </p:cNvPr>
-          <p:cNvCxnSpPr>
-            <a:cxnSpLocks/>
-          </p:cNvCxnSpPr>
-          <p:nvPr/>
-        </p:nvCxnSpPr>
-        <p:spPr>
-          <a:xfrm flipH="1">
-            <a:off x="7061815" y="4601551"/>
-            <a:ext cx="2593610" cy="345836"/>
-          </a:xfrm>
-          <a:prstGeom prst="straightConnector1">
-            <a:avLst/>
-          </a:prstGeom>
-          <a:ln>
-            <a:tailEnd type="triangle"/>
-          </a:ln>
-        </p:spPr>
-        <p:style>
-          <a:lnRef idx="1">
-            <a:schemeClr val="accent1"/>
-          </a:lnRef>
-          <a:fillRef idx="0">
-            <a:schemeClr val="accent1"/>
-          </a:fillRef>
-          <a:effectRef idx="0">
-            <a:schemeClr val="accent1"/>
-          </a:effectRef>
-          <a:fontRef idx="minor">
-            <a:schemeClr val="tx1"/>
-          </a:fontRef>
-        </p:style>
-      </p:cxnSp>
-      <p:sp>
-        <p:nvSpPr>
-          <p:cNvPr id="26" name="TextBox 25">
-            <a:extLst>
-              <a:ext uri="{FF2B5EF4-FFF2-40B4-BE49-F238E27FC236}">
-                <a16:creationId xmlns:a16="http://schemas.microsoft.com/office/drawing/2014/main" id="{90561B65-7E71-4CA7-B620-DD8E821EC40F}"/>
-              </a:ext>
-            </a:extLst>
-          </p:cNvPr>
-          <p:cNvSpPr txBox="1"/>
-          <p:nvPr/>
-        </p:nvSpPr>
-        <p:spPr>
-          <a:xfrm>
-            <a:off x="9613499" y="4906825"/>
-            <a:ext cx="1362040" cy="369332"/>
-          </a:xfrm>
-          <a:prstGeom prst="rect">
-            <a:avLst/>
-          </a:prstGeom>
-          <a:solidFill>
-            <a:schemeClr val="accent6">
-              <a:lumMod val="20000"/>
-              <a:lumOff val="80000"/>
-            </a:schemeClr>
-          </a:solidFill>
-        </p:spPr>
-        <p:txBody>
-          <a:bodyPr wrap="square" rtlCol="0">
-            <a:spAutoFit/>
-          </a:bodyPr>
-          <a:lstStyle/>
-          <a:p>
-            <a:r>
-              <a:rPr lang="en-US" dirty="0"/>
-              <a:t>Status 3 </a:t>
-            </a:r>
-          </a:p>
-        </p:txBody>
-      </p:sp>
-      <p:cxnSp>
-        <p:nvCxnSpPr>
-          <p:cNvPr id="27" name="Straight Arrow Connector 26">
-            <a:extLst>
-              <a:ext uri="{FF2B5EF4-FFF2-40B4-BE49-F238E27FC236}">
-                <a16:creationId xmlns:a16="http://schemas.microsoft.com/office/drawing/2014/main" id="{97D6DEB3-0A67-4C42-A4FE-ACA4ECF00D25}"/>
-              </a:ext>
-            </a:extLst>
-          </p:cNvPr>
-          <p:cNvCxnSpPr>
-            <a:cxnSpLocks/>
-            <a:stCxn id="26" idx="1"/>
-          </p:cNvCxnSpPr>
-          <p:nvPr/>
-        </p:nvCxnSpPr>
-        <p:spPr>
-          <a:xfrm flipH="1">
-            <a:off x="7196461" y="5091491"/>
-            <a:ext cx="2417038" cy="385652"/>
-          </a:xfrm>
-          <a:prstGeom prst="straightConnector1">
-            <a:avLst/>
-          </a:prstGeom>
-          <a:ln>
-            <a:tailEnd type="triangle"/>
-          </a:ln>
-        </p:spPr>
-        <p:style>
-          <a:lnRef idx="1">
-            <a:schemeClr val="accent1"/>
-          </a:lnRef>
-          <a:fillRef idx="0">
-            <a:schemeClr val="accent1"/>
-          </a:fillRef>
-          <a:effectRef idx="0">
-            <a:schemeClr val="accent1"/>
-          </a:effectRef>
-          <a:fontRef idx="minor">
-            <a:schemeClr val="tx1"/>
-          </a:fontRef>
-        </p:style>
-      </p:cxnSp>
-      <p:sp>
-        <p:nvSpPr>
-          <p:cNvPr id="29" name="TextBox 28">
-            <a:extLst>
-              <a:ext uri="{FF2B5EF4-FFF2-40B4-BE49-F238E27FC236}">
-                <a16:creationId xmlns:a16="http://schemas.microsoft.com/office/drawing/2014/main" id="{17AFE462-662D-4D4A-A0EF-DE381959ACCF}"/>
-              </a:ext>
-            </a:extLst>
-          </p:cNvPr>
-          <p:cNvSpPr txBox="1"/>
-          <p:nvPr/>
-        </p:nvSpPr>
-        <p:spPr>
-          <a:xfrm>
-            <a:off x="9654964" y="5329089"/>
-            <a:ext cx="1362040" cy="369332"/>
-          </a:xfrm>
-          <a:prstGeom prst="rect">
-            <a:avLst/>
-          </a:prstGeom>
-          <a:solidFill>
-            <a:schemeClr val="accent6">
-              <a:lumMod val="20000"/>
-              <a:lumOff val="80000"/>
-            </a:schemeClr>
-          </a:solidFill>
-        </p:spPr>
-        <p:txBody>
-          <a:bodyPr wrap="square" rtlCol="0">
-            <a:spAutoFit/>
-          </a:bodyPr>
-          <a:lstStyle/>
-          <a:p>
-            <a:r>
-              <a:rPr lang="en-US" dirty="0"/>
-              <a:t>Team Evals</a:t>
-            </a:r>
-          </a:p>
-        </p:txBody>
-      </p:sp>
-      <p:cxnSp>
-        <p:nvCxnSpPr>
-          <p:cNvPr id="30" name="Straight Arrow Connector 29">
-            <a:extLst>
-              <a:ext uri="{FF2B5EF4-FFF2-40B4-BE49-F238E27FC236}">
-                <a16:creationId xmlns:a16="http://schemas.microsoft.com/office/drawing/2014/main" id="{85324C7D-60CC-4E77-AF92-BA0E7331D22E}"/>
-              </a:ext>
-            </a:extLst>
-          </p:cNvPr>
-          <p:cNvCxnSpPr>
-            <a:cxnSpLocks/>
-          </p:cNvCxnSpPr>
-          <p:nvPr/>
-        </p:nvCxnSpPr>
-        <p:spPr>
-          <a:xfrm flipH="1">
-            <a:off x="7238056" y="5505595"/>
-            <a:ext cx="2417038" cy="385652"/>
-          </a:xfrm>
-          <a:prstGeom prst="straightConnector1">
-            <a:avLst/>
-          </a:prstGeom>
-          <a:ln>
-            <a:tailEnd type="triangle"/>
-          </a:ln>
-        </p:spPr>
-        <p:style>
-          <a:lnRef idx="1">
-            <a:schemeClr val="accent1"/>
-          </a:lnRef>
-          <a:fillRef idx="0">
-            <a:schemeClr val="accent1"/>
-          </a:fillRef>
-          <a:effectRef idx="0">
-            <a:schemeClr val="accent1"/>
-          </a:effectRef>
-          <a:fontRef idx="minor">
-            <a:schemeClr val="tx1"/>
-          </a:fontRef>
-        </p:style>
-      </p:cxnSp>
-    </p:spTree>
-    <p:extLst>
-      <p:ext uri="{BB962C8B-B14F-4D97-AF65-F5344CB8AC3E}">
-        <p14:creationId xmlns:p14="http://schemas.microsoft.com/office/powerpoint/2010/main" val="2141980905"/>
-      </p:ext>
-    </p:extLst>
-  </p:cSld>
-  <p:clrMapOvr>
-    <a:masterClrMapping/>
-  </p:clrMapOvr>
-</p:sld>
-</file>
-
-<file path=ppt/slides/slide9.xml><?xml version="1.0" encoding="utf-8"?>
-<p:sld xmlns:a="http://schemas.openxmlformats.org/drawingml/2006/main" xmlns:r="http://schemas.openxmlformats.org/officeDocument/2006/relationships" xmlns:p="http://schemas.openxmlformats.org/presentationml/2006/main">
-  <p:cSld>
-    <p:spTree>
-      <p:nvGrpSpPr>
-        <p:cNvPr id="1" name=""/>
-        <p:cNvGrpSpPr/>
-        <p:nvPr/>
-      </p:nvGrpSpPr>
-      <p:grpSpPr>
-        <a:xfrm>
-          <a:off x="0" y="0"/>
-          <a:ext cx="0" cy="0"/>
-          <a:chOff x="0" y="0"/>
-          <a:chExt cx="0" cy="0"/>
-        </a:xfrm>
-      </p:grpSpPr>
-      <p:sp>
-        <p:nvSpPr>
-          <p:cNvPr id="2" name="Title 1">
-            <a:extLst>
-              <a:ext uri="{FF2B5EF4-FFF2-40B4-BE49-F238E27FC236}">
-                <a16:creationId xmlns:a16="http://schemas.microsoft.com/office/drawing/2014/main" id="{1F58AC58-6BEC-4FB9-97AA-9EEF08752DF8}"/>
-              </a:ext>
-            </a:extLst>
-          </p:cNvPr>
-          <p:cNvSpPr>
-            <a:spLocks noGrp="1"/>
-          </p:cNvSpPr>
-          <p:nvPr>
-            <p:ph type="title"/>
-          </p:nvPr>
-        </p:nvSpPr>
-        <p:spPr/>
-        <p:txBody>
-          <a:bodyPr/>
-          <a:lstStyle/>
-          <a:p>
-            <a:r>
-              <a:rPr lang="en-US" dirty="0"/>
-              <a:t>How your grade is determined – 15% In class work, quizzes and course notes</a:t>
-            </a:r>
-          </a:p>
-        </p:txBody>
-      </p:sp>
-      <p:sp>
-        <p:nvSpPr>
-          <p:cNvPr id="3" name="Content Placeholder 2">
-            <a:extLst>
-              <a:ext uri="{FF2B5EF4-FFF2-40B4-BE49-F238E27FC236}">
-                <a16:creationId xmlns:a16="http://schemas.microsoft.com/office/drawing/2014/main" id="{39DF62A9-72A9-4DF6-B15B-F1007D432967}"/>
-              </a:ext>
-            </a:extLst>
-          </p:cNvPr>
-          <p:cNvSpPr>
-            <a:spLocks noGrp="1"/>
-          </p:cNvSpPr>
-          <p:nvPr>
-            <p:ph idx="1"/>
-          </p:nvPr>
-        </p:nvSpPr>
-        <p:spPr>
-          <a:xfrm>
-            <a:off x="838200" y="1825625"/>
-            <a:ext cx="10515600" cy="4351338"/>
-          </a:xfrm>
-        </p:spPr>
-        <p:txBody>
-          <a:bodyPr/>
-          <a:lstStyle/>
-          <a:p>
-            <a:r>
-              <a:rPr lang="en-US" dirty="0"/>
-              <a:t>In class work … small little assignments that help you practice. </a:t>
-            </a:r>
-          </a:p>
-        </p:txBody>
-      </p:sp>
-      <p:pic>
-        <p:nvPicPr>
-          <p:cNvPr id="7" name="Picture 6">
-            <a:extLst>
-              <a:ext uri="{FF2B5EF4-FFF2-40B4-BE49-F238E27FC236}">
-                <a16:creationId xmlns:a16="http://schemas.microsoft.com/office/drawing/2014/main" id="{AE9D3BB2-4CC6-45F6-91CE-46D682DFCE68}"/>
-              </a:ext>
-            </a:extLst>
-          </p:cNvPr>
-          <p:cNvPicPr>
-            <a:picLocks noChangeAspect="1"/>
-          </p:cNvPicPr>
-          <p:nvPr/>
-        </p:nvPicPr>
-        <p:blipFill>
-          <a:blip r:embed="rId2"/>
-          <a:stretch>
-            <a:fillRect/>
-          </a:stretch>
-        </p:blipFill>
-        <p:spPr>
-          <a:xfrm>
-            <a:off x="1550302" y="2571662"/>
-            <a:ext cx="1809750" cy="581025"/>
-          </a:xfrm>
-          <a:prstGeom prst="rect">
-            <a:avLst/>
-          </a:prstGeom>
-        </p:spPr>
-      </p:pic>
-      <p:pic>
-        <p:nvPicPr>
-          <p:cNvPr id="9" name="Picture 8">
-            <a:extLst>
-              <a:ext uri="{FF2B5EF4-FFF2-40B4-BE49-F238E27FC236}">
-                <a16:creationId xmlns:a16="http://schemas.microsoft.com/office/drawing/2014/main" id="{896C167C-BFDA-45F7-9A2F-9FB5A8ADCD95}"/>
-              </a:ext>
-            </a:extLst>
-          </p:cNvPr>
-          <p:cNvPicPr>
-            <a:picLocks noChangeAspect="1"/>
-          </p:cNvPicPr>
-          <p:nvPr/>
-        </p:nvPicPr>
-        <p:blipFill>
-          <a:blip r:embed="rId3"/>
-          <a:stretch>
-            <a:fillRect/>
-          </a:stretch>
-        </p:blipFill>
-        <p:spPr>
-          <a:xfrm>
-            <a:off x="1914787" y="4229996"/>
-            <a:ext cx="4038600" cy="266700"/>
-          </a:xfrm>
-          <a:prstGeom prst="rect">
-            <a:avLst/>
-          </a:prstGeom>
-        </p:spPr>
-      </p:pic>
-      <p:pic>
-        <p:nvPicPr>
-          <p:cNvPr id="11" name="Picture 10">
-            <a:extLst>
-              <a:ext uri="{FF2B5EF4-FFF2-40B4-BE49-F238E27FC236}">
-                <a16:creationId xmlns:a16="http://schemas.microsoft.com/office/drawing/2014/main" id="{AB6E8FDB-0B44-4734-8BA8-92E324F35575}"/>
-              </a:ext>
-            </a:extLst>
-          </p:cNvPr>
-          <p:cNvPicPr>
-            <a:picLocks noChangeAspect="1"/>
-          </p:cNvPicPr>
-          <p:nvPr/>
-        </p:nvPicPr>
-        <p:blipFill>
-          <a:blip r:embed="rId4"/>
-          <a:stretch>
-            <a:fillRect/>
-          </a:stretch>
-        </p:blipFill>
-        <p:spPr>
-          <a:xfrm>
-            <a:off x="3360052" y="4806905"/>
-            <a:ext cx="4305300" cy="304800"/>
-          </a:xfrm>
-          <a:prstGeom prst="rect">
-            <a:avLst/>
-          </a:prstGeom>
-        </p:spPr>
-      </p:pic>
-      <p:pic>
-        <p:nvPicPr>
-          <p:cNvPr id="13" name="Picture 12">
-            <a:extLst>
-              <a:ext uri="{FF2B5EF4-FFF2-40B4-BE49-F238E27FC236}">
-                <a16:creationId xmlns:a16="http://schemas.microsoft.com/office/drawing/2014/main" id="{B218137C-C5D4-4698-A4B1-1EF11B5E4C26}"/>
-              </a:ext>
-            </a:extLst>
-          </p:cNvPr>
-          <p:cNvPicPr>
-            <a:picLocks noChangeAspect="1"/>
-          </p:cNvPicPr>
-          <p:nvPr/>
-        </p:nvPicPr>
-        <p:blipFill>
-          <a:blip r:embed="rId5"/>
-          <a:stretch>
-            <a:fillRect/>
-          </a:stretch>
-        </p:blipFill>
-        <p:spPr>
-          <a:xfrm>
-            <a:off x="2771775" y="3479843"/>
-            <a:ext cx="4819650" cy="361950"/>
-          </a:xfrm>
-          <a:prstGeom prst="rect">
-            <a:avLst/>
-          </a:prstGeom>
-        </p:spPr>
-      </p:pic>
-    </p:spTree>
-    <p:extLst>
-      <p:ext uri="{BB962C8B-B14F-4D97-AF65-F5344CB8AC3E}">
-        <p14:creationId xmlns:p14="http://schemas.microsoft.com/office/powerpoint/2010/main" val="2430208932"/>
-      </p:ext>
-    </p:extLst>
-  </p:cSld>
-  <p:clrMapOvr>
-    <a:masterClrMapping/>
-  </p:clrMapOvr>
-</p:sld>
-</file>
-
 <file path=ppt/tags/tag1.xml><?xml version="1.0" encoding="utf-8"?>
 <p:tagLst xmlns:a="http://schemas.openxmlformats.org/drawingml/2006/main" xmlns:r="http://schemas.openxmlformats.org/officeDocument/2006/relationships" xmlns:p="http://schemas.openxmlformats.org/presentationml/2006/main">
   <p:tag name="__PE_HAS_URLS" val="oh hey this is notes box, due to this not being an empty string. woot."/>
